--- a/12.SSH_NFS_SAMBA/12-SSH_NFS_SAMBA.pptx
+++ b/12.SSH_NFS_SAMBA/12-SSH_NFS_SAMBA.pptx
@@ -5,7 +5,7 @@
     <p:sldMasterId id="2147483648" r:id="rId1"/>
   </p:sldMasterIdLst>
   <p:notesMasterIdLst>
-    <p:notesMasterId r:id="rId7"/>
+    <p:notesMasterId r:id="rId9"/>
   </p:notesMasterIdLst>
   <p:sldIdLst>
     <p:sldId id="284" r:id="rId2"/>
@@ -13,6 +13,8 @@
     <p:sldId id="286" r:id="rId4"/>
     <p:sldId id="287" r:id="rId5"/>
     <p:sldId id="288" r:id="rId6"/>
+    <p:sldId id="289" r:id="rId7"/>
+    <p:sldId id="290" r:id="rId8"/>
   </p:sldIdLst>
   <p:sldSz cx="9144000" cy="6858000" type="screen4x3"/>
   <p:notesSz cx="6858000" cy="9144000"/>
@@ -224,7 +226,7 @@
           <a:p>
             <a:fld id="{75861919-8521-4274-BB91-998CD62CEE44}" type="datetimeFigureOut">
               <a:rPr lang="en-US" smtClean="0"/>
-              <a:t>12/22/2016</a:t>
+              <a:t>1/2/2017</a:t>
             </a:fld>
             <a:endParaRPr lang="en-US"/>
           </a:p>
@@ -673,7 +675,7 @@
           <a:p>
             <a:fld id="{3EA744D9-3FBE-48D8-BF2A-85DF203E4D20}" type="datetimeFigureOut">
               <a:rPr lang="bg-BG" smtClean="0"/>
-              <a:t>22.12.2016 г.</a:t>
+              <a:t>2.1.2017 г.</a:t>
             </a:fld>
             <a:endParaRPr lang="bg-BG"/>
           </a:p>
@@ -843,7 +845,7 @@
           <a:p>
             <a:fld id="{3EA744D9-3FBE-48D8-BF2A-85DF203E4D20}" type="datetimeFigureOut">
               <a:rPr lang="bg-BG" smtClean="0"/>
-              <a:t>22.12.2016 г.</a:t>
+              <a:t>2.1.2017 г.</a:t>
             </a:fld>
             <a:endParaRPr lang="bg-BG"/>
           </a:p>
@@ -1023,7 +1025,7 @@
           <a:p>
             <a:fld id="{3EA744D9-3FBE-48D8-BF2A-85DF203E4D20}" type="datetimeFigureOut">
               <a:rPr lang="bg-BG" smtClean="0"/>
-              <a:t>22.12.2016 г.</a:t>
+              <a:t>2.1.2017 г.</a:t>
             </a:fld>
             <a:endParaRPr lang="bg-BG"/>
           </a:p>
@@ -1193,7 +1195,7 @@
           <a:p>
             <a:fld id="{3EA744D9-3FBE-48D8-BF2A-85DF203E4D20}" type="datetimeFigureOut">
               <a:rPr lang="bg-BG" smtClean="0"/>
-              <a:t>22.12.2016 г.</a:t>
+              <a:t>2.1.2017 г.</a:t>
             </a:fld>
             <a:endParaRPr lang="bg-BG"/>
           </a:p>
@@ -1439,7 +1441,7 @@
           <a:p>
             <a:fld id="{3EA744D9-3FBE-48D8-BF2A-85DF203E4D20}" type="datetimeFigureOut">
               <a:rPr lang="bg-BG" smtClean="0"/>
-              <a:t>22.12.2016 г.</a:t>
+              <a:t>2.1.2017 г.</a:t>
             </a:fld>
             <a:endParaRPr lang="bg-BG"/>
           </a:p>
@@ -1727,7 +1729,7 @@
           <a:p>
             <a:fld id="{3EA744D9-3FBE-48D8-BF2A-85DF203E4D20}" type="datetimeFigureOut">
               <a:rPr lang="bg-BG" smtClean="0"/>
-              <a:t>22.12.2016 г.</a:t>
+              <a:t>2.1.2017 г.</a:t>
             </a:fld>
             <a:endParaRPr lang="bg-BG"/>
           </a:p>
@@ -2149,7 +2151,7 @@
           <a:p>
             <a:fld id="{3EA744D9-3FBE-48D8-BF2A-85DF203E4D20}" type="datetimeFigureOut">
               <a:rPr lang="bg-BG" smtClean="0"/>
-              <a:t>22.12.2016 г.</a:t>
+              <a:t>2.1.2017 г.</a:t>
             </a:fld>
             <a:endParaRPr lang="bg-BG"/>
           </a:p>
@@ -2267,7 +2269,7 @@
           <a:p>
             <a:fld id="{3EA744D9-3FBE-48D8-BF2A-85DF203E4D20}" type="datetimeFigureOut">
               <a:rPr lang="bg-BG" smtClean="0"/>
-              <a:t>22.12.2016 г.</a:t>
+              <a:t>2.1.2017 г.</a:t>
             </a:fld>
             <a:endParaRPr lang="bg-BG"/>
           </a:p>
@@ -2362,7 +2364,7 @@
           <a:p>
             <a:fld id="{3EA744D9-3FBE-48D8-BF2A-85DF203E4D20}" type="datetimeFigureOut">
               <a:rPr lang="bg-BG" smtClean="0"/>
-              <a:t>22.12.2016 г.</a:t>
+              <a:t>2.1.2017 г.</a:t>
             </a:fld>
             <a:endParaRPr lang="bg-BG"/>
           </a:p>
@@ -2639,7 +2641,7 @@
           <a:p>
             <a:fld id="{3EA744D9-3FBE-48D8-BF2A-85DF203E4D20}" type="datetimeFigureOut">
               <a:rPr lang="bg-BG" smtClean="0"/>
-              <a:t>22.12.2016 г.</a:t>
+              <a:t>2.1.2017 г.</a:t>
             </a:fld>
             <a:endParaRPr lang="bg-BG"/>
           </a:p>
@@ -2892,7 +2894,7 @@
           <a:p>
             <a:fld id="{3EA744D9-3FBE-48D8-BF2A-85DF203E4D20}" type="datetimeFigureOut">
               <a:rPr lang="bg-BG" smtClean="0"/>
-              <a:t>22.12.2016 г.</a:t>
+              <a:t>2.1.2017 г.</a:t>
             </a:fld>
             <a:endParaRPr lang="bg-BG"/>
           </a:p>
@@ -3114,7 +3116,7 @@
           <a:p>
             <a:fld id="{3EA744D9-3FBE-48D8-BF2A-85DF203E4D20}" type="datetimeFigureOut">
               <a:rPr lang="bg-BG" smtClean="0"/>
-              <a:t>22.12.2016 г.</a:t>
+              <a:t>2.1.2017 г.</a:t>
             </a:fld>
             <a:endParaRPr lang="bg-BG"/>
           </a:p>
@@ -5967,10 +5969,412 @@
         </p:nvSpPr>
         <p:spPr/>
         <p:txBody>
-          <a:bodyPr/>
+          <a:bodyPr>
+            <a:normAutofit fontScale="90000"/>
+          </a:bodyPr>
           <a:lstStyle/>
           <a:p>
-            <a:endParaRPr lang="en-US"/>
+            <a:r>
+              <a:rPr lang="en-US" dirty="0" smtClean="0">
+                <a:solidFill>
+                  <a:schemeClr val="accent6"/>
+                </a:solidFill>
+              </a:rPr>
+              <a:t/>
+            </a:r>
+            <a:br>
+              <a:rPr lang="en-US" dirty="0" smtClean="0">
+                <a:solidFill>
+                  <a:schemeClr val="accent6"/>
+                </a:solidFill>
+              </a:rPr>
+            </a:br>
+            <a:r>
+              <a:rPr lang="en-US" dirty="0">
+                <a:solidFill>
+                  <a:schemeClr val="accent6"/>
+                </a:solidFill>
+              </a:rPr>
+              <a:t/>
+            </a:r>
+            <a:br>
+              <a:rPr lang="en-US" dirty="0">
+                <a:solidFill>
+                  <a:schemeClr val="accent6"/>
+                </a:solidFill>
+              </a:rPr>
+            </a:br>
+            <a:r>
+              <a:rPr lang="en-US" dirty="0" smtClean="0">
+                <a:solidFill>
+                  <a:schemeClr val="accent6"/>
+                </a:solidFill>
+              </a:rPr>
+              <a:t/>
+            </a:r>
+            <a:br>
+              <a:rPr lang="en-US" dirty="0" smtClean="0">
+                <a:solidFill>
+                  <a:schemeClr val="accent6"/>
+                </a:solidFill>
+              </a:rPr>
+            </a:br>
+            <a:r>
+              <a:rPr lang="en-US" dirty="0">
+                <a:solidFill>
+                  <a:schemeClr val="accent6"/>
+                </a:solidFill>
+              </a:rPr>
+              <a:t/>
+            </a:r>
+            <a:br>
+              <a:rPr lang="en-US" dirty="0">
+                <a:solidFill>
+                  <a:schemeClr val="accent6"/>
+                </a:solidFill>
+              </a:rPr>
+            </a:br>
+            <a:r>
+              <a:rPr lang="en-US" dirty="0" smtClean="0">
+                <a:solidFill>
+                  <a:schemeClr val="accent6"/>
+                </a:solidFill>
+              </a:rPr>
+              <a:t/>
+            </a:r>
+            <a:br>
+              <a:rPr lang="en-US" dirty="0" smtClean="0">
+                <a:solidFill>
+                  <a:schemeClr val="accent6"/>
+                </a:solidFill>
+              </a:rPr>
+            </a:br>
+            <a:r>
+              <a:rPr lang="en-US" dirty="0">
+                <a:solidFill>
+                  <a:schemeClr val="accent6"/>
+                </a:solidFill>
+              </a:rPr>
+              <a:t/>
+            </a:r>
+            <a:br>
+              <a:rPr lang="en-US" dirty="0">
+                <a:solidFill>
+                  <a:schemeClr val="accent6"/>
+                </a:solidFill>
+              </a:rPr>
+            </a:br>
+            <a:r>
+              <a:rPr lang="en-US" dirty="0" smtClean="0">
+                <a:solidFill>
+                  <a:schemeClr val="accent6"/>
+                </a:solidFill>
+              </a:rPr>
+              <a:t/>
+            </a:r>
+            <a:br>
+              <a:rPr lang="en-US" dirty="0" smtClean="0">
+                <a:solidFill>
+                  <a:schemeClr val="accent6"/>
+                </a:solidFill>
+              </a:rPr>
+            </a:br>
+            <a:r>
+              <a:rPr lang="en-US" dirty="0">
+                <a:solidFill>
+                  <a:schemeClr val="accent6"/>
+                </a:solidFill>
+              </a:rPr>
+              <a:t/>
+            </a:r>
+            <a:br>
+              <a:rPr lang="en-US" dirty="0">
+                <a:solidFill>
+                  <a:schemeClr val="accent6"/>
+                </a:solidFill>
+              </a:rPr>
+            </a:br>
+            <a:r>
+              <a:rPr lang="en-US" dirty="0" smtClean="0">
+                <a:solidFill>
+                  <a:schemeClr val="accent6"/>
+                </a:solidFill>
+              </a:rPr>
+              <a:t/>
+            </a:r>
+            <a:br>
+              <a:rPr lang="en-US" dirty="0" smtClean="0">
+                <a:solidFill>
+                  <a:schemeClr val="accent6"/>
+                </a:solidFill>
+              </a:rPr>
+            </a:br>
+            <a:r>
+              <a:rPr lang="en-US" dirty="0">
+                <a:solidFill>
+                  <a:schemeClr val="accent6"/>
+                </a:solidFill>
+              </a:rPr>
+              <a:t/>
+            </a:r>
+            <a:br>
+              <a:rPr lang="en-US" dirty="0">
+                <a:solidFill>
+                  <a:schemeClr val="accent6"/>
+                </a:solidFill>
+              </a:rPr>
+            </a:br>
+            <a:r>
+              <a:rPr lang="en-US" sz="2700" dirty="0" smtClean="0">
+                <a:solidFill>
+                  <a:schemeClr val="accent6"/>
+                </a:solidFill>
+              </a:rPr>
+              <a:t>Network File System(NFS) allows remote hosts to mount file systems over a network and interact with them as though they are mounted locally. </a:t>
+            </a:r>
+            <a:br>
+              <a:rPr lang="en-US" sz="2700" dirty="0" smtClean="0">
+                <a:solidFill>
+                  <a:schemeClr val="accent6"/>
+                </a:solidFill>
+              </a:rPr>
+            </a:br>
+            <a:r>
+              <a:rPr lang="en-US" sz="2700" dirty="0">
+                <a:solidFill>
+                  <a:schemeClr val="accent6"/>
+                </a:solidFill>
+              </a:rPr>
+              <a:t/>
+            </a:r>
+            <a:br>
+              <a:rPr lang="en-US" sz="2700" dirty="0">
+                <a:solidFill>
+                  <a:schemeClr val="accent6"/>
+                </a:solidFill>
+              </a:rPr>
+            </a:br>
+            <a:r>
+              <a:rPr lang="en-US" sz="2700" dirty="0" smtClean="0">
+                <a:solidFill>
+                  <a:schemeClr val="accent6"/>
+                </a:solidFill>
+              </a:rPr>
+              <a:t>A NFS server setup requires the </a:t>
+            </a:r>
+            <a:r>
+              <a:rPr lang="en-US" sz="2700" dirty="0" err="1" smtClean="0">
+                <a:solidFill>
+                  <a:schemeClr val="accent6"/>
+                </a:solidFill>
+              </a:rPr>
+              <a:t>nfs-utils</a:t>
+            </a:r>
+            <a:r>
+              <a:rPr lang="en-US" sz="2700" dirty="0" smtClean="0">
+                <a:solidFill>
+                  <a:schemeClr val="accent6"/>
+                </a:solidFill>
+              </a:rPr>
+              <a:t> package to be installed. The configuration file for the NFS server exports is the /</a:t>
+            </a:r>
+            <a:r>
+              <a:rPr lang="en-US" sz="2700" dirty="0" err="1" smtClean="0">
+                <a:solidFill>
+                  <a:schemeClr val="accent6"/>
+                </a:solidFill>
+              </a:rPr>
+              <a:t>etc</a:t>
+            </a:r>
+            <a:r>
+              <a:rPr lang="en-US" sz="2700" dirty="0" smtClean="0">
+                <a:solidFill>
+                  <a:schemeClr val="accent6"/>
+                </a:solidFill>
+              </a:rPr>
+              <a:t>/exports file.</a:t>
+            </a:r>
+            <a:br>
+              <a:rPr lang="en-US" sz="2700" dirty="0" smtClean="0">
+                <a:solidFill>
+                  <a:schemeClr val="accent6"/>
+                </a:solidFill>
+              </a:rPr>
+            </a:br>
+            <a:r>
+              <a:rPr lang="en-US" sz="2700" dirty="0">
+                <a:solidFill>
+                  <a:schemeClr val="accent6"/>
+                </a:solidFill>
+              </a:rPr>
+              <a:t/>
+            </a:r>
+            <a:br>
+              <a:rPr lang="en-US" sz="2700" dirty="0">
+                <a:solidFill>
+                  <a:schemeClr val="accent6"/>
+                </a:solidFill>
+              </a:rPr>
+            </a:br>
+            <a:r>
+              <a:rPr lang="en-US" sz="2700" dirty="0" smtClean="0">
+                <a:solidFill>
+                  <a:schemeClr val="accent6"/>
+                </a:solidFill>
+              </a:rPr>
+              <a:t>An entry in /</a:t>
+            </a:r>
+            <a:r>
+              <a:rPr lang="en-US" sz="2700" dirty="0" err="1" smtClean="0">
+                <a:solidFill>
+                  <a:schemeClr val="accent6"/>
+                </a:solidFill>
+              </a:rPr>
+              <a:t>etc</a:t>
+            </a:r>
+            <a:r>
+              <a:rPr lang="en-US" sz="2700" dirty="0" smtClean="0">
+                <a:solidFill>
+                  <a:schemeClr val="accent6"/>
+                </a:solidFill>
+              </a:rPr>
+              <a:t>/exports looks like:</a:t>
+            </a:r>
+            <a:br>
+              <a:rPr lang="en-US" sz="2700" dirty="0" smtClean="0">
+                <a:solidFill>
+                  <a:schemeClr val="accent6"/>
+                </a:solidFill>
+              </a:rPr>
+            </a:br>
+            <a:r>
+              <a:rPr lang="en-US" sz="2700" dirty="0" smtClean="0">
+                <a:solidFill>
+                  <a:schemeClr val="accent6"/>
+                </a:solidFill>
+              </a:rPr>
+              <a:t>directory machine(option1,option2) machine(option1, option2)</a:t>
+            </a:r>
+            <a:br>
+              <a:rPr lang="en-US" sz="2700" dirty="0" smtClean="0">
+                <a:solidFill>
+                  <a:schemeClr val="accent6"/>
+                </a:solidFill>
+              </a:rPr>
+            </a:br>
+            <a:r>
+              <a:rPr lang="en-US" sz="2700" dirty="0" smtClean="0">
+                <a:solidFill>
+                  <a:schemeClr val="accent6"/>
+                </a:solidFill>
+              </a:rPr>
+              <a:t/>
+            </a:r>
+            <a:br>
+              <a:rPr lang="en-US" sz="2700" dirty="0" smtClean="0">
+                <a:solidFill>
+                  <a:schemeClr val="accent6"/>
+                </a:solidFill>
+              </a:rPr>
+            </a:br>
+            <a:r>
+              <a:rPr lang="en-US" sz="2700" dirty="0" smtClean="0">
+                <a:solidFill>
+                  <a:schemeClr val="accent6"/>
+                </a:solidFill>
+              </a:rPr>
+              <a:t>/home 192.168.0.1(</a:t>
+            </a:r>
+            <a:r>
+              <a:rPr lang="en-US" sz="2700" dirty="0" err="1" smtClean="0">
+                <a:solidFill>
+                  <a:schemeClr val="accent6"/>
+                </a:solidFill>
+              </a:rPr>
+              <a:t>rw</a:t>
+            </a:r>
+            <a:r>
+              <a:rPr lang="en-US" sz="2700" dirty="0" smtClean="0">
+                <a:solidFill>
+                  <a:schemeClr val="accent6"/>
+                </a:solidFill>
+              </a:rPr>
+              <a:t>, </a:t>
+            </a:r>
+            <a:r>
+              <a:rPr lang="en-US" sz="2700" dirty="0" err="1" smtClean="0">
+                <a:solidFill>
+                  <a:schemeClr val="accent6"/>
+                </a:solidFill>
+              </a:rPr>
+              <a:t>no_root_squash</a:t>
+            </a:r>
+            <a:r>
+              <a:rPr lang="en-US" sz="2700" dirty="0" smtClean="0">
+                <a:solidFill>
+                  <a:schemeClr val="accent6"/>
+                </a:solidFill>
+              </a:rPr>
+              <a:t>) 192.168.0.2(</a:t>
+            </a:r>
+            <a:r>
+              <a:rPr lang="en-US" sz="2700" dirty="0" err="1" smtClean="0">
+                <a:solidFill>
+                  <a:schemeClr val="accent6"/>
+                </a:solidFill>
+              </a:rPr>
+              <a:t>rw</a:t>
+            </a:r>
+            <a:r>
+              <a:rPr lang="en-US" sz="2700" dirty="0" smtClean="0">
+                <a:solidFill>
+                  <a:schemeClr val="accent6"/>
+                </a:solidFill>
+              </a:rPr>
+              <a:t>)</a:t>
+            </a:r>
+            <a:br>
+              <a:rPr lang="en-US" sz="2700" dirty="0" smtClean="0">
+                <a:solidFill>
+                  <a:schemeClr val="accent6"/>
+                </a:solidFill>
+              </a:rPr>
+            </a:br>
+            <a:r>
+              <a:rPr lang="en-US" sz="2700" dirty="0">
+                <a:solidFill>
+                  <a:schemeClr val="accent6"/>
+                </a:solidFill>
+              </a:rPr>
+              <a:t/>
+            </a:r>
+            <a:br>
+              <a:rPr lang="en-US" sz="2700" dirty="0">
+                <a:solidFill>
+                  <a:schemeClr val="accent6"/>
+                </a:solidFill>
+              </a:rPr>
+            </a:br>
+            <a:r>
+              <a:rPr lang="en-US" sz="2700" dirty="0">
+                <a:solidFill>
+                  <a:schemeClr val="accent6"/>
+                </a:solidFill>
+              </a:rPr>
+              <a:t/>
+            </a:r>
+            <a:br>
+              <a:rPr lang="en-US" sz="2700" dirty="0">
+                <a:solidFill>
+                  <a:schemeClr val="accent6"/>
+                </a:solidFill>
+              </a:rPr>
+            </a:br>
+            <a:endParaRPr lang="en-US" sz="2700" dirty="0">
+              <a:solidFill>
+                <a:schemeClr val="accent6"/>
+              </a:solidFill>
+            </a:endParaRPr>
           </a:p>
         </p:txBody>
       </p:sp>
@@ -5989,7 +6393,7 @@
           <a:bodyPr/>
           <a:lstStyle/>
           <a:p>
-            <a:endParaRPr lang="en-US"/>
+            <a:endParaRPr lang="en-US" dirty="0"/>
           </a:p>
         </p:txBody>
       </p:sp>
@@ -5997,6 +6401,1122 @@
     <p:extLst>
       <p:ext uri="{BB962C8B-B14F-4D97-AF65-F5344CB8AC3E}">
         <p14:creationId xmlns:p14="http://schemas.microsoft.com/office/powerpoint/2010/main" val="955979633"/>
+      </p:ext>
+    </p:extLst>
+  </p:cSld>
+  <p:clrMapOvr>
+    <a:masterClrMapping/>
+  </p:clrMapOvr>
+</p:sld>
+</file>
+
+<file path=ppt/slides/slide6.xml><?xml version="1.0" encoding="utf-8"?>
+<p:sld xmlns:a="http://schemas.openxmlformats.org/drawingml/2006/main" xmlns:r="http://schemas.openxmlformats.org/officeDocument/2006/relationships" xmlns:p="http://schemas.openxmlformats.org/presentationml/2006/main">
+  <p:cSld>
+    <p:spTree>
+      <p:nvGrpSpPr>
+        <p:cNvPr id="1" name=""/>
+        <p:cNvGrpSpPr/>
+        <p:nvPr/>
+      </p:nvGrpSpPr>
+      <p:grpSpPr>
+        <a:xfrm>
+          <a:off x="0" y="0"/>
+          <a:ext cx="0" cy="0"/>
+          <a:chOff x="0" y="0"/>
+          <a:chExt cx="0" cy="0"/>
+        </a:xfrm>
+      </p:grpSpPr>
+      <p:sp>
+        <p:nvSpPr>
+          <p:cNvPr id="2" name="Title 1"/>
+          <p:cNvSpPr>
+            <a:spLocks noGrp="1"/>
+          </p:cNvSpPr>
+          <p:nvPr>
+            <p:ph type="title"/>
+          </p:nvPr>
+        </p:nvSpPr>
+        <p:spPr/>
+        <p:txBody>
+          <a:bodyPr/>
+          <a:lstStyle/>
+          <a:p>
+            <a:endParaRPr lang="en-US"/>
+          </a:p>
+        </p:txBody>
+      </p:sp>
+      <p:graphicFrame>
+        <p:nvGraphicFramePr>
+          <p:cNvPr id="4" name="Content Placeholder 3"/>
+          <p:cNvGraphicFramePr>
+            <a:graphicFrameLocks noGrp="1"/>
+          </p:cNvGraphicFramePr>
+          <p:nvPr>
+            <p:ph idx="1"/>
+            <p:extLst>
+              <p:ext uri="{D42A27DB-BD31-4B8C-83A1-F6EECF244321}">
+                <p14:modId xmlns:p14="http://schemas.microsoft.com/office/powerpoint/2010/main" val="2075828754"/>
+              </p:ext>
+            </p:extLst>
+          </p:nvPr>
+        </p:nvGraphicFramePr>
+        <p:xfrm>
+          <a:off x="457200" y="838198"/>
+          <a:ext cx="7924800" cy="6583680"/>
+        </p:xfrm>
+        <a:graphic>
+          <a:graphicData uri="http://schemas.openxmlformats.org/drawingml/2006/table">
+            <a:tbl>
+              <a:tblPr firstRow="1" bandRow="1">
+                <a:tableStyleId>{5C22544A-7EE6-4342-B048-85BDC9FD1C3A}</a:tableStyleId>
+              </a:tblPr>
+              <a:tblGrid>
+                <a:gridCol w="3962400"/>
+                <a:gridCol w="3962400"/>
+              </a:tblGrid>
+              <a:tr h="313267">
+                <a:tc>
+                  <a:txBody>
+                    <a:bodyPr/>
+                    <a:lstStyle/>
+                    <a:p>
+                      <a:r>
+                        <a:rPr lang="en-US" dirty="0" smtClean="0"/>
+                        <a:t>Option</a:t>
+                      </a:r>
+                      <a:endParaRPr lang="en-US" dirty="0"/>
+                    </a:p>
+                  </a:txBody>
+                  <a:tcPr/>
+                </a:tc>
+                <a:tc>
+                  <a:txBody>
+                    <a:bodyPr/>
+                    <a:lstStyle/>
+                    <a:p>
+                      <a:r>
+                        <a:rPr lang="en-US" dirty="0" smtClean="0"/>
+                        <a:t>Meaning</a:t>
+                      </a:r>
+                      <a:endParaRPr lang="en-US" dirty="0"/>
+                    </a:p>
+                  </a:txBody>
+                  <a:tcPr/>
+                </a:tc>
+              </a:tr>
+              <a:tr h="783167">
+                <a:tc>
+                  <a:txBody>
+                    <a:bodyPr/>
+                    <a:lstStyle/>
+                    <a:p>
+                      <a:r>
+                        <a:rPr lang="en-US" dirty="0" err="1" smtClean="0"/>
+                        <a:t>ro</a:t>
+                      </a:r>
+                      <a:endParaRPr lang="en-US" dirty="0"/>
+                    </a:p>
+                  </a:txBody>
+                  <a:tcPr/>
+                </a:tc>
+                <a:tc>
+                  <a:txBody>
+                    <a:bodyPr/>
+                    <a:lstStyle/>
+                    <a:p>
+                      <a:r>
+                        <a:rPr lang="en-US" dirty="0" smtClean="0"/>
+                        <a:t>The directory is shared read only; the client machine will not be able</a:t>
+                      </a:r>
+                      <a:r>
+                        <a:rPr lang="en-US" baseline="0" dirty="0" smtClean="0"/>
+                        <a:t> to write to it. This is the default.</a:t>
+                      </a:r>
+                      <a:endParaRPr lang="en-US" dirty="0"/>
+                    </a:p>
+                  </a:txBody>
+                  <a:tcPr/>
+                </a:tc>
+              </a:tr>
+              <a:tr h="548217">
+                <a:tc>
+                  <a:txBody>
+                    <a:bodyPr/>
+                    <a:lstStyle/>
+                    <a:p>
+                      <a:r>
+                        <a:rPr lang="en-US" dirty="0" err="1" smtClean="0"/>
+                        <a:t>rw</a:t>
+                      </a:r>
+                      <a:endParaRPr lang="en-US" dirty="0"/>
+                    </a:p>
+                  </a:txBody>
+                  <a:tcPr/>
+                </a:tc>
+                <a:tc>
+                  <a:txBody>
+                    <a:bodyPr/>
+                    <a:lstStyle/>
+                    <a:p>
+                      <a:r>
+                        <a:rPr lang="en-US" dirty="0" smtClean="0"/>
+                        <a:t>The client machine will have read and write access to the directory.</a:t>
+                      </a:r>
+                      <a:endParaRPr lang="en-US" dirty="0"/>
+                    </a:p>
+                  </a:txBody>
+                  <a:tcPr/>
+                </a:tc>
+              </a:tr>
+              <a:tr h="1957917">
+                <a:tc>
+                  <a:txBody>
+                    <a:bodyPr/>
+                    <a:lstStyle/>
+                    <a:p>
+                      <a:r>
+                        <a:rPr lang="en-US" dirty="0" err="1" smtClean="0"/>
+                        <a:t>no_root_squash</a:t>
+                      </a:r>
+                      <a:endParaRPr lang="en-US" dirty="0"/>
+                    </a:p>
+                  </a:txBody>
+                  <a:tcPr/>
+                </a:tc>
+                <a:tc>
+                  <a:txBody>
+                    <a:bodyPr/>
+                    <a:lstStyle/>
+                    <a:p>
+                      <a:r>
+                        <a:rPr lang="en-US" dirty="0" smtClean="0"/>
+                        <a:t>By default, any</a:t>
+                      </a:r>
+                      <a:r>
+                        <a:rPr lang="en-US" baseline="0" dirty="0" smtClean="0"/>
+                        <a:t> file request made by user root on the client machine is treated as if it is made by user nobody on the server. If </a:t>
+                      </a:r>
+                      <a:r>
+                        <a:rPr lang="en-US" baseline="0" dirty="0" err="1" smtClean="0"/>
+                        <a:t>no_root_squash</a:t>
+                      </a:r>
+                      <a:r>
+                        <a:rPr lang="en-US" baseline="0" dirty="0" smtClean="0"/>
+                        <a:t> is selected, then root on the client machine will have the same level of access to the files on the system as root on the server.</a:t>
+                      </a:r>
+                      <a:endParaRPr lang="en-US" dirty="0"/>
+                    </a:p>
+                  </a:txBody>
+                  <a:tcPr/>
+                </a:tc>
+              </a:tr>
+              <a:tr h="1722967">
+                <a:tc>
+                  <a:txBody>
+                    <a:bodyPr/>
+                    <a:lstStyle/>
+                    <a:p>
+                      <a:r>
+                        <a:rPr lang="en-US" dirty="0" err="1" smtClean="0"/>
+                        <a:t>no_subtree_check</a:t>
+                      </a:r>
+                      <a:endParaRPr lang="en-US" dirty="0"/>
+                    </a:p>
+                  </a:txBody>
+                  <a:tcPr/>
+                </a:tc>
+                <a:tc>
+                  <a:txBody>
+                    <a:bodyPr/>
+                    <a:lstStyle/>
+                    <a:p>
+                      <a:r>
+                        <a:rPr lang="en-US" dirty="0" smtClean="0"/>
+                        <a:t>If</a:t>
+                      </a:r>
+                      <a:r>
+                        <a:rPr lang="en-US" baseline="0" dirty="0" smtClean="0"/>
+                        <a:t> only part of a volume is exported, a routine called subtree checking verifies that a file that is </a:t>
+                      </a:r>
+                      <a:r>
+                        <a:rPr lang="en-US" baseline="0" dirty="0" err="1" smtClean="0"/>
+                        <a:t>requiested</a:t>
+                      </a:r>
+                      <a:r>
+                        <a:rPr lang="en-US" baseline="0" dirty="0" smtClean="0"/>
+                        <a:t> from the client is in the appropriate part of the volume. If the entire volume is exported, disabling this check will speed up transfers.</a:t>
+                      </a:r>
+                      <a:endParaRPr lang="en-US" dirty="0"/>
+                    </a:p>
+                  </a:txBody>
+                  <a:tcPr/>
+                </a:tc>
+              </a:tr>
+              <a:tr h="313267">
+                <a:tc>
+                  <a:txBody>
+                    <a:bodyPr/>
+                    <a:lstStyle/>
+                    <a:p>
+                      <a:endParaRPr lang="en-US" dirty="0"/>
+                    </a:p>
+                  </a:txBody>
+                  <a:tcPr/>
+                </a:tc>
+                <a:tc>
+                  <a:txBody>
+                    <a:bodyPr/>
+                    <a:lstStyle/>
+                    <a:p>
+                      <a:endParaRPr lang="en-US" dirty="0"/>
+                    </a:p>
+                  </a:txBody>
+                  <a:tcPr/>
+                </a:tc>
+              </a:tr>
+            </a:tbl>
+          </a:graphicData>
+        </a:graphic>
+      </p:graphicFrame>
+    </p:spTree>
+    <p:extLst>
+      <p:ext uri="{BB962C8B-B14F-4D97-AF65-F5344CB8AC3E}">
+        <p14:creationId xmlns:p14="http://schemas.microsoft.com/office/powerpoint/2010/main" val="4240932617"/>
+      </p:ext>
+    </p:extLst>
+  </p:cSld>
+  <p:clrMapOvr>
+    <a:masterClrMapping/>
+  </p:clrMapOvr>
+</p:sld>
+</file>
+
+<file path=ppt/slides/slide7.xml><?xml version="1.0" encoding="utf-8"?>
+<p:sld xmlns:a="http://schemas.openxmlformats.org/drawingml/2006/main" xmlns:r="http://schemas.openxmlformats.org/officeDocument/2006/relationships" xmlns:p="http://schemas.openxmlformats.org/presentationml/2006/main">
+  <p:cSld>
+    <p:spTree>
+      <p:nvGrpSpPr>
+        <p:cNvPr id="1" name=""/>
+        <p:cNvGrpSpPr/>
+        <p:nvPr/>
+      </p:nvGrpSpPr>
+      <p:grpSpPr>
+        <a:xfrm>
+          <a:off x="0" y="0"/>
+          <a:ext cx="0" cy="0"/>
+          <a:chOff x="0" y="0"/>
+          <a:chExt cx="0" cy="0"/>
+        </a:xfrm>
+      </p:grpSpPr>
+      <p:sp>
+        <p:nvSpPr>
+          <p:cNvPr id="2" name="Title 1"/>
+          <p:cNvSpPr>
+            <a:spLocks noGrp="1"/>
+          </p:cNvSpPr>
+          <p:nvPr>
+            <p:ph type="title"/>
+          </p:nvPr>
+        </p:nvSpPr>
+        <p:spPr/>
+        <p:txBody>
+          <a:bodyPr>
+            <a:normAutofit fontScale="90000"/>
+          </a:bodyPr>
+          <a:lstStyle/>
+          <a:p>
+            <a:r>
+              <a:rPr lang="en-US" sz="2000" dirty="0" smtClean="0">
+                <a:solidFill>
+                  <a:schemeClr val="accent6"/>
+                </a:solidFill>
+              </a:rPr>
+              <a:t/>
+            </a:r>
+            <a:br>
+              <a:rPr lang="en-US" sz="2000" dirty="0" smtClean="0">
+                <a:solidFill>
+                  <a:schemeClr val="accent6"/>
+                </a:solidFill>
+              </a:rPr>
+            </a:br>
+            <a:r>
+              <a:rPr lang="en-US" sz="2000" dirty="0">
+                <a:solidFill>
+                  <a:schemeClr val="accent6"/>
+                </a:solidFill>
+              </a:rPr>
+              <a:t/>
+            </a:r>
+            <a:br>
+              <a:rPr lang="en-US" sz="2000" dirty="0">
+                <a:solidFill>
+                  <a:schemeClr val="accent6"/>
+                </a:solidFill>
+              </a:rPr>
+            </a:br>
+            <a:r>
+              <a:rPr lang="en-US" sz="2000" dirty="0" smtClean="0">
+                <a:solidFill>
+                  <a:schemeClr val="accent6"/>
+                </a:solidFill>
+              </a:rPr>
+              <a:t/>
+            </a:r>
+            <a:br>
+              <a:rPr lang="en-US" sz="2000" dirty="0" smtClean="0">
+                <a:solidFill>
+                  <a:schemeClr val="accent6"/>
+                </a:solidFill>
+              </a:rPr>
+            </a:br>
+            <a:r>
+              <a:rPr lang="en-US" sz="2000" dirty="0">
+                <a:solidFill>
+                  <a:schemeClr val="accent6"/>
+                </a:solidFill>
+              </a:rPr>
+              <a:t/>
+            </a:r>
+            <a:br>
+              <a:rPr lang="en-US" sz="2000" dirty="0">
+                <a:solidFill>
+                  <a:schemeClr val="accent6"/>
+                </a:solidFill>
+              </a:rPr>
+            </a:br>
+            <a:r>
+              <a:rPr lang="en-US" sz="2000" dirty="0" smtClean="0">
+                <a:solidFill>
+                  <a:schemeClr val="accent6"/>
+                </a:solidFill>
+              </a:rPr>
+              <a:t/>
+            </a:r>
+            <a:br>
+              <a:rPr lang="en-US" sz="2000" dirty="0" smtClean="0">
+                <a:solidFill>
+                  <a:schemeClr val="accent6"/>
+                </a:solidFill>
+              </a:rPr>
+            </a:br>
+            <a:r>
+              <a:rPr lang="en-US" sz="2000" dirty="0">
+                <a:solidFill>
+                  <a:schemeClr val="accent6"/>
+                </a:solidFill>
+              </a:rPr>
+              <a:t/>
+            </a:r>
+            <a:br>
+              <a:rPr lang="en-US" sz="2000" dirty="0">
+                <a:solidFill>
+                  <a:schemeClr val="accent6"/>
+                </a:solidFill>
+              </a:rPr>
+            </a:br>
+            <a:r>
+              <a:rPr lang="en-US" sz="2000" dirty="0" smtClean="0">
+                <a:solidFill>
+                  <a:schemeClr val="accent6"/>
+                </a:solidFill>
+              </a:rPr>
+              <a:t/>
+            </a:r>
+            <a:br>
+              <a:rPr lang="en-US" sz="2000" dirty="0" smtClean="0">
+                <a:solidFill>
+                  <a:schemeClr val="accent6"/>
+                </a:solidFill>
+              </a:rPr>
+            </a:br>
+            <a:r>
+              <a:rPr lang="en-US" sz="2000" dirty="0">
+                <a:solidFill>
+                  <a:schemeClr val="accent6"/>
+                </a:solidFill>
+              </a:rPr>
+              <a:t/>
+            </a:r>
+            <a:br>
+              <a:rPr lang="en-US" sz="2000" dirty="0">
+                <a:solidFill>
+                  <a:schemeClr val="accent6"/>
+                </a:solidFill>
+              </a:rPr>
+            </a:br>
+            <a:r>
+              <a:rPr lang="en-US" sz="2000" dirty="0" smtClean="0">
+                <a:solidFill>
+                  <a:schemeClr val="accent6"/>
+                </a:solidFill>
+              </a:rPr>
+              <a:t/>
+            </a:r>
+            <a:br>
+              <a:rPr lang="en-US" sz="2000" dirty="0" smtClean="0">
+                <a:solidFill>
+                  <a:schemeClr val="accent6"/>
+                </a:solidFill>
+              </a:rPr>
+            </a:br>
+            <a:r>
+              <a:rPr lang="en-US" sz="2000" dirty="0">
+                <a:solidFill>
+                  <a:schemeClr val="accent6"/>
+                </a:solidFill>
+              </a:rPr>
+              <a:t/>
+            </a:r>
+            <a:br>
+              <a:rPr lang="en-US" sz="2000" dirty="0">
+                <a:solidFill>
+                  <a:schemeClr val="accent6"/>
+                </a:solidFill>
+              </a:rPr>
+            </a:br>
+            <a:r>
+              <a:rPr lang="en-US" sz="2000" dirty="0" smtClean="0">
+                <a:solidFill>
+                  <a:schemeClr val="accent6"/>
+                </a:solidFill>
+              </a:rPr>
+              <a:t/>
+            </a:r>
+            <a:br>
+              <a:rPr lang="en-US" sz="2000" dirty="0" smtClean="0">
+                <a:solidFill>
+                  <a:schemeClr val="accent6"/>
+                </a:solidFill>
+              </a:rPr>
+            </a:br>
+            <a:r>
+              <a:rPr lang="en-US" sz="2000" dirty="0">
+                <a:solidFill>
+                  <a:schemeClr val="accent6"/>
+                </a:solidFill>
+              </a:rPr>
+              <a:t/>
+            </a:r>
+            <a:br>
+              <a:rPr lang="en-US" sz="2000" dirty="0">
+                <a:solidFill>
+                  <a:schemeClr val="accent6"/>
+                </a:solidFill>
+              </a:rPr>
+            </a:br>
+            <a:r>
+              <a:rPr lang="en-US" sz="2000" dirty="0" smtClean="0">
+                <a:solidFill>
+                  <a:schemeClr val="accent6"/>
+                </a:solidFill>
+              </a:rPr>
+              <a:t/>
+            </a:r>
+            <a:br>
+              <a:rPr lang="en-US" sz="2000" dirty="0" smtClean="0">
+                <a:solidFill>
+                  <a:schemeClr val="accent6"/>
+                </a:solidFill>
+              </a:rPr>
+            </a:br>
+            <a:r>
+              <a:rPr lang="en-US" sz="2000" dirty="0">
+                <a:solidFill>
+                  <a:schemeClr val="accent6"/>
+                </a:solidFill>
+              </a:rPr>
+              <a:t/>
+            </a:r>
+            <a:br>
+              <a:rPr lang="en-US" sz="2000" dirty="0">
+                <a:solidFill>
+                  <a:schemeClr val="accent6"/>
+                </a:solidFill>
+              </a:rPr>
+            </a:br>
+            <a:r>
+              <a:rPr lang="en-US" sz="2000" dirty="0" smtClean="0">
+                <a:solidFill>
+                  <a:schemeClr val="accent6"/>
+                </a:solidFill>
+              </a:rPr>
+              <a:t/>
+            </a:r>
+            <a:br>
+              <a:rPr lang="en-US" sz="2000" dirty="0" smtClean="0">
+                <a:solidFill>
+                  <a:schemeClr val="accent6"/>
+                </a:solidFill>
+              </a:rPr>
+            </a:br>
+            <a:r>
+              <a:rPr lang="en-US" sz="2000" dirty="0">
+                <a:solidFill>
+                  <a:schemeClr val="accent6"/>
+                </a:solidFill>
+              </a:rPr>
+              <a:t/>
+            </a:r>
+            <a:br>
+              <a:rPr lang="en-US" sz="2000" dirty="0">
+                <a:solidFill>
+                  <a:schemeClr val="accent6"/>
+                </a:solidFill>
+              </a:rPr>
+            </a:br>
+            <a:r>
+              <a:rPr lang="en-US" sz="2000" dirty="0" smtClean="0">
+                <a:solidFill>
+                  <a:schemeClr val="accent6"/>
+                </a:solidFill>
+              </a:rPr>
+              <a:t>Typical workflow to configure NFS Server</a:t>
+            </a:r>
+            <a:br>
+              <a:rPr lang="en-US" sz="2000" dirty="0" smtClean="0">
+                <a:solidFill>
+                  <a:schemeClr val="accent6"/>
+                </a:solidFill>
+              </a:rPr>
+            </a:br>
+            <a:r>
+              <a:rPr lang="en-US" sz="2000" dirty="0" smtClean="0">
+                <a:solidFill>
+                  <a:schemeClr val="accent6"/>
+                </a:solidFill>
+              </a:rPr>
+              <a:t>1. start </a:t>
+            </a:r>
+            <a:r>
+              <a:rPr lang="en-US" sz="2000" dirty="0" err="1" smtClean="0">
+                <a:solidFill>
+                  <a:schemeClr val="accent6"/>
+                </a:solidFill>
+              </a:rPr>
+              <a:t>nfs</a:t>
+            </a:r>
+            <a:r>
+              <a:rPr lang="en-US" sz="2000" dirty="0" smtClean="0">
+                <a:solidFill>
+                  <a:schemeClr val="accent6"/>
+                </a:solidFill>
+              </a:rPr>
+              <a:t>-server process ( </a:t>
+            </a:r>
+            <a:r>
+              <a:rPr lang="en-US" sz="2000" dirty="0" err="1" smtClean="0">
+                <a:solidFill>
+                  <a:schemeClr val="accent6"/>
+                </a:solidFill>
+              </a:rPr>
+              <a:t>systemctl</a:t>
+            </a:r>
+            <a:r>
+              <a:rPr lang="en-US" sz="2000" dirty="0" smtClean="0">
+                <a:solidFill>
+                  <a:schemeClr val="accent6"/>
+                </a:solidFill>
+              </a:rPr>
+              <a:t> start </a:t>
+            </a:r>
+            <a:r>
+              <a:rPr lang="en-US" sz="2000" dirty="0" err="1" smtClean="0">
+                <a:solidFill>
+                  <a:schemeClr val="accent6"/>
+                </a:solidFill>
+              </a:rPr>
+              <a:t>nfs</a:t>
+            </a:r>
+            <a:r>
+              <a:rPr lang="en-US" sz="2000" dirty="0" smtClean="0">
+                <a:solidFill>
+                  <a:schemeClr val="accent6"/>
+                </a:solidFill>
+              </a:rPr>
+              <a:t>-server ) </a:t>
+            </a:r>
+            <a:br>
+              <a:rPr lang="en-US" sz="2000" dirty="0" smtClean="0">
+                <a:solidFill>
+                  <a:schemeClr val="accent6"/>
+                </a:solidFill>
+              </a:rPr>
+            </a:br>
+            <a:r>
+              <a:rPr lang="en-US" sz="2000" dirty="0" smtClean="0">
+                <a:solidFill>
+                  <a:schemeClr val="accent6"/>
+                </a:solidFill>
+              </a:rPr>
+              <a:t>2. enable it ( </a:t>
+            </a:r>
+            <a:r>
+              <a:rPr lang="en-US" sz="2000" dirty="0" err="1" smtClean="0">
+                <a:solidFill>
+                  <a:schemeClr val="accent6"/>
+                </a:solidFill>
+              </a:rPr>
+              <a:t>systemctl</a:t>
+            </a:r>
+            <a:r>
+              <a:rPr lang="en-US" sz="2000" dirty="0" smtClean="0">
+                <a:solidFill>
+                  <a:schemeClr val="accent6"/>
+                </a:solidFill>
+              </a:rPr>
+              <a:t> enable </a:t>
+            </a:r>
+            <a:r>
+              <a:rPr lang="en-US" sz="2000" dirty="0" err="1" smtClean="0">
+                <a:solidFill>
+                  <a:schemeClr val="accent6"/>
+                </a:solidFill>
+              </a:rPr>
+              <a:t>nfs</a:t>
+            </a:r>
+            <a:r>
+              <a:rPr lang="en-US" sz="2000" dirty="0" smtClean="0">
+                <a:solidFill>
+                  <a:schemeClr val="accent6"/>
+                </a:solidFill>
+              </a:rPr>
+              <a:t>-server ) </a:t>
+            </a:r>
+            <a:br>
+              <a:rPr lang="en-US" sz="2000" dirty="0" smtClean="0">
+                <a:solidFill>
+                  <a:schemeClr val="accent6"/>
+                </a:solidFill>
+              </a:rPr>
+            </a:br>
+            <a:r>
+              <a:rPr lang="en-US" sz="2000" dirty="0" smtClean="0">
+                <a:solidFill>
+                  <a:schemeClr val="accent6"/>
+                </a:solidFill>
+              </a:rPr>
+              <a:t>3. create the exported directory ( </a:t>
+            </a:r>
+            <a:r>
+              <a:rPr lang="en-US" sz="2000" dirty="0" err="1" smtClean="0">
+                <a:solidFill>
+                  <a:schemeClr val="accent6"/>
+                </a:solidFill>
+              </a:rPr>
+              <a:t>mkdir</a:t>
+            </a:r>
+            <a:r>
+              <a:rPr lang="en-US" sz="2000" dirty="0" smtClean="0">
+                <a:solidFill>
+                  <a:schemeClr val="accent6"/>
+                </a:solidFill>
+              </a:rPr>
+              <a:t> /</a:t>
+            </a:r>
+            <a:r>
+              <a:rPr lang="en-US" sz="2000" dirty="0" err="1" smtClean="0">
+                <a:solidFill>
+                  <a:schemeClr val="accent6"/>
+                </a:solidFill>
+              </a:rPr>
+              <a:t>myshare</a:t>
+            </a:r>
+            <a:r>
+              <a:rPr lang="en-US" sz="2000" dirty="0" smtClean="0">
+                <a:solidFill>
+                  <a:schemeClr val="accent6"/>
+                </a:solidFill>
+              </a:rPr>
+              <a:t> )</a:t>
+            </a:r>
+            <a:br>
+              <a:rPr lang="en-US" sz="2000" dirty="0" smtClean="0">
+                <a:solidFill>
+                  <a:schemeClr val="accent6"/>
+                </a:solidFill>
+              </a:rPr>
+            </a:br>
+            <a:r>
+              <a:rPr lang="en-US" sz="2000" dirty="0">
+                <a:solidFill>
+                  <a:schemeClr val="accent6"/>
+                </a:solidFill>
+              </a:rPr>
+              <a:t/>
+            </a:r>
+            <a:br>
+              <a:rPr lang="en-US" sz="2000" dirty="0">
+                <a:solidFill>
+                  <a:schemeClr val="accent6"/>
+                </a:solidFill>
+              </a:rPr>
+            </a:br>
+            <a:r>
+              <a:rPr lang="en-US" sz="2000" dirty="0" smtClean="0">
+                <a:solidFill>
+                  <a:schemeClr val="accent6"/>
+                </a:solidFill>
+              </a:rPr>
+              <a:t>4. Edit the /</a:t>
+            </a:r>
+            <a:r>
+              <a:rPr lang="en-US" sz="2000" dirty="0" err="1" smtClean="0">
+                <a:solidFill>
+                  <a:schemeClr val="accent6"/>
+                </a:solidFill>
+              </a:rPr>
+              <a:t>etc</a:t>
+            </a:r>
+            <a:r>
+              <a:rPr lang="en-US" sz="2000" dirty="0" smtClean="0">
+                <a:solidFill>
+                  <a:schemeClr val="accent6"/>
+                </a:solidFill>
+              </a:rPr>
+              <a:t>/exports file ( /</a:t>
+            </a:r>
+            <a:r>
+              <a:rPr lang="en-US" sz="2000" dirty="0" err="1" smtClean="0">
+                <a:solidFill>
+                  <a:schemeClr val="accent6"/>
+                </a:solidFill>
+              </a:rPr>
+              <a:t>myshare</a:t>
+            </a:r>
+            <a:r>
+              <a:rPr lang="en-US" sz="2000" dirty="0" smtClean="0">
+                <a:solidFill>
+                  <a:schemeClr val="accent6"/>
+                </a:solidFill>
+              </a:rPr>
+              <a:t> </a:t>
+            </a:r>
+            <a:r>
+              <a:rPr lang="en-US" sz="2000" dirty="0" err="1" smtClean="0">
+                <a:solidFill>
+                  <a:schemeClr val="accent6"/>
+                </a:solidFill>
+              </a:rPr>
+              <a:t>some_other_node</a:t>
+            </a:r>
+            <a:r>
+              <a:rPr lang="en-US" sz="2000" dirty="0" smtClean="0">
+                <a:solidFill>
+                  <a:schemeClr val="accent6"/>
+                </a:solidFill>
+              </a:rPr>
+              <a:t>(</a:t>
+            </a:r>
+            <a:r>
+              <a:rPr lang="en-US" sz="2000" dirty="0" err="1" smtClean="0">
+                <a:solidFill>
+                  <a:schemeClr val="accent6"/>
+                </a:solidFill>
+              </a:rPr>
+              <a:t>rw</a:t>
+            </a:r>
+            <a:r>
+              <a:rPr lang="en-US" sz="2000" dirty="0" smtClean="0">
+                <a:solidFill>
+                  <a:schemeClr val="accent6"/>
+                </a:solidFill>
+              </a:rPr>
+              <a:t>) )</a:t>
+            </a:r>
+            <a:br>
+              <a:rPr lang="en-US" sz="2000" dirty="0" smtClean="0">
+                <a:solidFill>
+                  <a:schemeClr val="accent6"/>
+                </a:solidFill>
+              </a:rPr>
+            </a:br>
+            <a:r>
+              <a:rPr lang="en-US" sz="2000" dirty="0">
+                <a:solidFill>
+                  <a:schemeClr val="accent6"/>
+                </a:solidFill>
+              </a:rPr>
+              <a:t/>
+            </a:r>
+            <a:br>
+              <a:rPr lang="en-US" sz="2000" dirty="0">
+                <a:solidFill>
+                  <a:schemeClr val="accent6"/>
+                </a:solidFill>
+              </a:rPr>
+            </a:br>
+            <a:r>
+              <a:rPr lang="en-US" sz="2000" dirty="0" smtClean="0">
+                <a:solidFill>
+                  <a:schemeClr val="accent6"/>
+                </a:solidFill>
+              </a:rPr>
+              <a:t>5. </a:t>
+            </a:r>
+            <a:r>
+              <a:rPr lang="en-US" sz="2000" dirty="0" err="1" smtClean="0">
+                <a:solidFill>
+                  <a:schemeClr val="accent6"/>
+                </a:solidFill>
+              </a:rPr>
+              <a:t>exportfs</a:t>
+            </a:r>
+            <a:r>
+              <a:rPr lang="en-US" sz="2000" dirty="0" smtClean="0">
+                <a:solidFill>
+                  <a:schemeClr val="accent6"/>
+                </a:solidFill>
+              </a:rPr>
+              <a:t> –r</a:t>
+            </a:r>
+            <a:br>
+              <a:rPr lang="en-US" sz="2000" dirty="0" smtClean="0">
+                <a:solidFill>
+                  <a:schemeClr val="accent6"/>
+                </a:solidFill>
+              </a:rPr>
+            </a:br>
+            <a:r>
+              <a:rPr lang="en-US" sz="2000" dirty="0">
+                <a:solidFill>
+                  <a:schemeClr val="accent6"/>
+                </a:solidFill>
+              </a:rPr>
+              <a:t/>
+            </a:r>
+            <a:br>
+              <a:rPr lang="en-US" sz="2000" dirty="0">
+                <a:solidFill>
+                  <a:schemeClr val="accent6"/>
+                </a:solidFill>
+              </a:rPr>
+            </a:br>
+            <a:r>
+              <a:rPr lang="en-US" sz="2000" dirty="0" smtClean="0">
+                <a:solidFill>
+                  <a:schemeClr val="accent6"/>
+                </a:solidFill>
+              </a:rPr>
+              <a:t>6. The NFS port 2049/TCP for </a:t>
+            </a:r>
+            <a:r>
+              <a:rPr lang="en-US" sz="2000" dirty="0" err="1" smtClean="0">
+                <a:solidFill>
+                  <a:schemeClr val="accent6"/>
+                </a:solidFill>
+              </a:rPr>
+              <a:t>nfsd</a:t>
+            </a:r>
+            <a:r>
+              <a:rPr lang="en-US" sz="2000" dirty="0" smtClean="0">
+                <a:solidFill>
+                  <a:schemeClr val="accent6"/>
+                </a:solidFill>
+              </a:rPr>
+              <a:t> must be open on the server.</a:t>
+            </a:r>
+            <a:br>
+              <a:rPr lang="en-US" sz="2000" dirty="0" smtClean="0">
+                <a:solidFill>
+                  <a:schemeClr val="accent6"/>
+                </a:solidFill>
+              </a:rPr>
+            </a:br>
+            <a:r>
+              <a:rPr lang="en-US" sz="2000" dirty="0">
+                <a:solidFill>
+                  <a:schemeClr val="accent6"/>
+                </a:solidFill>
+              </a:rPr>
+              <a:t/>
+            </a:r>
+            <a:br>
+              <a:rPr lang="en-US" sz="2000" dirty="0">
+                <a:solidFill>
+                  <a:schemeClr val="accent6"/>
+                </a:solidFill>
+              </a:rPr>
+            </a:br>
+            <a:r>
+              <a:rPr lang="en-US" sz="2000" dirty="0" smtClean="0">
+                <a:solidFill>
+                  <a:schemeClr val="accent6"/>
+                </a:solidFill>
+              </a:rPr>
+              <a:t>firewall-</a:t>
+            </a:r>
+            <a:r>
+              <a:rPr lang="en-US" sz="2000" dirty="0" err="1" smtClean="0">
+                <a:solidFill>
+                  <a:schemeClr val="accent6"/>
+                </a:solidFill>
+              </a:rPr>
+              <a:t>cmd</a:t>
+            </a:r>
+            <a:r>
+              <a:rPr lang="en-US" sz="2000" dirty="0" smtClean="0">
+                <a:solidFill>
+                  <a:schemeClr val="accent6"/>
+                </a:solidFill>
+              </a:rPr>
+              <a:t> –permanent –add-service=</a:t>
+            </a:r>
+            <a:r>
+              <a:rPr lang="en-US" sz="2000" dirty="0" err="1" smtClean="0">
+                <a:solidFill>
+                  <a:schemeClr val="accent6"/>
+                </a:solidFill>
+              </a:rPr>
+              <a:t>nfs</a:t>
+            </a:r>
+            <a:r>
+              <a:rPr lang="en-US" sz="2000" dirty="0" smtClean="0">
+                <a:solidFill>
+                  <a:schemeClr val="accent6"/>
+                </a:solidFill>
+              </a:rPr>
+              <a:t/>
+            </a:r>
+            <a:br>
+              <a:rPr lang="en-US" sz="2000" dirty="0" smtClean="0">
+                <a:solidFill>
+                  <a:schemeClr val="accent6"/>
+                </a:solidFill>
+              </a:rPr>
+            </a:br>
+            <a:r>
+              <a:rPr lang="en-US" sz="2000" dirty="0" smtClean="0">
+                <a:solidFill>
+                  <a:schemeClr val="accent6"/>
+                </a:solidFill>
+              </a:rPr>
+              <a:t>firewall-</a:t>
+            </a:r>
+            <a:r>
+              <a:rPr lang="en-US" sz="2000" dirty="0" err="1" smtClean="0">
+                <a:solidFill>
+                  <a:schemeClr val="accent6"/>
+                </a:solidFill>
+              </a:rPr>
+              <a:t>cmd</a:t>
+            </a:r>
+            <a:r>
+              <a:rPr lang="en-US" sz="2000" dirty="0" smtClean="0">
+                <a:solidFill>
+                  <a:schemeClr val="accent6"/>
+                </a:solidFill>
+              </a:rPr>
+              <a:t> –reload</a:t>
+            </a:r>
+            <a:br>
+              <a:rPr lang="en-US" sz="2000" dirty="0" smtClean="0">
+                <a:solidFill>
+                  <a:schemeClr val="accent6"/>
+                </a:solidFill>
+              </a:rPr>
+            </a:br>
+            <a:r>
+              <a:rPr lang="en-US" sz="2000" dirty="0" smtClean="0">
+                <a:solidFill>
+                  <a:schemeClr val="accent6"/>
+                </a:solidFill>
+              </a:rPr>
+              <a:t/>
+            </a:r>
+            <a:br>
+              <a:rPr lang="en-US" sz="2000" dirty="0" smtClean="0">
+                <a:solidFill>
+                  <a:schemeClr val="accent6"/>
+                </a:solidFill>
+              </a:rPr>
+            </a:br>
+            <a:r>
+              <a:rPr lang="en-US" sz="2000" dirty="0" smtClean="0">
+                <a:solidFill>
+                  <a:schemeClr val="accent6"/>
+                </a:solidFill>
+              </a:rPr>
+              <a:t>Exercises:</a:t>
+            </a:r>
+            <a:br>
+              <a:rPr lang="en-US" sz="2000" dirty="0" smtClean="0">
+                <a:solidFill>
+                  <a:schemeClr val="accent6"/>
+                </a:solidFill>
+              </a:rPr>
+            </a:br>
+            <a:r>
+              <a:rPr lang="en-US" sz="2000" dirty="0" smtClean="0">
+                <a:solidFill>
+                  <a:schemeClr val="accent6"/>
+                </a:solidFill>
+              </a:rPr>
+              <a:t>1. Export the directory  </a:t>
+            </a:r>
+            <a:br>
+              <a:rPr lang="en-US" sz="2000" dirty="0" smtClean="0">
+                <a:solidFill>
+                  <a:schemeClr val="accent6"/>
+                </a:solidFill>
+              </a:rPr>
+            </a:br>
+            <a:r>
+              <a:rPr lang="en-US" sz="2000" dirty="0" smtClean="0">
+                <a:solidFill>
+                  <a:schemeClr val="accent6"/>
+                </a:solidFill>
+              </a:rPr>
+              <a:t>2. Mount it on another virtual machine with _</a:t>
+            </a:r>
+            <a:r>
+              <a:rPr lang="en-US" sz="2000" dirty="0" err="1" smtClean="0">
+                <a:solidFill>
+                  <a:schemeClr val="accent6"/>
+                </a:solidFill>
+              </a:rPr>
+              <a:t>netdev</a:t>
+            </a:r>
+            <a:r>
+              <a:rPr lang="en-US" sz="2000" dirty="0" smtClean="0">
+                <a:solidFill>
+                  <a:schemeClr val="accent6"/>
+                </a:solidFill>
+              </a:rPr>
+              <a:t> option.</a:t>
+            </a:r>
+            <a:endParaRPr lang="en-US" sz="2000" dirty="0">
+              <a:solidFill>
+                <a:schemeClr val="accent6"/>
+              </a:solidFill>
+            </a:endParaRPr>
+          </a:p>
+        </p:txBody>
+      </p:sp>
+      <p:sp>
+        <p:nvSpPr>
+          <p:cNvPr id="3" name="Content Placeholder 2"/>
+          <p:cNvSpPr>
+            <a:spLocks noGrp="1"/>
+          </p:cNvSpPr>
+          <p:nvPr>
+            <p:ph idx="1"/>
+          </p:nvPr>
+        </p:nvSpPr>
+        <p:spPr/>
+        <p:txBody>
+          <a:bodyPr/>
+          <a:lstStyle/>
+          <a:p>
+            <a:endParaRPr lang="en-US" dirty="0"/>
+          </a:p>
+        </p:txBody>
+      </p:sp>
+    </p:spTree>
+    <p:extLst>
+      <p:ext uri="{BB962C8B-B14F-4D97-AF65-F5344CB8AC3E}">
+        <p14:creationId xmlns:p14="http://schemas.microsoft.com/office/powerpoint/2010/main" val="645743950"/>
       </p:ext>
     </p:extLst>
   </p:cSld>

--- a/12.SSH_NFS_SAMBA/12-SSH_NFS_SAMBA.pptx
+++ b/12.SSH_NFS_SAMBA/12-SSH_NFS_SAMBA.pptx
@@ -5,7 +5,7 @@
     <p:sldMasterId id="2147483648" r:id="rId1"/>
   </p:sldMasterIdLst>
   <p:notesMasterIdLst>
-    <p:notesMasterId r:id="rId9"/>
+    <p:notesMasterId r:id="rId13"/>
   </p:notesMasterIdLst>
   <p:sldIdLst>
     <p:sldId id="284" r:id="rId2"/>
@@ -15,6 +15,10 @@
     <p:sldId id="288" r:id="rId6"/>
     <p:sldId id="289" r:id="rId7"/>
     <p:sldId id="290" r:id="rId8"/>
+    <p:sldId id="291" r:id="rId9"/>
+    <p:sldId id="292" r:id="rId10"/>
+    <p:sldId id="293" r:id="rId11"/>
+    <p:sldId id="294" r:id="rId12"/>
   </p:sldIdLst>
   <p:sldSz cx="9144000" cy="6858000" type="screen4x3"/>
   <p:notesSz cx="6858000" cy="9144000"/>
@@ -3778,6 +3782,648 @@
 </p:sld>
 </file>
 
+<file path=ppt/slides/slide10.xml><?xml version="1.0" encoding="utf-8"?>
+<p:sld xmlns:a="http://schemas.openxmlformats.org/drawingml/2006/main" xmlns:r="http://schemas.openxmlformats.org/officeDocument/2006/relationships" xmlns:p="http://schemas.openxmlformats.org/presentationml/2006/main">
+  <p:cSld>
+    <p:spTree>
+      <p:nvGrpSpPr>
+        <p:cNvPr id="1" name=""/>
+        <p:cNvGrpSpPr/>
+        <p:nvPr/>
+      </p:nvGrpSpPr>
+      <p:grpSpPr>
+        <a:xfrm>
+          <a:off x="0" y="0"/>
+          <a:ext cx="0" cy="0"/>
+          <a:chOff x="0" y="0"/>
+          <a:chExt cx="0" cy="0"/>
+        </a:xfrm>
+      </p:grpSpPr>
+      <p:sp>
+        <p:nvSpPr>
+          <p:cNvPr id="2" name="Title 1"/>
+          <p:cNvSpPr>
+            <a:spLocks noGrp="1"/>
+          </p:cNvSpPr>
+          <p:nvPr>
+            <p:ph type="title"/>
+          </p:nvPr>
+        </p:nvSpPr>
+        <p:spPr/>
+        <p:txBody>
+          <a:bodyPr>
+            <a:normAutofit fontScale="90000"/>
+          </a:bodyPr>
+          <a:lstStyle/>
+          <a:p>
+            <a:r>
+              <a:rPr lang="en-US" sz="2000" dirty="0" smtClean="0">
+                <a:solidFill>
+                  <a:schemeClr val="accent6"/>
+                </a:solidFill>
+              </a:rPr>
+              <a:t/>
+            </a:r>
+            <a:br>
+              <a:rPr lang="en-US" sz="2000" dirty="0" smtClean="0">
+                <a:solidFill>
+                  <a:schemeClr val="accent6"/>
+                </a:solidFill>
+              </a:rPr>
+            </a:br>
+            <a:r>
+              <a:rPr lang="en-US" sz="2000" dirty="0">
+                <a:solidFill>
+                  <a:schemeClr val="accent6"/>
+                </a:solidFill>
+              </a:rPr>
+              <a:t/>
+            </a:r>
+            <a:br>
+              <a:rPr lang="en-US" sz="2000" dirty="0">
+                <a:solidFill>
+                  <a:schemeClr val="accent6"/>
+                </a:solidFill>
+              </a:rPr>
+            </a:br>
+            <a:r>
+              <a:rPr lang="en-US" sz="2000" dirty="0" smtClean="0">
+                <a:solidFill>
+                  <a:schemeClr val="accent6"/>
+                </a:solidFill>
+              </a:rPr>
+              <a:t/>
+            </a:r>
+            <a:br>
+              <a:rPr lang="en-US" sz="2000" dirty="0" smtClean="0">
+                <a:solidFill>
+                  <a:schemeClr val="accent6"/>
+                </a:solidFill>
+              </a:rPr>
+            </a:br>
+            <a:r>
+              <a:rPr lang="en-US" sz="2000" dirty="0" smtClean="0">
+                <a:solidFill>
+                  <a:schemeClr val="accent6"/>
+                </a:solidFill>
+              </a:rPr>
+              <a:t/>
+            </a:r>
+            <a:br>
+              <a:rPr lang="en-US" sz="2000" dirty="0" smtClean="0">
+                <a:solidFill>
+                  <a:schemeClr val="accent6"/>
+                </a:solidFill>
+              </a:rPr>
+            </a:br>
+            <a:r>
+              <a:rPr lang="en-US" sz="2000" dirty="0">
+                <a:solidFill>
+                  <a:schemeClr val="accent6"/>
+                </a:solidFill>
+              </a:rPr>
+              <a:t/>
+            </a:r>
+            <a:br>
+              <a:rPr lang="en-US" sz="2000" dirty="0">
+                <a:solidFill>
+                  <a:schemeClr val="accent6"/>
+                </a:solidFill>
+              </a:rPr>
+            </a:br>
+            <a:r>
+              <a:rPr lang="en-US" sz="2000" dirty="0" smtClean="0">
+                <a:solidFill>
+                  <a:schemeClr val="accent6"/>
+                </a:solidFill>
+              </a:rPr>
+              <a:t/>
+            </a:r>
+            <a:br>
+              <a:rPr lang="en-US" sz="2000" dirty="0" smtClean="0">
+                <a:solidFill>
+                  <a:schemeClr val="accent6"/>
+                </a:solidFill>
+              </a:rPr>
+            </a:br>
+            <a:r>
+              <a:rPr lang="en-US" sz="2000" dirty="0" smtClean="0">
+                <a:solidFill>
+                  <a:schemeClr val="accent6"/>
+                </a:solidFill>
+              </a:rPr>
+              <a:t/>
+            </a:r>
+            <a:br>
+              <a:rPr lang="en-US" sz="2000" dirty="0" smtClean="0">
+                <a:solidFill>
+                  <a:schemeClr val="accent6"/>
+                </a:solidFill>
+              </a:rPr>
+            </a:br>
+            <a:r>
+              <a:rPr lang="en-US" sz="2000" dirty="0">
+                <a:solidFill>
+                  <a:schemeClr val="accent6"/>
+                </a:solidFill>
+              </a:rPr>
+              <a:t/>
+            </a:r>
+            <a:br>
+              <a:rPr lang="en-US" sz="2000" dirty="0">
+                <a:solidFill>
+                  <a:schemeClr val="accent6"/>
+                </a:solidFill>
+              </a:rPr>
+            </a:br>
+            <a:r>
+              <a:rPr lang="en-US" sz="2000" dirty="0" smtClean="0">
+                <a:solidFill>
+                  <a:schemeClr val="accent6"/>
+                </a:solidFill>
+              </a:rPr>
+              <a:t>3. Configuration of /</a:t>
+            </a:r>
+            <a:r>
+              <a:rPr lang="en-US" sz="2000" dirty="0" err="1" smtClean="0">
+                <a:solidFill>
+                  <a:schemeClr val="accent6"/>
+                </a:solidFill>
+              </a:rPr>
+              <a:t>etc</a:t>
+            </a:r>
+            <a:r>
+              <a:rPr lang="en-US" sz="2000" dirty="0" smtClean="0">
+                <a:solidFill>
+                  <a:schemeClr val="accent6"/>
+                </a:solidFill>
+              </a:rPr>
+              <a:t>/samba/</a:t>
+            </a:r>
+            <a:r>
+              <a:rPr lang="en-US" sz="2000" dirty="0" err="1" smtClean="0">
+                <a:solidFill>
+                  <a:schemeClr val="accent6"/>
+                </a:solidFill>
+              </a:rPr>
+              <a:t>smb.conf</a:t>
+            </a:r>
+            <a:r>
+              <a:rPr lang="en-US" sz="2000" dirty="0" smtClean="0">
+                <a:solidFill>
+                  <a:schemeClr val="accent6"/>
+                </a:solidFill>
+              </a:rPr>
+              <a:t/>
+            </a:r>
+            <a:br>
+              <a:rPr lang="en-US" sz="2000" dirty="0" smtClean="0">
+                <a:solidFill>
+                  <a:schemeClr val="accent6"/>
+                </a:solidFill>
+              </a:rPr>
+            </a:br>
+            <a:r>
+              <a:rPr lang="en-US" sz="2000" dirty="0">
+                <a:solidFill>
+                  <a:schemeClr val="accent6"/>
+                </a:solidFill>
+              </a:rPr>
+              <a:t/>
+            </a:r>
+            <a:br>
+              <a:rPr lang="en-US" sz="2000" dirty="0">
+                <a:solidFill>
+                  <a:schemeClr val="accent6"/>
+                </a:solidFill>
+              </a:rPr>
+            </a:br>
+            <a:r>
+              <a:rPr lang="en-US" sz="2000" dirty="0" smtClean="0">
+                <a:solidFill>
+                  <a:schemeClr val="accent6"/>
+                </a:solidFill>
+              </a:rPr>
+              <a:t>File share sections</a:t>
+            </a:r>
+            <a:br>
+              <a:rPr lang="en-US" sz="2000" dirty="0" smtClean="0">
+                <a:solidFill>
+                  <a:schemeClr val="accent6"/>
+                </a:solidFill>
+              </a:rPr>
+            </a:br>
+            <a:r>
+              <a:rPr lang="en-US" sz="2000" dirty="0">
+                <a:solidFill>
+                  <a:schemeClr val="accent6"/>
+                </a:solidFill>
+              </a:rPr>
+              <a:t/>
+            </a:r>
+            <a:br>
+              <a:rPr lang="en-US" sz="2000" dirty="0">
+                <a:solidFill>
+                  <a:schemeClr val="accent6"/>
+                </a:solidFill>
+              </a:rPr>
+            </a:br>
+            <a:r>
+              <a:rPr lang="en-US" sz="2000" dirty="0" smtClean="0">
+                <a:solidFill>
+                  <a:schemeClr val="accent6"/>
+                </a:solidFill>
+              </a:rPr>
+              <a:t>To create a file share, at the </a:t>
+            </a:r>
+            <a:r>
+              <a:rPr lang="en-US" sz="2000" dirty="0" err="1" smtClean="0">
+                <a:solidFill>
+                  <a:schemeClr val="accent6"/>
+                </a:solidFill>
+              </a:rPr>
+              <a:t>enf</a:t>
+            </a:r>
+            <a:r>
+              <a:rPr lang="en-US" sz="2000" dirty="0" smtClean="0">
+                <a:solidFill>
+                  <a:schemeClr val="accent6"/>
+                </a:solidFill>
+              </a:rPr>
+              <a:t> of /</a:t>
+            </a:r>
+            <a:r>
+              <a:rPr lang="en-US" sz="2000" dirty="0" err="1" smtClean="0">
+                <a:solidFill>
+                  <a:schemeClr val="accent6"/>
+                </a:solidFill>
+              </a:rPr>
+              <a:t>etc</a:t>
+            </a:r>
+            <a:r>
+              <a:rPr lang="en-US" sz="2000" dirty="0" smtClean="0">
+                <a:solidFill>
+                  <a:schemeClr val="accent6"/>
+                </a:solidFill>
+              </a:rPr>
+              <a:t>/samba/</a:t>
+            </a:r>
+            <a:r>
+              <a:rPr lang="en-US" sz="2000" dirty="0" err="1" smtClean="0">
+                <a:solidFill>
+                  <a:schemeClr val="accent6"/>
+                </a:solidFill>
+              </a:rPr>
+              <a:t>smb.conf</a:t>
+            </a:r>
+            <a:r>
+              <a:rPr lang="en-US" sz="2000" dirty="0" smtClean="0">
+                <a:solidFill>
+                  <a:schemeClr val="accent6"/>
+                </a:solidFill>
+              </a:rPr>
+              <a:t>, place the share name in brackets to start a new section for the share.</a:t>
+            </a:r>
+            <a:br>
+              <a:rPr lang="en-US" sz="2000" dirty="0" smtClean="0">
+                <a:solidFill>
+                  <a:schemeClr val="accent6"/>
+                </a:solidFill>
+              </a:rPr>
+            </a:br>
+            <a:r>
+              <a:rPr lang="en-US" sz="2000" dirty="0">
+                <a:solidFill>
+                  <a:schemeClr val="accent6"/>
+                </a:solidFill>
+              </a:rPr>
+              <a:t/>
+            </a:r>
+            <a:br>
+              <a:rPr lang="en-US" sz="2000" dirty="0">
+                <a:solidFill>
+                  <a:schemeClr val="accent6"/>
+                </a:solidFill>
+              </a:rPr>
+            </a:br>
+            <a:r>
+              <a:rPr lang="en-US" sz="2000" dirty="0" smtClean="0">
+                <a:solidFill>
+                  <a:schemeClr val="accent6"/>
+                </a:solidFill>
+              </a:rPr>
+              <a:t/>
+            </a:r>
+            <a:br>
+              <a:rPr lang="en-US" sz="2000" dirty="0" smtClean="0">
+                <a:solidFill>
+                  <a:schemeClr val="accent6"/>
+                </a:solidFill>
+              </a:rPr>
+            </a:br>
+            <a:r>
+              <a:rPr lang="en-US" sz="2000" dirty="0" smtClean="0">
+                <a:solidFill>
+                  <a:schemeClr val="accent6"/>
+                </a:solidFill>
+              </a:rPr>
+              <a:t> </a:t>
+            </a:r>
+            <a:r>
+              <a:rPr lang="en-US" sz="2000" dirty="0">
+                <a:solidFill>
+                  <a:schemeClr val="accent6"/>
+                </a:solidFill>
+              </a:rPr>
+              <a:t/>
+            </a:r>
+            <a:br>
+              <a:rPr lang="en-US" sz="2000" dirty="0">
+                <a:solidFill>
+                  <a:schemeClr val="accent6"/>
+                </a:solidFill>
+              </a:rPr>
+            </a:br>
+            <a:endParaRPr lang="en-US" sz="2000" dirty="0">
+              <a:solidFill>
+                <a:schemeClr val="accent6"/>
+              </a:solidFill>
+            </a:endParaRPr>
+          </a:p>
+        </p:txBody>
+      </p:sp>
+      <p:graphicFrame>
+        <p:nvGraphicFramePr>
+          <p:cNvPr id="5" name="Content Placeholder 4"/>
+          <p:cNvGraphicFramePr>
+            <a:graphicFrameLocks noGrp="1"/>
+          </p:cNvGraphicFramePr>
+          <p:nvPr>
+            <p:ph idx="1"/>
+            <p:extLst>
+              <p:ext uri="{D42A27DB-BD31-4B8C-83A1-F6EECF244321}">
+                <p14:modId xmlns:p14="http://schemas.microsoft.com/office/powerpoint/2010/main" val="3071946556"/>
+              </p:ext>
+            </p:extLst>
+          </p:nvPr>
+        </p:nvGraphicFramePr>
+        <p:xfrm>
+          <a:off x="533400" y="4133948"/>
+          <a:ext cx="8229600" cy="2068830"/>
+        </p:xfrm>
+        <a:graphic>
+          <a:graphicData uri="http://schemas.openxmlformats.org/drawingml/2006/table">
+            <a:tbl>
+              <a:tblPr firstRow="1" bandRow="1">
+                <a:tableStyleId>{5C22544A-7EE6-4342-B048-85BDC9FD1C3A}</a:tableStyleId>
+              </a:tblPr>
+              <a:tblGrid>
+                <a:gridCol w="4114800"/>
+                <a:gridCol w="4114800"/>
+              </a:tblGrid>
+              <a:tr h="476250">
+                <a:tc>
+                  <a:txBody>
+                    <a:bodyPr/>
+                    <a:lstStyle/>
+                    <a:p>
+                      <a:r>
+                        <a:rPr lang="en-US" dirty="0" smtClean="0"/>
+                        <a:t>Field</a:t>
+                      </a:r>
+                      <a:endParaRPr lang="en-US" dirty="0"/>
+                    </a:p>
+                  </a:txBody>
+                  <a:tcPr/>
+                </a:tc>
+                <a:tc>
+                  <a:txBody>
+                    <a:bodyPr/>
+                    <a:lstStyle/>
+                    <a:p>
+                      <a:r>
+                        <a:rPr lang="en-US" dirty="0" smtClean="0"/>
+                        <a:t>Meaning</a:t>
+                      </a:r>
+                      <a:endParaRPr lang="en-US" dirty="0"/>
+                    </a:p>
+                  </a:txBody>
+                  <a:tcPr/>
+                </a:tc>
+              </a:tr>
+              <a:tr h="476250">
+                <a:tc>
+                  <a:txBody>
+                    <a:bodyPr/>
+                    <a:lstStyle/>
+                    <a:p>
+                      <a:r>
+                        <a:rPr lang="en-US" dirty="0" smtClean="0"/>
+                        <a:t>Path</a:t>
+                      </a:r>
+                      <a:endParaRPr lang="en-US" dirty="0"/>
+                    </a:p>
+                  </a:txBody>
+                  <a:tcPr/>
+                </a:tc>
+                <a:tc>
+                  <a:txBody>
+                    <a:bodyPr/>
+                    <a:lstStyle/>
+                    <a:p>
+                      <a:r>
+                        <a:rPr lang="en-US" dirty="0" smtClean="0"/>
+                        <a:t>Indicate</a:t>
+                      </a:r>
+                      <a:r>
+                        <a:rPr lang="en-US" baseline="0" dirty="0" smtClean="0"/>
+                        <a:t> which directory to share.</a:t>
+                      </a:r>
+                      <a:endParaRPr lang="en-US" dirty="0"/>
+                    </a:p>
+                  </a:txBody>
+                  <a:tcPr/>
+                </a:tc>
+              </a:tr>
+              <a:tr h="476250">
+                <a:tc>
+                  <a:txBody>
+                    <a:bodyPr/>
+                    <a:lstStyle/>
+                    <a:p>
+                      <a:r>
+                        <a:rPr lang="en-US" dirty="0" smtClean="0"/>
+                        <a:t>Writable = yes/no</a:t>
+                      </a:r>
+                      <a:endParaRPr lang="en-US" dirty="0"/>
+                    </a:p>
+                  </a:txBody>
+                  <a:tcPr/>
+                </a:tc>
+                <a:tc>
+                  <a:txBody>
+                    <a:bodyPr/>
+                    <a:lstStyle/>
+                    <a:p>
+                      <a:r>
+                        <a:rPr lang="en-US" dirty="0" smtClean="0"/>
+                        <a:t>All authenticated users should have read-write access to the share.</a:t>
+                      </a:r>
+                      <a:endParaRPr lang="en-US" dirty="0"/>
+                    </a:p>
+                  </a:txBody>
+                  <a:tcPr/>
+                </a:tc>
+              </a:tr>
+              <a:tr h="476250">
+                <a:tc>
+                  <a:txBody>
+                    <a:bodyPr/>
+                    <a:lstStyle/>
+                    <a:p>
+                      <a:r>
+                        <a:rPr lang="en-US" dirty="0" smtClean="0"/>
+                        <a:t>Valid users</a:t>
+                      </a:r>
+                      <a:endParaRPr lang="en-US" dirty="0"/>
+                    </a:p>
+                  </a:txBody>
+                  <a:tcPr/>
+                </a:tc>
+                <a:tc>
+                  <a:txBody>
+                    <a:bodyPr/>
+                    <a:lstStyle/>
+                    <a:p>
+                      <a:r>
+                        <a:rPr lang="en-US" dirty="0" smtClean="0"/>
+                        <a:t>A list</a:t>
+                      </a:r>
+                      <a:r>
+                        <a:rPr lang="en-US" baseline="0" dirty="0" smtClean="0"/>
+                        <a:t> of users allowed to access the share.</a:t>
+                      </a:r>
+                      <a:endParaRPr lang="en-US" dirty="0"/>
+                    </a:p>
+                  </a:txBody>
+                  <a:tcPr/>
+                </a:tc>
+              </a:tr>
+            </a:tbl>
+          </a:graphicData>
+        </a:graphic>
+      </p:graphicFrame>
+      <p:pic>
+        <p:nvPicPr>
+          <p:cNvPr id="6" name="Picture 5"/>
+          <p:cNvPicPr>
+            <a:picLocks noChangeAspect="1"/>
+          </p:cNvPicPr>
+          <p:nvPr/>
+        </p:nvPicPr>
+        <p:blipFill>
+          <a:blip r:embed="rId2">
+            <a:extLst>
+              <a:ext uri="{28A0092B-C50C-407E-A947-70E740481C1C}">
+                <a14:useLocalDpi xmlns:a14="http://schemas.microsoft.com/office/drawing/2010/main" val="0"/>
+              </a:ext>
+            </a:extLst>
+          </a:blip>
+          <a:stretch>
+            <a:fillRect/>
+          </a:stretch>
+        </p:blipFill>
+        <p:spPr>
+          <a:xfrm>
+            <a:off x="1852233" y="2362200"/>
+            <a:ext cx="5439534" cy="1390748"/>
+          </a:xfrm>
+          <a:prstGeom prst="rect">
+            <a:avLst/>
+          </a:prstGeom>
+        </p:spPr>
+      </p:pic>
+    </p:spTree>
+    <p:extLst>
+      <p:ext uri="{BB962C8B-B14F-4D97-AF65-F5344CB8AC3E}">
+        <p14:creationId xmlns:p14="http://schemas.microsoft.com/office/powerpoint/2010/main" val="3515594594"/>
+      </p:ext>
+    </p:extLst>
+  </p:cSld>
+  <p:clrMapOvr>
+    <a:masterClrMapping/>
+  </p:clrMapOvr>
+</p:sld>
+</file>
+
+<file path=ppt/slides/slide11.xml><?xml version="1.0" encoding="utf-8"?>
+<p:sld xmlns:a="http://schemas.openxmlformats.org/drawingml/2006/main" xmlns:r="http://schemas.openxmlformats.org/officeDocument/2006/relationships" xmlns:p="http://schemas.openxmlformats.org/presentationml/2006/main">
+  <p:cSld>
+    <p:spTree>
+      <p:nvGrpSpPr>
+        <p:cNvPr id="1" name=""/>
+        <p:cNvGrpSpPr/>
+        <p:nvPr/>
+      </p:nvGrpSpPr>
+      <p:grpSpPr>
+        <a:xfrm>
+          <a:off x="0" y="0"/>
+          <a:ext cx="0" cy="0"/>
+          <a:chOff x="0" y="0"/>
+          <a:chExt cx="0" cy="0"/>
+        </a:xfrm>
+      </p:grpSpPr>
+      <p:sp>
+        <p:nvSpPr>
+          <p:cNvPr id="2" name="Title 1"/>
+          <p:cNvSpPr>
+            <a:spLocks noGrp="1"/>
+          </p:cNvSpPr>
+          <p:nvPr>
+            <p:ph type="title"/>
+          </p:nvPr>
+        </p:nvSpPr>
+        <p:spPr/>
+        <p:txBody>
+          <a:bodyPr/>
+          <a:lstStyle/>
+          <a:p>
+            <a:endParaRPr lang="en-US"/>
+          </a:p>
+        </p:txBody>
+      </p:sp>
+      <p:sp>
+        <p:nvSpPr>
+          <p:cNvPr id="3" name="Content Placeholder 2"/>
+          <p:cNvSpPr>
+            <a:spLocks noGrp="1"/>
+          </p:cNvSpPr>
+          <p:nvPr>
+            <p:ph idx="1"/>
+          </p:nvPr>
+        </p:nvSpPr>
+        <p:spPr/>
+        <p:txBody>
+          <a:bodyPr/>
+          <a:lstStyle/>
+          <a:p>
+            <a:endParaRPr lang="en-US"/>
+          </a:p>
+        </p:txBody>
+      </p:sp>
+    </p:spTree>
+    <p:extLst>
+      <p:ext uri="{BB962C8B-B14F-4D97-AF65-F5344CB8AC3E}">
+        <p14:creationId xmlns:p14="http://schemas.microsoft.com/office/powerpoint/2010/main" val="1051055742"/>
+      </p:ext>
+    </p:extLst>
+  </p:cSld>
+  <p:clrMapOvr>
+    <a:masterClrMapping/>
+  </p:clrMapOvr>
+</p:sld>
+</file>
+
 <file path=ppt/slides/slide2.xml><?xml version="1.0" encoding="utf-8"?>
 <p:sld xmlns:a="http://schemas.openxmlformats.org/drawingml/2006/main" xmlns:r="http://schemas.openxmlformats.org/officeDocument/2006/relationships" xmlns:p="http://schemas.openxmlformats.org/presentationml/2006/main">
   <p:cSld>
@@ -6110,6 +6756,36 @@
               </a:rPr>
             </a:br>
             <a:r>
+              <a:rPr lang="en-US" dirty="0" smtClean="0">
+                <a:solidFill>
+                  <a:schemeClr val="accent6"/>
+                </a:solidFill>
+              </a:rPr>
+              <a:t/>
+            </a:r>
+            <a:br>
+              <a:rPr lang="en-US" dirty="0" smtClean="0">
+                <a:solidFill>
+                  <a:schemeClr val="accent6"/>
+                </a:solidFill>
+              </a:rPr>
+            </a:br>
+            <a:r>
+              <a:rPr lang="en-US" dirty="0" smtClean="0">
+                <a:solidFill>
+                  <a:schemeClr val="accent6"/>
+                </a:solidFill>
+              </a:rPr>
+              <a:t/>
+            </a:r>
+            <a:br>
+              <a:rPr lang="en-US" dirty="0" smtClean="0">
+                <a:solidFill>
+                  <a:schemeClr val="accent6"/>
+                </a:solidFill>
+              </a:rPr>
+            </a:br>
+            <a:r>
               <a:rPr lang="en-US" dirty="0">
                 <a:solidFill>
                   <a:schemeClr val="accent6"/>
@@ -6125,213 +6801,375 @@
               </a:rPr>
             </a:br>
             <a:r>
+              <a:rPr lang="en-US" dirty="0" smtClean="0">
+                <a:solidFill>
+                  <a:schemeClr val="accent6"/>
+                </a:solidFill>
+              </a:rPr>
+              <a:t/>
+            </a:r>
+            <a:br>
+              <a:rPr lang="en-US" dirty="0" smtClean="0">
+                <a:solidFill>
+                  <a:schemeClr val="accent6"/>
+                </a:solidFill>
+              </a:rPr>
+            </a:br>
+            <a:r>
+              <a:rPr lang="en-US" sz="2200" dirty="0" smtClean="0">
+                <a:solidFill>
+                  <a:schemeClr val="accent6"/>
+                </a:solidFill>
+              </a:rPr>
+              <a:t>Before starting with NFS and Samba, we would set </a:t>
+            </a:r>
+            <a:r>
+              <a:rPr lang="en-US" sz="2200" dirty="0" err="1" smtClean="0">
+                <a:solidFill>
+                  <a:schemeClr val="accent6"/>
+                </a:solidFill>
+              </a:rPr>
+              <a:t>SELinux</a:t>
+            </a:r>
+            <a:r>
+              <a:rPr lang="en-US" sz="2200" dirty="0" smtClean="0">
+                <a:solidFill>
+                  <a:schemeClr val="accent6"/>
+                </a:solidFill>
+              </a:rPr>
+              <a:t> to be in ‘permissive’ mode. </a:t>
+            </a:r>
+            <a:r>
+              <a:rPr lang="en-US" sz="2200" dirty="0" err="1" smtClean="0">
+                <a:solidFill>
+                  <a:schemeClr val="accent6"/>
+                </a:solidFill>
+              </a:rPr>
+              <a:t>SELinux</a:t>
+            </a:r>
+            <a:r>
+              <a:rPr lang="en-US" sz="2200" dirty="0" smtClean="0">
+                <a:solidFill>
+                  <a:schemeClr val="accent6"/>
+                </a:solidFill>
+              </a:rPr>
+              <a:t> is beyond the scope of the course.</a:t>
+            </a:r>
+            <a:br>
+              <a:rPr lang="en-US" sz="2200" dirty="0" smtClean="0">
+                <a:solidFill>
+                  <a:schemeClr val="accent6"/>
+                </a:solidFill>
+              </a:rPr>
+            </a:br>
+            <a:r>
+              <a:rPr lang="en-US" sz="2200" dirty="0" smtClean="0">
+                <a:solidFill>
+                  <a:schemeClr val="accent6"/>
+                </a:solidFill>
+              </a:rPr>
+              <a:t/>
+            </a:r>
+            <a:br>
+              <a:rPr lang="en-US" sz="2200" dirty="0" smtClean="0">
+                <a:solidFill>
+                  <a:schemeClr val="accent6"/>
+                </a:solidFill>
+              </a:rPr>
+            </a:br>
+            <a:r>
+              <a:rPr lang="en-US" sz="2200" dirty="0" err="1">
+                <a:solidFill>
+                  <a:schemeClr val="accent6"/>
+                </a:solidFill>
+              </a:rPr>
+              <a:t>s</a:t>
+            </a:r>
+            <a:r>
+              <a:rPr lang="en-US" sz="2200" dirty="0" err="1" smtClean="0">
+                <a:solidFill>
+                  <a:schemeClr val="accent6"/>
+                </a:solidFill>
+              </a:rPr>
+              <a:t>etenforce</a:t>
+            </a:r>
+            <a:r>
+              <a:rPr lang="en-US" sz="2200" dirty="0" smtClean="0">
+                <a:solidFill>
+                  <a:schemeClr val="accent6"/>
+                </a:solidFill>
+              </a:rPr>
+              <a:t> 0</a:t>
+            </a:r>
+            <a:r>
+              <a:rPr lang="en-US" sz="2200" dirty="0">
+                <a:solidFill>
+                  <a:schemeClr val="accent6"/>
+                </a:solidFill>
+              </a:rPr>
+              <a:t/>
+            </a:r>
+            <a:br>
+              <a:rPr lang="en-US" sz="2200" dirty="0">
+                <a:solidFill>
+                  <a:schemeClr val="accent6"/>
+                </a:solidFill>
+              </a:rPr>
+            </a:br>
+            <a:r>
+              <a:rPr lang="en-US" sz="2200" dirty="0" err="1" smtClean="0">
+                <a:solidFill>
+                  <a:schemeClr val="accent6"/>
+                </a:solidFill>
+              </a:rPr>
+              <a:t>getenforce</a:t>
+            </a:r>
+            <a:r>
+              <a:rPr lang="en-US" sz="2200" dirty="0" smtClean="0">
+                <a:solidFill>
+                  <a:schemeClr val="accent6"/>
+                </a:solidFill>
+              </a:rPr>
+              <a:t> </a:t>
+            </a:r>
+            <a:br>
+              <a:rPr lang="en-US" sz="2200" dirty="0" smtClean="0">
+                <a:solidFill>
+                  <a:schemeClr val="accent6"/>
+                </a:solidFill>
+              </a:rPr>
+            </a:br>
+            <a:r>
+              <a:rPr lang="en-US" sz="2200" dirty="0">
+                <a:solidFill>
+                  <a:schemeClr val="accent6"/>
+                </a:solidFill>
+              </a:rPr>
+              <a:t/>
+            </a:r>
+            <a:br>
+              <a:rPr lang="en-US" sz="2200" dirty="0">
+                <a:solidFill>
+                  <a:schemeClr val="accent6"/>
+                </a:solidFill>
+              </a:rPr>
+            </a:br>
+            <a:r>
+              <a:rPr lang="en-US" sz="2200" dirty="0" smtClean="0">
+                <a:solidFill>
+                  <a:schemeClr val="accent6"/>
+                </a:solidFill>
+              </a:rPr>
+              <a:t>Network File System(NFS) allows remote hosts to mount file systems over a network and interact with them as though they are mounted locally. </a:t>
+            </a:r>
+            <a:br>
+              <a:rPr lang="en-US" sz="2200" dirty="0" smtClean="0">
+                <a:solidFill>
+                  <a:schemeClr val="accent6"/>
+                </a:solidFill>
+              </a:rPr>
+            </a:br>
+            <a:r>
+              <a:rPr lang="en-US" sz="2200" dirty="0">
+                <a:solidFill>
+                  <a:schemeClr val="accent6"/>
+                </a:solidFill>
+              </a:rPr>
+              <a:t/>
+            </a:r>
+            <a:br>
+              <a:rPr lang="en-US" sz="2200" dirty="0">
+                <a:solidFill>
+                  <a:schemeClr val="accent6"/>
+                </a:solidFill>
+              </a:rPr>
+            </a:br>
+            <a:r>
+              <a:rPr lang="en-US" sz="2200" dirty="0" smtClean="0">
+                <a:solidFill>
+                  <a:schemeClr val="accent6"/>
+                </a:solidFill>
+              </a:rPr>
+              <a:t>A NFS server setup requires the </a:t>
+            </a:r>
+            <a:r>
+              <a:rPr lang="en-US" sz="2200" dirty="0" err="1" smtClean="0">
+                <a:solidFill>
+                  <a:schemeClr val="accent6"/>
+                </a:solidFill>
+              </a:rPr>
+              <a:t>nfs-utils</a:t>
+            </a:r>
+            <a:r>
+              <a:rPr lang="en-US" sz="2200" dirty="0" smtClean="0">
+                <a:solidFill>
+                  <a:schemeClr val="accent6"/>
+                </a:solidFill>
+              </a:rPr>
+              <a:t> package to be installed. The configuration file for the NFS server exports is the /</a:t>
+            </a:r>
+            <a:r>
+              <a:rPr lang="en-US" sz="2200" dirty="0" err="1" smtClean="0">
+                <a:solidFill>
+                  <a:schemeClr val="accent6"/>
+                </a:solidFill>
+              </a:rPr>
+              <a:t>etc</a:t>
+            </a:r>
+            <a:r>
+              <a:rPr lang="en-US" sz="2200" dirty="0" smtClean="0">
+                <a:solidFill>
+                  <a:schemeClr val="accent6"/>
+                </a:solidFill>
+              </a:rPr>
+              <a:t>/exports file.</a:t>
+            </a:r>
+            <a:br>
+              <a:rPr lang="en-US" sz="2200" dirty="0" smtClean="0">
+                <a:solidFill>
+                  <a:schemeClr val="accent6"/>
+                </a:solidFill>
+              </a:rPr>
+            </a:br>
+            <a:r>
+              <a:rPr lang="en-US" sz="2200" dirty="0">
+                <a:solidFill>
+                  <a:schemeClr val="accent6"/>
+                </a:solidFill>
+              </a:rPr>
+              <a:t/>
+            </a:r>
+            <a:br>
+              <a:rPr lang="en-US" sz="2200" dirty="0">
+                <a:solidFill>
+                  <a:schemeClr val="accent6"/>
+                </a:solidFill>
+              </a:rPr>
+            </a:br>
+            <a:r>
+              <a:rPr lang="en-US" sz="2200" dirty="0" smtClean="0">
+                <a:solidFill>
+                  <a:schemeClr val="accent6"/>
+                </a:solidFill>
+              </a:rPr>
+              <a:t>An entry in /</a:t>
+            </a:r>
+            <a:r>
+              <a:rPr lang="en-US" sz="2200" dirty="0" err="1" smtClean="0">
+                <a:solidFill>
+                  <a:schemeClr val="accent6"/>
+                </a:solidFill>
+              </a:rPr>
+              <a:t>etc</a:t>
+            </a:r>
+            <a:r>
+              <a:rPr lang="en-US" sz="2200" dirty="0" smtClean="0">
+                <a:solidFill>
+                  <a:schemeClr val="accent6"/>
+                </a:solidFill>
+              </a:rPr>
+              <a:t>/exports looks like:</a:t>
+            </a:r>
+            <a:br>
+              <a:rPr lang="en-US" sz="2200" dirty="0" smtClean="0">
+                <a:solidFill>
+                  <a:schemeClr val="accent6"/>
+                </a:solidFill>
+              </a:rPr>
+            </a:br>
+            <a:r>
+              <a:rPr lang="en-US" sz="2200" dirty="0" smtClean="0">
+                <a:solidFill>
+                  <a:schemeClr val="accent6"/>
+                </a:solidFill>
+              </a:rPr>
+              <a:t>directory machine(option1,option2) machine(option1, option2)</a:t>
+            </a:r>
+            <a:br>
+              <a:rPr lang="en-US" sz="2200" dirty="0" smtClean="0">
+                <a:solidFill>
+                  <a:schemeClr val="accent6"/>
+                </a:solidFill>
+              </a:rPr>
+            </a:br>
+            <a:r>
+              <a:rPr lang="en-US" sz="2200" dirty="0" smtClean="0">
+                <a:solidFill>
+                  <a:schemeClr val="accent6"/>
+                </a:solidFill>
+              </a:rPr>
+              <a:t/>
+            </a:r>
+            <a:br>
+              <a:rPr lang="en-US" sz="2200" dirty="0" smtClean="0">
+                <a:solidFill>
+                  <a:schemeClr val="accent6"/>
+                </a:solidFill>
+              </a:rPr>
+            </a:br>
+            <a:r>
+              <a:rPr lang="en-US" sz="2200" dirty="0" smtClean="0">
+                <a:solidFill>
+                  <a:schemeClr val="accent6"/>
+                </a:solidFill>
+              </a:rPr>
+              <a:t>/home 192.168.0.1(</a:t>
+            </a:r>
+            <a:r>
+              <a:rPr lang="en-US" sz="2200" dirty="0" err="1" smtClean="0">
+                <a:solidFill>
+                  <a:schemeClr val="accent6"/>
+                </a:solidFill>
+              </a:rPr>
+              <a:t>rw</a:t>
+            </a:r>
+            <a:r>
+              <a:rPr lang="en-US" sz="2200" dirty="0" smtClean="0">
+                <a:solidFill>
+                  <a:schemeClr val="accent6"/>
+                </a:solidFill>
+              </a:rPr>
+              <a:t>, </a:t>
+            </a:r>
+            <a:r>
+              <a:rPr lang="en-US" sz="2200" dirty="0" err="1" smtClean="0">
+                <a:solidFill>
+                  <a:schemeClr val="accent6"/>
+                </a:solidFill>
+              </a:rPr>
+              <a:t>no_root_squash</a:t>
+            </a:r>
+            <a:r>
+              <a:rPr lang="en-US" sz="2200" dirty="0" smtClean="0">
+                <a:solidFill>
+                  <a:schemeClr val="accent6"/>
+                </a:solidFill>
+              </a:rPr>
+              <a:t>) 192.168.0.2(</a:t>
+            </a:r>
+            <a:r>
+              <a:rPr lang="en-US" sz="2200" dirty="0" err="1" smtClean="0">
+                <a:solidFill>
+                  <a:schemeClr val="accent6"/>
+                </a:solidFill>
+              </a:rPr>
+              <a:t>rw</a:t>
+            </a:r>
+            <a:r>
+              <a:rPr lang="en-US" sz="2200" dirty="0" smtClean="0">
+                <a:solidFill>
+                  <a:schemeClr val="accent6"/>
+                </a:solidFill>
+              </a:rPr>
+              <a:t>)</a:t>
+            </a:r>
+            <a:r>
               <a:rPr lang="en-US" sz="2700" dirty="0" smtClean="0">
                 <a:solidFill>
                   <a:schemeClr val="accent6"/>
                 </a:solidFill>
               </a:rPr>
-              <a:t>Network File System(NFS) allows remote hosts to mount file systems over a network and interact with them as though they are mounted locally. </a:t>
-            </a:r>
-            <a:br>
-              <a:rPr lang="en-US" sz="2700" dirty="0" smtClean="0">
-                <a:solidFill>
-                  <a:schemeClr val="accent6"/>
-                </a:solidFill>
-              </a:rPr>
-            </a:br>
-            <a:r>
-              <a:rPr lang="en-US" sz="2700" dirty="0">
-                <a:solidFill>
-                  <a:schemeClr val="accent6"/>
-                </a:solidFill>
-              </a:rPr>
-              <a:t/>
-            </a:r>
-            <a:br>
-              <a:rPr lang="en-US" sz="2700" dirty="0">
-                <a:solidFill>
-                  <a:schemeClr val="accent6"/>
-                </a:solidFill>
-              </a:rPr>
-            </a:br>
-            <a:r>
-              <a:rPr lang="en-US" sz="2700" dirty="0" smtClean="0">
-                <a:solidFill>
-                  <a:schemeClr val="accent6"/>
-                </a:solidFill>
-              </a:rPr>
-              <a:t>A NFS server setup requires the </a:t>
-            </a:r>
-            <a:r>
-              <a:rPr lang="en-US" sz="2700" dirty="0" err="1" smtClean="0">
-                <a:solidFill>
-                  <a:schemeClr val="accent6"/>
-                </a:solidFill>
-              </a:rPr>
-              <a:t>nfs-utils</a:t>
-            </a:r>
-            <a:r>
-              <a:rPr lang="en-US" sz="2700" dirty="0" smtClean="0">
-                <a:solidFill>
-                  <a:schemeClr val="accent6"/>
-                </a:solidFill>
-              </a:rPr>
-              <a:t> package to be installed. The configuration file for the NFS server exports is the /</a:t>
-            </a:r>
-            <a:r>
-              <a:rPr lang="en-US" sz="2700" dirty="0" err="1" smtClean="0">
-                <a:solidFill>
-                  <a:schemeClr val="accent6"/>
-                </a:solidFill>
-              </a:rPr>
-              <a:t>etc</a:t>
-            </a:r>
-            <a:r>
-              <a:rPr lang="en-US" sz="2700" dirty="0" smtClean="0">
-                <a:solidFill>
-                  <a:schemeClr val="accent6"/>
-                </a:solidFill>
-              </a:rPr>
-              <a:t>/exports file.</a:t>
-            </a:r>
-            <a:br>
-              <a:rPr lang="en-US" sz="2700" dirty="0" smtClean="0">
-                <a:solidFill>
-                  <a:schemeClr val="accent6"/>
-                </a:solidFill>
-              </a:rPr>
-            </a:br>
-            <a:r>
-              <a:rPr lang="en-US" sz="2700" dirty="0">
-                <a:solidFill>
-                  <a:schemeClr val="accent6"/>
-                </a:solidFill>
-              </a:rPr>
-              <a:t/>
-            </a:r>
-            <a:br>
-              <a:rPr lang="en-US" sz="2700" dirty="0">
-                <a:solidFill>
-                  <a:schemeClr val="accent6"/>
-                </a:solidFill>
-              </a:rPr>
-            </a:br>
-            <a:r>
-              <a:rPr lang="en-US" sz="2700" dirty="0" smtClean="0">
-                <a:solidFill>
-                  <a:schemeClr val="accent6"/>
-                </a:solidFill>
-              </a:rPr>
-              <a:t>An entry in /</a:t>
-            </a:r>
-            <a:r>
-              <a:rPr lang="en-US" sz="2700" dirty="0" err="1" smtClean="0">
-                <a:solidFill>
-                  <a:schemeClr val="accent6"/>
-                </a:solidFill>
-              </a:rPr>
-              <a:t>etc</a:t>
-            </a:r>
-            <a:r>
-              <a:rPr lang="en-US" sz="2700" dirty="0" smtClean="0">
-                <a:solidFill>
-                  <a:schemeClr val="accent6"/>
-                </a:solidFill>
-              </a:rPr>
-              <a:t>/exports looks like:</a:t>
-            </a:r>
-            <a:br>
-              <a:rPr lang="en-US" sz="2700" dirty="0" smtClean="0">
-                <a:solidFill>
-                  <a:schemeClr val="accent6"/>
-                </a:solidFill>
-              </a:rPr>
-            </a:br>
-            <a:r>
-              <a:rPr lang="en-US" sz="2700" dirty="0" smtClean="0">
-                <a:solidFill>
-                  <a:schemeClr val="accent6"/>
-                </a:solidFill>
-              </a:rPr>
-              <a:t>directory machine(option1,option2) machine(option1, option2)</a:t>
-            </a:r>
-            <a:br>
-              <a:rPr lang="en-US" sz="2700" dirty="0" smtClean="0">
-                <a:solidFill>
-                  <a:schemeClr val="accent6"/>
-                </a:solidFill>
-              </a:rPr>
-            </a:br>
-            <a:r>
-              <a:rPr lang="en-US" sz="2700" dirty="0" smtClean="0">
-                <a:solidFill>
-                  <a:schemeClr val="accent6"/>
-                </a:solidFill>
-              </a:rPr>
-              <a:t/>
-            </a:r>
-            <a:br>
-              <a:rPr lang="en-US" sz="2700" dirty="0" smtClean="0">
-                <a:solidFill>
-                  <a:schemeClr val="accent6"/>
-                </a:solidFill>
-              </a:rPr>
-            </a:br>
-            <a:r>
-              <a:rPr lang="en-US" sz="2700" dirty="0" smtClean="0">
-                <a:solidFill>
-                  <a:schemeClr val="accent6"/>
-                </a:solidFill>
-              </a:rPr>
-              <a:t>/home 192.168.0.1(</a:t>
-            </a:r>
-            <a:r>
-              <a:rPr lang="en-US" sz="2700" dirty="0" err="1" smtClean="0">
-                <a:solidFill>
-                  <a:schemeClr val="accent6"/>
-                </a:solidFill>
-              </a:rPr>
-              <a:t>rw</a:t>
-            </a:r>
-            <a:r>
-              <a:rPr lang="en-US" sz="2700" dirty="0" smtClean="0">
-                <a:solidFill>
-                  <a:schemeClr val="accent6"/>
-                </a:solidFill>
-              </a:rPr>
-              <a:t>, </a:t>
-            </a:r>
-            <a:r>
-              <a:rPr lang="en-US" sz="2700" dirty="0" err="1" smtClean="0">
-                <a:solidFill>
-                  <a:schemeClr val="accent6"/>
-                </a:solidFill>
-              </a:rPr>
-              <a:t>no_root_squash</a:t>
-            </a:r>
-            <a:r>
-              <a:rPr lang="en-US" sz="2700" dirty="0" smtClean="0">
-                <a:solidFill>
-                  <a:schemeClr val="accent6"/>
-                </a:solidFill>
-              </a:rPr>
-              <a:t>) 192.168.0.2(</a:t>
-            </a:r>
-            <a:r>
-              <a:rPr lang="en-US" sz="2700" dirty="0" err="1" smtClean="0">
-                <a:solidFill>
-                  <a:schemeClr val="accent6"/>
-                </a:solidFill>
-              </a:rPr>
-              <a:t>rw</a:t>
-            </a:r>
-            <a:r>
-              <a:rPr lang="en-US" sz="2700" dirty="0" smtClean="0">
-                <a:solidFill>
-                  <a:schemeClr val="accent6"/>
-                </a:solidFill>
-              </a:rPr>
-              <a:t>)</a:t>
+              <a:t/>
             </a:r>
             <a:br>
               <a:rPr lang="en-US" sz="2700" dirty="0" smtClean="0">
@@ -6375,25 +7213,6 @@
                 <a:schemeClr val="accent6"/>
               </a:solidFill>
             </a:endParaRPr>
-          </a:p>
-        </p:txBody>
-      </p:sp>
-      <p:sp>
-        <p:nvSpPr>
-          <p:cNvPr id="3" name="Content Placeholder 2"/>
-          <p:cNvSpPr>
-            <a:spLocks noGrp="1"/>
-          </p:cNvSpPr>
-          <p:nvPr>
-            <p:ph idx="1"/>
-          </p:nvPr>
-        </p:nvSpPr>
-        <p:spPr/>
-        <p:txBody>
-          <a:bodyPr/>
-          <a:lstStyle/>
-          <a:p>
-            <a:endParaRPr lang="en-US" dirty="0"/>
           </a:p>
         </p:txBody>
       </p:sp>
@@ -7494,29 +8313,914 @@
           </a:p>
         </p:txBody>
       </p:sp>
+    </p:spTree>
+    <p:extLst>
+      <p:ext uri="{BB962C8B-B14F-4D97-AF65-F5344CB8AC3E}">
+        <p14:creationId xmlns:p14="http://schemas.microsoft.com/office/powerpoint/2010/main" val="645743950"/>
+      </p:ext>
+    </p:extLst>
+  </p:cSld>
+  <p:clrMapOvr>
+    <a:masterClrMapping/>
+  </p:clrMapOvr>
+</p:sld>
+</file>
+
+<file path=ppt/slides/slide8.xml><?xml version="1.0" encoding="utf-8"?>
+<p:sld xmlns:a="http://schemas.openxmlformats.org/drawingml/2006/main" xmlns:r="http://schemas.openxmlformats.org/officeDocument/2006/relationships" xmlns:p="http://schemas.openxmlformats.org/presentationml/2006/main">
+  <p:cSld>
+    <p:spTree>
+      <p:nvGrpSpPr>
+        <p:cNvPr id="1" name=""/>
+        <p:cNvGrpSpPr/>
+        <p:nvPr/>
+      </p:nvGrpSpPr>
+      <p:grpSpPr>
+        <a:xfrm>
+          <a:off x="0" y="0"/>
+          <a:ext cx="0" cy="0"/>
+          <a:chOff x="0" y="0"/>
+          <a:chExt cx="0" cy="0"/>
+        </a:xfrm>
+      </p:grpSpPr>
       <p:sp>
         <p:nvSpPr>
-          <p:cNvPr id="3" name="Content Placeholder 2"/>
+          <p:cNvPr id="2" name="Title 1"/>
           <p:cNvSpPr>
             <a:spLocks noGrp="1"/>
           </p:cNvSpPr>
           <p:nvPr>
-            <p:ph idx="1"/>
+            <p:ph type="title"/>
           </p:nvPr>
         </p:nvSpPr>
         <p:spPr/>
         <p:txBody>
-          <a:bodyPr/>
+          <a:bodyPr>
+            <a:normAutofit fontScale="90000"/>
+          </a:bodyPr>
           <a:lstStyle/>
           <a:p>
-            <a:endParaRPr lang="en-US" dirty="0"/>
+            <a:r>
+              <a:rPr lang="en-US" dirty="0" smtClean="0">
+                <a:solidFill>
+                  <a:schemeClr val="accent6"/>
+                </a:solidFill>
+              </a:rPr>
+              <a:t/>
+            </a:r>
+            <a:br>
+              <a:rPr lang="en-US" dirty="0" smtClean="0">
+                <a:solidFill>
+                  <a:schemeClr val="accent6"/>
+                </a:solidFill>
+              </a:rPr>
+            </a:br>
+            <a:r>
+              <a:rPr lang="en-US" dirty="0">
+                <a:solidFill>
+                  <a:schemeClr val="accent6"/>
+                </a:solidFill>
+              </a:rPr>
+              <a:t/>
+            </a:r>
+            <a:br>
+              <a:rPr lang="en-US" dirty="0">
+                <a:solidFill>
+                  <a:schemeClr val="accent6"/>
+                </a:solidFill>
+              </a:rPr>
+            </a:br>
+            <a:r>
+              <a:rPr lang="en-US" dirty="0" smtClean="0">
+                <a:solidFill>
+                  <a:schemeClr val="accent6"/>
+                </a:solidFill>
+              </a:rPr>
+              <a:t/>
+            </a:r>
+            <a:br>
+              <a:rPr lang="en-US" dirty="0" smtClean="0">
+                <a:solidFill>
+                  <a:schemeClr val="accent6"/>
+                </a:solidFill>
+              </a:rPr>
+            </a:br>
+            <a:r>
+              <a:rPr lang="en-US" dirty="0">
+                <a:solidFill>
+                  <a:schemeClr val="accent6"/>
+                </a:solidFill>
+              </a:rPr>
+              <a:t/>
+            </a:r>
+            <a:br>
+              <a:rPr lang="en-US" dirty="0">
+                <a:solidFill>
+                  <a:schemeClr val="accent6"/>
+                </a:solidFill>
+              </a:rPr>
+            </a:br>
+            <a:r>
+              <a:rPr lang="en-US" dirty="0" smtClean="0">
+                <a:solidFill>
+                  <a:schemeClr val="accent6"/>
+                </a:solidFill>
+              </a:rPr>
+              <a:t/>
+            </a:r>
+            <a:br>
+              <a:rPr lang="en-US" dirty="0" smtClean="0">
+                <a:solidFill>
+                  <a:schemeClr val="accent6"/>
+                </a:solidFill>
+              </a:rPr>
+            </a:br>
+            <a:r>
+              <a:rPr lang="en-US" dirty="0" smtClean="0">
+                <a:solidFill>
+                  <a:schemeClr val="accent6"/>
+                </a:solidFill>
+              </a:rPr>
+              <a:t/>
+            </a:r>
+            <a:br>
+              <a:rPr lang="en-US" dirty="0" smtClean="0">
+                <a:solidFill>
+                  <a:schemeClr val="accent6"/>
+                </a:solidFill>
+              </a:rPr>
+            </a:br>
+            <a:r>
+              <a:rPr lang="en-US" dirty="0">
+                <a:solidFill>
+                  <a:schemeClr val="accent6"/>
+                </a:solidFill>
+              </a:rPr>
+              <a:t/>
+            </a:r>
+            <a:br>
+              <a:rPr lang="en-US" dirty="0">
+                <a:solidFill>
+                  <a:schemeClr val="accent6"/>
+                </a:solidFill>
+              </a:rPr>
+            </a:br>
+            <a:r>
+              <a:rPr lang="en-US" dirty="0" smtClean="0">
+                <a:solidFill>
+                  <a:schemeClr val="accent6"/>
+                </a:solidFill>
+              </a:rPr>
+              <a:t/>
+            </a:r>
+            <a:br>
+              <a:rPr lang="en-US" dirty="0" smtClean="0">
+                <a:solidFill>
+                  <a:schemeClr val="accent6"/>
+                </a:solidFill>
+              </a:rPr>
+            </a:br>
+            <a:r>
+              <a:rPr lang="en-US" sz="2200" dirty="0" smtClean="0">
+                <a:solidFill>
+                  <a:schemeClr val="accent6"/>
+                </a:solidFill>
+              </a:rPr>
+              <a:t>Server Message Block(SMB) is the standard file-sharing protocol for Microsoft Windows servers and clients. Using a software package named Samba, Linux is able to act as a server for SMB file shares.</a:t>
+            </a:r>
+            <a:br>
+              <a:rPr lang="en-US" sz="2200" dirty="0" smtClean="0">
+                <a:solidFill>
+                  <a:schemeClr val="accent6"/>
+                </a:solidFill>
+              </a:rPr>
+            </a:br>
+            <a:r>
+              <a:rPr lang="en-US" sz="2200" dirty="0">
+                <a:solidFill>
+                  <a:schemeClr val="accent6"/>
+                </a:solidFill>
+              </a:rPr>
+              <a:t/>
+            </a:r>
+            <a:br>
+              <a:rPr lang="en-US" sz="2200" dirty="0">
+                <a:solidFill>
+                  <a:schemeClr val="accent6"/>
+                </a:solidFill>
+              </a:rPr>
+            </a:br>
+            <a:r>
+              <a:rPr lang="en-US" sz="2200" dirty="0" smtClean="0">
+                <a:solidFill>
+                  <a:schemeClr val="accent6"/>
+                </a:solidFill>
+              </a:rPr>
+              <a:t>The Samba service can share Linux file systems as SMB network file shares.</a:t>
+            </a:r>
+            <a:br>
+              <a:rPr lang="en-US" sz="2200" dirty="0" smtClean="0">
+                <a:solidFill>
+                  <a:schemeClr val="accent6"/>
+                </a:solidFill>
+              </a:rPr>
+            </a:br>
+            <a:r>
+              <a:rPr lang="en-US" sz="2200" dirty="0">
+                <a:solidFill>
+                  <a:schemeClr val="accent6"/>
+                </a:solidFill>
+              </a:rPr>
+              <a:t/>
+            </a:r>
+            <a:br>
+              <a:rPr lang="en-US" sz="2200" dirty="0">
+                <a:solidFill>
+                  <a:schemeClr val="accent6"/>
+                </a:solidFill>
+              </a:rPr>
+            </a:br>
+            <a:r>
+              <a:rPr lang="en-US" sz="2200" dirty="0" smtClean="0">
+                <a:solidFill>
+                  <a:schemeClr val="accent6"/>
+                </a:solidFill>
+              </a:rPr>
+              <a:t>1. Install the samba package. =&gt; yum install samba. </a:t>
+            </a:r>
+            <a:br>
+              <a:rPr lang="en-US" sz="2200" dirty="0" smtClean="0">
+                <a:solidFill>
+                  <a:schemeClr val="accent6"/>
+                </a:solidFill>
+              </a:rPr>
+            </a:br>
+            <a:r>
+              <a:rPr lang="en-US" sz="2200" dirty="0" smtClean="0">
+                <a:solidFill>
+                  <a:schemeClr val="accent6"/>
+                </a:solidFill>
+              </a:rPr>
+              <a:t>2. Prepare the directory =&gt; </a:t>
+            </a:r>
+            <a:r>
+              <a:rPr lang="en-US" sz="2200" dirty="0" err="1" smtClean="0">
+                <a:solidFill>
+                  <a:schemeClr val="accent6"/>
+                </a:solidFill>
+              </a:rPr>
+              <a:t>mkdir</a:t>
+            </a:r>
+            <a:r>
+              <a:rPr lang="en-US" sz="2200" dirty="0" smtClean="0">
+                <a:solidFill>
+                  <a:schemeClr val="accent6"/>
+                </a:solidFill>
+              </a:rPr>
+              <a:t> /</a:t>
+            </a:r>
+            <a:r>
+              <a:rPr lang="en-US" sz="2200" dirty="0" err="1" smtClean="0">
+                <a:solidFill>
+                  <a:schemeClr val="accent6"/>
+                </a:solidFill>
+              </a:rPr>
+              <a:t>sharedpath</a:t>
+            </a:r>
+            <a:r>
+              <a:rPr lang="en-US" sz="2200" dirty="0" smtClean="0">
+                <a:solidFill>
+                  <a:schemeClr val="accent6"/>
+                </a:solidFill>
+              </a:rPr>
+              <a:t/>
+            </a:r>
+            <a:br>
+              <a:rPr lang="en-US" sz="2200" dirty="0" smtClean="0">
+                <a:solidFill>
+                  <a:schemeClr val="accent6"/>
+                </a:solidFill>
+              </a:rPr>
+            </a:br>
+            <a:r>
+              <a:rPr lang="en-US" sz="2200" dirty="0" smtClean="0">
+                <a:solidFill>
+                  <a:schemeClr val="accent6"/>
+                </a:solidFill>
+              </a:rPr>
+              <a:t>3. Configure the /</a:t>
+            </a:r>
+            <a:r>
+              <a:rPr lang="en-US" sz="2200" dirty="0" err="1" smtClean="0">
+                <a:solidFill>
+                  <a:schemeClr val="accent6"/>
+                </a:solidFill>
+              </a:rPr>
+              <a:t>etc</a:t>
+            </a:r>
+            <a:r>
+              <a:rPr lang="en-US" sz="2200" dirty="0" smtClean="0">
+                <a:solidFill>
+                  <a:schemeClr val="accent6"/>
+                </a:solidFill>
+              </a:rPr>
+              <a:t>/samba/</a:t>
+            </a:r>
+            <a:r>
+              <a:rPr lang="en-US" sz="2200" dirty="0" err="1" smtClean="0">
+                <a:solidFill>
+                  <a:schemeClr val="accent6"/>
+                </a:solidFill>
+              </a:rPr>
+              <a:t>smb.conf</a:t>
+            </a:r>
+            <a:r>
+              <a:rPr lang="en-US" sz="2200" dirty="0" smtClean="0">
+                <a:solidFill>
+                  <a:schemeClr val="accent6"/>
+                </a:solidFill>
+              </a:rPr>
+              <a:t/>
+            </a:r>
+            <a:br>
+              <a:rPr lang="en-US" sz="2200" dirty="0" smtClean="0">
+                <a:solidFill>
+                  <a:schemeClr val="accent6"/>
+                </a:solidFill>
+              </a:rPr>
+            </a:br>
+            <a:r>
+              <a:rPr lang="en-US" sz="2200" dirty="0" smtClean="0">
+                <a:solidFill>
+                  <a:schemeClr val="accent6"/>
+                </a:solidFill>
+              </a:rPr>
+              <a:t>4. Set up the appropriate Linux users.</a:t>
+            </a:r>
+            <a:br>
+              <a:rPr lang="en-US" sz="2200" dirty="0" smtClean="0">
+                <a:solidFill>
+                  <a:schemeClr val="accent6"/>
+                </a:solidFill>
+              </a:rPr>
+            </a:br>
+            <a:r>
+              <a:rPr lang="en-US" sz="2200" dirty="0" smtClean="0">
+                <a:solidFill>
+                  <a:schemeClr val="accent6"/>
+                </a:solidFill>
+              </a:rPr>
+              <a:t>5. Start Samba and open the local firewall.</a:t>
+            </a:r>
+            <a:br>
+              <a:rPr lang="en-US" sz="2200" dirty="0" smtClean="0">
+                <a:solidFill>
+                  <a:schemeClr val="accent6"/>
+                </a:solidFill>
+              </a:rPr>
+            </a:br>
+            <a:r>
+              <a:rPr lang="en-US" sz="2200" dirty="0" smtClean="0">
+                <a:solidFill>
+                  <a:schemeClr val="accent6"/>
+                </a:solidFill>
+              </a:rPr>
+              <a:t>6. Verify that the share can be mounted from a </a:t>
+            </a:r>
+            <a:r>
+              <a:rPr lang="en-US" sz="2200" dirty="0" err="1" smtClean="0">
+                <a:solidFill>
+                  <a:schemeClr val="accent6"/>
+                </a:solidFill>
+              </a:rPr>
+              <a:t>client.</a:t>
+            </a:r>
+            <a:r>
+              <a:rPr lang="en-US" sz="2200" dirty="0" err="1" smtClean="0"/>
+              <a:t>S</a:t>
+            </a:r>
+            <a:endParaRPr lang="en-US" sz="2200" dirty="0"/>
           </a:p>
         </p:txBody>
       </p:sp>
     </p:spTree>
     <p:extLst>
       <p:ext uri="{BB962C8B-B14F-4D97-AF65-F5344CB8AC3E}">
-        <p14:creationId xmlns:p14="http://schemas.microsoft.com/office/powerpoint/2010/main" val="645743950"/>
+        <p14:creationId xmlns:p14="http://schemas.microsoft.com/office/powerpoint/2010/main" val="2063438960"/>
+      </p:ext>
+    </p:extLst>
+  </p:cSld>
+  <p:clrMapOvr>
+    <a:masterClrMapping/>
+  </p:clrMapOvr>
+</p:sld>
+</file>
+
+<file path=ppt/slides/slide9.xml><?xml version="1.0" encoding="utf-8"?>
+<p:sld xmlns:a="http://schemas.openxmlformats.org/drawingml/2006/main" xmlns:r="http://schemas.openxmlformats.org/officeDocument/2006/relationships" xmlns:p="http://schemas.openxmlformats.org/presentationml/2006/main">
+  <p:cSld>
+    <p:spTree>
+      <p:nvGrpSpPr>
+        <p:cNvPr id="1" name=""/>
+        <p:cNvGrpSpPr/>
+        <p:nvPr/>
+      </p:nvGrpSpPr>
+      <p:grpSpPr>
+        <a:xfrm>
+          <a:off x="0" y="0"/>
+          <a:ext cx="0" cy="0"/>
+          <a:chOff x="0" y="0"/>
+          <a:chExt cx="0" cy="0"/>
+        </a:xfrm>
+      </p:grpSpPr>
+      <p:sp>
+        <p:nvSpPr>
+          <p:cNvPr id="2" name="Title 1"/>
+          <p:cNvSpPr>
+            <a:spLocks noGrp="1"/>
+          </p:cNvSpPr>
+          <p:nvPr>
+            <p:ph type="title"/>
+          </p:nvPr>
+        </p:nvSpPr>
+        <p:spPr>
+          <a:xfrm>
+            <a:off x="457200" y="274638"/>
+            <a:ext cx="8229600" cy="944562"/>
+          </a:xfrm>
+        </p:spPr>
+        <p:txBody>
+          <a:bodyPr>
+            <a:normAutofit fontScale="90000"/>
+          </a:bodyPr>
+          <a:lstStyle/>
+          <a:p>
+            <a:r>
+              <a:rPr lang="en-US" sz="2400" dirty="0" smtClean="0">
+                <a:solidFill>
+                  <a:schemeClr val="accent6"/>
+                </a:solidFill>
+              </a:rPr>
+              <a:t/>
+            </a:r>
+            <a:br>
+              <a:rPr lang="en-US" sz="2400" dirty="0" smtClean="0">
+                <a:solidFill>
+                  <a:schemeClr val="accent6"/>
+                </a:solidFill>
+              </a:rPr>
+            </a:br>
+            <a:r>
+              <a:rPr lang="en-US" sz="2400" dirty="0">
+                <a:solidFill>
+                  <a:schemeClr val="accent6"/>
+                </a:solidFill>
+              </a:rPr>
+              <a:t/>
+            </a:r>
+            <a:br>
+              <a:rPr lang="en-US" sz="2400" dirty="0">
+                <a:solidFill>
+                  <a:schemeClr val="accent6"/>
+                </a:solidFill>
+              </a:rPr>
+            </a:br>
+            <a:r>
+              <a:rPr lang="en-US" sz="2400" dirty="0" smtClean="0">
+                <a:solidFill>
+                  <a:schemeClr val="accent6"/>
+                </a:solidFill>
+              </a:rPr>
+              <a:t/>
+            </a:r>
+            <a:br>
+              <a:rPr lang="en-US" sz="2400" dirty="0" smtClean="0">
+                <a:solidFill>
+                  <a:schemeClr val="accent6"/>
+                </a:solidFill>
+              </a:rPr>
+            </a:br>
+            <a:r>
+              <a:rPr lang="en-US" sz="2400" dirty="0">
+                <a:solidFill>
+                  <a:schemeClr val="accent6"/>
+                </a:solidFill>
+              </a:rPr>
+              <a:t/>
+            </a:r>
+            <a:br>
+              <a:rPr lang="en-US" sz="2400" dirty="0">
+                <a:solidFill>
+                  <a:schemeClr val="accent6"/>
+                </a:solidFill>
+              </a:rPr>
+            </a:br>
+            <a:r>
+              <a:rPr lang="en-US" sz="2400" dirty="0" smtClean="0">
+                <a:solidFill>
+                  <a:schemeClr val="accent6"/>
+                </a:solidFill>
+              </a:rPr>
+              <a:t/>
+            </a:r>
+            <a:br>
+              <a:rPr lang="en-US" sz="2400" dirty="0" smtClean="0">
+                <a:solidFill>
+                  <a:schemeClr val="accent6"/>
+                </a:solidFill>
+              </a:rPr>
+            </a:br>
+            <a:r>
+              <a:rPr lang="en-US" sz="2400" dirty="0" smtClean="0">
+                <a:solidFill>
+                  <a:schemeClr val="accent6"/>
+                </a:solidFill>
+              </a:rPr>
+              <a:t/>
+            </a:r>
+            <a:br>
+              <a:rPr lang="en-US" sz="2400" dirty="0" smtClean="0">
+                <a:solidFill>
+                  <a:schemeClr val="accent6"/>
+                </a:solidFill>
+              </a:rPr>
+            </a:br>
+            <a:r>
+              <a:rPr lang="en-US" sz="2000" dirty="0" smtClean="0">
+                <a:solidFill>
+                  <a:schemeClr val="accent6"/>
+                </a:solidFill>
+              </a:rPr>
+              <a:t>3. Configuration of /</a:t>
+            </a:r>
+            <a:r>
+              <a:rPr lang="en-US" sz="2000" dirty="0" err="1" smtClean="0">
+                <a:solidFill>
+                  <a:schemeClr val="accent6"/>
+                </a:solidFill>
+              </a:rPr>
+              <a:t>etc</a:t>
+            </a:r>
+            <a:r>
+              <a:rPr lang="en-US" sz="2000" dirty="0" smtClean="0">
+                <a:solidFill>
+                  <a:schemeClr val="accent6"/>
+                </a:solidFill>
+              </a:rPr>
+              <a:t>/samba/</a:t>
+            </a:r>
+            <a:r>
+              <a:rPr lang="en-US" sz="2000" dirty="0" err="1" smtClean="0">
+                <a:solidFill>
+                  <a:schemeClr val="accent6"/>
+                </a:solidFill>
+              </a:rPr>
+              <a:t>smb.conf</a:t>
+            </a:r>
+            <a:r>
+              <a:rPr lang="en-US" sz="2000" dirty="0" smtClean="0">
+                <a:solidFill>
+                  <a:schemeClr val="accent6"/>
+                </a:solidFill>
+              </a:rPr>
+              <a:t/>
+            </a:r>
+            <a:br>
+              <a:rPr lang="en-US" sz="2000" dirty="0" smtClean="0">
+                <a:solidFill>
+                  <a:schemeClr val="accent6"/>
+                </a:solidFill>
+              </a:rPr>
+            </a:br>
+            <a:r>
+              <a:rPr lang="en-US" sz="2000" dirty="0" smtClean="0">
+                <a:solidFill>
+                  <a:schemeClr val="accent6"/>
+                </a:solidFill>
+              </a:rPr>
+              <a:t>The main configuration file for Samba. Each section starts with a section name in square brackets, followed by a list of parameters set to particular values.</a:t>
+            </a:r>
+            <a:r>
+              <a:rPr lang="en-US" sz="2000" dirty="0">
+                <a:solidFill>
+                  <a:schemeClr val="accent6"/>
+                </a:solidFill>
+              </a:rPr>
+              <a:t/>
+            </a:r>
+            <a:br>
+              <a:rPr lang="en-US" sz="2000" dirty="0">
+                <a:solidFill>
+                  <a:schemeClr val="accent6"/>
+                </a:solidFill>
+              </a:rPr>
+            </a:br>
+            <a:r>
+              <a:rPr lang="en-US" sz="2000" dirty="0" smtClean="0">
+                <a:solidFill>
+                  <a:schemeClr val="accent6"/>
+                </a:solidFill>
+              </a:rPr>
+              <a:t>The [global] section used to general server configuration. </a:t>
+            </a:r>
+            <a:br>
+              <a:rPr lang="en-US" sz="2000" dirty="0" smtClean="0">
+                <a:solidFill>
+                  <a:schemeClr val="accent6"/>
+                </a:solidFill>
+              </a:rPr>
+            </a:br>
+            <a:r>
+              <a:rPr lang="en-US" sz="2000" dirty="0" smtClean="0">
+                <a:solidFill>
+                  <a:schemeClr val="accent6"/>
+                </a:solidFill>
+              </a:rPr>
+              <a:t/>
+            </a:r>
+            <a:br>
+              <a:rPr lang="en-US" sz="2000" dirty="0" smtClean="0">
+                <a:solidFill>
+                  <a:schemeClr val="accent6"/>
+                </a:solidFill>
+              </a:rPr>
+            </a:br>
+            <a:r>
+              <a:rPr lang="en-US" sz="2000" dirty="0">
+                <a:solidFill>
+                  <a:schemeClr val="accent6"/>
+                </a:solidFill>
+              </a:rPr>
+              <a:t/>
+            </a:r>
+            <a:br>
+              <a:rPr lang="en-US" sz="2000" dirty="0">
+                <a:solidFill>
+                  <a:schemeClr val="accent6"/>
+                </a:solidFill>
+              </a:rPr>
+            </a:br>
+            <a:r>
+              <a:rPr lang="en-US" sz="2400" dirty="0" smtClean="0">
+                <a:solidFill>
+                  <a:schemeClr val="accent6"/>
+                </a:solidFill>
+              </a:rPr>
+              <a:t/>
+            </a:r>
+            <a:br>
+              <a:rPr lang="en-US" sz="2400" dirty="0" smtClean="0">
+                <a:solidFill>
+                  <a:schemeClr val="accent6"/>
+                </a:solidFill>
+              </a:rPr>
+            </a:br>
+            <a:r>
+              <a:rPr lang="en-US" sz="2400" dirty="0">
+                <a:solidFill>
+                  <a:schemeClr val="accent6"/>
+                </a:solidFill>
+              </a:rPr>
+              <a:t/>
+            </a:r>
+            <a:br>
+              <a:rPr lang="en-US" sz="2400" dirty="0">
+                <a:solidFill>
+                  <a:schemeClr val="accent6"/>
+                </a:solidFill>
+              </a:rPr>
+            </a:br>
+            <a:r>
+              <a:rPr lang="en-US" sz="2400" dirty="0" smtClean="0">
+                <a:solidFill>
+                  <a:schemeClr val="accent6"/>
+                </a:solidFill>
+              </a:rPr>
+              <a:t> </a:t>
+            </a:r>
+            <a:endParaRPr lang="en-US" sz="2400" dirty="0">
+              <a:solidFill>
+                <a:schemeClr val="accent6"/>
+              </a:solidFill>
+            </a:endParaRPr>
+          </a:p>
+        </p:txBody>
+      </p:sp>
+      <p:graphicFrame>
+        <p:nvGraphicFramePr>
+          <p:cNvPr id="4" name="Content Placeholder 3"/>
+          <p:cNvGraphicFramePr>
+            <a:graphicFrameLocks noGrp="1"/>
+          </p:cNvGraphicFramePr>
+          <p:nvPr>
+            <p:ph idx="1"/>
+            <p:extLst>
+              <p:ext uri="{D42A27DB-BD31-4B8C-83A1-F6EECF244321}">
+                <p14:modId xmlns:p14="http://schemas.microsoft.com/office/powerpoint/2010/main" val="833037815"/>
+              </p:ext>
+            </p:extLst>
+          </p:nvPr>
+        </p:nvGraphicFramePr>
+        <p:xfrm>
+          <a:off x="457200" y="2853691"/>
+          <a:ext cx="8229600" cy="3657600"/>
+        </p:xfrm>
+        <a:graphic>
+          <a:graphicData uri="http://schemas.openxmlformats.org/drawingml/2006/table">
+            <a:tbl>
+              <a:tblPr firstRow="1" bandRow="1">
+                <a:tableStyleId>{5C22544A-7EE6-4342-B048-85BDC9FD1C3A}</a:tableStyleId>
+              </a:tblPr>
+              <a:tblGrid>
+                <a:gridCol w="4114800"/>
+                <a:gridCol w="4114800"/>
+              </a:tblGrid>
+              <a:tr h="155829">
+                <a:tc>
+                  <a:txBody>
+                    <a:bodyPr/>
+                    <a:lstStyle/>
+                    <a:p>
+                      <a:r>
+                        <a:rPr lang="en-US" dirty="0" smtClean="0"/>
+                        <a:t>Field</a:t>
+                      </a:r>
+                      <a:endParaRPr lang="en-US" dirty="0"/>
+                    </a:p>
+                  </a:txBody>
+                  <a:tcPr/>
+                </a:tc>
+                <a:tc>
+                  <a:txBody>
+                    <a:bodyPr/>
+                    <a:lstStyle/>
+                    <a:p>
+                      <a:r>
+                        <a:rPr lang="en-US" dirty="0" smtClean="0"/>
+                        <a:t>Meaning</a:t>
+                      </a:r>
+                      <a:endParaRPr lang="en-US" dirty="0"/>
+                    </a:p>
+                  </a:txBody>
+                  <a:tcPr/>
+                </a:tc>
+              </a:tr>
+              <a:tr h="389573">
+                <a:tc>
+                  <a:txBody>
+                    <a:bodyPr/>
+                    <a:lstStyle/>
+                    <a:p>
+                      <a:r>
+                        <a:rPr lang="en-US" dirty="0" smtClean="0"/>
+                        <a:t>workgroup</a:t>
+                      </a:r>
+                      <a:endParaRPr lang="en-US" dirty="0"/>
+                    </a:p>
+                  </a:txBody>
+                  <a:tcPr/>
+                </a:tc>
+                <a:tc>
+                  <a:txBody>
+                    <a:bodyPr/>
+                    <a:lstStyle/>
+                    <a:p>
+                      <a:r>
+                        <a:rPr lang="en-US" dirty="0" smtClean="0"/>
+                        <a:t>The Windows workgroup</a:t>
+                      </a:r>
+                      <a:r>
+                        <a:rPr lang="en-US" baseline="0" dirty="0" smtClean="0"/>
+                        <a:t> for the server. Most Windows systems default to WORKGROUP.</a:t>
+                      </a:r>
+                      <a:endParaRPr lang="en-US" dirty="0"/>
+                    </a:p>
+                  </a:txBody>
+                  <a:tcPr/>
+                </a:tc>
+              </a:tr>
+              <a:tr h="623316">
+                <a:tc>
+                  <a:txBody>
+                    <a:bodyPr/>
+                    <a:lstStyle/>
+                    <a:p>
+                      <a:r>
+                        <a:rPr lang="en-US" dirty="0" smtClean="0"/>
+                        <a:t>security</a:t>
+                      </a:r>
+                      <a:endParaRPr lang="en-US" dirty="0"/>
+                    </a:p>
+                  </a:txBody>
+                  <a:tcPr/>
+                </a:tc>
+                <a:tc>
+                  <a:txBody>
+                    <a:bodyPr/>
+                    <a:lstStyle/>
+                    <a:p>
+                      <a:r>
+                        <a:rPr lang="en-US" dirty="0" smtClean="0"/>
+                        <a:t>Controls how</a:t>
+                      </a:r>
+                      <a:r>
+                        <a:rPr lang="en-US" baseline="0" dirty="0" smtClean="0"/>
+                        <a:t> clients are authenticated by Samba. For </a:t>
+                      </a:r>
+                      <a:r>
+                        <a:rPr lang="en-US" baseline="0" dirty="0" smtClean="0">
+                          <a:solidFill>
+                            <a:srgbClr val="FF0000"/>
+                          </a:solidFill>
+                        </a:rPr>
+                        <a:t>security = user </a:t>
+                      </a:r>
+                      <a:r>
+                        <a:rPr lang="en-US" baseline="0" dirty="0" smtClean="0">
+                          <a:solidFill>
+                            <a:schemeClr val="tx1"/>
+                          </a:solidFill>
+                        </a:rPr>
+                        <a:t>clients log in with a valid username and password managed by the local Samba server. This is the default.</a:t>
+                      </a:r>
+                      <a:endParaRPr lang="en-US" dirty="0">
+                        <a:solidFill>
+                          <a:srgbClr val="FF0000"/>
+                        </a:solidFill>
+                      </a:endParaRPr>
+                    </a:p>
+                  </a:txBody>
+                  <a:tcPr/>
+                </a:tc>
+              </a:tr>
+              <a:tr h="389573">
+                <a:tc>
+                  <a:txBody>
+                    <a:bodyPr/>
+                    <a:lstStyle/>
+                    <a:p>
+                      <a:r>
+                        <a:rPr lang="en-US" dirty="0" smtClean="0"/>
+                        <a:t>hosts allow</a:t>
+                      </a:r>
+                      <a:endParaRPr lang="en-US" dirty="0"/>
+                    </a:p>
+                  </a:txBody>
+                  <a:tcPr/>
+                </a:tc>
+                <a:tc>
+                  <a:txBody>
+                    <a:bodyPr/>
+                    <a:lstStyle/>
+                    <a:p>
+                      <a:r>
+                        <a:rPr lang="en-US" dirty="0" smtClean="0"/>
+                        <a:t>Comma/Space delimited list of hosts that are permitted to access the Samba service.  </a:t>
+                      </a:r>
+                      <a:endParaRPr lang="en-US" dirty="0"/>
+                    </a:p>
+                  </a:txBody>
+                  <a:tcPr/>
+                </a:tc>
+              </a:tr>
+            </a:tbl>
+          </a:graphicData>
+        </a:graphic>
+      </p:graphicFrame>
+      <p:pic>
+        <p:nvPicPr>
+          <p:cNvPr id="5" name="Picture 4"/>
+          <p:cNvPicPr>
+            <a:picLocks noChangeAspect="1"/>
+          </p:cNvPicPr>
+          <p:nvPr/>
+        </p:nvPicPr>
+        <p:blipFill>
+          <a:blip r:embed="rId2">
+            <a:extLst>
+              <a:ext uri="{28A0092B-C50C-407E-A947-70E740481C1C}">
+                <a14:useLocalDpi xmlns:a14="http://schemas.microsoft.com/office/drawing/2010/main" val="0"/>
+              </a:ext>
+            </a:extLst>
+          </a:blip>
+          <a:stretch>
+            <a:fillRect/>
+          </a:stretch>
+        </p:blipFill>
+        <p:spPr>
+          <a:xfrm>
+            <a:off x="1676400" y="1533362"/>
+            <a:ext cx="5715000" cy="1209839"/>
+          </a:xfrm>
+          <a:prstGeom prst="rect">
+            <a:avLst/>
+          </a:prstGeom>
+        </p:spPr>
+      </p:pic>
+    </p:spTree>
+    <p:extLst>
+      <p:ext uri="{BB962C8B-B14F-4D97-AF65-F5344CB8AC3E}">
+        <p14:creationId xmlns:p14="http://schemas.microsoft.com/office/powerpoint/2010/main" val="1294474765"/>
       </p:ext>
     </p:extLst>
   </p:cSld>

--- a/12.SSH_NFS_SAMBA/12-SSH_NFS_SAMBA.pptx
+++ b/12.SSH_NFS_SAMBA/12-SSH_NFS_SAMBA.pptx
@@ -5,7 +5,7 @@
     <p:sldMasterId id="2147483648" r:id="rId1"/>
   </p:sldMasterIdLst>
   <p:notesMasterIdLst>
-    <p:notesMasterId r:id="rId13"/>
+    <p:notesMasterId r:id="rId12"/>
   </p:notesMasterIdLst>
   <p:sldIdLst>
     <p:sldId id="284" r:id="rId2"/>
@@ -18,7 +18,6 @@
     <p:sldId id="291" r:id="rId9"/>
     <p:sldId id="292" r:id="rId10"/>
     <p:sldId id="293" r:id="rId11"/>
-    <p:sldId id="294" r:id="rId12"/>
   </p:sldIdLst>
   <p:sldSz cx="9144000" cy="6858000" type="screen4x3"/>
   <p:notesSz cx="6858000" cy="9144000"/>
@@ -139,11 +138,7 @@
 <file path=ppt/commentAuthors.xml><?xml version="1.0" encoding="utf-8"?>
 <p:cmAuthorLst xmlns:a="http://schemas.openxmlformats.org/drawingml/2006/main" xmlns:r="http://schemas.openxmlformats.org/officeDocument/2006/relationships" xmlns:p="http://schemas.openxmlformats.org/presentationml/2006/main">
   <p:cmAuthor id="1" name="Belichev, Iliya" initials="BI" lastIdx="1" clrIdx="0">
-    <p:extLst>
-      <p:ext uri="{19B8F6BF-5375-455C-9EA6-DF929625EA0E}">
-        <p15:presenceInfo xmlns:p15="http://schemas.microsoft.com/office/powerpoint/2012/main" userId="S-1-5-21-1957994488-842925246-40105171-1920375" providerId="AD"/>
-      </p:ext>
-    </p:extLst>
+    <p:extLst/>
   </p:cmAuthor>
 </p:cmAuthorLst>
 </file>
@@ -230,7 +225,7 @@
           <a:p>
             <a:fld id="{75861919-8521-4274-BB91-998CD62CEE44}" type="datetimeFigureOut">
               <a:rPr lang="en-US" smtClean="0"/>
-              <a:t>1/2/2017</a:t>
+              <a:t>3/24/17</a:t>
             </a:fld>
             <a:endParaRPr lang="en-US"/>
           </a:p>
@@ -498,6 +493,174 @@
 </p:notesMaster>
 </file>
 
+<file path=ppt/notesSlides/notesSlide1.xml><?xml version="1.0" encoding="utf-8"?>
+<p:notes xmlns:a="http://schemas.openxmlformats.org/drawingml/2006/main" xmlns:r="http://schemas.openxmlformats.org/officeDocument/2006/relationships" xmlns:p="http://schemas.openxmlformats.org/presentationml/2006/main">
+  <p:cSld>
+    <p:spTree>
+      <p:nvGrpSpPr>
+        <p:cNvPr id="1" name=""/>
+        <p:cNvGrpSpPr/>
+        <p:nvPr/>
+      </p:nvGrpSpPr>
+      <p:grpSpPr>
+        <a:xfrm>
+          <a:off x="0" y="0"/>
+          <a:ext cx="0" cy="0"/>
+          <a:chOff x="0" y="0"/>
+          <a:chExt cx="0" cy="0"/>
+        </a:xfrm>
+      </p:grpSpPr>
+      <p:sp>
+        <p:nvSpPr>
+          <p:cNvPr id="2" name="Slide Image Placeholder 1"/>
+          <p:cNvSpPr>
+            <a:spLocks noGrp="1" noRot="1" noChangeAspect="1"/>
+          </p:cNvSpPr>
+          <p:nvPr>
+            <p:ph type="sldImg"/>
+          </p:nvPr>
+        </p:nvSpPr>
+        <p:spPr/>
+      </p:sp>
+      <p:sp>
+        <p:nvSpPr>
+          <p:cNvPr id="3" name="Notes Placeholder 2"/>
+          <p:cNvSpPr>
+            <a:spLocks noGrp="1"/>
+          </p:cNvSpPr>
+          <p:nvPr>
+            <p:ph type="body" idx="1"/>
+          </p:nvPr>
+        </p:nvSpPr>
+        <p:spPr/>
+        <p:txBody>
+          <a:bodyPr/>
+          <a:lstStyle/>
+          <a:p>
+            <a:endParaRPr lang="en-US" dirty="0"/>
+          </a:p>
+        </p:txBody>
+      </p:sp>
+      <p:sp>
+        <p:nvSpPr>
+          <p:cNvPr id="4" name="Slide Number Placeholder 3"/>
+          <p:cNvSpPr>
+            <a:spLocks noGrp="1"/>
+          </p:cNvSpPr>
+          <p:nvPr>
+            <p:ph type="sldNum" sz="quarter" idx="10"/>
+          </p:nvPr>
+        </p:nvSpPr>
+        <p:spPr/>
+        <p:txBody>
+          <a:bodyPr/>
+          <a:lstStyle/>
+          <a:p>
+            <a:fld id="{2A2BCF9D-D7FD-459D-AAE8-97A0158967F9}" type="slidenum">
+              <a:rPr lang="en-US" smtClean="0"/>
+              <a:t>4</a:t>
+            </a:fld>
+            <a:endParaRPr lang="en-US"/>
+          </a:p>
+        </p:txBody>
+      </p:sp>
+    </p:spTree>
+    <p:extLst>
+      <p:ext uri="{BB962C8B-B14F-4D97-AF65-F5344CB8AC3E}">
+        <p14:creationId xmlns:p14="http://schemas.microsoft.com/office/powerpoint/2010/main" val="710360084"/>
+      </p:ext>
+    </p:extLst>
+  </p:cSld>
+  <p:clrMapOvr>
+    <a:masterClrMapping/>
+  </p:clrMapOvr>
+</p:notes>
+</file>
+
+<file path=ppt/notesSlides/notesSlide2.xml><?xml version="1.0" encoding="utf-8"?>
+<p:notes xmlns:a="http://schemas.openxmlformats.org/drawingml/2006/main" xmlns:r="http://schemas.openxmlformats.org/officeDocument/2006/relationships" xmlns:p="http://schemas.openxmlformats.org/presentationml/2006/main">
+  <p:cSld>
+    <p:spTree>
+      <p:nvGrpSpPr>
+        <p:cNvPr id="1" name=""/>
+        <p:cNvGrpSpPr/>
+        <p:nvPr/>
+      </p:nvGrpSpPr>
+      <p:grpSpPr>
+        <a:xfrm>
+          <a:off x="0" y="0"/>
+          <a:ext cx="0" cy="0"/>
+          <a:chOff x="0" y="0"/>
+          <a:chExt cx="0" cy="0"/>
+        </a:xfrm>
+      </p:grpSpPr>
+      <p:sp>
+        <p:nvSpPr>
+          <p:cNvPr id="2" name="Slide Image Placeholder 1"/>
+          <p:cNvSpPr>
+            <a:spLocks noGrp="1" noRot="1" noChangeAspect="1"/>
+          </p:cNvSpPr>
+          <p:nvPr>
+            <p:ph type="sldImg"/>
+          </p:nvPr>
+        </p:nvSpPr>
+        <p:spPr/>
+      </p:sp>
+      <p:sp>
+        <p:nvSpPr>
+          <p:cNvPr id="3" name="Notes Placeholder 2"/>
+          <p:cNvSpPr>
+            <a:spLocks noGrp="1"/>
+          </p:cNvSpPr>
+          <p:nvPr>
+            <p:ph type="body" idx="1"/>
+          </p:nvPr>
+        </p:nvSpPr>
+        <p:spPr/>
+        <p:txBody>
+          <a:bodyPr/>
+          <a:lstStyle/>
+          <a:p>
+            <a:endParaRPr lang="en-US" dirty="0"/>
+          </a:p>
+        </p:txBody>
+      </p:sp>
+      <p:sp>
+        <p:nvSpPr>
+          <p:cNvPr id="4" name="Slide Number Placeholder 3"/>
+          <p:cNvSpPr>
+            <a:spLocks noGrp="1"/>
+          </p:cNvSpPr>
+          <p:nvPr>
+            <p:ph type="sldNum" sz="quarter" idx="10"/>
+          </p:nvPr>
+        </p:nvSpPr>
+        <p:spPr/>
+        <p:txBody>
+          <a:bodyPr/>
+          <a:lstStyle/>
+          <a:p>
+            <a:fld id="{2A2BCF9D-D7FD-459D-AAE8-97A0158967F9}" type="slidenum">
+              <a:rPr lang="en-US" smtClean="0"/>
+              <a:t>8</a:t>
+            </a:fld>
+            <a:endParaRPr lang="en-US"/>
+          </a:p>
+        </p:txBody>
+      </p:sp>
+    </p:spTree>
+    <p:extLst>
+      <p:ext uri="{BB962C8B-B14F-4D97-AF65-F5344CB8AC3E}">
+        <p14:creationId xmlns:p14="http://schemas.microsoft.com/office/powerpoint/2010/main" val="2131579193"/>
+      </p:ext>
+    </p:extLst>
+  </p:cSld>
+  <p:clrMapOvr>
+    <a:masterClrMapping/>
+  </p:clrMapOvr>
+</p:notes>
+</file>
+
 <file path=ppt/slideLayouts/slideLayout1.xml><?xml version="1.0" encoding="utf-8"?>
 <p:sldLayout xmlns:a="http://schemas.openxmlformats.org/drawingml/2006/main" xmlns:r="http://schemas.openxmlformats.org/officeDocument/2006/relationships" xmlns:p="http://schemas.openxmlformats.org/presentationml/2006/main" type="title" preserve="1">
   <p:cSld name="Title Slide">
@@ -679,7 +842,7 @@
           <a:p>
             <a:fld id="{3EA744D9-3FBE-48D8-BF2A-85DF203E4D20}" type="datetimeFigureOut">
               <a:rPr lang="bg-BG" smtClean="0"/>
-              <a:t>2.1.2017 г.</a:t>
+              <a:t>24.03.17 г.</a:t>
             </a:fld>
             <a:endParaRPr lang="bg-BG"/>
           </a:p>
@@ -849,7 +1012,7 @@
           <a:p>
             <a:fld id="{3EA744D9-3FBE-48D8-BF2A-85DF203E4D20}" type="datetimeFigureOut">
               <a:rPr lang="bg-BG" smtClean="0"/>
-              <a:t>2.1.2017 г.</a:t>
+              <a:t>24.03.17 г.</a:t>
             </a:fld>
             <a:endParaRPr lang="bg-BG"/>
           </a:p>
@@ -1029,7 +1192,7 @@
           <a:p>
             <a:fld id="{3EA744D9-3FBE-48D8-BF2A-85DF203E4D20}" type="datetimeFigureOut">
               <a:rPr lang="bg-BG" smtClean="0"/>
-              <a:t>2.1.2017 г.</a:t>
+              <a:t>24.03.17 г.</a:t>
             </a:fld>
             <a:endParaRPr lang="bg-BG"/>
           </a:p>
@@ -1199,7 +1362,7 @@
           <a:p>
             <a:fld id="{3EA744D9-3FBE-48D8-BF2A-85DF203E4D20}" type="datetimeFigureOut">
               <a:rPr lang="bg-BG" smtClean="0"/>
-              <a:t>2.1.2017 г.</a:t>
+              <a:t>24.03.17 г.</a:t>
             </a:fld>
             <a:endParaRPr lang="bg-BG"/>
           </a:p>
@@ -1445,7 +1608,7 @@
           <a:p>
             <a:fld id="{3EA744D9-3FBE-48D8-BF2A-85DF203E4D20}" type="datetimeFigureOut">
               <a:rPr lang="bg-BG" smtClean="0"/>
-              <a:t>2.1.2017 г.</a:t>
+              <a:t>24.03.17 г.</a:t>
             </a:fld>
             <a:endParaRPr lang="bg-BG"/>
           </a:p>
@@ -1733,7 +1896,7 @@
           <a:p>
             <a:fld id="{3EA744D9-3FBE-48D8-BF2A-85DF203E4D20}" type="datetimeFigureOut">
               <a:rPr lang="bg-BG" smtClean="0"/>
-              <a:t>2.1.2017 г.</a:t>
+              <a:t>24.03.17 г.</a:t>
             </a:fld>
             <a:endParaRPr lang="bg-BG"/>
           </a:p>
@@ -2155,7 +2318,7 @@
           <a:p>
             <a:fld id="{3EA744D9-3FBE-48D8-BF2A-85DF203E4D20}" type="datetimeFigureOut">
               <a:rPr lang="bg-BG" smtClean="0"/>
-              <a:t>2.1.2017 г.</a:t>
+              <a:t>24.03.17 г.</a:t>
             </a:fld>
             <a:endParaRPr lang="bg-BG"/>
           </a:p>
@@ -2273,7 +2436,7 @@
           <a:p>
             <a:fld id="{3EA744D9-3FBE-48D8-BF2A-85DF203E4D20}" type="datetimeFigureOut">
               <a:rPr lang="bg-BG" smtClean="0"/>
-              <a:t>2.1.2017 г.</a:t>
+              <a:t>24.03.17 г.</a:t>
             </a:fld>
             <a:endParaRPr lang="bg-BG"/>
           </a:p>
@@ -2368,7 +2531,7 @@
           <a:p>
             <a:fld id="{3EA744D9-3FBE-48D8-BF2A-85DF203E4D20}" type="datetimeFigureOut">
               <a:rPr lang="bg-BG" smtClean="0"/>
-              <a:t>2.1.2017 г.</a:t>
+              <a:t>24.03.17 г.</a:t>
             </a:fld>
             <a:endParaRPr lang="bg-BG"/>
           </a:p>
@@ -2645,7 +2808,7 @@
           <a:p>
             <a:fld id="{3EA744D9-3FBE-48D8-BF2A-85DF203E4D20}" type="datetimeFigureOut">
               <a:rPr lang="bg-BG" smtClean="0"/>
-              <a:t>2.1.2017 г.</a:t>
+              <a:t>24.03.17 г.</a:t>
             </a:fld>
             <a:endParaRPr lang="bg-BG"/>
           </a:p>
@@ -2898,7 +3061,7 @@
           <a:p>
             <a:fld id="{3EA744D9-3FBE-48D8-BF2A-85DF203E4D20}" type="datetimeFigureOut">
               <a:rPr lang="bg-BG" smtClean="0"/>
-              <a:t>2.1.2017 г.</a:t>
+              <a:t>24.03.17 г.</a:t>
             </a:fld>
             <a:endParaRPr lang="bg-BG"/>
           </a:p>
@@ -3120,7 +3283,7 @@
           <a:p>
             <a:fld id="{3EA744D9-3FBE-48D8-BF2A-85DF203E4D20}" type="datetimeFigureOut">
               <a:rPr lang="bg-BG" smtClean="0"/>
-              <a:t>2.1.2017 г.</a:t>
+              <a:t>24.03.17 г.</a:t>
             </a:fld>
             <a:endParaRPr lang="bg-BG"/>
           </a:p>
@@ -3650,10 +3813,18 @@
             <a:r>
               <a:rPr lang="en-US" dirty="0" smtClean="0">
                 <a:solidFill>
-                  <a:schemeClr val="accent6"/>
-                </a:solidFill>
-              </a:rPr>
-              <a:t>Secure Shell(SSH) is a cryptographic network protocol for operating network services securely over an unsecured network. Securely run a shell on a remote system.</a:t>
+                  <a:schemeClr val="bg2"/>
+                </a:solidFill>
+              </a:rPr>
+              <a:t>Secure Shell(SSH) </a:t>
+            </a:r>
+            <a:r>
+              <a:rPr lang="en-US" dirty="0" smtClean="0">
+                <a:solidFill>
+                  <a:schemeClr val="accent6"/>
+                </a:solidFill>
+              </a:rPr>
+              <a:t>is a cryptographic network protocol for operating network services securely over an unsecured network. Securely run a shell on a remote system.</a:t>
             </a:r>
           </a:p>
           <a:p>
@@ -3670,7 +3841,55 @@
                   <a:schemeClr val="accent6"/>
                 </a:solidFill>
               </a:rPr>
-              <a:t>SSH uses public-key cryptography also known as asymmetrical encryption. That means we have 2 keys, a public key(might be widely distributed) and a private key(must remain private). In public key encryption system, any person can encrypt a message using the public key of the receiver, but such a message can be decrypted only with the receiver’s private key.</a:t>
+              <a:t>SSH uses public-key cryptography also known as asymmetrical encryption. That means we have 2 keys, a </a:t>
+            </a:r>
+            <a:r>
+              <a:rPr lang="en-US" dirty="0" smtClean="0">
+                <a:solidFill>
+                  <a:schemeClr val="bg2"/>
+                </a:solidFill>
+              </a:rPr>
+              <a:t>public key</a:t>
+            </a:r>
+            <a:r>
+              <a:rPr lang="en-US" dirty="0" smtClean="0">
+                <a:solidFill>
+                  <a:schemeClr val="accent6"/>
+                </a:solidFill>
+              </a:rPr>
+              <a:t>(might be widely distributed) and a </a:t>
+            </a:r>
+            <a:r>
+              <a:rPr lang="en-US" dirty="0" smtClean="0">
+                <a:solidFill>
+                  <a:schemeClr val="bg2"/>
+                </a:solidFill>
+              </a:rPr>
+              <a:t>private</a:t>
+            </a:r>
+            <a:r>
+              <a:rPr lang="en-US" dirty="0" smtClean="0">
+                <a:solidFill>
+                  <a:schemeClr val="accent6"/>
+                </a:solidFill>
+              </a:rPr>
+              <a:t> </a:t>
+            </a:r>
+            <a:r>
+              <a:rPr lang="en-US" dirty="0" smtClean="0">
+                <a:solidFill>
+                  <a:schemeClr val="bg2"/>
+                </a:solidFill>
+              </a:rPr>
+              <a:t>key</a:t>
+            </a:r>
+            <a:r>
+              <a:rPr lang="en-US" dirty="0" smtClean="0">
+                <a:solidFill>
+                  <a:schemeClr val="accent6"/>
+                </a:solidFill>
+              </a:rPr>
+              <a:t>(must remain private). In public key encryption system, any person can encrypt a message using the public key of the receiver, but such a message can be decrypted only with the receiver’s private key.</a:t>
             </a:r>
           </a:p>
           <a:p>
@@ -4356,74 +4575,6 @@
 </p:sld>
 </file>
 
-<file path=ppt/slides/slide11.xml><?xml version="1.0" encoding="utf-8"?>
-<p:sld xmlns:a="http://schemas.openxmlformats.org/drawingml/2006/main" xmlns:r="http://schemas.openxmlformats.org/officeDocument/2006/relationships" xmlns:p="http://schemas.openxmlformats.org/presentationml/2006/main">
-  <p:cSld>
-    <p:spTree>
-      <p:nvGrpSpPr>
-        <p:cNvPr id="1" name=""/>
-        <p:cNvGrpSpPr/>
-        <p:nvPr/>
-      </p:nvGrpSpPr>
-      <p:grpSpPr>
-        <a:xfrm>
-          <a:off x="0" y="0"/>
-          <a:ext cx="0" cy="0"/>
-          <a:chOff x="0" y="0"/>
-          <a:chExt cx="0" cy="0"/>
-        </a:xfrm>
-      </p:grpSpPr>
-      <p:sp>
-        <p:nvSpPr>
-          <p:cNvPr id="2" name="Title 1"/>
-          <p:cNvSpPr>
-            <a:spLocks noGrp="1"/>
-          </p:cNvSpPr>
-          <p:nvPr>
-            <p:ph type="title"/>
-          </p:nvPr>
-        </p:nvSpPr>
-        <p:spPr/>
-        <p:txBody>
-          <a:bodyPr/>
-          <a:lstStyle/>
-          <a:p>
-            <a:endParaRPr lang="en-US"/>
-          </a:p>
-        </p:txBody>
-      </p:sp>
-      <p:sp>
-        <p:nvSpPr>
-          <p:cNvPr id="3" name="Content Placeholder 2"/>
-          <p:cNvSpPr>
-            <a:spLocks noGrp="1"/>
-          </p:cNvSpPr>
-          <p:nvPr>
-            <p:ph idx="1"/>
-          </p:nvPr>
-        </p:nvSpPr>
-        <p:spPr/>
-        <p:txBody>
-          <a:bodyPr/>
-          <a:lstStyle/>
-          <a:p>
-            <a:endParaRPr lang="en-US"/>
-          </a:p>
-        </p:txBody>
-      </p:sp>
-    </p:spTree>
-    <p:extLst>
-      <p:ext uri="{BB962C8B-B14F-4D97-AF65-F5344CB8AC3E}">
-        <p14:creationId xmlns:p14="http://schemas.microsoft.com/office/powerpoint/2010/main" val="1051055742"/>
-      </p:ext>
-    </p:extLst>
-  </p:cSld>
-  <p:clrMapOvr>
-    <a:masterClrMapping/>
-  </p:clrMapOvr>
-</p:sld>
-</file>
-
 <file path=ppt/slides/slide2.xml><?xml version="1.0" encoding="utf-8"?>
 <p:sld xmlns:a="http://schemas.openxmlformats.org/drawingml/2006/main" xmlns:r="http://schemas.openxmlformats.org/officeDocument/2006/relationships" xmlns:p="http://schemas.openxmlformats.org/presentationml/2006/main">
   <p:cSld>
@@ -4701,24 +4852,32 @@
             <a:r>
               <a:rPr lang="en-US" sz="1600" dirty="0" smtClean="0">
                 <a:solidFill>
-                  <a:schemeClr val="accent6"/>
+                  <a:schemeClr val="bg2"/>
                 </a:solidFill>
               </a:rPr>
               <a:t>SSH host keys </a:t>
             </a:r>
-            <a:br>
+            <a:r>
               <a:rPr lang="en-US" sz="1600" dirty="0" smtClean="0">
                 <a:solidFill>
                   <a:schemeClr val="accent6"/>
                 </a:solidFill>
               </a:rPr>
-            </a:br>
-            <a:r>
+              <a:t/>
+            </a:r>
+            <a:br>
               <a:rPr lang="en-US" sz="1600" dirty="0" smtClean="0">
                 <a:solidFill>
                   <a:schemeClr val="accent6"/>
                 </a:solidFill>
               </a:rPr>
+            </a:br>
+            <a:r>
+              <a:rPr lang="en-US" sz="1600" dirty="0" smtClean="0">
+                <a:solidFill>
+                  <a:schemeClr val="accent6"/>
+                </a:solidFill>
+              </a:rPr>
               <a:t>When an </a:t>
             </a:r>
             <a:r>
@@ -4797,12 +4956,20 @@
                   <a:schemeClr val="accent6"/>
                 </a:solidFill>
               </a:rPr>
-              <a:t> command stores the server’s public key in the user’s ~/.</a:t>
+              <a:t> command stores the server’s public key in the user’s </a:t>
+            </a:r>
+            <a:r>
+              <a:rPr lang="en-US" sz="1600" dirty="0" smtClean="0">
+                <a:solidFill>
+                  <a:schemeClr val="bg2"/>
+                </a:solidFill>
+              </a:rPr>
+              <a:t>~/.</a:t>
             </a:r>
             <a:r>
               <a:rPr lang="en-US" sz="1600" dirty="0" err="1" smtClean="0">
                 <a:solidFill>
-                  <a:schemeClr val="accent6"/>
+                  <a:schemeClr val="bg2"/>
                 </a:solidFill>
               </a:rPr>
               <a:t>ssh</a:t>
@@ -4810,7 +4977,7 @@
             <a:r>
               <a:rPr lang="en-US" sz="1600" dirty="0" smtClean="0">
                 <a:solidFill>
-                  <a:schemeClr val="accent6"/>
+                  <a:schemeClr val="bg2"/>
                 </a:solidFill>
               </a:rPr>
               <a:t>/</a:t>
@@ -4818,7 +4985,7 @@
             <a:r>
               <a:rPr lang="en-US" sz="1600" dirty="0" err="1" smtClean="0">
                 <a:solidFill>
-                  <a:schemeClr val="accent6"/>
+                  <a:schemeClr val="bg2"/>
                 </a:solidFill>
               </a:rPr>
               <a:t>known_hosts</a:t>
@@ -4856,7 +5023,7 @@
             <a:r>
               <a:rPr lang="en-US" sz="1600" dirty="0" smtClean="0">
                 <a:solidFill>
-                  <a:schemeClr val="accent6"/>
+                  <a:srgbClr val="FF0000"/>
                 </a:solidFill>
               </a:rPr>
               <a:t>Things to remember:</a:t>
@@ -4864,7 +5031,7 @@
             <a:br>
               <a:rPr lang="en-US" sz="1600" dirty="0" smtClean="0">
                 <a:solidFill>
-                  <a:schemeClr val="accent6"/>
+                  <a:srgbClr val="FF0000"/>
                 </a:solidFill>
               </a:rPr>
             </a:br>
@@ -4874,12 +5041,20 @@
                   <a:schemeClr val="accent6"/>
                 </a:solidFill>
               </a:rPr>
-              <a:t>1. Host IDs are stored in ~/.</a:t>
+              <a:t>1. Host IDs are stored in </a:t>
+            </a:r>
+            <a:r>
+              <a:rPr lang="en-US" sz="1600" dirty="0" smtClean="0">
+                <a:solidFill>
+                  <a:schemeClr val="bg1"/>
+                </a:solidFill>
+              </a:rPr>
+              <a:t>~/.</a:t>
             </a:r>
             <a:r>
               <a:rPr lang="en-US" sz="1600" dirty="0" err="1" smtClean="0">
                 <a:solidFill>
-                  <a:schemeClr val="accent6"/>
+                  <a:schemeClr val="bg1"/>
                 </a:solidFill>
               </a:rPr>
               <a:t>ssh</a:t>
@@ -4887,7 +5062,7 @@
             <a:r>
               <a:rPr lang="en-US" sz="1600" dirty="0" smtClean="0">
                 <a:solidFill>
-                  <a:schemeClr val="accent6"/>
+                  <a:schemeClr val="bg1"/>
                 </a:solidFill>
               </a:rPr>
               <a:t>/</a:t>
@@ -4895,7 +5070,7 @@
             <a:r>
               <a:rPr lang="en-US" sz="1600" dirty="0" err="1" smtClean="0">
                 <a:solidFill>
-                  <a:schemeClr val="accent6"/>
+                  <a:schemeClr val="bg1"/>
                 </a:solidFill>
               </a:rPr>
               <a:t>known_host</a:t>
@@ -4983,12 +5158,20 @@
                   <a:schemeClr val="accent6"/>
                 </a:solidFill>
               </a:rPr>
-              <a:t>3. User specific SSH under ~/.</a:t>
+              <a:t>3. User specific SSH under </a:t>
+            </a:r>
+            <a:r>
+              <a:rPr lang="en-US" sz="1600" dirty="0" smtClean="0">
+                <a:solidFill>
+                  <a:schemeClr val="bg1"/>
+                </a:solidFill>
+              </a:rPr>
+              <a:t>~/.</a:t>
             </a:r>
             <a:r>
               <a:rPr lang="en-US" sz="1600" dirty="0" err="1" smtClean="0">
                 <a:solidFill>
-                  <a:schemeClr val="accent6"/>
+                  <a:schemeClr val="bg1"/>
                 </a:solidFill>
               </a:rPr>
               <a:t>ssh</a:t>
@@ -4996,7 +5179,7 @@
             <a:r>
               <a:rPr lang="en-US" sz="1600" dirty="0" smtClean="0">
                 <a:solidFill>
-                  <a:schemeClr val="accent6"/>
+                  <a:schemeClr val="bg1"/>
                 </a:solidFill>
               </a:rPr>
               <a:t>/</a:t>
@@ -5004,7 +5187,7 @@
             <a:br>
               <a:rPr lang="en-US" sz="1600" dirty="0" smtClean="0">
                 <a:solidFill>
-                  <a:schemeClr val="accent6"/>
+                  <a:schemeClr val="bg1"/>
                 </a:solidFill>
               </a:rPr>
             </a:br>
@@ -5052,12 +5235,20 @@
                   <a:schemeClr val="accent6"/>
                 </a:solidFill>
               </a:rPr>
-              <a:t>1. man </a:t>
+              <a:t>1. </a:t>
+            </a:r>
+            <a:r>
+              <a:rPr lang="en-US" sz="1600" dirty="0" smtClean="0">
+                <a:solidFill>
+                  <a:schemeClr val="bg1"/>
+                </a:solidFill>
+              </a:rPr>
+              <a:t>man </a:t>
             </a:r>
             <a:r>
               <a:rPr lang="en-US" sz="1600" dirty="0" err="1" smtClean="0">
                 <a:solidFill>
-                  <a:schemeClr val="accent6"/>
+                  <a:schemeClr val="bg1"/>
                 </a:solidFill>
               </a:rPr>
               <a:t>ssh-keygen</a:t>
@@ -5065,7 +5256,7 @@
             <a:r>
               <a:rPr lang="en-US" sz="1600" dirty="0" smtClean="0">
                 <a:solidFill>
-                  <a:schemeClr val="accent6"/>
+                  <a:schemeClr val="bg1"/>
                 </a:solidFill>
               </a:rPr>
               <a:t/>
@@ -5073,7 +5264,7 @@
             <a:br>
               <a:rPr lang="en-US" sz="1600" dirty="0" smtClean="0">
                 <a:solidFill>
-                  <a:schemeClr val="accent6"/>
+                  <a:schemeClr val="bg1"/>
                 </a:solidFill>
               </a:rPr>
             </a:br>
@@ -5088,7 +5279,7 @@
             <a:r>
               <a:rPr lang="en-US" sz="1600" dirty="0" err="1" smtClean="0">
                 <a:solidFill>
-                  <a:schemeClr val="accent6"/>
+                  <a:schemeClr val="bg1"/>
                 </a:solidFill>
               </a:rPr>
               <a:t>ssh-keygen</a:t>
@@ -5535,11 +5726,27 @@
                   <a:schemeClr val="accent6"/>
                 </a:solidFill>
               </a:rPr>
-              <a:t>Besides being secure, with SSH we could create a no login session.</a:t>
-            </a:r>
-            <a:br>
+              <a:t>Besides being secure, with SSH we could create a </a:t>
+            </a:r>
+            <a:r>
               <a:rPr lang="en-US" sz="1400" dirty="0" smtClean="0">
                 <a:solidFill>
+                  <a:schemeClr val="bg1"/>
+                </a:solidFill>
+              </a:rPr>
+              <a:t>no login session</a:t>
+            </a:r>
+            <a:r>
+              <a:rPr lang="en-US" sz="1400" dirty="0" smtClean="0">
+                <a:solidFill>
+                  <a:schemeClr val="accent6"/>
+                </a:solidFill>
+              </a:rPr>
+              <a:t>.</a:t>
+            </a:r>
+            <a:br>
+              <a:rPr lang="en-US" sz="1400" dirty="0" smtClean="0">
+                <a:solidFill>
                   <a:schemeClr val="accent6"/>
                 </a:solidFill>
               </a:rPr>
@@ -5565,12 +5772,190 @@
                   <a:schemeClr val="accent6"/>
                 </a:solidFill>
               </a:rPr>
+              <a:t>1</a:t>
+            </a:r>
+            <a:r>
+              <a:rPr lang="en-US" sz="1400" dirty="0" smtClean="0">
+                <a:solidFill>
+                  <a:schemeClr val="bg1"/>
+                </a:solidFill>
+              </a:rPr>
+              <a:t>. </a:t>
+            </a:r>
+            <a:r>
+              <a:rPr lang="en-US" sz="1400" dirty="0" err="1" smtClean="0">
+                <a:solidFill>
+                  <a:schemeClr val="bg1"/>
+                </a:solidFill>
+              </a:rPr>
+              <a:t>ssh</a:t>
+            </a:r>
+            <a:r>
+              <a:rPr lang="en-US" sz="1400" dirty="0" smtClean="0">
+                <a:solidFill>
+                  <a:schemeClr val="bg1"/>
+                </a:solidFill>
+              </a:rPr>
+              <a:t> localhost</a:t>
+            </a:r>
+            <a:r>
+              <a:rPr lang="en-US" sz="1400" dirty="0" smtClean="0">
+                <a:solidFill>
+                  <a:schemeClr val="accent6"/>
+                </a:solidFill>
+              </a:rPr>
+              <a:t/>
+            </a:r>
+            <a:br>
+              <a:rPr lang="en-US" sz="1400" dirty="0" smtClean="0">
+                <a:solidFill>
+                  <a:schemeClr val="accent6"/>
+                </a:solidFill>
+              </a:rPr>
+            </a:br>
+            <a:r>
+              <a:rPr lang="en-US" sz="1400" dirty="0" smtClean="0">
+                <a:solidFill>
+                  <a:schemeClr val="accent6"/>
+                </a:solidFill>
+              </a:rPr>
+              <a:t>2. </a:t>
+            </a:r>
+            <a:r>
+              <a:rPr lang="en-US" sz="1400" dirty="0" err="1" smtClean="0">
+                <a:solidFill>
+                  <a:schemeClr val="bg1"/>
+                </a:solidFill>
+              </a:rPr>
+              <a:t>ssh</a:t>
+            </a:r>
+            <a:r>
+              <a:rPr lang="en-US" sz="1400" dirty="0" smtClean="0">
+                <a:solidFill>
+                  <a:schemeClr val="bg1"/>
+                </a:solidFill>
+              </a:rPr>
+              <a:t> localhost</a:t>
+            </a:r>
+            <a:r>
+              <a:rPr lang="en-US" sz="1400" dirty="0" smtClean="0">
+                <a:solidFill>
+                  <a:schemeClr val="accent6"/>
+                </a:solidFill>
+              </a:rPr>
+              <a:t/>
+            </a:r>
+            <a:br>
+              <a:rPr lang="en-US" sz="1400" dirty="0" smtClean="0">
+                <a:solidFill>
+                  <a:schemeClr val="accent6"/>
+                </a:solidFill>
+              </a:rPr>
+            </a:br>
+            <a:r>
+              <a:rPr lang="en-US" sz="1400" dirty="0">
+                <a:solidFill>
+                  <a:schemeClr val="accent6"/>
+                </a:solidFill>
+              </a:rPr>
+              <a:t/>
+            </a:r>
+            <a:br>
+              <a:rPr lang="en-US" sz="1400" dirty="0">
+                <a:solidFill>
+                  <a:schemeClr val="accent6"/>
+                </a:solidFill>
+              </a:rPr>
+            </a:br>
+            <a:r>
+              <a:rPr lang="en-US" sz="1400" dirty="0" smtClean="0">
+                <a:solidFill>
+                  <a:schemeClr val="accent6"/>
+                </a:solidFill>
+              </a:rPr>
+              <a:t>It asked for a password in both cases, this is quite uncomfortable since we might want to run a script on the remote server or just do not deal with any password, a set of users sharing the same account. Users can authenticate </a:t>
+            </a:r>
+            <a:r>
+              <a:rPr lang="en-US" sz="1400" dirty="0" err="1" smtClean="0">
+                <a:solidFill>
+                  <a:schemeClr val="accent6"/>
+                </a:solidFill>
+              </a:rPr>
+              <a:t>ssh</a:t>
+            </a:r>
+            <a:r>
+              <a:rPr lang="en-US" sz="1400" dirty="0" smtClean="0">
+                <a:solidFill>
+                  <a:schemeClr val="accent6"/>
+                </a:solidFill>
+              </a:rPr>
+              <a:t> logins without password by using public key authentication. Since we have the keys generated, we are ready for action.</a:t>
+            </a:r>
+            <a:br>
+              <a:rPr lang="en-US" sz="1400" dirty="0" smtClean="0">
+                <a:solidFill>
+                  <a:schemeClr val="accent6"/>
+                </a:solidFill>
+              </a:rPr>
+            </a:br>
+            <a:r>
+              <a:rPr lang="en-US" sz="1400" dirty="0">
+                <a:solidFill>
+                  <a:schemeClr val="accent6"/>
+                </a:solidFill>
+              </a:rPr>
+              <a:t/>
+            </a:r>
+            <a:br>
+              <a:rPr lang="en-US" sz="1400" dirty="0">
+                <a:solidFill>
+                  <a:schemeClr val="accent6"/>
+                </a:solidFill>
+              </a:rPr>
+            </a:br>
+            <a:r>
+              <a:rPr lang="en-US" sz="1400" dirty="0" smtClean="0">
+                <a:solidFill>
+                  <a:srgbClr val="FF0000"/>
+                </a:solidFill>
+              </a:rPr>
+              <a:t>Exercises</a:t>
+            </a:r>
+            <a:r>
+              <a:rPr lang="en-US" sz="1400" dirty="0" smtClean="0">
+                <a:solidFill>
+                  <a:schemeClr val="accent6"/>
+                </a:solidFill>
+              </a:rPr>
+              <a:t>:</a:t>
+            </a:r>
+            <a:br>
+              <a:rPr lang="en-US" sz="1400" dirty="0" smtClean="0">
+                <a:solidFill>
+                  <a:schemeClr val="accent6"/>
+                </a:solidFill>
+              </a:rPr>
+            </a:br>
+            <a:r>
+              <a:rPr lang="en-US" sz="1400" dirty="0" smtClean="0">
+                <a:solidFill>
+                  <a:schemeClr val="accent6"/>
+                </a:solidFill>
+              </a:rPr>
               <a:t>1. </a:t>
             </a:r>
             <a:r>
+              <a:rPr lang="en-US" sz="1400" dirty="0" smtClean="0">
+                <a:solidFill>
+                  <a:schemeClr val="bg1"/>
+                </a:solidFill>
+              </a:rPr>
+              <a:t>man </a:t>
+            </a:r>
+            <a:r>
               <a:rPr lang="en-US" sz="1400" dirty="0" err="1" smtClean="0">
                 <a:solidFill>
-                  <a:schemeClr val="accent6"/>
+                  <a:schemeClr val="bg1"/>
                 </a:solidFill>
               </a:rPr>
               <a:t>ssh</a:t>
@@ -5578,7 +5963,162 @@
             <a:r>
               <a:rPr lang="en-US" sz="1400" dirty="0" smtClean="0">
                 <a:solidFill>
-                  <a:schemeClr val="accent6"/>
+                  <a:schemeClr val="bg1"/>
+                </a:solidFill>
+              </a:rPr>
+              <a:t>-copy-id</a:t>
+            </a:r>
+            <a:r>
+              <a:rPr lang="en-US" sz="1400" dirty="0" smtClean="0">
+                <a:solidFill>
+                  <a:schemeClr val="accent6"/>
+                </a:solidFill>
+              </a:rPr>
+              <a:t/>
+            </a:r>
+            <a:br>
+              <a:rPr lang="en-US" sz="1400" dirty="0" smtClean="0">
+                <a:solidFill>
+                  <a:schemeClr val="accent6"/>
+                </a:solidFill>
+              </a:rPr>
+            </a:br>
+            <a:r>
+              <a:rPr lang="en-US" sz="1400" dirty="0">
+                <a:solidFill>
+                  <a:schemeClr val="accent6"/>
+                </a:solidFill>
+              </a:rPr>
+              <a:t/>
+            </a:r>
+            <a:br>
+              <a:rPr lang="en-US" sz="1400" dirty="0">
+                <a:solidFill>
+                  <a:schemeClr val="accent6"/>
+                </a:solidFill>
+              </a:rPr>
+            </a:br>
+            <a:r>
+              <a:rPr lang="en-US" sz="1400" dirty="0" smtClean="0">
+                <a:solidFill>
+                  <a:schemeClr val="accent6"/>
+                </a:solidFill>
+              </a:rPr>
+              <a:t>Before key-based authentication can be used, the public key needs to be copied to the destination.</a:t>
+            </a:r>
+            <a:br>
+              <a:rPr lang="en-US" sz="1400" dirty="0" smtClean="0">
+                <a:solidFill>
+                  <a:schemeClr val="accent6"/>
+                </a:solidFill>
+              </a:rPr>
+            </a:br>
+            <a:r>
+              <a:rPr lang="en-US" sz="1400" dirty="0" smtClean="0">
+                <a:solidFill>
+                  <a:srgbClr val="FF0000"/>
+                </a:solidFill>
+              </a:rPr>
+              <a:t>Exercises:</a:t>
+            </a:r>
+            <a:r>
+              <a:rPr lang="en-US" sz="1400" dirty="0" smtClean="0">
+                <a:solidFill>
+                  <a:schemeClr val="accent6"/>
+                </a:solidFill>
+              </a:rPr>
+              <a:t/>
+            </a:r>
+            <a:br>
+              <a:rPr lang="en-US" sz="1400" dirty="0" smtClean="0">
+                <a:solidFill>
+                  <a:schemeClr val="accent6"/>
+                </a:solidFill>
+              </a:rPr>
+            </a:br>
+            <a:r>
+              <a:rPr lang="en-US" sz="1400" dirty="0" smtClean="0">
+                <a:solidFill>
+                  <a:schemeClr val="accent6"/>
+                </a:solidFill>
+              </a:rPr>
+              <a:t>1. man </a:t>
+            </a:r>
+            <a:r>
+              <a:rPr lang="en-US" sz="1400" dirty="0" err="1" smtClean="0">
+                <a:solidFill>
+                  <a:schemeClr val="accent6"/>
+                </a:solidFill>
+              </a:rPr>
+              <a:t>ssh</a:t>
+            </a:r>
+            <a:r>
+              <a:rPr lang="en-US" sz="1400" dirty="0" smtClean="0">
+                <a:solidFill>
+                  <a:schemeClr val="accent6"/>
+                </a:solidFill>
+              </a:rPr>
+              <a:t>-copy-id localhost; When the key is copied to another system using </a:t>
+            </a:r>
+            <a:r>
+              <a:rPr lang="en-US" sz="1400" dirty="0" err="1" smtClean="0">
+                <a:solidFill>
+                  <a:schemeClr val="accent6"/>
+                </a:solidFill>
+              </a:rPr>
+              <a:t>ssh</a:t>
+            </a:r>
+            <a:r>
+              <a:rPr lang="en-US" sz="1400" dirty="0" smtClean="0">
+                <a:solidFill>
+                  <a:schemeClr val="accent6"/>
+                </a:solidFill>
+              </a:rPr>
+              <a:t>-copy-id, it copies the ~/.</a:t>
+            </a:r>
+            <a:r>
+              <a:rPr lang="en-US" sz="1400" dirty="0" err="1" smtClean="0">
+                <a:solidFill>
+                  <a:schemeClr val="accent6"/>
+                </a:solidFill>
+              </a:rPr>
+              <a:t>ssh</a:t>
+            </a:r>
+            <a:r>
+              <a:rPr lang="en-US" sz="1400" dirty="0" smtClean="0">
+                <a:solidFill>
+                  <a:schemeClr val="accent6"/>
+                </a:solidFill>
+              </a:rPr>
+              <a:t>/id_rsa.pub file by default.</a:t>
+            </a:r>
+            <a:br>
+              <a:rPr lang="en-US" sz="1400" dirty="0" smtClean="0">
+                <a:solidFill>
+                  <a:schemeClr val="accent6"/>
+                </a:solidFill>
+              </a:rPr>
+            </a:br>
+            <a:r>
+              <a:rPr lang="en-US" sz="1400" dirty="0" smtClean="0">
+                <a:solidFill>
+                  <a:schemeClr val="accent6"/>
+                </a:solidFill>
+              </a:rPr>
+              <a:t>2. </a:t>
+            </a:r>
+            <a:r>
+              <a:rPr lang="en-US" sz="1400" dirty="0" err="1" smtClean="0">
+                <a:solidFill>
+                  <a:srgbClr val="FF0000"/>
+                </a:solidFill>
+              </a:rPr>
+              <a:t>ssh</a:t>
+            </a:r>
+            <a:r>
+              <a:rPr lang="en-US" sz="1400" dirty="0" smtClean="0">
+                <a:solidFill>
+                  <a:srgbClr val="FF0000"/>
                 </a:solidFill>
               </a:rPr>
               <a:t> localhost</a:t>
@@ -5586,300 +6126,7 @@
             <a:br>
               <a:rPr lang="en-US" sz="1400" dirty="0" smtClean="0">
                 <a:solidFill>
-                  <a:schemeClr val="accent6"/>
-                </a:solidFill>
-              </a:rPr>
-            </a:br>
-            <a:r>
-              <a:rPr lang="en-US" sz="1400" dirty="0" smtClean="0">
-                <a:solidFill>
-                  <a:schemeClr val="accent6"/>
-                </a:solidFill>
-              </a:rPr>
-              <a:t>2. </a:t>
-            </a:r>
-            <a:r>
-              <a:rPr lang="en-US" sz="1400" dirty="0" err="1" smtClean="0">
-                <a:solidFill>
-                  <a:schemeClr val="accent6"/>
-                </a:solidFill>
-              </a:rPr>
-              <a:t>ssh</a:t>
-            </a:r>
-            <a:r>
-              <a:rPr lang="en-US" sz="1400" dirty="0" smtClean="0">
-                <a:solidFill>
-                  <a:schemeClr val="accent6"/>
-                </a:solidFill>
-              </a:rPr>
-              <a:t> localhost</a:t>
-            </a:r>
-            <a:br>
-              <a:rPr lang="en-US" sz="1400" dirty="0" smtClean="0">
-                <a:solidFill>
-                  <a:schemeClr val="accent6"/>
-                </a:solidFill>
-              </a:rPr>
-            </a:br>
-            <a:r>
-              <a:rPr lang="en-US" sz="1400" dirty="0">
-                <a:solidFill>
-                  <a:schemeClr val="accent6"/>
-                </a:solidFill>
-              </a:rPr>
-              <a:t/>
-            </a:r>
-            <a:br>
-              <a:rPr lang="en-US" sz="1400" dirty="0">
-                <a:solidFill>
-                  <a:schemeClr val="accent6"/>
-                </a:solidFill>
-              </a:rPr>
-            </a:br>
-            <a:r>
-              <a:rPr lang="en-US" sz="1400" dirty="0" smtClean="0">
-                <a:solidFill>
-                  <a:schemeClr val="accent6"/>
-                </a:solidFill>
-              </a:rPr>
-              <a:t>It asked for a password in both cases, this is quite uncomfortable since we might want to run a script on the remote server or just do not deal with any password, a set of users sharing the same account. Users can authenticate </a:t>
-            </a:r>
-            <a:r>
-              <a:rPr lang="en-US" sz="1400" dirty="0" err="1" smtClean="0">
-                <a:solidFill>
-                  <a:schemeClr val="accent6"/>
-                </a:solidFill>
-              </a:rPr>
-              <a:t>ssh</a:t>
-            </a:r>
-            <a:r>
-              <a:rPr lang="en-US" sz="1400" dirty="0" smtClean="0">
-                <a:solidFill>
-                  <a:schemeClr val="accent6"/>
-                </a:solidFill>
-              </a:rPr>
-              <a:t> logins without password by using public key authentication. Since we have the keys generated, we are ready for action.</a:t>
-            </a:r>
-            <a:br>
-              <a:rPr lang="en-US" sz="1400" dirty="0" smtClean="0">
-                <a:solidFill>
-                  <a:schemeClr val="accent6"/>
-                </a:solidFill>
-              </a:rPr>
-            </a:br>
-            <a:r>
-              <a:rPr lang="en-US" sz="1400" dirty="0">
-                <a:solidFill>
-                  <a:schemeClr val="accent6"/>
-                </a:solidFill>
-              </a:rPr>
-              <a:t/>
-            </a:r>
-            <a:br>
-              <a:rPr lang="en-US" sz="1400" dirty="0">
-                <a:solidFill>
-                  <a:schemeClr val="accent6"/>
-                </a:solidFill>
-              </a:rPr>
-            </a:br>
-            <a:r>
-              <a:rPr lang="en-US" sz="1400" dirty="0" smtClean="0">
-                <a:solidFill>
                   <a:srgbClr val="FF0000"/>
-                </a:solidFill>
-              </a:rPr>
-              <a:t>Exercises</a:t>
-            </a:r>
-            <a:r>
-              <a:rPr lang="en-US" sz="1400" dirty="0" smtClean="0">
-                <a:solidFill>
-                  <a:schemeClr val="accent6"/>
-                </a:solidFill>
-              </a:rPr>
-              <a:t>:</a:t>
-            </a:r>
-            <a:br>
-              <a:rPr lang="en-US" sz="1400" dirty="0" smtClean="0">
-                <a:solidFill>
-                  <a:schemeClr val="accent6"/>
-                </a:solidFill>
-              </a:rPr>
-            </a:br>
-            <a:r>
-              <a:rPr lang="en-US" sz="1400" dirty="0" smtClean="0">
-                <a:solidFill>
-                  <a:schemeClr val="accent6"/>
-                </a:solidFill>
-              </a:rPr>
-              <a:t>1. man </a:t>
-            </a:r>
-            <a:r>
-              <a:rPr lang="en-US" sz="1400" dirty="0" err="1" smtClean="0">
-                <a:solidFill>
-                  <a:schemeClr val="accent6"/>
-                </a:solidFill>
-              </a:rPr>
-              <a:t>ssh</a:t>
-            </a:r>
-            <a:r>
-              <a:rPr lang="en-US" sz="1400" dirty="0" smtClean="0">
-                <a:solidFill>
-                  <a:schemeClr val="accent6"/>
-                </a:solidFill>
-              </a:rPr>
-              <a:t>-copy-id</a:t>
-            </a:r>
-            <a:br>
-              <a:rPr lang="en-US" sz="1400" dirty="0" smtClean="0">
-                <a:solidFill>
-                  <a:schemeClr val="accent6"/>
-                </a:solidFill>
-              </a:rPr>
-            </a:br>
-            <a:r>
-              <a:rPr lang="en-US" sz="1400" dirty="0">
-                <a:solidFill>
-                  <a:schemeClr val="accent6"/>
-                </a:solidFill>
-              </a:rPr>
-              <a:t/>
-            </a:r>
-            <a:br>
-              <a:rPr lang="en-US" sz="1400" dirty="0">
-                <a:solidFill>
-                  <a:schemeClr val="accent6"/>
-                </a:solidFill>
-              </a:rPr>
-            </a:br>
-            <a:r>
-              <a:rPr lang="en-US" sz="1400" dirty="0" smtClean="0">
-                <a:solidFill>
-                  <a:schemeClr val="accent6"/>
-                </a:solidFill>
-              </a:rPr>
-              <a:t>Before key-based authentication can be used, the public key needs to be copied to the destination.</a:t>
-            </a:r>
-            <a:br>
-              <a:rPr lang="en-US" sz="1400" dirty="0" smtClean="0">
-                <a:solidFill>
-                  <a:schemeClr val="accent6"/>
-                </a:solidFill>
-              </a:rPr>
-            </a:br>
-            <a:r>
-              <a:rPr lang="en-US" sz="1400" dirty="0" smtClean="0">
-                <a:solidFill>
-                  <a:srgbClr val="FF0000"/>
-                </a:solidFill>
-              </a:rPr>
-              <a:t>Exercise</a:t>
-            </a:r>
-            <a:r>
-              <a:rPr lang="en-US" sz="1400" dirty="0" smtClean="0">
-                <a:solidFill>
-                  <a:schemeClr val="accent6"/>
-                </a:solidFill>
-              </a:rPr>
-              <a:t>s:</a:t>
-            </a:r>
-            <a:br>
-              <a:rPr lang="en-US" sz="1400" dirty="0" smtClean="0">
-                <a:solidFill>
-                  <a:schemeClr val="accent6"/>
-                </a:solidFill>
-              </a:rPr>
-            </a:br>
-            <a:r>
-              <a:rPr lang="en-US" sz="1400" dirty="0" smtClean="0">
-                <a:solidFill>
-                  <a:schemeClr val="accent6"/>
-                </a:solidFill>
-              </a:rPr>
-              <a:t>1. man </a:t>
-            </a:r>
-            <a:r>
-              <a:rPr lang="en-US" sz="1400" dirty="0" err="1" smtClean="0">
-                <a:solidFill>
-                  <a:schemeClr val="accent6"/>
-                </a:solidFill>
-              </a:rPr>
-              <a:t>ssh</a:t>
-            </a:r>
-            <a:r>
-              <a:rPr lang="en-US" sz="1400" dirty="0" smtClean="0">
-                <a:solidFill>
-                  <a:schemeClr val="accent6"/>
-                </a:solidFill>
-              </a:rPr>
-              <a:t>-copy-id localhost; When the key is copied to another system using </a:t>
-            </a:r>
-            <a:r>
-              <a:rPr lang="en-US" sz="1400" dirty="0" err="1" smtClean="0">
-                <a:solidFill>
-                  <a:schemeClr val="accent6"/>
-                </a:solidFill>
-              </a:rPr>
-              <a:t>ssh</a:t>
-            </a:r>
-            <a:r>
-              <a:rPr lang="en-US" sz="1400" dirty="0" smtClean="0">
-                <a:solidFill>
-                  <a:schemeClr val="accent6"/>
-                </a:solidFill>
-              </a:rPr>
-              <a:t>-copy-id, it copies the ~/.</a:t>
-            </a:r>
-            <a:r>
-              <a:rPr lang="en-US" sz="1400" dirty="0" err="1" smtClean="0">
-                <a:solidFill>
-                  <a:schemeClr val="accent6"/>
-                </a:solidFill>
-              </a:rPr>
-              <a:t>ssh</a:t>
-            </a:r>
-            <a:r>
-              <a:rPr lang="en-US" sz="1400" dirty="0" smtClean="0">
-                <a:solidFill>
-                  <a:schemeClr val="accent6"/>
-                </a:solidFill>
-              </a:rPr>
-              <a:t>/id_rsa.pub file by default.</a:t>
-            </a:r>
-            <a:br>
-              <a:rPr lang="en-US" sz="1400" dirty="0" smtClean="0">
-                <a:solidFill>
-                  <a:schemeClr val="accent6"/>
-                </a:solidFill>
-              </a:rPr>
-            </a:br>
-            <a:r>
-              <a:rPr lang="en-US" sz="1400" dirty="0" smtClean="0">
-                <a:solidFill>
-                  <a:schemeClr val="accent6"/>
-                </a:solidFill>
-              </a:rPr>
-              <a:t>2. </a:t>
-            </a:r>
-            <a:r>
-              <a:rPr lang="en-US" sz="1400" dirty="0" err="1" smtClean="0">
-                <a:solidFill>
-                  <a:schemeClr val="accent6"/>
-                </a:solidFill>
-              </a:rPr>
-              <a:t>ssh</a:t>
-            </a:r>
-            <a:r>
-              <a:rPr lang="en-US" sz="1400" dirty="0" smtClean="0">
-                <a:solidFill>
-                  <a:schemeClr val="accent6"/>
-                </a:solidFill>
-              </a:rPr>
-              <a:t> localhost</a:t>
-            </a:r>
-            <a:br>
-              <a:rPr lang="en-US" sz="1400" dirty="0" smtClean="0">
-                <a:solidFill>
-                  <a:schemeClr val="accent6"/>
                 </a:solidFill>
               </a:rPr>
             </a:br>
@@ -6254,11 +6501,27 @@
                   <a:schemeClr val="accent6"/>
                 </a:solidFill>
               </a:rPr>
-              <a:t>- The username ‘root’ exists on every Linux system by default, so a potential attacker only has to guess the password, instead of a valid username and password combination.</a:t>
-            </a:r>
-            <a:br>
+              <a:t>- The username ‘</a:t>
+            </a:r>
+            <a:r>
               <a:rPr lang="en-US" sz="1800" dirty="0" smtClean="0">
                 <a:solidFill>
+                  <a:schemeClr val="bg1"/>
+                </a:solidFill>
+              </a:rPr>
+              <a:t>root</a:t>
+            </a:r>
+            <a:r>
+              <a:rPr lang="en-US" sz="1800" dirty="0" smtClean="0">
+                <a:solidFill>
+                  <a:schemeClr val="accent6"/>
+                </a:solidFill>
+              </a:rPr>
+              <a:t>’ exists on every Linux system by default, so a potential attacker only has to guess the password, instead of a valid username and password combination.</a:t>
+            </a:r>
+            <a:br>
+              <a:rPr lang="en-US" sz="1800" dirty="0" smtClean="0">
+                <a:solidFill>
                   <a:schemeClr val="accent6"/>
                 </a:solidFill>
               </a:rPr>
@@ -6307,12 +6570,20 @@
                   <a:schemeClr val="accent6"/>
                 </a:solidFill>
               </a:rPr>
-              <a:t>1. vim /</a:t>
+              <a:t>1. </a:t>
+            </a:r>
+            <a:r>
+              <a:rPr lang="en-US" sz="1800" dirty="0" smtClean="0">
+                <a:solidFill>
+                  <a:schemeClr val="bg1"/>
+                </a:solidFill>
+              </a:rPr>
+              <a:t>vim /</a:t>
             </a:r>
             <a:r>
               <a:rPr lang="en-US" sz="1800" dirty="0" err="1" smtClean="0">
                 <a:solidFill>
-                  <a:schemeClr val="accent6"/>
+                  <a:schemeClr val="bg1"/>
                 </a:solidFill>
               </a:rPr>
               <a:t>etc</a:t>
@@ -6320,7 +6591,7 @@
             <a:r>
               <a:rPr lang="en-US" sz="1800" dirty="0" smtClean="0">
                 <a:solidFill>
-                  <a:schemeClr val="accent6"/>
+                  <a:schemeClr val="bg1"/>
                 </a:solidFill>
               </a:rPr>
               <a:t>/</a:t>
@@ -6328,7 +6599,7 @@
             <a:r>
               <a:rPr lang="en-US" sz="1800" dirty="0" err="1" smtClean="0">
                 <a:solidFill>
-                  <a:schemeClr val="accent6"/>
+                  <a:schemeClr val="bg1"/>
                 </a:solidFill>
               </a:rPr>
               <a:t>ssh</a:t>
@@ -6336,7 +6607,7 @@
             <a:r>
               <a:rPr lang="en-US" sz="1800" dirty="0" smtClean="0">
                 <a:solidFill>
-                  <a:schemeClr val="accent6"/>
+                  <a:schemeClr val="bg1"/>
                 </a:solidFill>
               </a:rPr>
               <a:t>/</a:t>
@@ -6344,7 +6615,7 @@
             <a:r>
               <a:rPr lang="en-US" sz="1800" dirty="0" err="1" smtClean="0">
                 <a:solidFill>
-                  <a:schemeClr val="accent6"/>
+                  <a:schemeClr val="bg1"/>
                 </a:solidFill>
               </a:rPr>
               <a:t>sshd_config</a:t>
@@ -6370,12 +6641,20 @@
                   <a:schemeClr val="accent6"/>
                 </a:solidFill>
               </a:rPr>
-              <a:t>2. #</a:t>
+              <a:t>2. </a:t>
+            </a:r>
+            <a:r>
+              <a:rPr lang="en-US" sz="1800" dirty="0" smtClean="0">
+                <a:solidFill>
+                  <a:schemeClr val="bg1"/>
+                </a:solidFill>
+              </a:rPr>
+              <a:t>#</a:t>
             </a:r>
             <a:r>
               <a:rPr lang="en-US" sz="1800" dirty="0" err="1" smtClean="0">
                 <a:solidFill>
-                  <a:schemeClr val="accent6"/>
+                  <a:schemeClr val="bg1"/>
                 </a:solidFill>
               </a:rPr>
               <a:t>PermitRootLogin</a:t>
@@ -6383,7 +6662,7 @@
             <a:r>
               <a:rPr lang="en-US" sz="1800" dirty="0" smtClean="0">
                 <a:solidFill>
-                  <a:schemeClr val="accent6"/>
+                  <a:schemeClr val="bg1"/>
                 </a:solidFill>
               </a:rPr>
               <a:t> no</a:t>
@@ -6391,7 +6670,7 @@
             <a:br>
               <a:rPr lang="en-US" sz="1800" dirty="0" smtClean="0">
                 <a:solidFill>
-                  <a:schemeClr val="accent6"/>
+                  <a:schemeClr val="bg1"/>
                 </a:solidFill>
               </a:rPr>
             </a:br>
@@ -6406,7 +6685,7 @@
             <a:r>
               <a:rPr lang="en-US" sz="1800" dirty="0" err="1" smtClean="0">
                 <a:solidFill>
-                  <a:schemeClr val="accent6"/>
+                  <a:schemeClr val="bg1"/>
                 </a:solidFill>
               </a:rPr>
               <a:t>systemctl</a:t>
@@ -6414,7 +6693,7 @@
             <a:r>
               <a:rPr lang="en-US" sz="1800" dirty="0" smtClean="0">
                 <a:solidFill>
-                  <a:schemeClr val="accent6"/>
+                  <a:schemeClr val="bg1"/>
                 </a:solidFill>
               </a:rPr>
               <a:t> restart </a:t>
@@ -6422,7 +6701,7 @@
             <a:r>
               <a:rPr lang="en-US" sz="1800" dirty="0" err="1" smtClean="0">
                 <a:solidFill>
-                  <a:schemeClr val="accent6"/>
+                  <a:schemeClr val="bg1"/>
                 </a:solidFill>
               </a:rPr>
               <a:t>sshd</a:t>
@@ -6880,7 +7159,7 @@
             <a:r>
               <a:rPr lang="en-US" sz="2200" dirty="0" err="1">
                 <a:solidFill>
-                  <a:schemeClr val="accent6"/>
+                  <a:schemeClr val="bg1"/>
                 </a:solidFill>
               </a:rPr>
               <a:t>s</a:t>
@@ -6888,7 +7167,7 @@
             <a:r>
               <a:rPr lang="en-US" sz="2200" dirty="0" err="1" smtClean="0">
                 <a:solidFill>
-                  <a:schemeClr val="accent6"/>
+                  <a:schemeClr val="bg1"/>
                 </a:solidFill>
               </a:rPr>
               <a:t>etenforce</a:t>
@@ -6896,7 +7175,7 @@
             <a:r>
               <a:rPr lang="en-US" sz="2200" dirty="0" smtClean="0">
                 <a:solidFill>
-                  <a:schemeClr val="accent6"/>
+                  <a:schemeClr val="bg1"/>
                 </a:solidFill>
               </a:rPr>
               <a:t> 0</a:t>
@@ -6919,7 +7198,7 @@
             <a:r>
               <a:rPr lang="en-US" sz="2200" dirty="0" err="1" smtClean="0">
                 <a:solidFill>
-                  <a:schemeClr val="accent6"/>
+                  <a:schemeClr val="bg1"/>
                 </a:solidFill>
               </a:rPr>
               <a:t>getenforce</a:t>
@@ -6957,17 +7236,25 @@
             <a:r>
               <a:rPr lang="en-US" sz="2200" dirty="0" smtClean="0">
                 <a:solidFill>
-                  <a:schemeClr val="accent6"/>
-                </a:solidFill>
-              </a:rPr>
-              <a:t>Network File System(NFS) allows remote hosts to mount file systems over a network and interact with them as though they are mounted locally. </a:t>
-            </a:r>
-            <a:br>
+                  <a:schemeClr val="bg1"/>
+                </a:solidFill>
+              </a:rPr>
+              <a:t>Network File System(NFS)</a:t>
+            </a:r>
+            <a:r>
               <a:rPr lang="en-US" sz="2200" dirty="0" smtClean="0">
                 <a:solidFill>
                   <a:schemeClr val="accent6"/>
                 </a:solidFill>
               </a:rPr>
+              <a:t> allows remote hosts to mount file systems over a network and interact with them as though they are mounted locally. </a:t>
+            </a:r>
+            <a:br>
+              <a:rPr lang="en-US" sz="2200" dirty="0" smtClean="0">
+                <a:solidFill>
+                  <a:schemeClr val="accent6"/>
+                </a:solidFill>
+              </a:rPr>
             </a:br>
             <a:r>
               <a:rPr lang="en-US" sz="2200" dirty="0">
@@ -6995,7 +7282,7 @@
             <a:r>
               <a:rPr lang="en-US" sz="2200" dirty="0" err="1" smtClean="0">
                 <a:solidFill>
-                  <a:schemeClr val="accent6"/>
+                  <a:schemeClr val="bg1"/>
                 </a:solidFill>
               </a:rPr>
               <a:t>nfs-utils</a:t>
@@ -7006,12 +7293,20 @@
                   <a:schemeClr val="accent6"/>
                 </a:solidFill>
               </a:rPr>
-              <a:t> package to be installed. The configuration file for the NFS server exports is the /</a:t>
+              <a:t> package to be installed. The configuration file for the NFS server exports is the </a:t>
+            </a:r>
+            <a:r>
+              <a:rPr lang="en-US" sz="2200" dirty="0" smtClean="0">
+                <a:solidFill>
+                  <a:schemeClr val="bg1"/>
+                </a:solidFill>
+              </a:rPr>
+              <a:t>/</a:t>
             </a:r>
             <a:r>
               <a:rPr lang="en-US" sz="2200" dirty="0" err="1" smtClean="0">
                 <a:solidFill>
-                  <a:schemeClr val="accent6"/>
+                  <a:schemeClr val="bg1"/>
                 </a:solidFill>
               </a:rPr>
               <a:t>etc</a:t>
@@ -7019,17 +7314,25 @@
             <a:r>
               <a:rPr lang="en-US" sz="2200" dirty="0" smtClean="0">
                 <a:solidFill>
-                  <a:schemeClr val="accent6"/>
-                </a:solidFill>
-              </a:rPr>
-              <a:t>/exports file.</a:t>
-            </a:r>
-            <a:br>
+                  <a:schemeClr val="bg1"/>
+                </a:solidFill>
+              </a:rPr>
+              <a:t>/exports file</a:t>
+            </a:r>
+            <a:r>
               <a:rPr lang="en-US" sz="2200" dirty="0" smtClean="0">
                 <a:solidFill>
                   <a:schemeClr val="accent6"/>
                 </a:solidFill>
               </a:rPr>
+              <a:t>.</a:t>
+            </a:r>
+            <a:br>
+              <a:rPr lang="en-US" sz="2200" dirty="0" smtClean="0">
+                <a:solidFill>
+                  <a:schemeClr val="accent6"/>
+                </a:solidFill>
+              </a:rPr>
             </a:br>
             <a:r>
               <a:rPr lang="en-US" sz="2200" dirty="0">
@@ -7110,7 +7413,7 @@
             <a:r>
               <a:rPr lang="en-US" sz="2200" dirty="0" smtClean="0">
                 <a:solidFill>
-                  <a:schemeClr val="accent6"/>
+                  <a:schemeClr val="bg1"/>
                 </a:solidFill>
               </a:rPr>
               <a:t>/home 192.168.0.1(</a:t>
@@ -7118,7 +7421,7 @@
             <a:r>
               <a:rPr lang="en-US" sz="2200" dirty="0" err="1" smtClean="0">
                 <a:solidFill>
-                  <a:schemeClr val="accent6"/>
+                  <a:schemeClr val="bg1"/>
                 </a:solidFill>
               </a:rPr>
               <a:t>rw</a:t>
@@ -7126,7 +7429,7 @@
             <a:r>
               <a:rPr lang="en-US" sz="2200" dirty="0" smtClean="0">
                 <a:solidFill>
-                  <a:schemeClr val="accent6"/>
+                  <a:schemeClr val="bg1"/>
                 </a:solidFill>
               </a:rPr>
               <a:t>, </a:t>
@@ -7134,7 +7437,7 @@
             <a:r>
               <a:rPr lang="en-US" sz="2200" dirty="0" err="1" smtClean="0">
                 <a:solidFill>
-                  <a:schemeClr val="accent6"/>
+                  <a:schemeClr val="bg1"/>
                 </a:solidFill>
               </a:rPr>
               <a:t>no_root_squash</a:t>
@@ -7142,7 +7445,7 @@
             <a:r>
               <a:rPr lang="en-US" sz="2200" dirty="0" smtClean="0">
                 <a:solidFill>
-                  <a:schemeClr val="accent6"/>
+                  <a:schemeClr val="bg1"/>
                 </a:solidFill>
               </a:rPr>
               <a:t>) 192.168.0.2(</a:t>
@@ -7150,7 +7453,7 @@
             <a:r>
               <a:rPr lang="en-US" sz="2200" dirty="0" err="1" smtClean="0">
                 <a:solidFill>
-                  <a:schemeClr val="accent6"/>
+                  <a:schemeClr val="bg1"/>
                 </a:solidFill>
               </a:rPr>
               <a:t>rw</a:t>
@@ -7158,7 +7461,7 @@
             <a:r>
               <a:rPr lang="en-US" sz="2200" dirty="0" smtClean="0">
                 <a:solidFill>
-                  <a:schemeClr val="accent6"/>
+                  <a:schemeClr val="bg1"/>
                 </a:solidFill>
               </a:rPr>
               <a:t>)</a:t>
@@ -7166,7 +7469,7 @@
             <a:r>
               <a:rPr lang="en-US" sz="2700" dirty="0" smtClean="0">
                 <a:solidFill>
-                  <a:schemeClr val="accent6"/>
+                  <a:schemeClr val="bg1"/>
                 </a:solidFill>
               </a:rPr>
               <a:t/>
@@ -7174,7 +7477,7 @@
             <a:br>
               <a:rPr lang="en-US" sz="2700" dirty="0" smtClean="0">
                 <a:solidFill>
-                  <a:schemeClr val="accent6"/>
+                  <a:schemeClr val="bg1"/>
                 </a:solidFill>
               </a:rPr>
             </a:br>
@@ -7275,7 +7578,7 @@
             <p:ph idx="1"/>
             <p:extLst>
               <p:ext uri="{D42A27DB-BD31-4B8C-83A1-F6EECF244321}">
-                <p14:modId xmlns:p14="http://schemas.microsoft.com/office/powerpoint/2010/main" val="2075828754"/>
+                <p14:modId xmlns:p14="http://schemas.microsoft.com/office/powerpoint/2010/main" val="1160338115"/>
               </p:ext>
             </p:extLst>
           </p:nvPr>
@@ -7294,7 +7597,7 @@
                 <a:gridCol w="3962400"/>
                 <a:gridCol w="3962400"/>
               </a:tblGrid>
-              <a:tr h="313267">
+              <a:tr h="342900">
                 <a:tc>
                   <a:txBody>
                     <a:bodyPr/>
@@ -7324,7 +7627,7 @@
                   <a:tcPr/>
                 </a:tc>
               </a:tr>
-              <a:tr h="783167">
+              <a:tr h="857250">
                 <a:tc>
                   <a:txBody>
                     <a:bodyPr/>
@@ -7358,7 +7661,7 @@
                   <a:tcPr/>
                 </a:tc>
               </a:tr>
-              <a:tr h="548217">
+              <a:tr h="600075">
                 <a:tc>
                   <a:txBody>
                     <a:bodyPr/>
@@ -7388,7 +7691,7 @@
                   <a:tcPr/>
                 </a:tc>
               </a:tr>
-              <a:tr h="1957917">
+              <a:tr h="2143126">
                 <a:tc>
                   <a:txBody>
                     <a:bodyPr/>
@@ -7430,7 +7733,7 @@
                   <a:tcPr/>
                 </a:tc>
               </a:tr>
-              <a:tr h="1722967">
+              <a:tr h="1885951">
                 <a:tc>
                   <a:txBody>
                     <a:bodyPr/>
@@ -7472,7 +7775,7 @@
                   <a:tcPr/>
                 </a:tc>
               </a:tr>
-              <a:tr h="313267">
+              <a:tr h="342900">
                 <a:tc>
                   <a:txBody>
                     <a:bodyPr/>
@@ -7538,7 +7841,12 @@
             <p:ph type="title"/>
           </p:nvPr>
         </p:nvSpPr>
-        <p:spPr/>
+        <p:spPr>
+          <a:xfrm>
+            <a:off x="457200" y="304800"/>
+            <a:ext cx="8229600" cy="1143000"/>
+          </a:xfrm>
+        </p:spPr>
         <p:txBody>
           <a:bodyPr>
             <a:normAutofit fontScale="90000"/>
@@ -7827,7 +8135,7 @@
             <a:r>
               <a:rPr lang="en-US" sz="2000" dirty="0" err="1" smtClean="0">
                 <a:solidFill>
-                  <a:schemeClr val="accent6"/>
+                  <a:schemeClr val="bg1"/>
                 </a:solidFill>
               </a:rPr>
               <a:t>systemctl</a:t>
@@ -7835,7 +8143,7 @@
             <a:r>
               <a:rPr lang="en-US" sz="2000" dirty="0" smtClean="0">
                 <a:solidFill>
-                  <a:schemeClr val="accent6"/>
+                  <a:schemeClr val="bg1"/>
                 </a:solidFill>
               </a:rPr>
               <a:t> start </a:t>
@@ -7843,7 +8151,7 @@
             <a:r>
               <a:rPr lang="en-US" sz="2000" dirty="0" err="1" smtClean="0">
                 <a:solidFill>
-                  <a:schemeClr val="accent6"/>
+                  <a:schemeClr val="bg1"/>
                 </a:solidFill>
               </a:rPr>
               <a:t>nfs</a:t>
@@ -7851,6 +8159,61 @@
             <a:r>
               <a:rPr lang="en-US" sz="2000" dirty="0" smtClean="0">
                 <a:solidFill>
+                  <a:schemeClr val="bg1"/>
+                </a:solidFill>
+              </a:rPr>
+              <a:t>-server </a:t>
+            </a:r>
+            <a:r>
+              <a:rPr lang="en-US" sz="2000" dirty="0" smtClean="0">
+                <a:solidFill>
+                  <a:schemeClr val="accent6"/>
+                </a:solidFill>
+              </a:rPr>
+              <a:t>) </a:t>
+            </a:r>
+            <a:br>
+              <a:rPr lang="en-US" sz="2000" dirty="0" smtClean="0">
+                <a:solidFill>
+                  <a:schemeClr val="accent6"/>
+                </a:solidFill>
+              </a:rPr>
+            </a:br>
+            <a:r>
+              <a:rPr lang="en-US" sz="2000" dirty="0" smtClean="0">
+                <a:solidFill>
+                  <a:schemeClr val="accent6"/>
+                </a:solidFill>
+              </a:rPr>
+              <a:t>2. enable it ( </a:t>
+            </a:r>
+            <a:r>
+              <a:rPr lang="en-US" sz="2000" dirty="0" err="1" smtClean="0">
+                <a:solidFill>
+                  <a:schemeClr val="accent6"/>
+                </a:solidFill>
+              </a:rPr>
+              <a:t>systemctl</a:t>
+            </a:r>
+            <a:r>
+              <a:rPr lang="en-US" sz="2000" dirty="0" smtClean="0">
+                <a:solidFill>
+                  <a:schemeClr val="accent6"/>
+                </a:solidFill>
+              </a:rPr>
+              <a:t> enable </a:t>
+            </a:r>
+            <a:r>
+              <a:rPr lang="en-US" sz="2000" dirty="0" err="1" smtClean="0">
+                <a:solidFill>
+                  <a:schemeClr val="accent6"/>
+                </a:solidFill>
+              </a:rPr>
+              <a:t>nfs</a:t>
+            </a:r>
+            <a:r>
+              <a:rPr lang="en-US" sz="2000" dirty="0" smtClean="0">
+                <a:solidFill>
                   <a:schemeClr val="accent6"/>
                 </a:solidFill>
               </a:rPr>
@@ -7869,28 +8232,316 @@
                   <a:schemeClr val="accent6"/>
                 </a:solidFill>
               </a:rPr>
-              <a:t>2. enable it ( </a:t>
+              <a:t>3. create the exported directory ( </a:t>
             </a:r>
             <a:r>
               <a:rPr lang="en-US" sz="2000" dirty="0" err="1" smtClean="0">
                 <a:solidFill>
-                  <a:schemeClr val="accent6"/>
-                </a:solidFill>
-              </a:rPr>
-              <a:t>systemctl</a:t>
+                  <a:schemeClr val="bg1"/>
+                </a:solidFill>
+              </a:rPr>
+              <a:t>mkdir</a:t>
             </a:r>
             <a:r>
               <a:rPr lang="en-US" sz="2000" dirty="0" smtClean="0">
                 <a:solidFill>
-                  <a:schemeClr val="accent6"/>
-                </a:solidFill>
-              </a:rPr>
-              <a:t> enable </a:t>
+                  <a:schemeClr val="bg1"/>
+                </a:solidFill>
+              </a:rPr>
+              <a:t> /</a:t>
             </a:r>
             <a:r>
               <a:rPr lang="en-US" sz="2000" dirty="0" err="1" smtClean="0">
                 <a:solidFill>
-                  <a:schemeClr val="accent6"/>
+                  <a:schemeClr val="bg1"/>
+                </a:solidFill>
+              </a:rPr>
+              <a:t>myshare</a:t>
+            </a:r>
+            <a:r>
+              <a:rPr lang="en-US" sz="2000" dirty="0" smtClean="0">
+                <a:solidFill>
+                  <a:schemeClr val="bg1"/>
+                </a:solidFill>
+              </a:rPr>
+              <a:t> </a:t>
+            </a:r>
+            <a:r>
+              <a:rPr lang="en-US" sz="2000" dirty="0" smtClean="0">
+                <a:solidFill>
+                  <a:schemeClr val="accent6"/>
+                </a:solidFill>
+              </a:rPr>
+              <a:t>)</a:t>
+            </a:r>
+            <a:br>
+              <a:rPr lang="en-US" sz="2000" dirty="0" smtClean="0">
+                <a:solidFill>
+                  <a:schemeClr val="accent6"/>
+                </a:solidFill>
+              </a:rPr>
+            </a:br>
+            <a:r>
+              <a:rPr lang="en-US" sz="2000" dirty="0">
+                <a:solidFill>
+                  <a:schemeClr val="accent6"/>
+                </a:solidFill>
+              </a:rPr>
+              <a:t/>
+            </a:r>
+            <a:br>
+              <a:rPr lang="en-US" sz="2000" dirty="0">
+                <a:solidFill>
+                  <a:schemeClr val="accent6"/>
+                </a:solidFill>
+              </a:rPr>
+            </a:br>
+            <a:r>
+              <a:rPr lang="en-US" sz="2000" dirty="0" smtClean="0">
+                <a:solidFill>
+                  <a:schemeClr val="accent6"/>
+                </a:solidFill>
+              </a:rPr>
+              <a:t>4. Edit the /</a:t>
+            </a:r>
+            <a:r>
+              <a:rPr lang="en-US" sz="2000" dirty="0" err="1" smtClean="0">
+                <a:solidFill>
+                  <a:schemeClr val="accent6"/>
+                </a:solidFill>
+              </a:rPr>
+              <a:t>etc</a:t>
+            </a:r>
+            <a:r>
+              <a:rPr lang="en-US" sz="2000" dirty="0" smtClean="0">
+                <a:solidFill>
+                  <a:schemeClr val="accent6"/>
+                </a:solidFill>
+              </a:rPr>
+              <a:t>/exports file </a:t>
+            </a:r>
+            <a:r>
+              <a:rPr lang="en-US" sz="2000" dirty="0" smtClean="0">
+                <a:solidFill>
+                  <a:schemeClr val="accent6"/>
+                </a:solidFill>
+              </a:rPr>
+              <a:t>( </a:t>
+            </a:r>
+            <a:r>
+              <a:rPr lang="en-US" sz="2000" dirty="0" smtClean="0">
+                <a:solidFill>
+                  <a:schemeClr val="bg1"/>
+                </a:solidFill>
+              </a:rPr>
+              <a:t>/</a:t>
+            </a:r>
+            <a:r>
+              <a:rPr lang="en-US" sz="2000" dirty="0" err="1" smtClean="0">
+                <a:solidFill>
+                  <a:schemeClr val="bg1"/>
+                </a:solidFill>
+              </a:rPr>
+              <a:t>myshare</a:t>
+            </a:r>
+            <a:r>
+              <a:rPr lang="en-US" sz="2000" dirty="0" smtClean="0">
+                <a:solidFill>
+                  <a:schemeClr val="bg1"/>
+                </a:solidFill>
+              </a:rPr>
+              <a:t> </a:t>
+            </a:r>
+            <a:r>
+              <a:rPr lang="en-US" sz="2000" dirty="0" err="1" smtClean="0">
+                <a:solidFill>
+                  <a:schemeClr val="bg1"/>
+                </a:solidFill>
+              </a:rPr>
+              <a:t>some_other_node</a:t>
+            </a:r>
+            <a:r>
+              <a:rPr lang="en-US" sz="2000" dirty="0" smtClean="0">
+                <a:solidFill>
+                  <a:schemeClr val="bg1"/>
+                </a:solidFill>
+              </a:rPr>
+              <a:t>(</a:t>
+            </a:r>
+            <a:r>
+              <a:rPr lang="en-US" sz="2000" dirty="0" err="1" smtClean="0">
+                <a:solidFill>
+                  <a:schemeClr val="bg1"/>
+                </a:solidFill>
+              </a:rPr>
+              <a:t>rw</a:t>
+            </a:r>
+            <a:r>
+              <a:rPr lang="en-US" sz="2000" dirty="0" smtClean="0">
+                <a:solidFill>
+                  <a:schemeClr val="bg1"/>
+                </a:solidFill>
+              </a:rPr>
+              <a:t>) </a:t>
+            </a:r>
+            <a:r>
+              <a:rPr lang="en-US" sz="2000" dirty="0" smtClean="0">
+                <a:solidFill>
+                  <a:schemeClr val="accent6"/>
+                </a:solidFill>
+              </a:rPr>
+              <a:t>)</a:t>
+            </a:r>
+            <a:br>
+              <a:rPr lang="en-US" sz="2000" dirty="0" smtClean="0">
+                <a:solidFill>
+                  <a:schemeClr val="accent6"/>
+                </a:solidFill>
+              </a:rPr>
+            </a:br>
+            <a:r>
+              <a:rPr lang="en-US" sz="2000" dirty="0">
+                <a:solidFill>
+                  <a:schemeClr val="accent6"/>
+                </a:solidFill>
+              </a:rPr>
+              <a:t/>
+            </a:r>
+            <a:br>
+              <a:rPr lang="en-US" sz="2000" dirty="0">
+                <a:solidFill>
+                  <a:schemeClr val="accent6"/>
+                </a:solidFill>
+              </a:rPr>
+            </a:br>
+            <a:r>
+              <a:rPr lang="en-US" sz="2000" dirty="0" smtClean="0">
+                <a:solidFill>
+                  <a:schemeClr val="accent6"/>
+                </a:solidFill>
+              </a:rPr>
+              <a:t>5. </a:t>
+            </a:r>
+            <a:r>
+              <a:rPr lang="en-US" sz="2000" dirty="0" err="1" smtClean="0">
+                <a:solidFill>
+                  <a:schemeClr val="bg1"/>
+                </a:solidFill>
+              </a:rPr>
+              <a:t>exportfs</a:t>
+            </a:r>
+            <a:r>
+              <a:rPr lang="en-US" sz="2000" dirty="0" smtClean="0">
+                <a:solidFill>
+                  <a:schemeClr val="bg1"/>
+                </a:solidFill>
+              </a:rPr>
+              <a:t> –r</a:t>
+            </a:r>
+            <a:r>
+              <a:rPr lang="en-US" sz="2000" dirty="0" smtClean="0">
+                <a:solidFill>
+                  <a:schemeClr val="accent6"/>
+                </a:solidFill>
+              </a:rPr>
+              <a:t/>
+            </a:r>
+            <a:br>
+              <a:rPr lang="en-US" sz="2000" dirty="0" smtClean="0">
+                <a:solidFill>
+                  <a:schemeClr val="accent6"/>
+                </a:solidFill>
+              </a:rPr>
+            </a:br>
+            <a:r>
+              <a:rPr lang="en-US" sz="2000" dirty="0">
+                <a:solidFill>
+                  <a:schemeClr val="accent6"/>
+                </a:solidFill>
+              </a:rPr>
+              <a:t/>
+            </a:r>
+            <a:br>
+              <a:rPr lang="en-US" sz="2000" dirty="0">
+                <a:solidFill>
+                  <a:schemeClr val="accent6"/>
+                </a:solidFill>
+              </a:rPr>
+            </a:br>
+            <a:r>
+              <a:rPr lang="en-US" sz="2000" dirty="0" smtClean="0">
+                <a:solidFill>
+                  <a:schemeClr val="accent6"/>
+                </a:solidFill>
+              </a:rPr>
+              <a:t>6. The NFS port 2049/TCP for </a:t>
+            </a:r>
+            <a:r>
+              <a:rPr lang="en-US" sz="2000" dirty="0" err="1" smtClean="0">
+                <a:solidFill>
+                  <a:schemeClr val="accent6"/>
+                </a:solidFill>
+              </a:rPr>
+              <a:t>nfsd</a:t>
+            </a:r>
+            <a:r>
+              <a:rPr lang="en-US" sz="2000" dirty="0" smtClean="0">
+                <a:solidFill>
+                  <a:schemeClr val="accent6"/>
+                </a:solidFill>
+              </a:rPr>
+              <a:t> must be open on the server.</a:t>
+            </a:r>
+            <a:br>
+              <a:rPr lang="en-US" sz="2000" dirty="0" smtClean="0">
+                <a:solidFill>
+                  <a:schemeClr val="accent6"/>
+                </a:solidFill>
+              </a:rPr>
+            </a:br>
+            <a:r>
+              <a:rPr lang="en-US" sz="2000" dirty="0">
+                <a:solidFill>
+                  <a:schemeClr val="accent6"/>
+                </a:solidFill>
+              </a:rPr>
+              <a:t/>
+            </a:r>
+            <a:br>
+              <a:rPr lang="en-US" sz="2000" dirty="0">
+                <a:solidFill>
+                  <a:schemeClr val="accent6"/>
+                </a:solidFill>
+              </a:rPr>
+            </a:br>
+            <a:r>
+              <a:rPr lang="en-US" sz="2000" dirty="0" smtClean="0">
+                <a:solidFill>
+                  <a:schemeClr val="bg1"/>
+                </a:solidFill>
+              </a:rPr>
+              <a:t>firewall-</a:t>
+            </a:r>
+            <a:r>
+              <a:rPr lang="en-US" sz="2000" dirty="0" err="1" smtClean="0">
+                <a:solidFill>
+                  <a:schemeClr val="bg1"/>
+                </a:solidFill>
+              </a:rPr>
+              <a:t>cmd</a:t>
+            </a:r>
+            <a:r>
+              <a:rPr lang="en-US" sz="2000" dirty="0" smtClean="0">
+                <a:solidFill>
+                  <a:schemeClr val="bg1"/>
+                </a:solidFill>
+              </a:rPr>
+              <a:t> –permanent –add-service=</a:t>
+            </a:r>
+            <a:r>
+              <a:rPr lang="en-US" sz="2000" dirty="0" err="1" smtClean="0">
+                <a:solidFill>
+                  <a:schemeClr val="bg1"/>
                 </a:solidFill>
               </a:rPr>
               <a:t>nfs</a:t>
@@ -7898,111 +8549,71 @@
             <a:r>
               <a:rPr lang="en-US" sz="2000" dirty="0" smtClean="0">
                 <a:solidFill>
-                  <a:schemeClr val="accent6"/>
-                </a:solidFill>
-              </a:rPr>
-              <a:t>-server ) </a:t>
+                  <a:schemeClr val="bg1"/>
+                </a:solidFill>
+              </a:rPr>
+              <a:t/>
             </a:r>
             <a:br>
               <a:rPr lang="en-US" sz="2000" dirty="0" smtClean="0">
                 <a:solidFill>
-                  <a:schemeClr val="accent6"/>
+                  <a:schemeClr val="bg1"/>
                 </a:solidFill>
               </a:rPr>
             </a:br>
             <a:r>
               <a:rPr lang="en-US" sz="2000" dirty="0" smtClean="0">
                 <a:solidFill>
-                  <a:schemeClr val="accent6"/>
-                </a:solidFill>
-              </a:rPr>
-              <a:t>3. create the exported directory ( </a:t>
+                  <a:schemeClr val="bg1"/>
+                </a:solidFill>
+              </a:rPr>
+              <a:t>firewall-</a:t>
             </a:r>
             <a:r>
               <a:rPr lang="en-US" sz="2000" dirty="0" err="1" smtClean="0">
                 <a:solidFill>
-                  <a:schemeClr val="accent6"/>
-                </a:solidFill>
-              </a:rPr>
-              <a:t>mkdir</a:t>
+                  <a:schemeClr val="bg1"/>
+                </a:solidFill>
+              </a:rPr>
+              <a:t>cmd</a:t>
             </a:r>
             <a:r>
               <a:rPr lang="en-US" sz="2000" dirty="0" smtClean="0">
                 <a:solidFill>
-                  <a:schemeClr val="accent6"/>
-                </a:solidFill>
-              </a:rPr>
-              <a:t> /</a:t>
-            </a:r>
-            <a:r>
-              <a:rPr lang="en-US" sz="2000" dirty="0" err="1" smtClean="0">
-                <a:solidFill>
-                  <a:schemeClr val="accent6"/>
-                </a:solidFill>
-              </a:rPr>
-              <a:t>myshare</a:t>
-            </a:r>
-            <a:r>
+                  <a:schemeClr val="bg1"/>
+                </a:solidFill>
+              </a:rPr>
+              <a:t> –reload</a:t>
+            </a:r>
+            <a:br>
               <a:rPr lang="en-US" sz="2000" dirty="0" smtClean="0">
                 <a:solidFill>
-                  <a:schemeClr val="accent6"/>
-                </a:solidFill>
-              </a:rPr>
-              <a:t> )</a:t>
-            </a:r>
-            <a:br>
+                  <a:schemeClr val="bg1"/>
+                </a:solidFill>
+              </a:rPr>
+            </a:br>
+            <a:r>
               <a:rPr lang="en-US" sz="2000" dirty="0" smtClean="0">
                 <a:solidFill>
                   <a:schemeClr val="accent6"/>
                 </a:solidFill>
               </a:rPr>
-            </a:br>
-            <a:r>
-              <a:rPr lang="en-US" sz="2000" dirty="0">
-                <a:solidFill>
-                  <a:schemeClr val="accent6"/>
-                </a:solidFill>
-              </a:rPr>
-              <a:t/>
-            </a:r>
-            <a:br>
-              <a:rPr lang="en-US" sz="2000" dirty="0">
-                <a:solidFill>
-                  <a:schemeClr val="accent6"/>
-                </a:solidFill>
-              </a:rPr>
-            </a:br>
-            <a:r>
+              <a:t/>
+            </a:r>
+            <a:br>
               <a:rPr lang="en-US" sz="2000" dirty="0" smtClean="0">
                 <a:solidFill>
                   <a:schemeClr val="accent6"/>
                 </a:solidFill>
               </a:rPr>
-              <a:t>4. Edit the /</a:t>
-            </a:r>
-            <a:r>
-              <a:rPr lang="en-US" sz="2000" dirty="0" err="1" smtClean="0">
-                <a:solidFill>
-                  <a:schemeClr val="accent6"/>
-                </a:solidFill>
-              </a:rPr>
-              <a:t>etc</a:t>
-            </a:r>
+            </a:br>
             <a:r>
               <a:rPr lang="en-US" sz="2000" dirty="0" smtClean="0">
                 <a:solidFill>
-                  <a:schemeClr val="accent6"/>
-                </a:solidFill>
-              </a:rPr>
-              <a:t>/exports file ( /</a:t>
-            </a:r>
-            <a:r>
-              <a:rPr lang="en-US" sz="2000" dirty="0" err="1" smtClean="0">
-                <a:solidFill>
-                  <a:schemeClr val="accent6"/>
-                </a:solidFill>
-              </a:rPr>
-              <a:t>myshare</a:t>
+                  <a:srgbClr val="FF0000"/>
+                </a:solidFill>
+              </a:rPr>
+              <a:t>Exercises:</a:t>
             </a:r>
             <a:r>
               <a:rPr lang="en-US" sz="2000" dirty="0" smtClean="0">
@@ -8010,269 +8621,38 @@
                   <a:schemeClr val="accent6"/>
                 </a:solidFill>
               </a:rPr>
-              <a:t> </a:t>
-            </a:r>
-            <a:r>
-              <a:rPr lang="en-US" sz="2000" dirty="0" err="1" smtClean="0">
-                <a:solidFill>
-                  <a:schemeClr val="accent6"/>
-                </a:solidFill>
-              </a:rPr>
-              <a:t>some_other_node</a:t>
-            </a:r>
-            <a:r>
+              <a:t/>
+            </a:r>
+            <a:br>
               <a:rPr lang="en-US" sz="2000" dirty="0" smtClean="0">
                 <a:solidFill>
                   <a:schemeClr val="accent6"/>
                 </a:solidFill>
               </a:rPr>
-              <a:t>(</a:t>
-            </a:r>
-            <a:r>
-              <a:rPr lang="en-US" sz="2000" dirty="0" err="1" smtClean="0">
-                <a:solidFill>
-                  <a:schemeClr val="accent6"/>
-                </a:solidFill>
-              </a:rPr>
-              <a:t>rw</a:t>
-            </a:r>
+            </a:br>
             <a:r>
               <a:rPr lang="en-US" sz="2000" dirty="0" smtClean="0">
                 <a:solidFill>
                   <a:schemeClr val="accent6"/>
                 </a:solidFill>
               </a:rPr>
-              <a:t>) )</a:t>
-            </a:r>
-            <a:br>
+              <a:t>1. Export </a:t>
+            </a:r>
+            <a:r>
               <a:rPr lang="en-US" sz="2000" dirty="0" smtClean="0">
                 <a:solidFill>
                   <a:schemeClr val="accent6"/>
                 </a:solidFill>
               </a:rPr>
-            </a:br>
-            <a:r>
-              <a:rPr lang="en-US" sz="2000" dirty="0">
-                <a:solidFill>
-                  <a:schemeClr val="accent6"/>
-                </a:solidFill>
-              </a:rPr>
-              <a:t/>
-            </a:r>
-            <a:br>
-              <a:rPr lang="en-US" sz="2000" dirty="0">
-                <a:solidFill>
-                  <a:schemeClr val="accent6"/>
-                </a:solidFill>
-              </a:rPr>
-            </a:br>
+              <a:t>a directory  </a:t>
+            </a:r>
             <a:r>
               <a:rPr lang="en-US" sz="2000" dirty="0" smtClean="0">
                 <a:solidFill>
                   <a:schemeClr val="accent6"/>
                 </a:solidFill>
               </a:rPr>
-              <a:t>5. </a:t>
-            </a:r>
-            <a:r>
-              <a:rPr lang="en-US" sz="2000" dirty="0" err="1" smtClean="0">
-                <a:solidFill>
-                  <a:schemeClr val="accent6"/>
-                </a:solidFill>
-              </a:rPr>
-              <a:t>exportfs</a:t>
-            </a:r>
-            <a:r>
-              <a:rPr lang="en-US" sz="2000" dirty="0" smtClean="0">
-                <a:solidFill>
-                  <a:schemeClr val="accent6"/>
-                </a:solidFill>
-              </a:rPr>
-              <a:t> –r</a:t>
-            </a:r>
-            <a:br>
-              <a:rPr lang="en-US" sz="2000" dirty="0" smtClean="0">
-                <a:solidFill>
-                  <a:schemeClr val="accent6"/>
-                </a:solidFill>
-              </a:rPr>
-            </a:br>
-            <a:r>
-              <a:rPr lang="en-US" sz="2000" dirty="0">
-                <a:solidFill>
-                  <a:schemeClr val="accent6"/>
-                </a:solidFill>
-              </a:rPr>
-              <a:t/>
-            </a:r>
-            <a:br>
-              <a:rPr lang="en-US" sz="2000" dirty="0">
-                <a:solidFill>
-                  <a:schemeClr val="accent6"/>
-                </a:solidFill>
-              </a:rPr>
-            </a:br>
-            <a:r>
-              <a:rPr lang="en-US" sz="2000" dirty="0" smtClean="0">
-                <a:solidFill>
-                  <a:schemeClr val="accent6"/>
-                </a:solidFill>
-              </a:rPr>
-              <a:t>6. The NFS port 2049/TCP for </a:t>
-            </a:r>
-            <a:r>
-              <a:rPr lang="en-US" sz="2000" dirty="0" err="1" smtClean="0">
-                <a:solidFill>
-                  <a:schemeClr val="accent6"/>
-                </a:solidFill>
-              </a:rPr>
-              <a:t>nfsd</a:t>
-            </a:r>
-            <a:r>
-              <a:rPr lang="en-US" sz="2000" dirty="0" smtClean="0">
-                <a:solidFill>
-                  <a:schemeClr val="accent6"/>
-                </a:solidFill>
-              </a:rPr>
-              <a:t> must be open on the server.</a:t>
-            </a:r>
-            <a:br>
-              <a:rPr lang="en-US" sz="2000" dirty="0" smtClean="0">
-                <a:solidFill>
-                  <a:schemeClr val="accent6"/>
-                </a:solidFill>
-              </a:rPr>
-            </a:br>
-            <a:r>
-              <a:rPr lang="en-US" sz="2000" dirty="0">
-                <a:solidFill>
-                  <a:schemeClr val="accent6"/>
-                </a:solidFill>
-              </a:rPr>
-              <a:t/>
-            </a:r>
-            <a:br>
-              <a:rPr lang="en-US" sz="2000" dirty="0">
-                <a:solidFill>
-                  <a:schemeClr val="accent6"/>
-                </a:solidFill>
-              </a:rPr>
-            </a:br>
-            <a:r>
-              <a:rPr lang="en-US" sz="2000" dirty="0" smtClean="0">
-                <a:solidFill>
-                  <a:schemeClr val="accent6"/>
-                </a:solidFill>
-              </a:rPr>
-              <a:t>firewall-</a:t>
-            </a:r>
-            <a:r>
-              <a:rPr lang="en-US" sz="2000" dirty="0" err="1" smtClean="0">
-                <a:solidFill>
-                  <a:schemeClr val="accent6"/>
-                </a:solidFill>
-              </a:rPr>
-              <a:t>cmd</a:t>
-            </a:r>
-            <a:r>
-              <a:rPr lang="en-US" sz="2000" dirty="0" smtClean="0">
-                <a:solidFill>
-                  <a:schemeClr val="accent6"/>
-                </a:solidFill>
-              </a:rPr>
-              <a:t> –permanent –add-service=</a:t>
-            </a:r>
-            <a:r>
-              <a:rPr lang="en-US" sz="2000" dirty="0" err="1" smtClean="0">
-                <a:solidFill>
-                  <a:schemeClr val="accent6"/>
-                </a:solidFill>
-              </a:rPr>
-              <a:t>nfs</a:t>
-            </a:r>
-            <a:r>
-              <a:rPr lang="en-US" sz="2000" dirty="0" smtClean="0">
-                <a:solidFill>
-                  <a:schemeClr val="accent6"/>
-                </a:solidFill>
-              </a:rPr>
-              <a:t/>
-            </a:r>
-            <a:br>
-              <a:rPr lang="en-US" sz="2000" dirty="0" smtClean="0">
-                <a:solidFill>
-                  <a:schemeClr val="accent6"/>
-                </a:solidFill>
-              </a:rPr>
-            </a:br>
-            <a:r>
-              <a:rPr lang="en-US" sz="2000" dirty="0" smtClean="0">
-                <a:solidFill>
-                  <a:schemeClr val="accent6"/>
-                </a:solidFill>
-              </a:rPr>
-              <a:t>firewall-</a:t>
-            </a:r>
-            <a:r>
-              <a:rPr lang="en-US" sz="2000" dirty="0" err="1" smtClean="0">
-                <a:solidFill>
-                  <a:schemeClr val="accent6"/>
-                </a:solidFill>
-              </a:rPr>
-              <a:t>cmd</a:t>
-            </a:r>
-            <a:r>
-              <a:rPr lang="en-US" sz="2000" dirty="0" smtClean="0">
-                <a:solidFill>
-                  <a:schemeClr val="accent6"/>
-                </a:solidFill>
-              </a:rPr>
-              <a:t> –reload</a:t>
-            </a:r>
-            <a:br>
-              <a:rPr lang="en-US" sz="2000" dirty="0" smtClean="0">
-                <a:solidFill>
-                  <a:schemeClr val="accent6"/>
-                </a:solidFill>
-              </a:rPr>
-            </a:br>
-            <a:r>
-              <a:rPr lang="en-US" sz="2000" dirty="0" smtClean="0">
-                <a:solidFill>
-                  <a:schemeClr val="accent6"/>
-                </a:solidFill>
-              </a:rPr>
-              <a:t/>
-            </a:r>
-            <a:br>
-              <a:rPr lang="en-US" sz="2000" dirty="0" smtClean="0">
-                <a:solidFill>
-                  <a:schemeClr val="accent6"/>
-                </a:solidFill>
-              </a:rPr>
-            </a:br>
-            <a:r>
-              <a:rPr lang="en-US" sz="2000" dirty="0" smtClean="0">
-                <a:solidFill>
-                  <a:schemeClr val="accent6"/>
-                </a:solidFill>
-              </a:rPr>
-              <a:t>Exercises:</a:t>
-            </a:r>
-            <a:br>
-              <a:rPr lang="en-US" sz="2000" dirty="0" smtClean="0">
-                <a:solidFill>
-                  <a:schemeClr val="accent6"/>
-                </a:solidFill>
-              </a:rPr>
-            </a:br>
-            <a:r>
-              <a:rPr lang="en-US" sz="2000" dirty="0" smtClean="0">
-                <a:solidFill>
-                  <a:schemeClr val="accent6"/>
-                </a:solidFill>
-              </a:rPr>
-              <a:t>1. Export the directory  </a:t>
+              <a:t/>
             </a:r>
             <a:br>
               <a:rPr lang="en-US" sz="2000" dirty="0" smtClean="0">
@@ -8483,17 +8863,25 @@
             <a:r>
               <a:rPr lang="en-US" sz="2200" dirty="0" smtClean="0">
                 <a:solidFill>
-                  <a:schemeClr val="accent6"/>
-                </a:solidFill>
-              </a:rPr>
-              <a:t>Server Message Block(SMB) is the standard file-sharing protocol for Microsoft Windows servers and clients. Using a software package named Samba, Linux is able to act as a server for SMB file shares.</a:t>
-            </a:r>
-            <a:br>
+                  <a:schemeClr val="bg1"/>
+                </a:solidFill>
+              </a:rPr>
+              <a:t>Server Message Block(SMB) </a:t>
+            </a:r>
+            <a:r>
               <a:rPr lang="en-US" sz="2200" dirty="0" smtClean="0">
                 <a:solidFill>
                   <a:schemeClr val="accent6"/>
                 </a:solidFill>
               </a:rPr>
+              <a:t>is the standard file-sharing protocol for Microsoft Windows servers and clients. Using a software package named Samba, Linux is able to act as a server for SMB file shares.</a:t>
+            </a:r>
+            <a:br>
+              <a:rPr lang="en-US" sz="2200" dirty="0" smtClean="0">
+                <a:solidFill>
+                  <a:schemeClr val="accent6"/>
+                </a:solidFill>
+              </a:rPr>
             </a:br>
             <a:r>
               <a:rPr lang="en-US" sz="2200" dirty="0">
@@ -8546,27 +8934,43 @@
                   <a:schemeClr val="accent6"/>
                 </a:solidFill>
               </a:rPr>
-              <a:t>1. Install the samba package. =&gt; yum install samba. </a:t>
-            </a:r>
-            <a:br>
+              <a:t>1. Install the samba package. =&gt; </a:t>
+            </a:r>
+            <a:r>
               <a:rPr lang="en-US" sz="2200" dirty="0" smtClean="0">
                 <a:solidFill>
-                  <a:schemeClr val="accent6"/>
-                </a:solidFill>
-              </a:rPr>
-            </a:br>
+                  <a:schemeClr val="bg1"/>
+                </a:solidFill>
+              </a:rPr>
+              <a:t>yum install samba</a:t>
+            </a:r>
             <a:r>
               <a:rPr lang="en-US" sz="2200" dirty="0" smtClean="0">
                 <a:solidFill>
                   <a:schemeClr val="accent6"/>
                 </a:solidFill>
               </a:rPr>
+              <a:t>. </a:t>
+            </a:r>
+            <a:br>
+              <a:rPr lang="en-US" sz="2200" dirty="0" smtClean="0">
+                <a:solidFill>
+                  <a:schemeClr val="accent6"/>
+                </a:solidFill>
+              </a:rPr>
+            </a:br>
+            <a:r>
+              <a:rPr lang="en-US" sz="2200" dirty="0" smtClean="0">
+                <a:solidFill>
+                  <a:schemeClr val="accent6"/>
+                </a:solidFill>
+              </a:rPr>
               <a:t>2. Prepare the directory =&gt; </a:t>
             </a:r>
             <a:r>
               <a:rPr lang="en-US" sz="2200" dirty="0" err="1" smtClean="0">
                 <a:solidFill>
-                  <a:schemeClr val="accent6"/>
+                  <a:schemeClr val="bg1"/>
                 </a:solidFill>
               </a:rPr>
               <a:t>mkdir</a:t>
@@ -8574,7 +8978,7 @@
             <a:r>
               <a:rPr lang="en-US" sz="2200" dirty="0" smtClean="0">
                 <a:solidFill>
-                  <a:schemeClr val="accent6"/>
+                  <a:schemeClr val="bg1"/>
                 </a:solidFill>
               </a:rPr>
               <a:t> /</a:t>
@@ -8582,7 +8986,7 @@
             <a:r>
               <a:rPr lang="en-US" sz="2200" dirty="0" err="1" smtClean="0">
                 <a:solidFill>
-                  <a:schemeClr val="accent6"/>
+                  <a:schemeClr val="bg1"/>
                 </a:solidFill>
               </a:rPr>
               <a:t>sharedpath</a:t>
@@ -8608,12 +9012,20 @@
                   <a:schemeClr val="accent6"/>
                 </a:solidFill>
               </a:rPr>
-              <a:t>3. Configure the /</a:t>
+              <a:t>3. Configure the </a:t>
+            </a:r>
+            <a:r>
+              <a:rPr lang="en-US" sz="2200" dirty="0" smtClean="0">
+                <a:solidFill>
+                  <a:schemeClr val="bg1"/>
+                </a:solidFill>
+              </a:rPr>
+              <a:t>/</a:t>
             </a:r>
             <a:r>
               <a:rPr lang="en-US" sz="2200" dirty="0" err="1" smtClean="0">
                 <a:solidFill>
-                  <a:schemeClr val="accent6"/>
+                  <a:schemeClr val="bg1"/>
                 </a:solidFill>
               </a:rPr>
               <a:t>etc</a:t>
@@ -8621,7 +9033,7 @@
             <a:r>
               <a:rPr lang="en-US" sz="2200" dirty="0" smtClean="0">
                 <a:solidFill>
-                  <a:schemeClr val="accent6"/>
+                  <a:schemeClr val="bg1"/>
                 </a:solidFill>
               </a:rPr>
               <a:t>/samba/</a:t>
@@ -8629,7 +9041,7 @@
             <a:r>
               <a:rPr lang="en-US" sz="2200" dirty="0" err="1" smtClean="0">
                 <a:solidFill>
-                  <a:schemeClr val="accent6"/>
+                  <a:schemeClr val="bg1"/>
                 </a:solidFill>
               </a:rPr>
               <a:t>smb.conf</a:t>
@@ -8851,12 +9263,20 @@
                   <a:schemeClr val="accent6"/>
                 </a:solidFill>
               </a:rPr>
-              <a:t>3. Configuration of /</a:t>
+              <a:t>3. Configuration of </a:t>
+            </a:r>
+            <a:r>
+              <a:rPr lang="en-US" sz="2000" dirty="0" smtClean="0">
+                <a:solidFill>
+                  <a:schemeClr val="bg1"/>
+                </a:solidFill>
+              </a:rPr>
+              <a:t>/</a:t>
             </a:r>
             <a:r>
               <a:rPr lang="en-US" sz="2000" dirty="0" err="1" smtClean="0">
                 <a:solidFill>
-                  <a:schemeClr val="accent6"/>
+                  <a:schemeClr val="bg1"/>
                 </a:solidFill>
               </a:rPr>
               <a:t>etc</a:t>
@@ -8864,7 +9284,7 @@
             <a:r>
               <a:rPr lang="en-US" sz="2000" dirty="0" smtClean="0">
                 <a:solidFill>
-                  <a:schemeClr val="accent6"/>
+                  <a:schemeClr val="bg1"/>
                 </a:solidFill>
               </a:rPr>
               <a:t>/samba/</a:t>
@@ -8872,7 +9292,7 @@
             <a:r>
               <a:rPr lang="en-US" sz="2000" dirty="0" err="1" smtClean="0">
                 <a:solidFill>
-                  <a:schemeClr val="accent6"/>
+                  <a:schemeClr val="bg1"/>
                 </a:solidFill>
               </a:rPr>
               <a:t>smb.conf</a:t>

--- a/12.SSH_NFS_SAMBA/12-SSH_NFS_SAMBA.pptx
+++ b/12.SSH_NFS_SAMBA/12-SSH_NFS_SAMBA.pptx
@@ -225,7 +225,7 @@
           <a:p>
             <a:fld id="{75861919-8521-4274-BB91-998CD62CEE44}" type="datetimeFigureOut">
               <a:rPr lang="en-US" smtClean="0"/>
-              <a:t>3/24/17</a:t>
+              <a:t>4/25/17</a:t>
             </a:fld>
             <a:endParaRPr lang="en-US"/>
           </a:p>
@@ -842,7 +842,7 @@
           <a:p>
             <a:fld id="{3EA744D9-3FBE-48D8-BF2A-85DF203E4D20}" type="datetimeFigureOut">
               <a:rPr lang="bg-BG" smtClean="0"/>
-              <a:t>24.03.17 г.</a:t>
+              <a:t>25.04.17 г.</a:t>
             </a:fld>
             <a:endParaRPr lang="bg-BG"/>
           </a:p>
@@ -1012,7 +1012,7 @@
           <a:p>
             <a:fld id="{3EA744D9-3FBE-48D8-BF2A-85DF203E4D20}" type="datetimeFigureOut">
               <a:rPr lang="bg-BG" smtClean="0"/>
-              <a:t>24.03.17 г.</a:t>
+              <a:t>25.04.17 г.</a:t>
             </a:fld>
             <a:endParaRPr lang="bg-BG"/>
           </a:p>
@@ -1192,7 +1192,7 @@
           <a:p>
             <a:fld id="{3EA744D9-3FBE-48D8-BF2A-85DF203E4D20}" type="datetimeFigureOut">
               <a:rPr lang="bg-BG" smtClean="0"/>
-              <a:t>24.03.17 г.</a:t>
+              <a:t>25.04.17 г.</a:t>
             </a:fld>
             <a:endParaRPr lang="bg-BG"/>
           </a:p>
@@ -1362,7 +1362,7 @@
           <a:p>
             <a:fld id="{3EA744D9-3FBE-48D8-BF2A-85DF203E4D20}" type="datetimeFigureOut">
               <a:rPr lang="bg-BG" smtClean="0"/>
-              <a:t>24.03.17 г.</a:t>
+              <a:t>25.04.17 г.</a:t>
             </a:fld>
             <a:endParaRPr lang="bg-BG"/>
           </a:p>
@@ -1608,7 +1608,7 @@
           <a:p>
             <a:fld id="{3EA744D9-3FBE-48D8-BF2A-85DF203E4D20}" type="datetimeFigureOut">
               <a:rPr lang="bg-BG" smtClean="0"/>
-              <a:t>24.03.17 г.</a:t>
+              <a:t>25.04.17 г.</a:t>
             </a:fld>
             <a:endParaRPr lang="bg-BG"/>
           </a:p>
@@ -1896,7 +1896,7 @@
           <a:p>
             <a:fld id="{3EA744D9-3FBE-48D8-BF2A-85DF203E4D20}" type="datetimeFigureOut">
               <a:rPr lang="bg-BG" smtClean="0"/>
-              <a:t>24.03.17 г.</a:t>
+              <a:t>25.04.17 г.</a:t>
             </a:fld>
             <a:endParaRPr lang="bg-BG"/>
           </a:p>
@@ -2318,7 +2318,7 @@
           <a:p>
             <a:fld id="{3EA744D9-3FBE-48D8-BF2A-85DF203E4D20}" type="datetimeFigureOut">
               <a:rPr lang="bg-BG" smtClean="0"/>
-              <a:t>24.03.17 г.</a:t>
+              <a:t>25.04.17 г.</a:t>
             </a:fld>
             <a:endParaRPr lang="bg-BG"/>
           </a:p>
@@ -2436,7 +2436,7 @@
           <a:p>
             <a:fld id="{3EA744D9-3FBE-48D8-BF2A-85DF203E4D20}" type="datetimeFigureOut">
               <a:rPr lang="bg-BG" smtClean="0"/>
-              <a:t>24.03.17 г.</a:t>
+              <a:t>25.04.17 г.</a:t>
             </a:fld>
             <a:endParaRPr lang="bg-BG"/>
           </a:p>
@@ -2531,7 +2531,7 @@
           <a:p>
             <a:fld id="{3EA744D9-3FBE-48D8-BF2A-85DF203E4D20}" type="datetimeFigureOut">
               <a:rPr lang="bg-BG" smtClean="0"/>
-              <a:t>24.03.17 г.</a:t>
+              <a:t>25.04.17 г.</a:t>
             </a:fld>
             <a:endParaRPr lang="bg-BG"/>
           </a:p>
@@ -2808,7 +2808,7 @@
           <a:p>
             <a:fld id="{3EA744D9-3FBE-48D8-BF2A-85DF203E4D20}" type="datetimeFigureOut">
               <a:rPr lang="bg-BG" smtClean="0"/>
-              <a:t>24.03.17 г.</a:t>
+              <a:t>25.04.17 г.</a:t>
             </a:fld>
             <a:endParaRPr lang="bg-BG"/>
           </a:p>
@@ -3061,7 +3061,7 @@
           <a:p>
             <a:fld id="{3EA744D9-3FBE-48D8-BF2A-85DF203E4D20}" type="datetimeFigureOut">
               <a:rPr lang="bg-BG" smtClean="0"/>
-              <a:t>24.03.17 г.</a:t>
+              <a:t>25.04.17 г.</a:t>
             </a:fld>
             <a:endParaRPr lang="bg-BG"/>
           </a:p>
@@ -3283,7 +3283,7 @@
           <a:p>
             <a:fld id="{3EA744D9-3FBE-48D8-BF2A-85DF203E4D20}" type="datetimeFigureOut">
               <a:rPr lang="bg-BG" smtClean="0"/>
-              <a:t>24.03.17 г.</a:t>
+              <a:t>25.04.17 г.</a:t>
             </a:fld>
             <a:endParaRPr lang="bg-BG"/>
           </a:p>
@@ -5096,12 +5096,20 @@
                   <a:schemeClr val="accent6"/>
                 </a:solidFill>
               </a:rPr>
-              <a:t>2. System-wide SSH configuration information is under /</a:t>
+              <a:t>2. System-wide SSH configuration information is under </a:t>
+            </a:r>
+            <a:r>
+              <a:rPr lang="en-US" sz="1600" dirty="0" smtClean="0">
+                <a:solidFill>
+                  <a:schemeClr val="bg1"/>
+                </a:solidFill>
+              </a:rPr>
+              <a:t>/</a:t>
             </a:r>
             <a:r>
               <a:rPr lang="en-US" sz="1600" dirty="0" err="1" smtClean="0">
                 <a:solidFill>
-                  <a:schemeClr val="accent6"/>
+                  <a:schemeClr val="bg1"/>
                 </a:solidFill>
               </a:rPr>
               <a:t>etc</a:t>
@@ -5109,7 +5117,7 @@
             <a:r>
               <a:rPr lang="en-US" sz="1600" dirty="0" smtClean="0">
                 <a:solidFill>
-                  <a:schemeClr val="accent6"/>
+                  <a:schemeClr val="bg1"/>
                 </a:solidFill>
               </a:rPr>
               <a:t>/</a:t>
@@ -5117,7 +5125,7 @@
             <a:r>
               <a:rPr lang="en-US" sz="1600" dirty="0" err="1" smtClean="0">
                 <a:solidFill>
-                  <a:schemeClr val="accent6"/>
+                  <a:schemeClr val="bg1"/>
                 </a:solidFill>
               </a:rPr>
               <a:t>ssh</a:t>
@@ -5125,17 +5133,25 @@
             <a:r>
               <a:rPr lang="en-US" sz="1600" dirty="0" smtClean="0">
                 <a:solidFill>
-                  <a:schemeClr val="accent6"/>
+                  <a:schemeClr val="bg1"/>
                 </a:solidFill>
               </a:rPr>
               <a:t>/</a:t>
             </a:r>
-            <a:br>
+            <a:r>
               <a:rPr lang="en-US" sz="1600" dirty="0" smtClean="0">
                 <a:solidFill>
                   <a:schemeClr val="accent6"/>
                 </a:solidFill>
               </a:rPr>
+              <a:t/>
+            </a:r>
+            <a:br>
+              <a:rPr lang="en-US" sz="1600" dirty="0" smtClean="0">
+                <a:solidFill>
+                  <a:schemeClr val="accent6"/>
+                </a:solidFill>
+              </a:rPr>
             </a:br>
             <a:r>
               <a:rPr lang="en-US" sz="1600" dirty="0">
@@ -5310,7 +5326,7 @@
             <a:r>
               <a:rPr lang="en-US" sz="1600" dirty="0" err="1" smtClean="0">
                 <a:solidFill>
-                  <a:schemeClr val="accent6"/>
+                  <a:schemeClr val="bg1"/>
                 </a:solidFill>
               </a:rPr>
               <a:t>ssh-keygen</a:t>
@@ -5318,15 +5334,31 @@
             <a:r>
               <a:rPr lang="en-US" sz="1600" dirty="0" smtClean="0">
                 <a:solidFill>
-                  <a:schemeClr val="accent6"/>
-                </a:solidFill>
-              </a:rPr>
-              <a:t> generates our private key in ~/.</a:t>
+                  <a:schemeClr val="bg1"/>
+                </a:solidFill>
+              </a:rPr>
+              <a:t> </a:t>
+            </a:r>
+            <a:r>
+              <a:rPr lang="en-US" sz="1600" dirty="0" smtClean="0">
+                <a:solidFill>
+                  <a:schemeClr val="accent6"/>
+                </a:solidFill>
+              </a:rPr>
+              <a:t>generates our private key in </a:t>
+            </a:r>
+            <a:r>
+              <a:rPr lang="en-US" sz="1600" dirty="0" smtClean="0">
+                <a:solidFill>
+                  <a:schemeClr val="bg1"/>
+                </a:solidFill>
+              </a:rPr>
+              <a:t>~/.</a:t>
             </a:r>
             <a:r>
               <a:rPr lang="en-US" sz="1600" dirty="0" err="1" smtClean="0">
                 <a:solidFill>
-                  <a:schemeClr val="accent6"/>
+                  <a:schemeClr val="bg1"/>
                 </a:solidFill>
               </a:rPr>
               <a:t>ssh</a:t>
@@ -5334,7 +5366,7 @@
             <a:r>
               <a:rPr lang="en-US" sz="1600" dirty="0" smtClean="0">
                 <a:solidFill>
-                  <a:schemeClr val="accent6"/>
+                  <a:schemeClr val="bg1"/>
                 </a:solidFill>
               </a:rPr>
               <a:t>/</a:t>
@@ -5342,7 +5374,7 @@
             <a:r>
               <a:rPr lang="en-US" sz="1600" dirty="0" err="1" smtClean="0">
                 <a:solidFill>
-                  <a:schemeClr val="accent6"/>
+                  <a:schemeClr val="bg1"/>
                 </a:solidFill>
               </a:rPr>
               <a:t>id_rsa</a:t>
@@ -5350,15 +5382,31 @@
             <a:r>
               <a:rPr lang="en-US" sz="1600" dirty="0" smtClean="0">
                 <a:solidFill>
-                  <a:schemeClr val="accent6"/>
-                </a:solidFill>
-              </a:rPr>
-              <a:t> and public ~/.</a:t>
+                  <a:schemeClr val="bg1"/>
+                </a:solidFill>
+              </a:rPr>
+              <a:t> </a:t>
+            </a:r>
+            <a:r>
+              <a:rPr lang="en-US" sz="1600" dirty="0" smtClean="0">
+                <a:solidFill>
+                  <a:schemeClr val="accent6"/>
+                </a:solidFill>
+              </a:rPr>
+              <a:t>and public </a:t>
+            </a:r>
+            <a:r>
+              <a:rPr lang="en-US" sz="1600" dirty="0" smtClean="0">
+                <a:solidFill>
+                  <a:schemeClr val="bg1"/>
+                </a:solidFill>
+              </a:rPr>
+              <a:t>~/.</a:t>
             </a:r>
             <a:r>
               <a:rPr lang="en-US" sz="1600" dirty="0" err="1" smtClean="0">
                 <a:solidFill>
-                  <a:schemeClr val="accent6"/>
+                  <a:schemeClr val="bg1"/>
                 </a:solidFill>
               </a:rPr>
               <a:t>ssh</a:t>
@@ -5366,10 +5414,50 @@
             <a:r>
               <a:rPr lang="en-US" sz="1600" dirty="0" smtClean="0">
                 <a:solidFill>
-                  <a:schemeClr val="accent6"/>
-                </a:solidFill>
-              </a:rPr>
-              <a:t>/id_rsa.pub</a:t>
+                  <a:schemeClr val="bg1"/>
+                </a:solidFill>
+              </a:rPr>
+              <a:t>/</a:t>
+            </a:r>
+            <a:r>
+              <a:rPr lang="en-US" sz="1600" dirty="0" err="1" smtClean="0">
+                <a:solidFill>
+                  <a:schemeClr val="bg1"/>
+                </a:solidFill>
+              </a:rPr>
+              <a:t>id_rsa.pub</a:t>
+            </a:r>
+            <a:r>
+              <a:rPr lang="en-US" sz="1600" dirty="0" smtClean="0">
+                <a:solidFill>
+                  <a:schemeClr val="bg1"/>
+                </a:solidFill>
+              </a:rPr>
+              <a:t>, </a:t>
+            </a:r>
+            <a:r>
+              <a:rPr lang="en-US" sz="1600" dirty="0" smtClean="0">
+                <a:solidFill>
+                  <a:schemeClr val="accent6"/>
+                </a:solidFill>
+              </a:rPr>
+              <a:t>by default the algorithm is </a:t>
+            </a:r>
+            <a:r>
+              <a:rPr lang="en-US" sz="1600" dirty="0" err="1" smtClean="0">
+                <a:solidFill>
+                  <a:schemeClr val="accent6"/>
+                </a:solidFill>
+              </a:rPr>
+              <a:t>rsa</a:t>
+            </a:r>
+            <a:r>
+              <a:rPr lang="en-US" sz="1600" dirty="0" smtClean="0">
+                <a:solidFill>
+                  <a:schemeClr val="accent6"/>
+                </a:solidFill>
+              </a:rPr>
+              <a:t>. </a:t>
             </a:r>
             <a:r>
               <a:rPr lang="en-US" sz="1600" dirty="0">
@@ -5408,7 +5496,15 @@
                   <a:schemeClr val="accent6"/>
                 </a:solidFill>
               </a:rPr>
-              <a:t> directory ? And the permission of the keys ? </a:t>
+              <a:t> directory ? And the permission of the keys </a:t>
+            </a:r>
+            <a:r>
+              <a:rPr lang="en-US" sz="1600" dirty="0" smtClean="0">
+                <a:solidFill>
+                  <a:schemeClr val="accent6"/>
+                </a:solidFill>
+              </a:rPr>
+              <a:t>?</a:t>
             </a:r>
             <a:endParaRPr lang="en-US" sz="1600" dirty="0">
               <a:solidFill>
@@ -6042,12 +6138,12 @@
                   <a:schemeClr val="accent6"/>
                 </a:solidFill>
               </a:rPr>
-              <a:t>1. man </a:t>
+              <a:t>1. </a:t>
             </a:r>
             <a:r>
               <a:rPr lang="en-US" sz="1400" dirty="0" err="1" smtClean="0">
                 <a:solidFill>
-                  <a:schemeClr val="accent6"/>
+                  <a:schemeClr val="bg1"/>
                 </a:solidFill>
               </a:rPr>
               <a:t>ssh</a:t>
@@ -6055,10 +6151,26 @@
             <a:r>
               <a:rPr lang="en-US" sz="1400" dirty="0" smtClean="0">
                 <a:solidFill>
-                  <a:schemeClr val="accent6"/>
-                </a:solidFill>
-              </a:rPr>
-              <a:t>-copy-id localhost; When the key is copied to another system using </a:t>
+                  <a:schemeClr val="bg1"/>
+                </a:solidFill>
+              </a:rPr>
+              <a:t>-copy-id </a:t>
+            </a:r>
+            <a:r>
+              <a:rPr lang="en-US" sz="1400" dirty="0" smtClean="0">
+                <a:solidFill>
+                  <a:schemeClr val="bg1"/>
+                </a:solidFill>
+              </a:rPr>
+              <a:t>localhost</a:t>
+            </a:r>
+            <a:r>
+              <a:rPr lang="en-US" sz="1400" dirty="0" smtClean="0">
+                <a:solidFill>
+                  <a:schemeClr val="accent6"/>
+                </a:solidFill>
+              </a:rPr>
+              <a:t>; When the key is copied to another system using </a:t>
             </a:r>
             <a:r>
               <a:rPr lang="en-US" sz="1400" dirty="0" err="1" smtClean="0">
@@ -6074,12 +6186,20 @@
                   <a:schemeClr val="accent6"/>
                 </a:solidFill>
               </a:rPr>
-              <a:t>-copy-id, it copies the ~/.</a:t>
+              <a:t>-copy-id, it copies the </a:t>
+            </a:r>
+            <a:r>
+              <a:rPr lang="en-US" sz="1400" dirty="0" smtClean="0">
+                <a:solidFill>
+                  <a:schemeClr val="bg1"/>
+                </a:solidFill>
+              </a:rPr>
+              <a:t>~/.</a:t>
             </a:r>
             <a:r>
               <a:rPr lang="en-US" sz="1400" dirty="0" err="1" smtClean="0">
                 <a:solidFill>
-                  <a:schemeClr val="accent6"/>
+                  <a:schemeClr val="bg1"/>
                 </a:solidFill>
               </a:rPr>
               <a:t>ssh</a:t>
@@ -6087,41 +6207,57 @@
             <a:r>
               <a:rPr lang="en-US" sz="1400" dirty="0" smtClean="0">
                 <a:solidFill>
-                  <a:schemeClr val="accent6"/>
-                </a:solidFill>
-              </a:rPr>
-              <a:t>/id_rsa.pub file by default.</a:t>
-            </a:r>
-            <a:br>
+                  <a:schemeClr val="bg1"/>
+                </a:solidFill>
+              </a:rPr>
+              <a:t>/id_rsa.pub </a:t>
+            </a:r>
+            <a:r>
               <a:rPr lang="en-US" sz="1400" dirty="0" smtClean="0">
                 <a:solidFill>
                   <a:schemeClr val="accent6"/>
                 </a:solidFill>
               </a:rPr>
-            </a:br>
-            <a:r>
+              <a:t>file by default.</a:t>
+            </a:r>
+            <a:br>
               <a:rPr lang="en-US" sz="1400" dirty="0" smtClean="0">
                 <a:solidFill>
                   <a:schemeClr val="accent6"/>
                 </a:solidFill>
               </a:rPr>
+            </a:br>
+            <a:r>
+              <a:rPr lang="en-US" sz="1400" dirty="0" smtClean="0">
+                <a:solidFill>
+                  <a:schemeClr val="accent6"/>
+                </a:solidFill>
+              </a:rPr>
               <a:t>2. </a:t>
             </a:r>
             <a:r>
               <a:rPr lang="en-US" sz="1400" dirty="0" err="1" smtClean="0">
                 <a:solidFill>
+                  <a:schemeClr val="bg1"/>
+                </a:solidFill>
+              </a:rPr>
+              <a:t>ssh</a:t>
+            </a:r>
+            <a:r>
+              <a:rPr lang="en-US" sz="1400" dirty="0" smtClean="0">
+                <a:solidFill>
+                  <a:schemeClr val="bg1"/>
+                </a:solidFill>
+              </a:rPr>
+              <a:t> localhost</a:t>
+            </a:r>
+            <a:r>
+              <a:rPr lang="en-US" sz="1400" dirty="0" smtClean="0">
+                <a:solidFill>
                   <a:srgbClr val="FF0000"/>
                 </a:solidFill>
               </a:rPr>
-              <a:t>ssh</a:t>
-            </a:r>
-            <a:r>
-              <a:rPr lang="en-US" sz="1400" dirty="0" smtClean="0">
-                <a:solidFill>
-                  <a:srgbClr val="FF0000"/>
-                </a:solidFill>
-              </a:rPr>
-              <a:t> localhost</a:t>
+              <a:t/>
             </a:r>
             <a:br>
               <a:rPr lang="en-US" sz="1400" dirty="0" smtClean="0">
@@ -6421,7 +6557,7 @@
             <a:r>
               <a:rPr lang="en-US" sz="1800" dirty="0" smtClean="0">
                 <a:solidFill>
-                  <a:schemeClr val="accent6"/>
+                  <a:schemeClr val="bg1"/>
                 </a:solidFill>
               </a:rPr>
               <a:t>The </a:t>
@@ -6429,7 +6565,7 @@
             <a:r>
               <a:rPr lang="en-US" sz="1800" dirty="0" err="1" smtClean="0">
                 <a:solidFill>
-                  <a:schemeClr val="accent6"/>
+                  <a:schemeClr val="bg1"/>
                 </a:solidFill>
               </a:rPr>
               <a:t>OpenSSH</a:t>
@@ -6437,10 +6573,18 @@
             <a:r>
               <a:rPr lang="en-US" sz="1800" dirty="0" smtClean="0">
                 <a:solidFill>
-                  <a:schemeClr val="accent6"/>
+                  <a:schemeClr val="bg1"/>
                 </a:solidFill>
               </a:rPr>
               <a:t> configuration file</a:t>
+            </a:r>
+            <a:r>
+              <a:rPr lang="en-US" sz="1800" dirty="0" smtClean="0">
+                <a:solidFill>
+                  <a:schemeClr val="accent6"/>
+                </a:solidFill>
+              </a:rPr>
+              <a:t/>
             </a:r>
             <a:br>
               <a:rPr lang="en-US" sz="1800" dirty="0" smtClean="0">
@@ -7116,7 +7260,23 @@
                   <a:schemeClr val="accent6"/>
                 </a:solidFill>
               </a:rPr>
-              <a:t> to be in ‘permissive’ mode. </a:t>
+              <a:t> to be in ‘</a:t>
+            </a:r>
+            <a:r>
+              <a:rPr lang="en-US" sz="2200" dirty="0" smtClean="0">
+                <a:solidFill>
+                  <a:schemeClr val="bg1"/>
+                </a:solidFill>
+              </a:rPr>
+              <a:t>permissive</a:t>
+            </a:r>
+            <a:r>
+              <a:rPr lang="en-US" sz="2200" dirty="0" smtClean="0">
+                <a:solidFill>
+                  <a:schemeClr val="accent6"/>
+                </a:solidFill>
+              </a:rPr>
+              <a:t>’ mode. </a:t>
             </a:r>
             <a:r>
               <a:rPr lang="en-US" sz="2200" dirty="0" err="1" smtClean="0">
@@ -7355,12 +7515,20 @@
                   <a:schemeClr val="accent6"/>
                 </a:solidFill>
               </a:rPr>
-              <a:t>An entry in /</a:t>
+              <a:t>An entry in </a:t>
+            </a:r>
+            <a:r>
+              <a:rPr lang="en-US" sz="2200" dirty="0" smtClean="0">
+                <a:solidFill>
+                  <a:schemeClr val="bg1"/>
+                </a:solidFill>
+              </a:rPr>
+              <a:t>/</a:t>
             </a:r>
             <a:r>
               <a:rPr lang="en-US" sz="2200" dirty="0" err="1" smtClean="0">
                 <a:solidFill>
-                  <a:schemeClr val="accent6"/>
+                  <a:schemeClr val="bg1"/>
                 </a:solidFill>
               </a:rPr>
               <a:t>etc</a:t>
@@ -7368,10 +7536,18 @@
             <a:r>
               <a:rPr lang="en-US" sz="2200" dirty="0" smtClean="0">
                 <a:solidFill>
-                  <a:schemeClr val="accent6"/>
-                </a:solidFill>
-              </a:rPr>
-              <a:t>/exports looks like:</a:t>
+                  <a:schemeClr val="bg1"/>
+                </a:solidFill>
+              </a:rPr>
+              <a:t>/exports </a:t>
+            </a:r>
+            <a:r>
+              <a:rPr lang="en-US" sz="2200" dirty="0" smtClean="0">
+                <a:solidFill>
+                  <a:schemeClr val="accent6"/>
+                </a:solidFill>
+              </a:rPr>
+              <a:t>looks like:</a:t>
             </a:r>
             <a:br>
               <a:rPr lang="en-US" sz="2200" dirty="0" smtClean="0">
@@ -8190,7 +8366,7 @@
             <a:r>
               <a:rPr lang="en-US" sz="2000" dirty="0" err="1" smtClean="0">
                 <a:solidFill>
-                  <a:schemeClr val="accent6"/>
+                  <a:schemeClr val="bg1"/>
                 </a:solidFill>
               </a:rPr>
               <a:t>systemctl</a:t>
@@ -8198,7 +8374,7 @@
             <a:r>
               <a:rPr lang="en-US" sz="2000" dirty="0" smtClean="0">
                 <a:solidFill>
-                  <a:schemeClr val="accent6"/>
+                  <a:schemeClr val="bg1"/>
                 </a:solidFill>
               </a:rPr>
               <a:t> enable </a:t>
@@ -8206,7 +8382,7 @@
             <a:r>
               <a:rPr lang="en-US" sz="2000" dirty="0" err="1" smtClean="0">
                 <a:solidFill>
-                  <a:schemeClr val="accent6"/>
+                  <a:schemeClr val="bg1"/>
                 </a:solidFill>
               </a:rPr>
               <a:t>nfs</a:t>
@@ -8214,24 +8390,32 @@
             <a:r>
               <a:rPr lang="en-US" sz="2000" dirty="0" smtClean="0">
                 <a:solidFill>
-                  <a:schemeClr val="accent6"/>
-                </a:solidFill>
-              </a:rPr>
-              <a:t>-server ) </a:t>
-            </a:r>
-            <a:br>
+                  <a:schemeClr val="bg1"/>
+                </a:solidFill>
+              </a:rPr>
+              <a:t>-server </a:t>
+            </a:r>
+            <a:r>
               <a:rPr lang="en-US" sz="2000" dirty="0" smtClean="0">
                 <a:solidFill>
                   <a:schemeClr val="accent6"/>
                 </a:solidFill>
               </a:rPr>
-            </a:br>
-            <a:r>
+              <a:t>) </a:t>
+            </a:r>
+            <a:br>
               <a:rPr lang="en-US" sz="2000" dirty="0" smtClean="0">
                 <a:solidFill>
                   <a:schemeClr val="accent6"/>
                 </a:solidFill>
               </a:rPr>
+            </a:br>
+            <a:r>
+              <a:rPr lang="en-US" sz="2000" dirty="0" smtClean="0">
+                <a:solidFill>
+                  <a:schemeClr val="accent6"/>
+                </a:solidFill>
+              </a:rPr>
               <a:t>3. create the exported directory ( </a:t>
             </a:r>
             <a:r>
@@ -8318,15 +8502,23 @@
                   <a:schemeClr val="accent6"/>
                 </a:solidFill>
               </a:rPr>
-              <a:t>/exports file </a:t>
+              <a:t>/exports file ( </a:t>
             </a:r>
             <a:r>
               <a:rPr lang="en-US" sz="2000" dirty="0" smtClean="0">
                 <a:solidFill>
-                  <a:schemeClr val="accent6"/>
-                </a:solidFill>
-              </a:rPr>
-              <a:t>( </a:t>
+                  <a:schemeClr val="bg1"/>
+                </a:solidFill>
+              </a:rPr>
+              <a:t>/</a:t>
+            </a:r>
+            <a:r>
+              <a:rPr lang="en-US" sz="2000" dirty="0" err="1" smtClean="0">
+                <a:solidFill>
+                  <a:schemeClr val="bg1"/>
+                </a:solidFill>
+              </a:rPr>
+              <a:t>myshare</a:t>
             </a:r>
             <a:r>
               <a:rPr lang="en-US" sz="2000" dirty="0" smtClean="0">
@@ -8334,7 +8526,7 @@
                   <a:schemeClr val="bg1"/>
                 </a:solidFill>
               </a:rPr>
-              <a:t>/</a:t>
+              <a:t> </a:t>
             </a:r>
             <a:r>
               <a:rPr lang="en-US" sz="2000" dirty="0" err="1" smtClean="0">
@@ -8342,7 +8534,7 @@
                   <a:schemeClr val="bg1"/>
                 </a:solidFill>
               </a:rPr>
-              <a:t>myshare</a:t>
+              <a:t>some_other_node</a:t>
             </a:r>
             <a:r>
               <a:rPr lang="en-US" sz="2000" dirty="0" smtClean="0">
@@ -8350,7 +8542,7 @@
                   <a:schemeClr val="bg1"/>
                 </a:solidFill>
               </a:rPr>
-              <a:t> </a:t>
+              <a:t>(</a:t>
             </a:r>
             <a:r>
               <a:rPr lang="en-US" sz="2000" dirty="0" err="1" smtClean="0">
@@ -8358,7 +8550,7 @@
                   <a:schemeClr val="bg1"/>
                 </a:solidFill>
               </a:rPr>
-              <a:t>some_other_node</a:t>
+              <a:t>rw</a:t>
             </a:r>
             <a:r>
               <a:rPr lang="en-US" sz="2000" dirty="0" smtClean="0">
@@ -8366,7 +8558,45 @@
                   <a:schemeClr val="bg1"/>
                 </a:solidFill>
               </a:rPr>
-              <a:t>(</a:t>
+              <a:t>) </a:t>
+            </a:r>
+            <a:r>
+              <a:rPr lang="en-US" sz="2000" dirty="0" smtClean="0">
+                <a:solidFill>
+                  <a:schemeClr val="accent6"/>
+                </a:solidFill>
+              </a:rPr>
+              <a:t>)</a:t>
+            </a:r>
+            <a:br>
+              <a:rPr lang="en-US" sz="2000" dirty="0" smtClean="0">
+                <a:solidFill>
+                  <a:schemeClr val="accent6"/>
+                </a:solidFill>
+              </a:rPr>
+            </a:br>
+            <a:r>
+              <a:rPr lang="en-US" sz="2000" dirty="0">
+                <a:solidFill>
+                  <a:schemeClr val="accent6"/>
+                </a:solidFill>
+              </a:rPr>
+              <a:t/>
+            </a:r>
+            <a:br>
+              <a:rPr lang="en-US" sz="2000" dirty="0">
+                <a:solidFill>
+                  <a:schemeClr val="accent6"/>
+                </a:solidFill>
+              </a:rPr>
+            </a:br>
+            <a:r>
+              <a:rPr lang="en-US" sz="2000" dirty="0" smtClean="0">
+                <a:solidFill>
+                  <a:schemeClr val="accent6"/>
+                </a:solidFill>
+              </a:rPr>
+              <a:t>5. </a:t>
             </a:r>
             <a:r>
               <a:rPr lang="en-US" sz="2000" dirty="0" err="1" smtClean="0">
@@ -8374,7 +8604,7 @@
                   <a:schemeClr val="bg1"/>
                 </a:solidFill>
               </a:rPr>
-              <a:t>rw</a:t>
+              <a:t>exportfs</a:t>
             </a:r>
             <a:r>
               <a:rPr lang="en-US" sz="2000" dirty="0" smtClean="0">
@@ -8382,7 +8612,7 @@
                   <a:schemeClr val="bg1"/>
                 </a:solidFill>
               </a:rPr>
-              <a:t>) </a:t>
+              <a:t> –r</a:t>
             </a:r>
             <a:r>
               <a:rPr lang="en-US" sz="2000" dirty="0" smtClean="0">
@@ -8390,7 +8620,7 @@
                   <a:schemeClr val="accent6"/>
                 </a:solidFill>
               </a:rPr>
-              <a:t>)</a:t>
+              <a:t/>
             </a:r>
             <a:br>
               <a:rPr lang="en-US" sz="2000" dirty="0" smtClean="0">
@@ -8420,97 +8650,106 @@
                   <a:schemeClr val="accent6"/>
                 </a:solidFill>
               </a:rPr>
-              <a:t>5. </a:t>
+              <a:t>6. The NFS port </a:t>
+            </a:r>
+            <a:r>
+              <a:rPr lang="en-US" sz="2000" dirty="0" smtClean="0">
+                <a:solidFill>
+                  <a:schemeClr val="bg1"/>
+                </a:solidFill>
+              </a:rPr>
+              <a:t>2049/TCP</a:t>
+            </a:r>
+            <a:r>
+              <a:rPr lang="en-US" sz="2000" dirty="0" smtClean="0">
+                <a:solidFill>
+                  <a:schemeClr val="accent6"/>
+                </a:solidFill>
+              </a:rPr>
+              <a:t> for </a:t>
             </a:r>
             <a:r>
               <a:rPr lang="en-US" sz="2000" dirty="0" err="1" smtClean="0">
                 <a:solidFill>
-                  <a:schemeClr val="bg1"/>
-                </a:solidFill>
-              </a:rPr>
-              <a:t>exportfs</a:t>
+                  <a:schemeClr val="accent6"/>
+                </a:solidFill>
+              </a:rPr>
+              <a:t>nfsd</a:t>
             </a:r>
             <a:r>
               <a:rPr lang="en-US" sz="2000" dirty="0" smtClean="0">
                 <a:solidFill>
-                  <a:schemeClr val="bg1"/>
-                </a:solidFill>
-              </a:rPr>
-              <a:t> –r</a:t>
-            </a:r>
-            <a:r>
+                  <a:schemeClr val="accent6"/>
+                </a:solidFill>
+              </a:rPr>
+              <a:t> must be open on the server.</a:t>
+            </a:r>
+            <a:br>
               <a:rPr lang="en-US" sz="2000" dirty="0" smtClean="0">
                 <a:solidFill>
                   <a:schemeClr val="accent6"/>
                 </a:solidFill>
               </a:rPr>
-              <a:t/>
-            </a:r>
-            <a:br>
+            </a:br>
+            <a:r>
+              <a:rPr lang="en-US" sz="2000" dirty="0">
+                <a:solidFill>
+                  <a:schemeClr val="accent6"/>
+                </a:solidFill>
+              </a:rPr>
+              <a:t/>
+            </a:r>
+            <a:br>
+              <a:rPr lang="en-US" sz="2000" dirty="0">
+                <a:solidFill>
+                  <a:schemeClr val="accent6"/>
+                </a:solidFill>
+              </a:rPr>
+            </a:br>
+            <a:r>
               <a:rPr lang="en-US" sz="2000" dirty="0" smtClean="0">
                 <a:solidFill>
-                  <a:schemeClr val="accent6"/>
-                </a:solidFill>
-              </a:rPr>
-            </a:br>
-            <a:r>
-              <a:rPr lang="en-US" sz="2000" dirty="0">
-                <a:solidFill>
-                  <a:schemeClr val="accent6"/>
-                </a:solidFill>
-              </a:rPr>
-              <a:t/>
-            </a:r>
-            <a:br>
-              <a:rPr lang="en-US" sz="2000" dirty="0">
-                <a:solidFill>
-                  <a:schemeClr val="accent6"/>
-                </a:solidFill>
-              </a:rPr>
-            </a:br>
+                  <a:schemeClr val="bg1"/>
+                </a:solidFill>
+              </a:rPr>
+              <a:t>firewall-</a:t>
+            </a:r>
+            <a:r>
+              <a:rPr lang="en-US" sz="2000" dirty="0" err="1" smtClean="0">
+                <a:solidFill>
+                  <a:schemeClr val="bg1"/>
+                </a:solidFill>
+              </a:rPr>
+              <a:t>cmd</a:t>
+            </a:r>
             <a:r>
               <a:rPr lang="en-US" sz="2000" dirty="0" smtClean="0">
                 <a:solidFill>
-                  <a:schemeClr val="accent6"/>
-                </a:solidFill>
-              </a:rPr>
-              <a:t>6. The NFS port 2049/TCP for </a:t>
+                  <a:schemeClr val="bg1"/>
+                </a:solidFill>
+              </a:rPr>
+              <a:t> –permanent –add-service=</a:t>
             </a:r>
             <a:r>
               <a:rPr lang="en-US" sz="2000" dirty="0" err="1" smtClean="0">
                 <a:solidFill>
-                  <a:schemeClr val="accent6"/>
-                </a:solidFill>
-              </a:rPr>
-              <a:t>nfsd</a:t>
+                  <a:schemeClr val="bg1"/>
+                </a:solidFill>
+              </a:rPr>
+              <a:t>nfs</a:t>
             </a:r>
             <a:r>
               <a:rPr lang="en-US" sz="2000" dirty="0" smtClean="0">
                 <a:solidFill>
-                  <a:schemeClr val="accent6"/>
-                </a:solidFill>
-              </a:rPr>
-              <a:t> must be open on the server.</a:t>
+                  <a:schemeClr val="bg1"/>
+                </a:solidFill>
+              </a:rPr>
+              <a:t/>
             </a:r>
             <a:br>
               <a:rPr lang="en-US" sz="2000" dirty="0" smtClean="0">
                 <a:solidFill>
-                  <a:schemeClr val="accent6"/>
-                </a:solidFill>
-              </a:rPr>
-            </a:br>
-            <a:r>
-              <a:rPr lang="en-US" sz="2000" dirty="0">
-                <a:solidFill>
-                  <a:schemeClr val="accent6"/>
-                </a:solidFill>
-              </a:rPr>
-              <a:t/>
-            </a:r>
-            <a:br>
-              <a:rPr lang="en-US" sz="2000" dirty="0">
-                <a:solidFill>
-                  <a:schemeClr val="accent6"/>
+                  <a:schemeClr val="bg1"/>
                 </a:solidFill>
               </a:rPr>
             </a:br>
@@ -8536,123 +8775,60 @@
                   <a:schemeClr val="bg1"/>
                 </a:solidFill>
               </a:rPr>
-              <a:t> –permanent –add-service=</a:t>
-            </a:r>
-            <a:r>
-              <a:rPr lang="en-US" sz="2000" dirty="0" err="1" smtClean="0">
-                <a:solidFill>
-                  <a:schemeClr val="bg1"/>
-                </a:solidFill>
-              </a:rPr>
-              <a:t>nfs</a:t>
-            </a:r>
-            <a:r>
+              <a:t> –reload</a:t>
+            </a:r>
+            <a:br>
               <a:rPr lang="en-US" sz="2000" dirty="0" smtClean="0">
                 <a:solidFill>
                   <a:schemeClr val="bg1"/>
                 </a:solidFill>
               </a:rPr>
-              <a:t/>
-            </a:r>
-            <a:br>
+            </a:br>
+            <a:r>
               <a:rPr lang="en-US" sz="2000" dirty="0" smtClean="0">
                 <a:solidFill>
-                  <a:schemeClr val="bg1"/>
-                </a:solidFill>
-              </a:rPr>
-            </a:br>
-            <a:r>
+                  <a:schemeClr val="accent6"/>
+                </a:solidFill>
+              </a:rPr>
+              <a:t/>
+            </a:r>
+            <a:br>
               <a:rPr lang="en-US" sz="2000" dirty="0" smtClean="0">
                 <a:solidFill>
-                  <a:schemeClr val="bg1"/>
-                </a:solidFill>
-              </a:rPr>
-              <a:t>firewall-</a:t>
-            </a:r>
-            <a:r>
-              <a:rPr lang="en-US" sz="2000" dirty="0" err="1" smtClean="0">
-                <a:solidFill>
-                  <a:schemeClr val="bg1"/>
-                </a:solidFill>
-              </a:rPr>
-              <a:t>cmd</a:t>
-            </a:r>
+                  <a:schemeClr val="accent6"/>
+                </a:solidFill>
+              </a:rPr>
+            </a:br>
             <a:r>
               <a:rPr lang="en-US" sz="2000" dirty="0" smtClean="0">
                 <a:solidFill>
-                  <a:schemeClr val="bg1"/>
-                </a:solidFill>
-              </a:rPr>
-              <a:t> –reload</a:t>
-            </a:r>
-            <a:br>
+                  <a:srgbClr val="FF0000"/>
+                </a:solidFill>
+              </a:rPr>
+              <a:t>Exercises:</a:t>
+            </a:r>
+            <a:r>
               <a:rPr lang="en-US" sz="2000" dirty="0" smtClean="0">
                 <a:solidFill>
-                  <a:schemeClr val="bg1"/>
-                </a:solidFill>
-              </a:rPr>
-            </a:br>
-            <a:r>
+                  <a:schemeClr val="accent6"/>
+                </a:solidFill>
+              </a:rPr>
+              <a:t/>
+            </a:r>
+            <a:br>
               <a:rPr lang="en-US" sz="2000" dirty="0" smtClean="0">
                 <a:solidFill>
                   <a:schemeClr val="accent6"/>
                 </a:solidFill>
               </a:rPr>
-              <a:t/>
-            </a:r>
-            <a:br>
+            </a:br>
+            <a:r>
               <a:rPr lang="en-US" sz="2000" dirty="0" smtClean="0">
                 <a:solidFill>
                   <a:schemeClr val="accent6"/>
                 </a:solidFill>
               </a:rPr>
-            </a:br>
-            <a:r>
-              <a:rPr lang="en-US" sz="2000" dirty="0" smtClean="0">
-                <a:solidFill>
-                  <a:srgbClr val="FF0000"/>
-                </a:solidFill>
-              </a:rPr>
-              <a:t>Exercises:</a:t>
-            </a:r>
-            <a:r>
-              <a:rPr lang="en-US" sz="2000" dirty="0" smtClean="0">
-                <a:solidFill>
-                  <a:schemeClr val="accent6"/>
-                </a:solidFill>
-              </a:rPr>
-              <a:t/>
-            </a:r>
-            <a:br>
-              <a:rPr lang="en-US" sz="2000" dirty="0" smtClean="0">
-                <a:solidFill>
-                  <a:schemeClr val="accent6"/>
-                </a:solidFill>
-              </a:rPr>
-            </a:br>
-            <a:r>
-              <a:rPr lang="en-US" sz="2000" dirty="0" smtClean="0">
-                <a:solidFill>
-                  <a:schemeClr val="accent6"/>
-                </a:solidFill>
-              </a:rPr>
-              <a:t>1. Export </a:t>
-            </a:r>
-            <a:r>
-              <a:rPr lang="en-US" sz="2000" dirty="0" smtClean="0">
-                <a:solidFill>
-                  <a:schemeClr val="accent6"/>
-                </a:solidFill>
-              </a:rPr>
-              <a:t>a directory  </a:t>
-            </a:r>
-            <a:r>
-              <a:rPr lang="en-US" sz="2000" dirty="0" smtClean="0">
-                <a:solidFill>
-                  <a:schemeClr val="accent6"/>
-                </a:solidFill>
-              </a:rPr>
-              <a:t/>
+              <a:t>1. Export a directory  </a:t>
             </a:r>
             <a:br>
               <a:rPr lang="en-US" sz="2000" dirty="0" smtClean="0">
@@ -9052,52 +9228,348 @@
                   <a:schemeClr val="accent6"/>
                 </a:solidFill>
               </a:rPr>
-              <a:t/>
-            </a:r>
-            <a:br>
+              <a:t>, validation of the file content using </a:t>
+            </a:r>
+            <a:r>
+              <a:rPr lang="en-US" sz="2200" dirty="0" err="1" smtClean="0">
+                <a:solidFill>
+                  <a:schemeClr val="bg1"/>
+                </a:solidFill>
+              </a:rPr>
+              <a:t>testparm</a:t>
+            </a:r>
+            <a:r>
               <a:rPr lang="en-US" sz="2200" dirty="0" smtClean="0">
                 <a:solidFill>
                   <a:schemeClr val="accent6"/>
                 </a:solidFill>
               </a:rPr>
-            </a:br>
-            <a:r>
+              <a:t/>
+            </a:r>
+            <a:br>
               <a:rPr lang="en-US" sz="2200" dirty="0" smtClean="0">
                 <a:solidFill>
                   <a:schemeClr val="accent6"/>
                 </a:solidFill>
               </a:rPr>
-              <a:t>4. Set up the appropriate Linux users.</a:t>
-            </a:r>
-            <a:br>
+            </a:br>
+            <a:r>
               <a:rPr lang="en-US" sz="2200" dirty="0" smtClean="0">
                 <a:solidFill>
                   <a:schemeClr val="accent6"/>
                 </a:solidFill>
               </a:rPr>
-            </a:br>
+              <a:t>4. </a:t>
+            </a:r>
             <a:r>
               <a:rPr lang="en-US" sz="2200" dirty="0" smtClean="0">
                 <a:solidFill>
                   <a:schemeClr val="accent6"/>
                 </a:solidFill>
               </a:rPr>
-              <a:t>5. Start Samba and open the local firewall.</a:t>
-            </a:r>
-            <a:br>
+              <a:t>Prepare samba users =&gt; </a:t>
+            </a:r>
+            <a:r>
               <a:rPr lang="en-US" sz="2200" dirty="0" smtClean="0">
                 <a:solidFill>
-                  <a:schemeClr val="accent6"/>
-                </a:solidFill>
-              </a:rPr>
-            </a:br>
+                  <a:schemeClr val="bg1"/>
+                </a:solidFill>
+              </a:rPr>
+              <a:t>yum </a:t>
+            </a:r>
+            <a:r>
+              <a:rPr lang="mr-IN" sz="2200" dirty="0" smtClean="0">
+                <a:solidFill>
+                  <a:schemeClr val="bg1"/>
+                </a:solidFill>
+              </a:rPr>
+              <a:t>–</a:t>
+            </a:r>
             <a:r>
               <a:rPr lang="en-US" sz="2200" dirty="0" smtClean="0">
                 <a:solidFill>
-                  <a:schemeClr val="accent6"/>
-                </a:solidFill>
-              </a:rPr>
-              <a:t>6. Verify that the share can be mounted from a </a:t>
+                  <a:schemeClr val="bg1"/>
+                </a:solidFill>
+              </a:rPr>
+              <a:t>y install samba client</a:t>
+            </a:r>
+            <a:r>
+              <a:rPr lang="en-US" sz="2200" dirty="0" smtClean="0">
+                <a:solidFill>
+                  <a:schemeClr val="accent6"/>
+                </a:solidFill>
+              </a:rPr>
+              <a:t>; </a:t>
+            </a:r>
+            <a:r>
+              <a:rPr lang="en-US" sz="2200" dirty="0" err="1" smtClean="0">
+                <a:solidFill>
+                  <a:schemeClr val="bg1"/>
+                </a:solidFill>
+              </a:rPr>
+              <a:t>smbpasswd</a:t>
+            </a:r>
+            <a:r>
+              <a:rPr lang="en-US" sz="2200" dirty="0" smtClean="0">
+                <a:solidFill>
+                  <a:schemeClr val="bg1"/>
+                </a:solidFill>
+              </a:rPr>
+              <a:t> user</a:t>
+            </a:r>
+            <a:r>
+              <a:rPr lang="en-US" sz="2200" dirty="0" smtClean="0">
+                <a:solidFill>
+                  <a:schemeClr val="accent6"/>
+                </a:solidFill>
+              </a:rPr>
+              <a:t/>
+            </a:r>
+            <a:br>
+              <a:rPr lang="en-US" sz="2200" dirty="0" smtClean="0">
+                <a:solidFill>
+                  <a:schemeClr val="accent6"/>
+                </a:solidFill>
+              </a:rPr>
+            </a:br>
+            <a:r>
+              <a:rPr lang="en-US" sz="2200" dirty="0" smtClean="0">
+                <a:solidFill>
+                  <a:schemeClr val="accent6"/>
+                </a:solidFill>
+              </a:rPr>
+              <a:t>5</a:t>
+            </a:r>
+            <a:r>
+              <a:rPr lang="en-US" sz="2200" dirty="0" smtClean="0">
+                <a:solidFill>
+                  <a:schemeClr val="accent6"/>
+                </a:solidFill>
+              </a:rPr>
+              <a:t>. Start Samba and open the local firewall</a:t>
+            </a:r>
+            <a:r>
+              <a:rPr lang="en-US" sz="2200" dirty="0" smtClean="0">
+                <a:solidFill>
+                  <a:schemeClr val="accent6"/>
+                </a:solidFill>
+              </a:rPr>
+              <a:t>. =&gt; </a:t>
+            </a:r>
+            <a:r>
+              <a:rPr lang="en-US" sz="2200" dirty="0" err="1" smtClean="0">
+                <a:solidFill>
+                  <a:schemeClr val="bg1"/>
+                </a:solidFill>
+              </a:rPr>
+              <a:t>systemctl</a:t>
+            </a:r>
+            <a:r>
+              <a:rPr lang="en-US" sz="2200" dirty="0" smtClean="0">
+                <a:solidFill>
+                  <a:schemeClr val="bg1"/>
+                </a:solidFill>
+              </a:rPr>
+              <a:t> start </a:t>
+            </a:r>
+            <a:r>
+              <a:rPr lang="en-US" sz="2200" dirty="0" err="1" smtClean="0">
+                <a:solidFill>
+                  <a:schemeClr val="bg1"/>
+                </a:solidFill>
+              </a:rPr>
+              <a:t>smb</a:t>
+            </a:r>
+            <a:r>
+              <a:rPr lang="en-US" sz="2200" dirty="0" smtClean="0">
+                <a:solidFill>
+                  <a:schemeClr val="bg1"/>
+                </a:solidFill>
+              </a:rPr>
+              <a:t> </a:t>
+            </a:r>
+            <a:r>
+              <a:rPr lang="en-US" sz="2200" dirty="0" err="1" smtClean="0">
+                <a:solidFill>
+                  <a:schemeClr val="bg1"/>
+                </a:solidFill>
+              </a:rPr>
+              <a:t>nmb</a:t>
+            </a:r>
+            <a:r>
+              <a:rPr lang="en-US" sz="2200" dirty="0" smtClean="0">
+                <a:solidFill>
+                  <a:schemeClr val="accent6"/>
+                </a:solidFill>
+              </a:rPr>
+              <a:t>; </a:t>
+            </a:r>
+            <a:r>
+              <a:rPr lang="en-US" sz="2200" dirty="0" err="1" smtClean="0">
+                <a:solidFill>
+                  <a:schemeClr val="bg1"/>
+                </a:solidFill>
+              </a:rPr>
+              <a:t>systemctl</a:t>
+            </a:r>
+            <a:r>
+              <a:rPr lang="en-US" sz="2200" dirty="0" smtClean="0">
+                <a:solidFill>
+                  <a:schemeClr val="bg1"/>
+                </a:solidFill>
+              </a:rPr>
+              <a:t> enable </a:t>
+            </a:r>
+            <a:r>
+              <a:rPr lang="en-US" sz="2200" dirty="0" err="1" smtClean="0">
+                <a:solidFill>
+                  <a:schemeClr val="bg1"/>
+                </a:solidFill>
+              </a:rPr>
+              <a:t>smb</a:t>
+            </a:r>
+            <a:r>
+              <a:rPr lang="en-US" sz="2200" dirty="0" smtClean="0">
+                <a:solidFill>
+                  <a:schemeClr val="bg1"/>
+                </a:solidFill>
+              </a:rPr>
+              <a:t> </a:t>
+            </a:r>
+            <a:r>
+              <a:rPr lang="en-US" sz="2200" dirty="0" err="1" smtClean="0">
+                <a:solidFill>
+                  <a:schemeClr val="bg1"/>
+                </a:solidFill>
+              </a:rPr>
+              <a:t>nmb</a:t>
+            </a:r>
+            <a:r>
+              <a:rPr lang="en-US" sz="2200" dirty="0" smtClean="0">
+                <a:solidFill>
+                  <a:schemeClr val="accent6"/>
+                </a:solidFill>
+              </a:rPr>
+              <a:t>; </a:t>
+            </a:r>
+            <a:r>
+              <a:rPr lang="en-US" sz="2200" dirty="0" smtClean="0">
+                <a:solidFill>
+                  <a:schemeClr val="bg1"/>
+                </a:solidFill>
+              </a:rPr>
+              <a:t>firewall-</a:t>
+            </a:r>
+            <a:r>
+              <a:rPr lang="en-US" sz="2200" dirty="0" err="1" smtClean="0">
+                <a:solidFill>
+                  <a:schemeClr val="bg1"/>
+                </a:solidFill>
+              </a:rPr>
+              <a:t>cmd</a:t>
+            </a:r>
+            <a:r>
+              <a:rPr lang="en-US" sz="2200" dirty="0" smtClean="0">
+                <a:solidFill>
+                  <a:schemeClr val="bg1"/>
+                </a:solidFill>
+              </a:rPr>
+              <a:t> </a:t>
+            </a:r>
+            <a:r>
+              <a:rPr lang="mr-IN" sz="2200" dirty="0" smtClean="0">
+                <a:solidFill>
+                  <a:schemeClr val="bg1"/>
+                </a:solidFill>
+              </a:rPr>
+              <a:t>–</a:t>
+            </a:r>
+            <a:r>
+              <a:rPr lang="en-US" sz="2200" dirty="0" smtClean="0">
+                <a:solidFill>
+                  <a:schemeClr val="bg1"/>
+                </a:solidFill>
+              </a:rPr>
+              <a:t>permanent </a:t>
+            </a:r>
+            <a:r>
+              <a:rPr lang="mr-IN" sz="2200" dirty="0" smtClean="0">
+                <a:solidFill>
+                  <a:schemeClr val="bg1"/>
+                </a:solidFill>
+              </a:rPr>
+              <a:t>–</a:t>
+            </a:r>
+            <a:r>
+              <a:rPr lang="en-US" sz="2200" dirty="0" smtClean="0">
+                <a:solidFill>
+                  <a:schemeClr val="bg1"/>
+                </a:solidFill>
+              </a:rPr>
+              <a:t>add-service=</a:t>
+            </a:r>
+            <a:r>
+              <a:rPr lang="en-US" sz="2200" dirty="0" err="1" smtClean="0">
+                <a:solidFill>
+                  <a:schemeClr val="bg1"/>
+                </a:solidFill>
+              </a:rPr>
+              <a:t>samba</a:t>
+            </a:r>
+            <a:r>
+              <a:rPr lang="en-US" sz="2200" dirty="0" err="1" smtClean="0">
+                <a:solidFill>
+                  <a:schemeClr val="accent6"/>
+                </a:solidFill>
+              </a:rPr>
+              <a:t>;</a:t>
+            </a:r>
+            <a:r>
+              <a:rPr lang="en-US" sz="2200" dirty="0" err="1" smtClean="0">
+                <a:solidFill>
+                  <a:schemeClr val="bg1"/>
+                </a:solidFill>
+              </a:rPr>
+              <a:t>firewall-cmd</a:t>
+            </a:r>
+            <a:r>
+              <a:rPr lang="en-US" sz="2200" dirty="0" smtClean="0">
+                <a:solidFill>
+                  <a:schemeClr val="bg1"/>
+                </a:solidFill>
+              </a:rPr>
+              <a:t> --reload</a:t>
+            </a:r>
+            <a:r>
+              <a:rPr lang="en-US" sz="2200" dirty="0" smtClean="0">
+                <a:solidFill>
+                  <a:schemeClr val="accent6"/>
+                </a:solidFill>
+              </a:rPr>
+              <a:t/>
+            </a:r>
+            <a:br>
+              <a:rPr lang="en-US" sz="2200" dirty="0" smtClean="0">
+                <a:solidFill>
+                  <a:schemeClr val="accent6"/>
+                </a:solidFill>
+              </a:rPr>
+            </a:br>
+            <a:r>
+              <a:rPr lang="en-US" sz="2200" dirty="0" smtClean="0">
+                <a:solidFill>
+                  <a:schemeClr val="accent6"/>
+                </a:solidFill>
+              </a:rPr>
+              <a:t>6. Verify that the share can be mounted </a:t>
+            </a:r>
+            <a:r>
+              <a:rPr lang="en-US" sz="2200" dirty="0" smtClean="0">
+                <a:solidFill>
+                  <a:schemeClr val="accent6"/>
+                </a:solidFill>
+              </a:rPr>
+              <a:t>from a </a:t>
             </a:r>
             <a:r>
               <a:rPr lang="en-US" sz="2200" dirty="0" err="1" smtClean="0">

--- a/12.SSH_NFS_SAMBA/12-SSH_NFS_SAMBA.pptx
+++ b/12.SSH_NFS_SAMBA/12-SSH_NFS_SAMBA.pptx
@@ -225,7 +225,7 @@
           <a:p>
             <a:fld id="{75861919-8521-4274-BB91-998CD62CEE44}" type="datetimeFigureOut">
               <a:rPr lang="en-US" smtClean="0"/>
-              <a:t>4/25/17</a:t>
+              <a:t>5/5/17</a:t>
             </a:fld>
             <a:endParaRPr lang="en-US"/>
           </a:p>
@@ -642,6 +642,90 @@
           <a:p>
             <a:fld id="{2A2BCF9D-D7FD-459D-AAE8-97A0158967F9}" type="slidenum">
               <a:rPr lang="en-US" smtClean="0"/>
+              <a:t>5</a:t>
+            </a:fld>
+            <a:endParaRPr lang="en-US"/>
+          </a:p>
+        </p:txBody>
+      </p:sp>
+    </p:spTree>
+    <p:extLst>
+      <p:ext uri="{BB962C8B-B14F-4D97-AF65-F5344CB8AC3E}">
+        <p14:creationId xmlns:p14="http://schemas.microsoft.com/office/powerpoint/2010/main" val="2018689088"/>
+      </p:ext>
+    </p:extLst>
+  </p:cSld>
+  <p:clrMapOvr>
+    <a:masterClrMapping/>
+  </p:clrMapOvr>
+</p:notes>
+</file>
+
+<file path=ppt/notesSlides/notesSlide3.xml><?xml version="1.0" encoding="utf-8"?>
+<p:notes xmlns:a="http://schemas.openxmlformats.org/drawingml/2006/main" xmlns:r="http://schemas.openxmlformats.org/officeDocument/2006/relationships" xmlns:p="http://schemas.openxmlformats.org/presentationml/2006/main">
+  <p:cSld>
+    <p:spTree>
+      <p:nvGrpSpPr>
+        <p:cNvPr id="1" name=""/>
+        <p:cNvGrpSpPr/>
+        <p:nvPr/>
+      </p:nvGrpSpPr>
+      <p:grpSpPr>
+        <a:xfrm>
+          <a:off x="0" y="0"/>
+          <a:ext cx="0" cy="0"/>
+          <a:chOff x="0" y="0"/>
+          <a:chExt cx="0" cy="0"/>
+        </a:xfrm>
+      </p:grpSpPr>
+      <p:sp>
+        <p:nvSpPr>
+          <p:cNvPr id="2" name="Slide Image Placeholder 1"/>
+          <p:cNvSpPr>
+            <a:spLocks noGrp="1" noRot="1" noChangeAspect="1"/>
+          </p:cNvSpPr>
+          <p:nvPr>
+            <p:ph type="sldImg"/>
+          </p:nvPr>
+        </p:nvSpPr>
+        <p:spPr/>
+      </p:sp>
+      <p:sp>
+        <p:nvSpPr>
+          <p:cNvPr id="3" name="Notes Placeholder 2"/>
+          <p:cNvSpPr>
+            <a:spLocks noGrp="1"/>
+          </p:cNvSpPr>
+          <p:nvPr>
+            <p:ph type="body" idx="1"/>
+          </p:nvPr>
+        </p:nvSpPr>
+        <p:spPr/>
+        <p:txBody>
+          <a:bodyPr/>
+          <a:lstStyle/>
+          <a:p>
+            <a:endParaRPr lang="en-US" dirty="0"/>
+          </a:p>
+        </p:txBody>
+      </p:sp>
+      <p:sp>
+        <p:nvSpPr>
+          <p:cNvPr id="4" name="Slide Number Placeholder 3"/>
+          <p:cNvSpPr>
+            <a:spLocks noGrp="1"/>
+          </p:cNvSpPr>
+          <p:nvPr>
+            <p:ph type="sldNum" sz="quarter" idx="10"/>
+          </p:nvPr>
+        </p:nvSpPr>
+        <p:spPr/>
+        <p:txBody>
+          <a:bodyPr/>
+          <a:lstStyle/>
+          <a:p>
+            <a:fld id="{2A2BCF9D-D7FD-459D-AAE8-97A0158967F9}" type="slidenum">
+              <a:rPr lang="en-US" smtClean="0"/>
               <a:t>8</a:t>
             </a:fld>
             <a:endParaRPr lang="en-US"/>
@@ -842,7 +926,7 @@
           <a:p>
             <a:fld id="{3EA744D9-3FBE-48D8-BF2A-85DF203E4D20}" type="datetimeFigureOut">
               <a:rPr lang="bg-BG" smtClean="0"/>
-              <a:t>25.04.17 г.</a:t>
+              <a:t>5.05.17 г.</a:t>
             </a:fld>
             <a:endParaRPr lang="bg-BG"/>
           </a:p>
@@ -1012,7 +1096,7 @@
           <a:p>
             <a:fld id="{3EA744D9-3FBE-48D8-BF2A-85DF203E4D20}" type="datetimeFigureOut">
               <a:rPr lang="bg-BG" smtClean="0"/>
-              <a:t>25.04.17 г.</a:t>
+              <a:t>5.05.17 г.</a:t>
             </a:fld>
             <a:endParaRPr lang="bg-BG"/>
           </a:p>
@@ -1192,7 +1276,7 @@
           <a:p>
             <a:fld id="{3EA744D9-3FBE-48D8-BF2A-85DF203E4D20}" type="datetimeFigureOut">
               <a:rPr lang="bg-BG" smtClean="0"/>
-              <a:t>25.04.17 г.</a:t>
+              <a:t>5.05.17 г.</a:t>
             </a:fld>
             <a:endParaRPr lang="bg-BG"/>
           </a:p>
@@ -1362,7 +1446,7 @@
           <a:p>
             <a:fld id="{3EA744D9-3FBE-48D8-BF2A-85DF203E4D20}" type="datetimeFigureOut">
               <a:rPr lang="bg-BG" smtClean="0"/>
-              <a:t>25.04.17 г.</a:t>
+              <a:t>5.05.17 г.</a:t>
             </a:fld>
             <a:endParaRPr lang="bg-BG"/>
           </a:p>
@@ -1608,7 +1692,7 @@
           <a:p>
             <a:fld id="{3EA744D9-3FBE-48D8-BF2A-85DF203E4D20}" type="datetimeFigureOut">
               <a:rPr lang="bg-BG" smtClean="0"/>
-              <a:t>25.04.17 г.</a:t>
+              <a:t>5.05.17 г.</a:t>
             </a:fld>
             <a:endParaRPr lang="bg-BG"/>
           </a:p>
@@ -1896,7 +1980,7 @@
           <a:p>
             <a:fld id="{3EA744D9-3FBE-48D8-BF2A-85DF203E4D20}" type="datetimeFigureOut">
               <a:rPr lang="bg-BG" smtClean="0"/>
-              <a:t>25.04.17 г.</a:t>
+              <a:t>5.05.17 г.</a:t>
             </a:fld>
             <a:endParaRPr lang="bg-BG"/>
           </a:p>
@@ -2318,7 +2402,7 @@
           <a:p>
             <a:fld id="{3EA744D9-3FBE-48D8-BF2A-85DF203E4D20}" type="datetimeFigureOut">
               <a:rPr lang="bg-BG" smtClean="0"/>
-              <a:t>25.04.17 г.</a:t>
+              <a:t>5.05.17 г.</a:t>
             </a:fld>
             <a:endParaRPr lang="bg-BG"/>
           </a:p>
@@ -2436,7 +2520,7 @@
           <a:p>
             <a:fld id="{3EA744D9-3FBE-48D8-BF2A-85DF203E4D20}" type="datetimeFigureOut">
               <a:rPr lang="bg-BG" smtClean="0"/>
-              <a:t>25.04.17 г.</a:t>
+              <a:t>5.05.17 г.</a:t>
             </a:fld>
             <a:endParaRPr lang="bg-BG"/>
           </a:p>
@@ -2531,7 +2615,7 @@
           <a:p>
             <a:fld id="{3EA744D9-3FBE-48D8-BF2A-85DF203E4D20}" type="datetimeFigureOut">
               <a:rPr lang="bg-BG" smtClean="0"/>
-              <a:t>25.04.17 г.</a:t>
+              <a:t>5.05.17 г.</a:t>
             </a:fld>
             <a:endParaRPr lang="bg-BG"/>
           </a:p>
@@ -2808,7 +2892,7 @@
           <a:p>
             <a:fld id="{3EA744D9-3FBE-48D8-BF2A-85DF203E4D20}" type="datetimeFigureOut">
               <a:rPr lang="bg-BG" smtClean="0"/>
-              <a:t>25.04.17 г.</a:t>
+              <a:t>5.05.17 г.</a:t>
             </a:fld>
             <a:endParaRPr lang="bg-BG"/>
           </a:p>
@@ -3061,7 +3145,7 @@
           <a:p>
             <a:fld id="{3EA744D9-3FBE-48D8-BF2A-85DF203E4D20}" type="datetimeFigureOut">
               <a:rPr lang="bg-BG" smtClean="0"/>
-              <a:t>25.04.17 г.</a:t>
+              <a:t>5.05.17 г.</a:t>
             </a:fld>
             <a:endParaRPr lang="bg-BG"/>
           </a:p>
@@ -3283,7 +3367,7 @@
           <a:p>
             <a:fld id="{3EA744D9-3FBE-48D8-BF2A-85DF203E4D20}" type="datetimeFigureOut">
               <a:rPr lang="bg-BG" smtClean="0"/>
-              <a:t>25.04.17 г.</a:t>
+              <a:t>5.05.17 г.</a:t>
             </a:fld>
             <a:endParaRPr lang="bg-BG"/>
           </a:p>
@@ -5496,15 +5580,7 @@
                   <a:schemeClr val="accent6"/>
                 </a:solidFill>
               </a:rPr>
-              <a:t> directory ? And the permission of the keys </a:t>
-            </a:r>
-            <a:r>
-              <a:rPr lang="en-US" sz="1600" dirty="0" smtClean="0">
-                <a:solidFill>
-                  <a:schemeClr val="accent6"/>
-                </a:solidFill>
-              </a:rPr>
-              <a:t>?</a:t>
+              <a:t> directory ? And the permission of the keys ?</a:t>
             </a:r>
             <a:endParaRPr lang="en-US" sz="1600" dirty="0">
               <a:solidFill>
@@ -6154,15 +6230,7 @@
                   <a:schemeClr val="bg1"/>
                 </a:solidFill>
               </a:rPr>
-              <a:t>-copy-id </a:t>
-            </a:r>
-            <a:r>
-              <a:rPr lang="en-US" sz="1400" dirty="0" smtClean="0">
-                <a:solidFill>
-                  <a:schemeClr val="bg1"/>
-                </a:solidFill>
-              </a:rPr>
-              <a:t>localhost</a:t>
+              <a:t>-copy-id localhost</a:t>
             </a:r>
             <a:r>
               <a:rPr lang="en-US" sz="1400" dirty="0" smtClean="0">
@@ -8775,7 +8843,118 @@
                   <a:schemeClr val="bg1"/>
                 </a:solidFill>
               </a:rPr>
-              <a:t> –reload</a:t>
+              <a:t> –</a:t>
+            </a:r>
+            <a:r>
+              <a:rPr lang="en-US" sz="2000" dirty="0" smtClean="0">
+                <a:solidFill>
+                  <a:schemeClr val="bg1"/>
+                </a:solidFill>
+              </a:rPr>
+              <a:t>reload</a:t>
+            </a:r>
+            <a:br>
+              <a:rPr lang="en-US" sz="2000" dirty="0" smtClean="0">
+                <a:solidFill>
+                  <a:schemeClr val="bg1"/>
+                </a:solidFill>
+              </a:rPr>
+            </a:br>
+            <a:r>
+              <a:rPr lang="en-US" sz="2000" dirty="0" smtClean="0">
+                <a:solidFill>
+                  <a:schemeClr val="accent6"/>
+                </a:solidFill>
+              </a:rPr>
+              <a:t>7.</a:t>
+            </a:r>
+            <a:r>
+              <a:rPr lang="en-US" sz="2000" dirty="0" smtClean="0">
+                <a:solidFill>
+                  <a:schemeClr val="bg1"/>
+                </a:solidFill>
+              </a:rPr>
+              <a:t> mount </a:t>
+            </a:r>
+            <a:r>
+              <a:rPr lang="mr-IN" sz="2000" dirty="0" smtClean="0">
+                <a:solidFill>
+                  <a:schemeClr val="bg1"/>
+                </a:solidFill>
+              </a:rPr>
+              <a:t>–</a:t>
+            </a:r>
+            <a:r>
+              <a:rPr lang="en-US" sz="2000" dirty="0" smtClean="0">
+                <a:solidFill>
+                  <a:schemeClr val="bg1"/>
+                </a:solidFill>
+              </a:rPr>
+              <a:t>t </a:t>
+            </a:r>
+            <a:r>
+              <a:rPr lang="en-US" sz="2000" dirty="0" err="1" smtClean="0">
+                <a:solidFill>
+                  <a:schemeClr val="bg1"/>
+                </a:solidFill>
+              </a:rPr>
+              <a:t>nfs</a:t>
+            </a:r>
+            <a:r>
+              <a:rPr lang="en-US" sz="2000" dirty="0" smtClean="0">
+                <a:solidFill>
+                  <a:schemeClr val="bg1"/>
+                </a:solidFill>
+              </a:rPr>
+              <a:t> </a:t>
+            </a:r>
+            <a:r>
+              <a:rPr lang="en-US" sz="2000" dirty="0" err="1" smtClean="0">
+                <a:solidFill>
+                  <a:schemeClr val="bg1"/>
+                </a:solidFill>
+              </a:rPr>
+              <a:t>nfs_server_hostname_or_ip</a:t>
+            </a:r>
+            <a:r>
+              <a:rPr lang="en-US" sz="2000" dirty="0" smtClean="0">
+                <a:solidFill>
+                  <a:schemeClr val="bg1"/>
+                </a:solidFill>
+              </a:rPr>
+              <a:t>:/</a:t>
+            </a:r>
+            <a:r>
+              <a:rPr lang="en-US" sz="2000" dirty="0" err="1" smtClean="0">
+                <a:solidFill>
+                  <a:schemeClr val="bg1"/>
+                </a:solidFill>
+              </a:rPr>
+              <a:t>myshare</a:t>
+            </a:r>
+            <a:r>
+              <a:rPr lang="en-US" sz="2000" dirty="0" smtClean="0">
+                <a:solidFill>
+                  <a:schemeClr val="bg1"/>
+                </a:solidFill>
+              </a:rPr>
+              <a:t> /</a:t>
+            </a:r>
+            <a:r>
+              <a:rPr lang="en-US" sz="2000" dirty="0" err="1" smtClean="0">
+                <a:solidFill>
+                  <a:schemeClr val="bg1"/>
+                </a:solidFill>
+              </a:rPr>
+              <a:t>mnt</a:t>
+            </a:r>
+            <a:r>
+              <a:rPr lang="en-US" sz="2000" dirty="0" smtClean="0">
+                <a:solidFill>
+                  <a:schemeClr val="bg1"/>
+                </a:solidFill>
+              </a:rPr>
+              <a:t/>
             </a:r>
             <a:br>
               <a:rPr lang="en-US" sz="2000" dirty="0" smtClean="0">
@@ -9259,15 +9438,23 @@
                   <a:schemeClr val="accent6"/>
                 </a:solidFill>
               </a:rPr>
-              <a:t>4. </a:t>
+              <a:t>4. Prepare samba users =&gt; </a:t>
             </a:r>
             <a:r>
               <a:rPr lang="en-US" sz="2200" dirty="0" smtClean="0">
                 <a:solidFill>
-                  <a:schemeClr val="accent6"/>
-                </a:solidFill>
-              </a:rPr>
-              <a:t>Prepare samba users =&gt; </a:t>
+                  <a:schemeClr val="bg1"/>
+                </a:solidFill>
+              </a:rPr>
+              <a:t>yum </a:t>
+            </a:r>
+            <a:r>
+              <a:rPr lang="mr-IN" sz="2200" dirty="0" smtClean="0">
+                <a:solidFill>
+                  <a:schemeClr val="bg1"/>
+                </a:solidFill>
+              </a:rPr>
+              <a:t>–</a:t>
             </a:r>
             <a:r>
               <a:rPr lang="en-US" sz="2200" dirty="0" smtClean="0">
@@ -9275,7 +9462,174 @@
                   <a:schemeClr val="bg1"/>
                 </a:solidFill>
               </a:rPr>
-              <a:t>yum </a:t>
+              <a:t>y install samba client</a:t>
+            </a:r>
+            <a:r>
+              <a:rPr lang="en-US" sz="2200" dirty="0" smtClean="0">
+                <a:solidFill>
+                  <a:schemeClr val="accent6"/>
+                </a:solidFill>
+              </a:rPr>
+              <a:t>; </a:t>
+            </a:r>
+            <a:r>
+              <a:rPr lang="en-US" sz="2200" dirty="0" err="1" smtClean="0">
+                <a:solidFill>
+                  <a:schemeClr val="bg1"/>
+                </a:solidFill>
+              </a:rPr>
+              <a:t>smbpasswd</a:t>
+            </a:r>
+            <a:r>
+              <a:rPr lang="en-US" sz="2200" dirty="0" smtClean="0">
+                <a:solidFill>
+                  <a:schemeClr val="bg1"/>
+                </a:solidFill>
+              </a:rPr>
+              <a:t> user</a:t>
+            </a:r>
+            <a:r>
+              <a:rPr lang="en-US" sz="2200" dirty="0" smtClean="0">
+                <a:solidFill>
+                  <a:schemeClr val="accent6"/>
+                </a:solidFill>
+              </a:rPr>
+              <a:t/>
+            </a:r>
+            <a:br>
+              <a:rPr lang="en-US" sz="2200" dirty="0" smtClean="0">
+                <a:solidFill>
+                  <a:schemeClr val="accent6"/>
+                </a:solidFill>
+              </a:rPr>
+            </a:br>
+            <a:r>
+              <a:rPr lang="en-US" sz="2200" dirty="0" smtClean="0">
+                <a:solidFill>
+                  <a:schemeClr val="accent6"/>
+                </a:solidFill>
+              </a:rPr>
+              <a:t>5. Start Samba and open the local firewall. =&gt; </a:t>
+            </a:r>
+            <a:r>
+              <a:rPr lang="en-US" sz="2200" dirty="0" err="1" smtClean="0">
+                <a:solidFill>
+                  <a:schemeClr val="bg1"/>
+                </a:solidFill>
+              </a:rPr>
+              <a:t>systemctl</a:t>
+            </a:r>
+            <a:r>
+              <a:rPr lang="en-US" sz="2200" dirty="0" smtClean="0">
+                <a:solidFill>
+                  <a:schemeClr val="bg1"/>
+                </a:solidFill>
+              </a:rPr>
+              <a:t> start </a:t>
+            </a:r>
+            <a:r>
+              <a:rPr lang="en-US" sz="2200" dirty="0" err="1" smtClean="0">
+                <a:solidFill>
+                  <a:schemeClr val="bg1"/>
+                </a:solidFill>
+              </a:rPr>
+              <a:t>smb</a:t>
+            </a:r>
+            <a:r>
+              <a:rPr lang="en-US" sz="2200" dirty="0" smtClean="0">
+                <a:solidFill>
+                  <a:schemeClr val="bg1"/>
+                </a:solidFill>
+              </a:rPr>
+              <a:t> </a:t>
+            </a:r>
+            <a:r>
+              <a:rPr lang="en-US" sz="2200" dirty="0" err="1" smtClean="0">
+                <a:solidFill>
+                  <a:schemeClr val="bg1"/>
+                </a:solidFill>
+              </a:rPr>
+              <a:t>nmb</a:t>
+            </a:r>
+            <a:r>
+              <a:rPr lang="en-US" sz="2200" dirty="0" smtClean="0">
+                <a:solidFill>
+                  <a:schemeClr val="accent6"/>
+                </a:solidFill>
+              </a:rPr>
+              <a:t>; </a:t>
+            </a:r>
+            <a:r>
+              <a:rPr lang="en-US" sz="2200" dirty="0" err="1" smtClean="0">
+                <a:solidFill>
+                  <a:schemeClr val="bg1"/>
+                </a:solidFill>
+              </a:rPr>
+              <a:t>systemctl</a:t>
+            </a:r>
+            <a:r>
+              <a:rPr lang="en-US" sz="2200" dirty="0" smtClean="0">
+                <a:solidFill>
+                  <a:schemeClr val="bg1"/>
+                </a:solidFill>
+              </a:rPr>
+              <a:t> enable </a:t>
+            </a:r>
+            <a:r>
+              <a:rPr lang="en-US" sz="2200" dirty="0" err="1" smtClean="0">
+                <a:solidFill>
+                  <a:schemeClr val="bg1"/>
+                </a:solidFill>
+              </a:rPr>
+              <a:t>smb</a:t>
+            </a:r>
+            <a:r>
+              <a:rPr lang="en-US" sz="2200" dirty="0" smtClean="0">
+                <a:solidFill>
+                  <a:schemeClr val="bg1"/>
+                </a:solidFill>
+              </a:rPr>
+              <a:t> </a:t>
+            </a:r>
+            <a:r>
+              <a:rPr lang="en-US" sz="2200" dirty="0" err="1" smtClean="0">
+                <a:solidFill>
+                  <a:schemeClr val="bg1"/>
+                </a:solidFill>
+              </a:rPr>
+              <a:t>nmb</a:t>
+            </a:r>
+            <a:r>
+              <a:rPr lang="en-US" sz="2200" dirty="0" smtClean="0">
+                <a:solidFill>
+                  <a:schemeClr val="accent6"/>
+                </a:solidFill>
+              </a:rPr>
+              <a:t>; </a:t>
+            </a:r>
+            <a:r>
+              <a:rPr lang="en-US" sz="2200" dirty="0" smtClean="0">
+                <a:solidFill>
+                  <a:schemeClr val="bg1"/>
+                </a:solidFill>
+              </a:rPr>
+              <a:t>firewall-</a:t>
+            </a:r>
+            <a:r>
+              <a:rPr lang="en-US" sz="2200" dirty="0" err="1" smtClean="0">
+                <a:solidFill>
+                  <a:schemeClr val="bg1"/>
+                </a:solidFill>
+              </a:rPr>
+              <a:t>cmd</a:t>
+            </a:r>
+            <a:r>
+              <a:rPr lang="en-US" sz="2200" dirty="0" smtClean="0">
+                <a:solidFill>
+                  <a:schemeClr val="bg1"/>
+                </a:solidFill>
+              </a:rPr>
+              <a:t> </a:t>
             </a:r>
             <a:r>
               <a:rPr lang="mr-IN" sz="2200" dirty="0" smtClean="0">
@@ -9291,15 +9645,23 @@
                   <a:schemeClr val="bg1"/>
                 </a:solidFill>
               </a:rPr>
-              <a:t>y install samba client</a:t>
+              <a:t>permanent </a:t>
+            </a:r>
+            <a:r>
+              <a:rPr lang="mr-IN" sz="2200" dirty="0" smtClean="0">
+                <a:solidFill>
+                  <a:schemeClr val="bg1"/>
+                </a:solidFill>
+              </a:rPr>
+              <a:t>–</a:t>
             </a:r>
             <a:r>
               <a:rPr lang="en-US" sz="2200" dirty="0" smtClean="0">
                 <a:solidFill>
-                  <a:schemeClr val="accent6"/>
-                </a:solidFill>
-              </a:rPr>
-              <a:t>; </a:t>
+                  <a:schemeClr val="bg1"/>
+                </a:solidFill>
+              </a:rPr>
+              <a:t>add-service=</a:t>
             </a:r>
             <a:r>
               <a:rPr lang="en-US" sz="2200" dirty="0" err="1" smtClean="0">
@@ -9307,7 +9669,23 @@
                   <a:schemeClr val="bg1"/>
                 </a:solidFill>
               </a:rPr>
-              <a:t>smbpasswd</a:t>
+              <a:t>samba</a:t>
+            </a:r>
+            <a:r>
+              <a:rPr lang="en-US" sz="2200" dirty="0" err="1" smtClean="0">
+                <a:solidFill>
+                  <a:schemeClr val="accent6"/>
+                </a:solidFill>
+              </a:rPr>
+              <a:t>;</a:t>
+            </a:r>
+            <a:r>
+              <a:rPr lang="en-US" sz="2200" dirty="0" err="1" smtClean="0">
+                <a:solidFill>
+                  <a:schemeClr val="bg1"/>
+                </a:solidFill>
+              </a:rPr>
+              <a:t>firewall-cmd</a:t>
             </a:r>
             <a:r>
               <a:rPr lang="en-US" sz="2200" dirty="0" smtClean="0">
@@ -9315,7 +9693,7 @@
                   <a:schemeClr val="bg1"/>
                 </a:solidFill>
               </a:rPr>
-              <a:t> user</a:t>
+              <a:t> --reload</a:t>
             </a:r>
             <a:r>
               <a:rPr lang="en-US" sz="2200" dirty="0" smtClean="0">
@@ -9338,238 +9716,7 @@
                   <a:schemeClr val="accent6"/>
                 </a:solidFill>
               </a:rPr>
-              <a:t>5</a:t>
-            </a:r>
-            <a:r>
-              <a:rPr lang="en-US" sz="2200" dirty="0" smtClean="0">
-                <a:solidFill>
-                  <a:schemeClr val="accent6"/>
-                </a:solidFill>
-              </a:rPr>
-              <a:t>. Start Samba and open the local firewall</a:t>
-            </a:r>
-            <a:r>
-              <a:rPr lang="en-US" sz="2200" dirty="0" smtClean="0">
-                <a:solidFill>
-                  <a:schemeClr val="accent6"/>
-                </a:solidFill>
-              </a:rPr>
-              <a:t>. =&gt; </a:t>
-            </a:r>
-            <a:r>
-              <a:rPr lang="en-US" sz="2200" dirty="0" err="1" smtClean="0">
-                <a:solidFill>
-                  <a:schemeClr val="bg1"/>
-                </a:solidFill>
-              </a:rPr>
-              <a:t>systemctl</a:t>
-            </a:r>
-            <a:r>
-              <a:rPr lang="en-US" sz="2200" dirty="0" smtClean="0">
-                <a:solidFill>
-                  <a:schemeClr val="bg1"/>
-                </a:solidFill>
-              </a:rPr>
-              <a:t> start </a:t>
-            </a:r>
-            <a:r>
-              <a:rPr lang="en-US" sz="2200" dirty="0" err="1" smtClean="0">
-                <a:solidFill>
-                  <a:schemeClr val="bg1"/>
-                </a:solidFill>
-              </a:rPr>
-              <a:t>smb</a:t>
-            </a:r>
-            <a:r>
-              <a:rPr lang="en-US" sz="2200" dirty="0" smtClean="0">
-                <a:solidFill>
-                  <a:schemeClr val="bg1"/>
-                </a:solidFill>
-              </a:rPr>
-              <a:t> </a:t>
-            </a:r>
-            <a:r>
-              <a:rPr lang="en-US" sz="2200" dirty="0" err="1" smtClean="0">
-                <a:solidFill>
-                  <a:schemeClr val="bg1"/>
-                </a:solidFill>
-              </a:rPr>
-              <a:t>nmb</a:t>
-            </a:r>
-            <a:r>
-              <a:rPr lang="en-US" sz="2200" dirty="0" smtClean="0">
-                <a:solidFill>
-                  <a:schemeClr val="accent6"/>
-                </a:solidFill>
-              </a:rPr>
-              <a:t>; </a:t>
-            </a:r>
-            <a:r>
-              <a:rPr lang="en-US" sz="2200" dirty="0" err="1" smtClean="0">
-                <a:solidFill>
-                  <a:schemeClr val="bg1"/>
-                </a:solidFill>
-              </a:rPr>
-              <a:t>systemctl</a:t>
-            </a:r>
-            <a:r>
-              <a:rPr lang="en-US" sz="2200" dirty="0" smtClean="0">
-                <a:solidFill>
-                  <a:schemeClr val="bg1"/>
-                </a:solidFill>
-              </a:rPr>
-              <a:t> enable </a:t>
-            </a:r>
-            <a:r>
-              <a:rPr lang="en-US" sz="2200" dirty="0" err="1" smtClean="0">
-                <a:solidFill>
-                  <a:schemeClr val="bg1"/>
-                </a:solidFill>
-              </a:rPr>
-              <a:t>smb</a:t>
-            </a:r>
-            <a:r>
-              <a:rPr lang="en-US" sz="2200" dirty="0" smtClean="0">
-                <a:solidFill>
-                  <a:schemeClr val="bg1"/>
-                </a:solidFill>
-              </a:rPr>
-              <a:t> </a:t>
-            </a:r>
-            <a:r>
-              <a:rPr lang="en-US" sz="2200" dirty="0" err="1" smtClean="0">
-                <a:solidFill>
-                  <a:schemeClr val="bg1"/>
-                </a:solidFill>
-              </a:rPr>
-              <a:t>nmb</a:t>
-            </a:r>
-            <a:r>
-              <a:rPr lang="en-US" sz="2200" dirty="0" smtClean="0">
-                <a:solidFill>
-                  <a:schemeClr val="accent6"/>
-                </a:solidFill>
-              </a:rPr>
-              <a:t>; </a:t>
-            </a:r>
-            <a:r>
-              <a:rPr lang="en-US" sz="2200" dirty="0" smtClean="0">
-                <a:solidFill>
-                  <a:schemeClr val="bg1"/>
-                </a:solidFill>
-              </a:rPr>
-              <a:t>firewall-</a:t>
-            </a:r>
-            <a:r>
-              <a:rPr lang="en-US" sz="2200" dirty="0" err="1" smtClean="0">
-                <a:solidFill>
-                  <a:schemeClr val="bg1"/>
-                </a:solidFill>
-              </a:rPr>
-              <a:t>cmd</a:t>
-            </a:r>
-            <a:r>
-              <a:rPr lang="en-US" sz="2200" dirty="0" smtClean="0">
-                <a:solidFill>
-                  <a:schemeClr val="bg1"/>
-                </a:solidFill>
-              </a:rPr>
-              <a:t> </a:t>
-            </a:r>
-            <a:r>
-              <a:rPr lang="mr-IN" sz="2200" dirty="0" smtClean="0">
-                <a:solidFill>
-                  <a:schemeClr val="bg1"/>
-                </a:solidFill>
-              </a:rPr>
-              <a:t>–</a:t>
-            </a:r>
-            <a:r>
-              <a:rPr lang="en-US" sz="2200" dirty="0" smtClean="0">
-                <a:solidFill>
-                  <a:schemeClr val="bg1"/>
-                </a:solidFill>
-              </a:rPr>
-              <a:t>permanent </a:t>
-            </a:r>
-            <a:r>
-              <a:rPr lang="mr-IN" sz="2200" dirty="0" smtClean="0">
-                <a:solidFill>
-                  <a:schemeClr val="bg1"/>
-                </a:solidFill>
-              </a:rPr>
-              <a:t>–</a:t>
-            </a:r>
-            <a:r>
-              <a:rPr lang="en-US" sz="2200" dirty="0" smtClean="0">
-                <a:solidFill>
-                  <a:schemeClr val="bg1"/>
-                </a:solidFill>
-              </a:rPr>
-              <a:t>add-service=</a:t>
-            </a:r>
-            <a:r>
-              <a:rPr lang="en-US" sz="2200" dirty="0" err="1" smtClean="0">
-                <a:solidFill>
-                  <a:schemeClr val="bg1"/>
-                </a:solidFill>
-              </a:rPr>
-              <a:t>samba</a:t>
-            </a:r>
-            <a:r>
-              <a:rPr lang="en-US" sz="2200" dirty="0" err="1" smtClean="0">
-                <a:solidFill>
-                  <a:schemeClr val="accent6"/>
-                </a:solidFill>
-              </a:rPr>
-              <a:t>;</a:t>
-            </a:r>
-            <a:r>
-              <a:rPr lang="en-US" sz="2200" dirty="0" err="1" smtClean="0">
-                <a:solidFill>
-                  <a:schemeClr val="bg1"/>
-                </a:solidFill>
-              </a:rPr>
-              <a:t>firewall-cmd</a:t>
-            </a:r>
-            <a:r>
-              <a:rPr lang="en-US" sz="2200" dirty="0" smtClean="0">
-                <a:solidFill>
-                  <a:schemeClr val="bg1"/>
-                </a:solidFill>
-              </a:rPr>
-              <a:t> --reload</a:t>
-            </a:r>
-            <a:r>
-              <a:rPr lang="en-US" sz="2200" dirty="0" smtClean="0">
-                <a:solidFill>
-                  <a:schemeClr val="accent6"/>
-                </a:solidFill>
-              </a:rPr>
-              <a:t/>
-            </a:r>
-            <a:br>
-              <a:rPr lang="en-US" sz="2200" dirty="0" smtClean="0">
-                <a:solidFill>
-                  <a:schemeClr val="accent6"/>
-                </a:solidFill>
-              </a:rPr>
-            </a:br>
-            <a:r>
-              <a:rPr lang="en-US" sz="2200" dirty="0" smtClean="0">
-                <a:solidFill>
-                  <a:schemeClr val="accent6"/>
-                </a:solidFill>
-              </a:rPr>
-              <a:t>6. Verify that the share can be mounted </a:t>
-            </a:r>
-            <a:r>
-              <a:rPr lang="en-US" sz="2200" dirty="0" smtClean="0">
-                <a:solidFill>
-                  <a:schemeClr val="accent6"/>
-                </a:solidFill>
-              </a:rPr>
-              <a:t>from a </a:t>
+              <a:t>6. Verify that the share can be mounted from a </a:t>
             </a:r>
             <a:r>
               <a:rPr lang="en-US" sz="2200" dirty="0" err="1" smtClean="0">

--- a/12.SSH_NFS_SAMBA/12-SSH_NFS_SAMBA.pptx
+++ b/12.SSH_NFS_SAMBA/12-SSH_NFS_SAMBA.pptx
@@ -9216,7 +9216,7 @@
               </a:rPr>
             </a:br>
             <a:r>
-              <a:rPr lang="en-US" sz="2200" dirty="0" smtClean="0">
+              <a:rPr lang="en-US" sz="2000" dirty="0" smtClean="0">
                 <a:solidFill>
                   <a:schemeClr val="bg1"/>
                 </a:solidFill>
@@ -9224,7 +9224,7 @@
               <a:t>Server Message Block(SMB) </a:t>
             </a:r>
             <a:r>
-              <a:rPr lang="en-US" sz="2200" dirty="0" smtClean="0">
+              <a:rPr lang="en-US" sz="2000" dirty="0" smtClean="0">
                 <a:solidFill>
                   <a:schemeClr val="accent6"/>
                 </a:solidFill>
@@ -9232,29 +9232,29 @@
               <a:t>is the standard file-sharing protocol for Microsoft Windows servers and clients. Using a software package named Samba, Linux is able to act as a server for SMB file shares.</a:t>
             </a:r>
             <a:br>
-              <a:rPr lang="en-US" sz="2200" dirty="0" smtClean="0">
-                <a:solidFill>
-                  <a:schemeClr val="accent6"/>
-                </a:solidFill>
-              </a:rPr>
-            </a:br>
-            <a:r>
-              <a:rPr lang="en-US" sz="2200" dirty="0">
-                <a:solidFill>
-                  <a:schemeClr val="accent6"/>
-                </a:solidFill>
-              </a:rPr>
-              <a:t/>
-            </a:r>
-            <a:br>
-              <a:rPr lang="en-US" sz="2200" dirty="0">
-                <a:solidFill>
-                  <a:schemeClr val="accent6"/>
-                </a:solidFill>
-              </a:rPr>
-            </a:br>
-            <a:r>
-              <a:rPr lang="en-US" sz="2200" dirty="0" smtClean="0">
+              <a:rPr lang="en-US" sz="2000" dirty="0" smtClean="0">
+                <a:solidFill>
+                  <a:schemeClr val="accent6"/>
+                </a:solidFill>
+              </a:rPr>
+            </a:br>
+            <a:r>
+              <a:rPr lang="en-US" sz="2000" dirty="0">
+                <a:solidFill>
+                  <a:schemeClr val="accent6"/>
+                </a:solidFill>
+              </a:rPr>
+              <a:t/>
+            </a:r>
+            <a:br>
+              <a:rPr lang="en-US" sz="2000" dirty="0">
+                <a:solidFill>
+                  <a:schemeClr val="accent6"/>
+                </a:solidFill>
+              </a:rPr>
+            </a:br>
+            <a:r>
+              <a:rPr lang="en-US" sz="2000" dirty="0" smtClean="0">
                 <a:solidFill>
                   <a:schemeClr val="accent6"/>
                 </a:solidFill>
@@ -9262,29 +9262,29 @@
               <a:t>The Samba service can share Linux file systems as SMB network file shares.</a:t>
             </a:r>
             <a:br>
-              <a:rPr lang="en-US" sz="2200" dirty="0" smtClean="0">
-                <a:solidFill>
-                  <a:schemeClr val="accent6"/>
-                </a:solidFill>
-              </a:rPr>
-            </a:br>
-            <a:r>
-              <a:rPr lang="en-US" sz="2200" dirty="0">
-                <a:solidFill>
-                  <a:schemeClr val="accent6"/>
-                </a:solidFill>
-              </a:rPr>
-              <a:t/>
-            </a:r>
-            <a:br>
-              <a:rPr lang="en-US" sz="2200" dirty="0">
-                <a:solidFill>
-                  <a:schemeClr val="accent6"/>
-                </a:solidFill>
-              </a:rPr>
-            </a:br>
-            <a:r>
-              <a:rPr lang="en-US" sz="2200" dirty="0" smtClean="0">
+              <a:rPr lang="en-US" sz="2000" dirty="0" smtClean="0">
+                <a:solidFill>
+                  <a:schemeClr val="accent6"/>
+                </a:solidFill>
+              </a:rPr>
+            </a:br>
+            <a:r>
+              <a:rPr lang="en-US" sz="2000" dirty="0">
+                <a:solidFill>
+                  <a:schemeClr val="accent6"/>
+                </a:solidFill>
+              </a:rPr>
+              <a:t/>
+            </a:r>
+            <a:br>
+              <a:rPr lang="en-US" sz="2000" dirty="0">
+                <a:solidFill>
+                  <a:schemeClr val="accent6"/>
+                </a:solidFill>
+              </a:rPr>
+            </a:br>
+            <a:r>
+              <a:rPr lang="en-US" sz="2000" dirty="0" smtClean="0">
                 <a:solidFill>
                   <a:schemeClr val="accent6"/>
                 </a:solidFill>
@@ -9292,7 +9292,7 @@
               <a:t>1. Install the samba package. =&gt; </a:t>
             </a:r>
             <a:r>
-              <a:rPr lang="en-US" sz="2200" dirty="0" smtClean="0">
+              <a:rPr lang="en-US" sz="2000" dirty="0" smtClean="0">
                 <a:solidFill>
                   <a:schemeClr val="bg1"/>
                 </a:solidFill>
@@ -9300,7 +9300,7 @@
               <a:t>yum install samba</a:t>
             </a:r>
             <a:r>
-              <a:rPr lang="en-US" sz="2200" dirty="0" smtClean="0">
+              <a:rPr lang="en-US" sz="2000" dirty="0" smtClean="0">
                 <a:solidFill>
                   <a:schemeClr val="accent6"/>
                 </a:solidFill>
@@ -9308,14 +9308,14 @@
               <a:t>. </a:t>
             </a:r>
             <a:br>
-              <a:rPr lang="en-US" sz="2200" dirty="0" smtClean="0">
-                <a:solidFill>
-                  <a:schemeClr val="accent6"/>
-                </a:solidFill>
-              </a:rPr>
-            </a:br>
-            <a:r>
-              <a:rPr lang="en-US" sz="2200" dirty="0" smtClean="0">
+              <a:rPr lang="en-US" sz="2000" dirty="0" smtClean="0">
+                <a:solidFill>
+                  <a:schemeClr val="accent6"/>
+                </a:solidFill>
+              </a:rPr>
+            </a:br>
+            <a:r>
+              <a:rPr lang="en-US" sz="2000" dirty="0" smtClean="0">
                 <a:solidFill>
                   <a:schemeClr val="accent6"/>
                 </a:solidFill>
@@ -9323,7 +9323,7 @@
               <a:t>2. Prepare the directory =&gt; </a:t>
             </a:r>
             <a:r>
-              <a:rPr lang="en-US" sz="2200" dirty="0" err="1" smtClean="0">
+              <a:rPr lang="en-US" sz="2000" dirty="0" err="1" smtClean="0">
                 <a:solidFill>
                   <a:schemeClr val="bg1"/>
                 </a:solidFill>
@@ -9331,7 +9331,7 @@
               <a:t>mkdir</a:t>
             </a:r>
             <a:r>
-              <a:rPr lang="en-US" sz="2200" dirty="0" smtClean="0">
+              <a:rPr lang="en-US" sz="2000" dirty="0" smtClean="0">
                 <a:solidFill>
                   <a:schemeClr val="bg1"/>
                 </a:solidFill>
@@ -9339,7 +9339,7 @@
               <a:t> /</a:t>
             </a:r>
             <a:r>
-              <a:rPr lang="en-US" sz="2200" dirty="0" err="1" smtClean="0">
+              <a:rPr lang="en-US" sz="2000" dirty="0" err="1" smtClean="0">
                 <a:solidFill>
                   <a:schemeClr val="bg1"/>
                 </a:solidFill>
@@ -9347,22 +9347,22 @@
               <a:t>sharedpath</a:t>
             </a:r>
             <a:r>
-              <a:rPr lang="en-US" sz="2200" dirty="0" smtClean="0">
-                <a:solidFill>
-                  <a:schemeClr val="accent6"/>
-                </a:solidFill>
-              </a:rPr>
-              <a:t/>
-            </a:r>
-            <a:br>
-              <a:rPr lang="en-US" sz="2200" dirty="0" smtClean="0">
-                <a:solidFill>
-                  <a:schemeClr val="accent6"/>
-                </a:solidFill>
-              </a:rPr>
-            </a:br>
-            <a:r>
-              <a:rPr lang="en-US" sz="2200" dirty="0" smtClean="0">
+              <a:rPr lang="en-US" sz="2000" dirty="0" smtClean="0">
+                <a:solidFill>
+                  <a:schemeClr val="accent6"/>
+                </a:solidFill>
+              </a:rPr>
+              <a:t/>
+            </a:r>
+            <a:br>
+              <a:rPr lang="en-US" sz="2000" dirty="0" smtClean="0">
+                <a:solidFill>
+                  <a:schemeClr val="accent6"/>
+                </a:solidFill>
+              </a:rPr>
+            </a:br>
+            <a:r>
+              <a:rPr lang="en-US" sz="2000" dirty="0" smtClean="0">
                 <a:solidFill>
                   <a:schemeClr val="accent6"/>
                 </a:solidFill>
@@ -9370,7 +9370,7 @@
               <a:t>3. Configure the </a:t>
             </a:r>
             <a:r>
-              <a:rPr lang="en-US" sz="2200" dirty="0" smtClean="0">
+              <a:rPr lang="en-US" sz="2000" dirty="0" smtClean="0">
                 <a:solidFill>
                   <a:schemeClr val="bg1"/>
                 </a:solidFill>
@@ -9378,7 +9378,7 @@
               <a:t>/</a:t>
             </a:r>
             <a:r>
-              <a:rPr lang="en-US" sz="2200" dirty="0" err="1" smtClean="0">
+              <a:rPr lang="en-US" sz="2000" dirty="0" err="1" smtClean="0">
                 <a:solidFill>
                   <a:schemeClr val="bg1"/>
                 </a:solidFill>
@@ -9386,7 +9386,7 @@
               <a:t>etc</a:t>
             </a:r>
             <a:r>
-              <a:rPr lang="en-US" sz="2200" dirty="0" smtClean="0">
+              <a:rPr lang="en-US" sz="2000" dirty="0" smtClean="0">
                 <a:solidFill>
                   <a:schemeClr val="bg1"/>
                 </a:solidFill>
@@ -9394,7 +9394,7 @@
               <a:t>/samba/</a:t>
             </a:r>
             <a:r>
-              <a:rPr lang="en-US" sz="2200" dirty="0" err="1" smtClean="0">
+              <a:rPr lang="en-US" sz="2000" dirty="0" err="1" smtClean="0">
                 <a:solidFill>
                   <a:schemeClr val="bg1"/>
                 </a:solidFill>
@@ -9402,7 +9402,7 @@
               <a:t>smb.conf</a:t>
             </a:r>
             <a:r>
-              <a:rPr lang="en-US" sz="2200" dirty="0" smtClean="0">
+              <a:rPr lang="en-US" sz="2000" dirty="0" smtClean="0">
                 <a:solidFill>
                   <a:schemeClr val="accent6"/>
                 </a:solidFill>
@@ -9410,7 +9410,7 @@
               <a:t>, validation of the file content using </a:t>
             </a:r>
             <a:r>
-              <a:rPr lang="en-US" sz="2200" dirty="0" err="1" smtClean="0">
+              <a:rPr lang="en-US" sz="2000" dirty="0" err="1" smtClean="0">
                 <a:solidFill>
                   <a:schemeClr val="bg1"/>
                 </a:solidFill>
@@ -9418,38 +9418,185 @@
               <a:t>testparm</a:t>
             </a:r>
             <a:r>
-              <a:rPr lang="en-US" sz="2200" dirty="0" smtClean="0">
-                <a:solidFill>
-                  <a:schemeClr val="accent6"/>
-                </a:solidFill>
-              </a:rPr>
-              <a:t/>
-            </a:r>
-            <a:br>
-              <a:rPr lang="en-US" sz="2200" dirty="0" smtClean="0">
-                <a:solidFill>
-                  <a:schemeClr val="accent6"/>
-                </a:solidFill>
-              </a:rPr>
-            </a:br>
-            <a:r>
-              <a:rPr lang="en-US" sz="2200" dirty="0" smtClean="0">
-                <a:solidFill>
-                  <a:schemeClr val="accent6"/>
-                </a:solidFill>
-              </a:rPr>
-              <a:t>4. Prepare samba users =&gt; </a:t>
-            </a:r>
-            <a:r>
-              <a:rPr lang="en-US" sz="2200" dirty="0" smtClean="0">
-                <a:solidFill>
-                  <a:schemeClr val="bg1"/>
-                </a:solidFill>
-              </a:rPr>
-              <a:t>yum </a:t>
-            </a:r>
-            <a:r>
-              <a:rPr lang="mr-IN" sz="2200" dirty="0" smtClean="0">
+              <a:rPr lang="en-US" sz="2000" dirty="0" smtClean="0">
+                <a:solidFill>
+                  <a:schemeClr val="bg1"/>
+                </a:solidFill>
+              </a:rPr>
+              <a:t/>
+            </a:r>
+            <a:br>
+              <a:rPr lang="en-US" sz="2000" dirty="0" smtClean="0">
+                <a:solidFill>
+                  <a:schemeClr val="bg1"/>
+                </a:solidFill>
+              </a:rPr>
+            </a:br>
+            <a:r>
+              <a:rPr lang="en-US" sz="2700" dirty="0" smtClean="0">
+                <a:solidFill>
+                  <a:schemeClr val="accent2"/>
+                </a:solidFill>
+              </a:rPr>
+              <a:t>[data]</a:t>
+            </a:r>
+            <a:br>
+              <a:rPr lang="en-US" sz="2700" dirty="0" smtClean="0">
+                <a:solidFill>
+                  <a:schemeClr val="accent2"/>
+                </a:solidFill>
+              </a:rPr>
+            </a:br>
+            <a:r>
+              <a:rPr lang="en-US" sz="2700" dirty="0" smtClean="0">
+                <a:solidFill>
+                  <a:schemeClr val="accent2"/>
+                </a:solidFill>
+              </a:rPr>
+              <a:t>path = /</a:t>
+            </a:r>
+            <a:r>
+              <a:rPr lang="en-US" sz="2700" dirty="0" err="1" smtClean="0">
+                <a:solidFill>
+                  <a:schemeClr val="accent2"/>
+                </a:solidFill>
+              </a:rPr>
+              <a:t>samba_data</a:t>
+            </a:r>
+            <a:r>
+              <a:rPr lang="en-US" sz="2700" dirty="0" smtClean="0">
+                <a:solidFill>
+                  <a:schemeClr val="accent2"/>
+                </a:solidFill>
+              </a:rPr>
+              <a:t/>
+            </a:r>
+            <a:br>
+              <a:rPr lang="en-US" sz="2700" dirty="0" smtClean="0">
+                <a:solidFill>
+                  <a:schemeClr val="accent2"/>
+                </a:solidFill>
+              </a:rPr>
+            </a:br>
+            <a:r>
+              <a:rPr lang="en-US" sz="2700" dirty="0" smtClean="0">
+                <a:solidFill>
+                  <a:schemeClr val="accent2"/>
+                </a:solidFill>
+              </a:rPr>
+              <a:t>read only = No</a:t>
+            </a:r>
+            <a:br>
+              <a:rPr lang="en-US" sz="2700" dirty="0" smtClean="0">
+                <a:solidFill>
+                  <a:schemeClr val="accent2"/>
+                </a:solidFill>
+              </a:rPr>
+            </a:br>
+            <a:r>
+              <a:rPr lang="en-US" sz="2700" dirty="0" smtClean="0">
+                <a:solidFill>
+                  <a:schemeClr val="accent2"/>
+                </a:solidFill>
+              </a:rPr>
+              <a:t>guest ok = Yes </a:t>
+            </a:r>
+            <a:r>
+              <a:rPr lang="en-US" sz="2700" dirty="0" smtClean="0">
+                <a:solidFill>
+                  <a:schemeClr val="accent3"/>
+                </a:solidFill>
+              </a:rPr>
+              <a:t>vs</a:t>
+            </a:r>
+            <a:r>
+              <a:rPr lang="en-US" sz="2700" dirty="0" smtClean="0">
+                <a:solidFill>
+                  <a:schemeClr val="accent2"/>
+                </a:solidFill>
+              </a:rPr>
+              <a:t> valid users = </a:t>
+            </a:r>
+            <a:r>
+              <a:rPr lang="en-US" sz="2700" dirty="0" err="1" smtClean="0">
+                <a:solidFill>
+                  <a:schemeClr val="accent2"/>
+                </a:solidFill>
+              </a:rPr>
+              <a:t>dave</a:t>
+            </a:r>
+            <a:r>
+              <a:rPr lang="en-US" sz="2700" dirty="0" smtClean="0">
+                <a:solidFill>
+                  <a:schemeClr val="accent2"/>
+                </a:solidFill>
+              </a:rPr>
+              <a:t/>
+            </a:r>
+            <a:br>
+              <a:rPr lang="en-US" sz="2700" dirty="0" smtClean="0">
+                <a:solidFill>
+                  <a:schemeClr val="accent2"/>
+                </a:solidFill>
+              </a:rPr>
+            </a:br>
+            <a:r>
+              <a:rPr lang="en-US" sz="2700" dirty="0" smtClean="0">
+                <a:solidFill>
+                  <a:schemeClr val="accent2"/>
+                </a:solidFill>
+              </a:rPr>
+              <a:t>comment = data for samba</a:t>
+            </a:r>
+            <a:br>
+              <a:rPr lang="en-US" sz="2700" dirty="0" smtClean="0">
+                <a:solidFill>
+                  <a:schemeClr val="accent2"/>
+                </a:solidFill>
+              </a:rPr>
+            </a:br>
+            <a:r>
+              <a:rPr lang="en-US" sz="2700" dirty="0" smtClean="0">
+                <a:solidFill>
+                  <a:schemeClr val="accent6"/>
+                </a:solidFill>
+              </a:rPr>
+              <a:t>4. If we have a valid user, we </a:t>
+            </a:r>
+            <a:r>
+              <a:rPr lang="en-US" sz="2700" dirty="0" err="1" smtClean="0">
+                <a:solidFill>
+                  <a:schemeClr val="accent6"/>
+                </a:solidFill>
+              </a:rPr>
+              <a:t>schould</a:t>
+            </a:r>
+            <a:r>
+              <a:rPr lang="en-US" sz="2700" dirty="0" smtClean="0">
+                <a:solidFill>
+                  <a:schemeClr val="accent6"/>
+                </a:solidFill>
+              </a:rPr>
+              <a:t> add it to our database with ‘</a:t>
+            </a:r>
+            <a:r>
+              <a:rPr lang="en-US" sz="2700" dirty="0" err="1" smtClean="0">
+                <a:solidFill>
+                  <a:schemeClr val="bg1"/>
+                </a:solidFill>
+              </a:rPr>
+              <a:t>smbpasswd</a:t>
+            </a:r>
+            <a:r>
+              <a:rPr lang="en-US" sz="2700" dirty="0" smtClean="0">
+                <a:solidFill>
+                  <a:schemeClr val="bg1"/>
+                </a:solidFill>
+              </a:rPr>
+              <a:t> </a:t>
+            </a:r>
+            <a:r>
+              <a:rPr lang="mr-IN" sz="2700" dirty="0" smtClean="0">
                 <a:solidFill>
                   <a:schemeClr val="bg1"/>
                 </a:solidFill>
@@ -9457,280 +9604,41 @@
               <a:t>–</a:t>
             </a:r>
             <a:r>
-              <a:rPr lang="en-US" sz="2200" dirty="0" smtClean="0">
-                <a:solidFill>
-                  <a:schemeClr val="bg1"/>
-                </a:solidFill>
-              </a:rPr>
-              <a:t>y install samba client</a:t>
-            </a:r>
-            <a:r>
-              <a:rPr lang="en-US" sz="2200" dirty="0" smtClean="0">
-                <a:solidFill>
-                  <a:schemeClr val="accent6"/>
-                </a:solidFill>
-              </a:rPr>
-              <a:t>; </a:t>
-            </a:r>
-            <a:r>
-              <a:rPr lang="en-US" sz="2200" dirty="0" err="1" smtClean="0">
-                <a:solidFill>
-                  <a:schemeClr val="bg1"/>
-                </a:solidFill>
-              </a:rPr>
-              <a:t>smbpasswd</a:t>
-            </a:r>
-            <a:r>
-              <a:rPr lang="en-US" sz="2200" dirty="0" smtClean="0">
-                <a:solidFill>
-                  <a:schemeClr val="bg1"/>
-                </a:solidFill>
-              </a:rPr>
-              <a:t> user</a:t>
-            </a:r>
-            <a:r>
-              <a:rPr lang="en-US" sz="2200" dirty="0" smtClean="0">
-                <a:solidFill>
-                  <a:schemeClr val="accent6"/>
-                </a:solidFill>
-              </a:rPr>
-              <a:t/>
-            </a:r>
-            <a:br>
-              <a:rPr lang="en-US" sz="2200" dirty="0" smtClean="0">
-                <a:solidFill>
-                  <a:schemeClr val="accent6"/>
-                </a:solidFill>
-              </a:rPr>
-            </a:br>
-            <a:r>
-              <a:rPr lang="en-US" sz="2200" dirty="0" smtClean="0">
-                <a:solidFill>
-                  <a:schemeClr val="accent6"/>
-                </a:solidFill>
-              </a:rPr>
-              <a:t>5. Start Samba and open the local firewall. =&gt; </a:t>
-            </a:r>
-            <a:r>
-              <a:rPr lang="en-US" sz="2200" dirty="0" err="1" smtClean="0">
-                <a:solidFill>
-                  <a:schemeClr val="bg1"/>
-                </a:solidFill>
-              </a:rPr>
-              <a:t>systemctl</a:t>
-            </a:r>
-            <a:r>
-              <a:rPr lang="en-US" sz="2200" dirty="0" smtClean="0">
-                <a:solidFill>
-                  <a:schemeClr val="bg1"/>
-                </a:solidFill>
-              </a:rPr>
-              <a:t> start </a:t>
-            </a:r>
-            <a:r>
-              <a:rPr lang="en-US" sz="2200" dirty="0" err="1" smtClean="0">
-                <a:solidFill>
-                  <a:schemeClr val="bg1"/>
-                </a:solidFill>
-              </a:rPr>
-              <a:t>smb</a:t>
-            </a:r>
-            <a:r>
-              <a:rPr lang="en-US" sz="2200" dirty="0" smtClean="0">
-                <a:solidFill>
-                  <a:schemeClr val="bg1"/>
-                </a:solidFill>
-              </a:rPr>
-              <a:t> </a:t>
-            </a:r>
-            <a:r>
-              <a:rPr lang="en-US" sz="2200" dirty="0" err="1" smtClean="0">
-                <a:solidFill>
-                  <a:schemeClr val="bg1"/>
-                </a:solidFill>
-              </a:rPr>
-              <a:t>nmb</a:t>
-            </a:r>
-            <a:r>
-              <a:rPr lang="en-US" sz="2200" dirty="0" smtClean="0">
-                <a:solidFill>
-                  <a:schemeClr val="accent6"/>
-                </a:solidFill>
-              </a:rPr>
-              <a:t>; </a:t>
-            </a:r>
-            <a:r>
-              <a:rPr lang="en-US" sz="2200" dirty="0" err="1" smtClean="0">
-                <a:solidFill>
-                  <a:schemeClr val="bg1"/>
-                </a:solidFill>
-              </a:rPr>
-              <a:t>systemctl</a:t>
-            </a:r>
-            <a:r>
-              <a:rPr lang="en-US" sz="2200" dirty="0" smtClean="0">
-                <a:solidFill>
-                  <a:schemeClr val="bg1"/>
-                </a:solidFill>
-              </a:rPr>
-              <a:t> enable </a:t>
-            </a:r>
-            <a:r>
-              <a:rPr lang="en-US" sz="2200" dirty="0" err="1" smtClean="0">
-                <a:solidFill>
-                  <a:schemeClr val="bg1"/>
-                </a:solidFill>
-              </a:rPr>
-              <a:t>smb</a:t>
-            </a:r>
-            <a:r>
-              <a:rPr lang="en-US" sz="2200" dirty="0" smtClean="0">
-                <a:solidFill>
-                  <a:schemeClr val="bg1"/>
-                </a:solidFill>
-              </a:rPr>
-              <a:t> </a:t>
-            </a:r>
-            <a:r>
-              <a:rPr lang="en-US" sz="2200" dirty="0" err="1" smtClean="0">
-                <a:solidFill>
-                  <a:schemeClr val="bg1"/>
-                </a:solidFill>
-              </a:rPr>
-              <a:t>nmb</a:t>
-            </a:r>
-            <a:r>
-              <a:rPr lang="en-US" sz="2200" dirty="0" smtClean="0">
-                <a:solidFill>
-                  <a:schemeClr val="accent6"/>
-                </a:solidFill>
-              </a:rPr>
-              <a:t>; </a:t>
-            </a:r>
-            <a:r>
-              <a:rPr lang="en-US" sz="2200" dirty="0" smtClean="0">
-                <a:solidFill>
-                  <a:schemeClr val="bg1"/>
-                </a:solidFill>
-              </a:rPr>
-              <a:t>firewall-</a:t>
-            </a:r>
-            <a:r>
-              <a:rPr lang="en-US" sz="2200" dirty="0" err="1" smtClean="0">
-                <a:solidFill>
-                  <a:schemeClr val="bg1"/>
-                </a:solidFill>
-              </a:rPr>
-              <a:t>cmd</a:t>
-            </a:r>
-            <a:r>
-              <a:rPr lang="en-US" sz="2200" dirty="0" smtClean="0">
-                <a:solidFill>
-                  <a:schemeClr val="bg1"/>
-                </a:solidFill>
-              </a:rPr>
-              <a:t> </a:t>
-            </a:r>
-            <a:r>
-              <a:rPr lang="mr-IN" sz="2200" dirty="0" smtClean="0">
-                <a:solidFill>
-                  <a:schemeClr val="bg1"/>
-                </a:solidFill>
-              </a:rPr>
-              <a:t>–</a:t>
-            </a:r>
-            <a:r>
-              <a:rPr lang="en-US" sz="2200" dirty="0" smtClean="0">
-                <a:solidFill>
-                  <a:schemeClr val="bg1"/>
-                </a:solidFill>
-              </a:rPr>
-              <a:t>permanent </a:t>
-            </a:r>
-            <a:r>
-              <a:rPr lang="mr-IN" sz="2200" dirty="0" smtClean="0">
-                <a:solidFill>
-                  <a:schemeClr val="bg1"/>
-                </a:solidFill>
-              </a:rPr>
-              <a:t>–</a:t>
-            </a:r>
-            <a:r>
-              <a:rPr lang="en-US" sz="2200" dirty="0" smtClean="0">
-                <a:solidFill>
-                  <a:schemeClr val="bg1"/>
-                </a:solidFill>
-              </a:rPr>
-              <a:t>add-service=</a:t>
-            </a:r>
-            <a:r>
-              <a:rPr lang="en-US" sz="2200" dirty="0" err="1" smtClean="0">
-                <a:solidFill>
-                  <a:schemeClr val="bg1"/>
-                </a:solidFill>
-              </a:rPr>
-              <a:t>samba</a:t>
-            </a:r>
-            <a:r>
-              <a:rPr lang="en-US" sz="2200" dirty="0" err="1" smtClean="0">
-                <a:solidFill>
-                  <a:schemeClr val="accent6"/>
-                </a:solidFill>
-              </a:rPr>
-              <a:t>;</a:t>
-            </a:r>
-            <a:r>
-              <a:rPr lang="en-US" sz="2200" dirty="0" err="1" smtClean="0">
-                <a:solidFill>
-                  <a:schemeClr val="bg1"/>
-                </a:solidFill>
-              </a:rPr>
-              <a:t>firewall-cmd</a:t>
-            </a:r>
-            <a:r>
-              <a:rPr lang="en-US" sz="2200" dirty="0" smtClean="0">
-                <a:solidFill>
-                  <a:schemeClr val="bg1"/>
-                </a:solidFill>
-              </a:rPr>
-              <a:t> --reload</a:t>
-            </a:r>
-            <a:r>
-              <a:rPr lang="en-US" sz="2200" dirty="0" smtClean="0">
-                <a:solidFill>
-                  <a:schemeClr val="accent6"/>
-                </a:solidFill>
-              </a:rPr>
-              <a:t/>
-            </a:r>
-            <a:br>
-              <a:rPr lang="en-US" sz="2200" dirty="0" smtClean="0">
-                <a:solidFill>
-                  <a:schemeClr val="accent6"/>
-                </a:solidFill>
-              </a:rPr>
-            </a:br>
-            <a:r>
-              <a:rPr lang="en-US" sz="2200" dirty="0" smtClean="0">
-                <a:solidFill>
-                  <a:schemeClr val="accent6"/>
-                </a:solidFill>
-              </a:rPr>
-              <a:t>6. Verify that the share can be mounted from a </a:t>
-            </a:r>
-            <a:r>
-              <a:rPr lang="en-US" sz="2200" dirty="0" err="1" smtClean="0">
-                <a:solidFill>
-                  <a:schemeClr val="accent6"/>
-                </a:solidFill>
-              </a:rPr>
-              <a:t>client.</a:t>
-            </a:r>
-            <a:r>
-              <a:rPr lang="en-US" sz="2200" dirty="0" err="1" smtClean="0"/>
-              <a:t>S</a:t>
-            </a:r>
-            <a:endParaRPr lang="en-US" sz="2200" dirty="0"/>
+              <a:rPr lang="en-US" sz="2700" dirty="0" smtClean="0">
+                <a:solidFill>
+                  <a:schemeClr val="bg1"/>
+                </a:solidFill>
+              </a:rPr>
+              <a:t>a username</a:t>
+            </a:r>
+            <a:r>
+              <a:rPr lang="en-US" sz="2700" dirty="0" smtClean="0">
+                <a:solidFill>
+                  <a:schemeClr val="accent6"/>
+                </a:solidFill>
+              </a:rPr>
+              <a:t>’</a:t>
+            </a:r>
+            <a:r>
+              <a:rPr lang="en-US" sz="2700" dirty="0" smtClean="0">
+                <a:solidFill>
+                  <a:schemeClr val="accent6"/>
+                </a:solidFill>
+              </a:rPr>
+              <a:t/>
+            </a:r>
+            <a:br>
+              <a:rPr lang="en-US" sz="2700" dirty="0" smtClean="0">
+                <a:solidFill>
+                  <a:schemeClr val="accent6"/>
+                </a:solidFill>
+              </a:rPr>
+            </a:br>
+            <a:endParaRPr lang="en-US" sz="2200" dirty="0">
+              <a:solidFill>
+                <a:schemeClr val="accent6"/>
+              </a:solidFill>
+            </a:endParaRPr>
           </a:p>
         </p:txBody>
       </p:sp>

--- a/12.SSH_NFS_SAMBA/12-SSH_NFS_SAMBA.pptx
+++ b/12.SSH_NFS_SAMBA/12-SSH_NFS_SAMBA.pptx
@@ -9216,7 +9216,7 @@
               </a:rPr>
             </a:br>
             <a:r>
-              <a:rPr lang="en-US" sz="2000" dirty="0" smtClean="0">
+              <a:rPr lang="en-US" sz="1800" dirty="0" smtClean="0">
                 <a:solidFill>
                   <a:schemeClr val="bg1"/>
                 </a:solidFill>
@@ -9224,7 +9224,7 @@
               <a:t>Server Message Block(SMB) </a:t>
             </a:r>
             <a:r>
-              <a:rPr lang="en-US" sz="2000" dirty="0" smtClean="0">
+              <a:rPr lang="en-US" sz="1800" dirty="0" smtClean="0">
                 <a:solidFill>
                   <a:schemeClr val="accent6"/>
                 </a:solidFill>
@@ -9232,29 +9232,29 @@
               <a:t>is the standard file-sharing protocol for Microsoft Windows servers and clients. Using a software package named Samba, Linux is able to act as a server for SMB file shares.</a:t>
             </a:r>
             <a:br>
-              <a:rPr lang="en-US" sz="2000" dirty="0" smtClean="0">
-                <a:solidFill>
-                  <a:schemeClr val="accent6"/>
-                </a:solidFill>
-              </a:rPr>
-            </a:br>
-            <a:r>
-              <a:rPr lang="en-US" sz="2000" dirty="0">
-                <a:solidFill>
-                  <a:schemeClr val="accent6"/>
-                </a:solidFill>
-              </a:rPr>
-              <a:t/>
-            </a:r>
-            <a:br>
-              <a:rPr lang="en-US" sz="2000" dirty="0">
-                <a:solidFill>
-                  <a:schemeClr val="accent6"/>
-                </a:solidFill>
-              </a:rPr>
-            </a:br>
-            <a:r>
-              <a:rPr lang="en-US" sz="2000" dirty="0" smtClean="0">
+              <a:rPr lang="en-US" sz="1800" dirty="0" smtClean="0">
+                <a:solidFill>
+                  <a:schemeClr val="accent6"/>
+                </a:solidFill>
+              </a:rPr>
+            </a:br>
+            <a:r>
+              <a:rPr lang="en-US" sz="1800" dirty="0">
+                <a:solidFill>
+                  <a:schemeClr val="accent6"/>
+                </a:solidFill>
+              </a:rPr>
+              <a:t/>
+            </a:r>
+            <a:br>
+              <a:rPr lang="en-US" sz="1800" dirty="0">
+                <a:solidFill>
+                  <a:schemeClr val="accent6"/>
+                </a:solidFill>
+              </a:rPr>
+            </a:br>
+            <a:r>
+              <a:rPr lang="en-US" sz="1800" dirty="0" smtClean="0">
                 <a:solidFill>
                   <a:schemeClr val="accent6"/>
                 </a:solidFill>
@@ -9262,29 +9262,29 @@
               <a:t>The Samba service can share Linux file systems as SMB network file shares.</a:t>
             </a:r>
             <a:br>
-              <a:rPr lang="en-US" sz="2000" dirty="0" smtClean="0">
-                <a:solidFill>
-                  <a:schemeClr val="accent6"/>
-                </a:solidFill>
-              </a:rPr>
-            </a:br>
-            <a:r>
-              <a:rPr lang="en-US" sz="2000" dirty="0">
-                <a:solidFill>
-                  <a:schemeClr val="accent6"/>
-                </a:solidFill>
-              </a:rPr>
-              <a:t/>
-            </a:r>
-            <a:br>
-              <a:rPr lang="en-US" sz="2000" dirty="0">
-                <a:solidFill>
-                  <a:schemeClr val="accent6"/>
-                </a:solidFill>
-              </a:rPr>
-            </a:br>
-            <a:r>
-              <a:rPr lang="en-US" sz="2000" dirty="0" smtClean="0">
+              <a:rPr lang="en-US" sz="1800" dirty="0" smtClean="0">
+                <a:solidFill>
+                  <a:schemeClr val="accent6"/>
+                </a:solidFill>
+              </a:rPr>
+            </a:br>
+            <a:r>
+              <a:rPr lang="en-US" sz="1800" dirty="0">
+                <a:solidFill>
+                  <a:schemeClr val="accent6"/>
+                </a:solidFill>
+              </a:rPr>
+              <a:t/>
+            </a:r>
+            <a:br>
+              <a:rPr lang="en-US" sz="1800" dirty="0">
+                <a:solidFill>
+                  <a:schemeClr val="accent6"/>
+                </a:solidFill>
+              </a:rPr>
+            </a:br>
+            <a:r>
+              <a:rPr lang="en-US" sz="1800" dirty="0" smtClean="0">
                 <a:solidFill>
                   <a:schemeClr val="accent6"/>
                 </a:solidFill>
@@ -9292,7 +9292,7 @@
               <a:t>1. Install the samba package. =&gt; </a:t>
             </a:r>
             <a:r>
-              <a:rPr lang="en-US" sz="2000" dirty="0" smtClean="0">
+              <a:rPr lang="en-US" sz="1800" dirty="0" smtClean="0">
                 <a:solidFill>
                   <a:schemeClr val="bg1"/>
                 </a:solidFill>
@@ -9300,7 +9300,7 @@
               <a:t>yum install samba</a:t>
             </a:r>
             <a:r>
-              <a:rPr lang="en-US" sz="2000" dirty="0" smtClean="0">
+              <a:rPr lang="en-US" sz="1800" dirty="0" smtClean="0">
                 <a:solidFill>
                   <a:schemeClr val="accent6"/>
                 </a:solidFill>
@@ -9308,14 +9308,14 @@
               <a:t>. </a:t>
             </a:r>
             <a:br>
-              <a:rPr lang="en-US" sz="2000" dirty="0" smtClean="0">
-                <a:solidFill>
-                  <a:schemeClr val="accent6"/>
-                </a:solidFill>
-              </a:rPr>
-            </a:br>
-            <a:r>
-              <a:rPr lang="en-US" sz="2000" dirty="0" smtClean="0">
+              <a:rPr lang="en-US" sz="1800" dirty="0" smtClean="0">
+                <a:solidFill>
+                  <a:schemeClr val="accent6"/>
+                </a:solidFill>
+              </a:rPr>
+            </a:br>
+            <a:r>
+              <a:rPr lang="en-US" sz="1800" dirty="0" smtClean="0">
                 <a:solidFill>
                   <a:schemeClr val="accent6"/>
                 </a:solidFill>
@@ -9323,7 +9323,7 @@
               <a:t>2. Prepare the directory =&gt; </a:t>
             </a:r>
             <a:r>
-              <a:rPr lang="en-US" sz="2000" dirty="0" err="1" smtClean="0">
+              <a:rPr lang="en-US" sz="1800" dirty="0" err="1" smtClean="0">
                 <a:solidFill>
                   <a:schemeClr val="bg1"/>
                 </a:solidFill>
@@ -9331,7 +9331,7 @@
               <a:t>mkdir</a:t>
             </a:r>
             <a:r>
-              <a:rPr lang="en-US" sz="2000" dirty="0" smtClean="0">
+              <a:rPr lang="en-US" sz="1800" dirty="0" smtClean="0">
                 <a:solidFill>
                   <a:schemeClr val="bg1"/>
                 </a:solidFill>
@@ -9339,7 +9339,7 @@
               <a:t> /</a:t>
             </a:r>
             <a:r>
-              <a:rPr lang="en-US" sz="2000" dirty="0" err="1" smtClean="0">
+              <a:rPr lang="en-US" sz="1800" dirty="0" err="1" smtClean="0">
                 <a:solidFill>
                   <a:schemeClr val="bg1"/>
                 </a:solidFill>
@@ -9347,22 +9347,22 @@
               <a:t>sharedpath</a:t>
             </a:r>
             <a:r>
-              <a:rPr lang="en-US" sz="2000" dirty="0" smtClean="0">
-                <a:solidFill>
-                  <a:schemeClr val="accent6"/>
-                </a:solidFill>
-              </a:rPr>
-              <a:t/>
-            </a:r>
-            <a:br>
-              <a:rPr lang="en-US" sz="2000" dirty="0" smtClean="0">
-                <a:solidFill>
-                  <a:schemeClr val="accent6"/>
-                </a:solidFill>
-              </a:rPr>
-            </a:br>
-            <a:r>
-              <a:rPr lang="en-US" sz="2000" dirty="0" smtClean="0">
+              <a:rPr lang="en-US" sz="1800" dirty="0" smtClean="0">
+                <a:solidFill>
+                  <a:schemeClr val="accent6"/>
+                </a:solidFill>
+              </a:rPr>
+              <a:t/>
+            </a:r>
+            <a:br>
+              <a:rPr lang="en-US" sz="1800" dirty="0" smtClean="0">
+                <a:solidFill>
+                  <a:schemeClr val="accent6"/>
+                </a:solidFill>
+              </a:rPr>
+            </a:br>
+            <a:r>
+              <a:rPr lang="en-US" sz="1800" dirty="0" smtClean="0">
                 <a:solidFill>
                   <a:schemeClr val="accent6"/>
                 </a:solidFill>
@@ -9370,7 +9370,7 @@
               <a:t>3. Configure the </a:t>
             </a:r>
             <a:r>
-              <a:rPr lang="en-US" sz="2000" dirty="0" smtClean="0">
+              <a:rPr lang="en-US" sz="1800" dirty="0" smtClean="0">
                 <a:solidFill>
                   <a:schemeClr val="bg1"/>
                 </a:solidFill>
@@ -9378,7 +9378,7 @@
               <a:t>/</a:t>
             </a:r>
             <a:r>
-              <a:rPr lang="en-US" sz="2000" dirty="0" err="1" smtClean="0">
+              <a:rPr lang="en-US" sz="1800" dirty="0" err="1" smtClean="0">
                 <a:solidFill>
                   <a:schemeClr val="bg1"/>
                 </a:solidFill>
@@ -9386,7 +9386,7 @@
               <a:t>etc</a:t>
             </a:r>
             <a:r>
-              <a:rPr lang="en-US" sz="2000" dirty="0" smtClean="0">
+              <a:rPr lang="en-US" sz="1800" dirty="0" smtClean="0">
                 <a:solidFill>
                   <a:schemeClr val="bg1"/>
                 </a:solidFill>
@@ -9394,7 +9394,7 @@
               <a:t>/samba/</a:t>
             </a:r>
             <a:r>
-              <a:rPr lang="en-US" sz="2000" dirty="0" err="1" smtClean="0">
+              <a:rPr lang="en-US" sz="1800" dirty="0" err="1" smtClean="0">
                 <a:solidFill>
                   <a:schemeClr val="bg1"/>
                 </a:solidFill>
@@ -9402,7 +9402,7 @@
               <a:t>smb.conf</a:t>
             </a:r>
             <a:r>
-              <a:rPr lang="en-US" sz="2000" dirty="0" smtClean="0">
+              <a:rPr lang="en-US" sz="1800" dirty="0" smtClean="0">
                 <a:solidFill>
                   <a:schemeClr val="accent6"/>
                 </a:solidFill>
@@ -9410,7 +9410,7 @@
               <a:t>, validation of the file content using </a:t>
             </a:r>
             <a:r>
-              <a:rPr lang="en-US" sz="2000" dirty="0" err="1" smtClean="0">
+              <a:rPr lang="en-US" sz="1800" dirty="0" err="1" smtClean="0">
                 <a:solidFill>
                   <a:schemeClr val="bg1"/>
                 </a:solidFill>
@@ -9556,31 +9556,15 @@
               </a:rPr>
             </a:br>
             <a:r>
-              <a:rPr lang="en-US" sz="2700" dirty="0" smtClean="0">
-                <a:solidFill>
-                  <a:schemeClr val="accent6"/>
-                </a:solidFill>
-              </a:rPr>
-              <a:t>4. If we have a valid user, we </a:t>
-            </a:r>
-            <a:r>
-              <a:rPr lang="en-US" sz="2700" dirty="0" err="1" smtClean="0">
-                <a:solidFill>
-                  <a:schemeClr val="accent6"/>
-                </a:solidFill>
-              </a:rPr>
-              <a:t>schould</a:t>
-            </a:r>
-            <a:r>
-              <a:rPr lang="en-US" sz="2700" dirty="0" smtClean="0">
-                <a:solidFill>
-                  <a:schemeClr val="accent6"/>
-                </a:solidFill>
-              </a:rPr>
-              <a:t> add it to our database with ‘</a:t>
-            </a:r>
-            <a:r>
-              <a:rPr lang="en-US" sz="2700" dirty="0" err="1" smtClean="0">
+              <a:rPr lang="en-US" sz="1800" dirty="0" smtClean="0">
+                <a:solidFill>
+                  <a:schemeClr val="accent6"/>
+                </a:solidFill>
+              </a:rPr>
+              <a:t>4. If we have a valid user, we should add it to our database with ‘</a:t>
+            </a:r>
+            <a:r>
+              <a:rPr lang="en-US" sz="1800" dirty="0" err="1" smtClean="0">
                 <a:solidFill>
                   <a:schemeClr val="bg1"/>
                 </a:solidFill>
@@ -9588,7 +9572,7 @@
               <a:t>smbpasswd</a:t>
             </a:r>
             <a:r>
-              <a:rPr lang="en-US" sz="2700" dirty="0" smtClean="0">
+              <a:rPr lang="en-US" sz="1800" dirty="0" smtClean="0">
                 <a:solidFill>
                   <a:schemeClr val="bg1"/>
                 </a:solidFill>
@@ -9596,7 +9580,7 @@
               <a:t> </a:t>
             </a:r>
             <a:r>
-              <a:rPr lang="mr-IN" sz="2700" dirty="0" smtClean="0">
+              <a:rPr lang="mr-IN" sz="1800" dirty="0" smtClean="0">
                 <a:solidFill>
                   <a:schemeClr val="bg1"/>
                 </a:solidFill>
@@ -9604,7 +9588,7 @@
               <a:t>–</a:t>
             </a:r>
             <a:r>
-              <a:rPr lang="en-US" sz="2700" dirty="0" smtClean="0">
+              <a:rPr lang="en-US" sz="1800" dirty="0" smtClean="0">
                 <a:solidFill>
                   <a:schemeClr val="bg1"/>
                 </a:solidFill>
@@ -9612,31 +9596,149 @@
               <a:t>a username</a:t>
             </a:r>
             <a:r>
-              <a:rPr lang="en-US" sz="2700" dirty="0" smtClean="0">
-                <a:solidFill>
-                  <a:schemeClr val="accent6"/>
-                </a:solidFill>
-              </a:rPr>
-              <a:t>’</a:t>
-            </a:r>
-            <a:r>
-              <a:rPr lang="en-US" sz="2700" dirty="0" smtClean="0">
-                <a:solidFill>
-                  <a:schemeClr val="accent6"/>
-                </a:solidFill>
-              </a:rPr>
-              <a:t/>
-            </a:r>
-            <a:br>
-              <a:rPr lang="en-US" sz="2700" dirty="0" smtClean="0">
-                <a:solidFill>
-                  <a:schemeClr val="accent6"/>
-                </a:solidFill>
-              </a:rPr>
-            </a:br>
-            <a:endParaRPr lang="en-US" sz="2200" dirty="0">
+              <a:rPr lang="en-US" sz="1800" dirty="0" smtClean="0">
+                <a:solidFill>
+                  <a:schemeClr val="accent6"/>
+                </a:solidFill>
+              </a:rPr>
+              <a:t>’; </a:t>
+            </a:r>
+            <a:r>
+              <a:rPr lang="en-US" sz="1800" dirty="0" err="1" smtClean="0">
+                <a:solidFill>
+                  <a:schemeClr val="bg1"/>
+                </a:solidFill>
+              </a:rPr>
+              <a:t>pdbedit</a:t>
+            </a:r>
+            <a:r>
+              <a:rPr lang="en-US" sz="1800" dirty="0" smtClean="0">
+                <a:solidFill>
+                  <a:schemeClr val="bg1"/>
+                </a:solidFill>
+              </a:rPr>
+              <a:t> </a:t>
+            </a:r>
+            <a:r>
+              <a:rPr lang="mr-IN" sz="1800" dirty="0" smtClean="0">
+                <a:solidFill>
+                  <a:schemeClr val="bg1"/>
+                </a:solidFill>
+              </a:rPr>
+              <a:t>–</a:t>
+            </a:r>
+            <a:r>
+              <a:rPr lang="en-US" sz="1800" dirty="0" smtClean="0">
+                <a:solidFill>
+                  <a:schemeClr val="bg1"/>
+                </a:solidFill>
+              </a:rPr>
+              <a:t>l </a:t>
+            </a:r>
+            <a:r>
+              <a:rPr lang="en-US" sz="1800" dirty="0" smtClean="0">
+                <a:solidFill>
+                  <a:schemeClr val="accent6"/>
+                </a:solidFill>
+              </a:rPr>
+              <a:t/>
+            </a:r>
+            <a:br>
+              <a:rPr lang="en-US" sz="1800" dirty="0" smtClean="0">
+                <a:solidFill>
+                  <a:schemeClr val="accent6"/>
+                </a:solidFill>
+              </a:rPr>
+            </a:br>
+            <a:r>
+              <a:rPr lang="en-US" sz="1800" dirty="0" smtClean="0">
+                <a:solidFill>
+                  <a:schemeClr val="accent6"/>
+                </a:solidFill>
+              </a:rPr>
+              <a:t>5. Open the firewall</a:t>
+            </a:r>
+            <a:br>
+              <a:rPr lang="en-US" sz="1800" dirty="0" smtClean="0">
+                <a:solidFill>
+                  <a:schemeClr val="accent6"/>
+                </a:solidFill>
+              </a:rPr>
+            </a:br>
+            <a:r>
+              <a:rPr lang="en-US" sz="1600" dirty="0" smtClean="0">
+                <a:solidFill>
+                  <a:schemeClr val="bg1"/>
+                </a:solidFill>
+              </a:rPr>
+              <a:t>firewall-</a:t>
+            </a:r>
+            <a:r>
+              <a:rPr lang="en-US" sz="1600" dirty="0" err="1" smtClean="0">
+                <a:solidFill>
+                  <a:schemeClr val="bg1"/>
+                </a:solidFill>
+              </a:rPr>
+              <a:t>cmd</a:t>
+            </a:r>
+            <a:r>
+              <a:rPr lang="en-US" sz="1600" dirty="0" smtClean="0">
+                <a:solidFill>
+                  <a:schemeClr val="bg1"/>
+                </a:solidFill>
+              </a:rPr>
+              <a:t> </a:t>
+            </a:r>
+            <a:r>
+              <a:rPr lang="en-US" sz="1600" dirty="0">
+                <a:solidFill>
+                  <a:schemeClr val="bg1"/>
+                </a:solidFill>
+              </a:rPr>
+              <a:t>--permanent --zone=public --</a:t>
+            </a:r>
+            <a:r>
+              <a:rPr lang="en-US" sz="1600" dirty="0" smtClean="0">
+                <a:solidFill>
+                  <a:schemeClr val="bg1"/>
+                </a:solidFill>
+              </a:rPr>
+              <a:t>add-service=samba</a:t>
+            </a:r>
+            <a:br>
+              <a:rPr lang="en-US" sz="1600" dirty="0" smtClean="0">
+                <a:solidFill>
+                  <a:schemeClr val="bg1"/>
+                </a:solidFill>
+              </a:rPr>
+            </a:br>
+            <a:r>
+              <a:rPr lang="en-US" sz="1600" dirty="0" smtClean="0">
+                <a:solidFill>
+                  <a:schemeClr val="bg1"/>
+                </a:solidFill>
+              </a:rPr>
+              <a:t>firewall-</a:t>
+            </a:r>
+            <a:r>
+              <a:rPr lang="en-US" sz="1600" dirty="0" err="1" smtClean="0">
+                <a:solidFill>
+                  <a:schemeClr val="bg1"/>
+                </a:solidFill>
+              </a:rPr>
+              <a:t>cmd</a:t>
+            </a:r>
+            <a:r>
+              <a:rPr lang="en-US" sz="1600" smtClean="0">
+                <a:solidFill>
+                  <a:schemeClr val="bg1"/>
+                </a:solidFill>
+              </a:rPr>
+              <a:t> --reload</a:t>
+            </a:r>
+            <a:endParaRPr lang="en-US" sz="1800" dirty="0">
               <a:solidFill>
-                <a:schemeClr val="accent6"/>
+                <a:schemeClr val="bg1"/>
               </a:solidFill>
             </a:endParaRPr>
           </a:p>

--- a/12.SSH_NFS_SAMBA/12-SSH_NFS_SAMBA.pptx
+++ b/12.SSH_NFS_SAMBA/12-SSH_NFS_SAMBA.pptx
@@ -5,7 +5,7 @@
     <p:sldMasterId id="2147483648" r:id="rId1"/>
   </p:sldMasterIdLst>
   <p:notesMasterIdLst>
-    <p:notesMasterId r:id="rId12"/>
+    <p:notesMasterId r:id="rId14"/>
   </p:notesMasterIdLst>
   <p:sldIdLst>
     <p:sldId id="284" r:id="rId2"/>
@@ -18,6 +18,8 @@
     <p:sldId id="291" r:id="rId9"/>
     <p:sldId id="292" r:id="rId10"/>
     <p:sldId id="293" r:id="rId11"/>
+    <p:sldId id="294" r:id="rId12"/>
+    <p:sldId id="295" r:id="rId13"/>
   </p:sldIdLst>
   <p:sldSz cx="9144000" cy="6858000" type="screen4x3"/>
   <p:notesSz cx="6858000" cy="9144000"/>
@@ -225,7 +227,7 @@
           <a:p>
             <a:fld id="{75861919-8521-4274-BB91-998CD62CEE44}" type="datetimeFigureOut">
               <a:rPr lang="en-US" smtClean="0"/>
-              <a:t>5/5/17</a:t>
+              <a:t>5/24/17</a:t>
             </a:fld>
             <a:endParaRPr lang="en-US"/>
           </a:p>
@@ -745,6 +747,174 @@
 </p:notes>
 </file>
 
+<file path=ppt/notesSlides/notesSlide4.xml><?xml version="1.0" encoding="utf-8"?>
+<p:notes xmlns:a="http://schemas.openxmlformats.org/drawingml/2006/main" xmlns:r="http://schemas.openxmlformats.org/officeDocument/2006/relationships" xmlns:p="http://schemas.openxmlformats.org/presentationml/2006/main">
+  <p:cSld>
+    <p:spTree>
+      <p:nvGrpSpPr>
+        <p:cNvPr id="1" name=""/>
+        <p:cNvGrpSpPr/>
+        <p:nvPr/>
+      </p:nvGrpSpPr>
+      <p:grpSpPr>
+        <a:xfrm>
+          <a:off x="0" y="0"/>
+          <a:ext cx="0" cy="0"/>
+          <a:chOff x="0" y="0"/>
+          <a:chExt cx="0" cy="0"/>
+        </a:xfrm>
+      </p:grpSpPr>
+      <p:sp>
+        <p:nvSpPr>
+          <p:cNvPr id="2" name="Slide Image Placeholder 1"/>
+          <p:cNvSpPr>
+            <a:spLocks noGrp="1" noRot="1" noChangeAspect="1"/>
+          </p:cNvSpPr>
+          <p:nvPr>
+            <p:ph type="sldImg"/>
+          </p:nvPr>
+        </p:nvSpPr>
+        <p:spPr/>
+      </p:sp>
+      <p:sp>
+        <p:nvSpPr>
+          <p:cNvPr id="3" name="Notes Placeholder 2"/>
+          <p:cNvSpPr>
+            <a:spLocks noGrp="1"/>
+          </p:cNvSpPr>
+          <p:nvPr>
+            <p:ph type="body" idx="1"/>
+          </p:nvPr>
+        </p:nvSpPr>
+        <p:spPr/>
+        <p:txBody>
+          <a:bodyPr/>
+          <a:lstStyle/>
+          <a:p>
+            <a:endParaRPr lang="en-US" dirty="0"/>
+          </a:p>
+        </p:txBody>
+      </p:sp>
+      <p:sp>
+        <p:nvSpPr>
+          <p:cNvPr id="4" name="Slide Number Placeholder 3"/>
+          <p:cNvSpPr>
+            <a:spLocks noGrp="1"/>
+          </p:cNvSpPr>
+          <p:nvPr>
+            <p:ph type="sldNum" sz="quarter" idx="10"/>
+          </p:nvPr>
+        </p:nvSpPr>
+        <p:spPr/>
+        <p:txBody>
+          <a:bodyPr/>
+          <a:lstStyle/>
+          <a:p>
+            <a:fld id="{2A2BCF9D-D7FD-459D-AAE8-97A0158967F9}" type="slidenum">
+              <a:rPr lang="en-US" smtClean="0"/>
+              <a:t>11</a:t>
+            </a:fld>
+            <a:endParaRPr lang="en-US"/>
+          </a:p>
+        </p:txBody>
+      </p:sp>
+    </p:spTree>
+    <p:extLst>
+      <p:ext uri="{BB962C8B-B14F-4D97-AF65-F5344CB8AC3E}">
+        <p14:creationId xmlns:p14="http://schemas.microsoft.com/office/powerpoint/2010/main" val="1065698520"/>
+      </p:ext>
+    </p:extLst>
+  </p:cSld>
+  <p:clrMapOvr>
+    <a:masterClrMapping/>
+  </p:clrMapOvr>
+</p:notes>
+</file>
+
+<file path=ppt/notesSlides/notesSlide5.xml><?xml version="1.0" encoding="utf-8"?>
+<p:notes xmlns:a="http://schemas.openxmlformats.org/drawingml/2006/main" xmlns:r="http://schemas.openxmlformats.org/officeDocument/2006/relationships" xmlns:p="http://schemas.openxmlformats.org/presentationml/2006/main">
+  <p:cSld>
+    <p:spTree>
+      <p:nvGrpSpPr>
+        <p:cNvPr id="1" name=""/>
+        <p:cNvGrpSpPr/>
+        <p:nvPr/>
+      </p:nvGrpSpPr>
+      <p:grpSpPr>
+        <a:xfrm>
+          <a:off x="0" y="0"/>
+          <a:ext cx="0" cy="0"/>
+          <a:chOff x="0" y="0"/>
+          <a:chExt cx="0" cy="0"/>
+        </a:xfrm>
+      </p:grpSpPr>
+      <p:sp>
+        <p:nvSpPr>
+          <p:cNvPr id="2" name="Slide Image Placeholder 1"/>
+          <p:cNvSpPr>
+            <a:spLocks noGrp="1" noRot="1" noChangeAspect="1"/>
+          </p:cNvSpPr>
+          <p:nvPr>
+            <p:ph type="sldImg"/>
+          </p:nvPr>
+        </p:nvSpPr>
+        <p:spPr/>
+      </p:sp>
+      <p:sp>
+        <p:nvSpPr>
+          <p:cNvPr id="3" name="Notes Placeholder 2"/>
+          <p:cNvSpPr>
+            <a:spLocks noGrp="1"/>
+          </p:cNvSpPr>
+          <p:nvPr>
+            <p:ph type="body" idx="1"/>
+          </p:nvPr>
+        </p:nvSpPr>
+        <p:spPr/>
+        <p:txBody>
+          <a:bodyPr/>
+          <a:lstStyle/>
+          <a:p>
+            <a:endParaRPr lang="en-US" dirty="0"/>
+          </a:p>
+        </p:txBody>
+      </p:sp>
+      <p:sp>
+        <p:nvSpPr>
+          <p:cNvPr id="4" name="Slide Number Placeholder 3"/>
+          <p:cNvSpPr>
+            <a:spLocks noGrp="1"/>
+          </p:cNvSpPr>
+          <p:nvPr>
+            <p:ph type="sldNum" sz="quarter" idx="10"/>
+          </p:nvPr>
+        </p:nvSpPr>
+        <p:spPr/>
+        <p:txBody>
+          <a:bodyPr/>
+          <a:lstStyle/>
+          <a:p>
+            <a:fld id="{2A2BCF9D-D7FD-459D-AAE8-97A0158967F9}" type="slidenum">
+              <a:rPr lang="en-US" smtClean="0"/>
+              <a:t>12</a:t>
+            </a:fld>
+            <a:endParaRPr lang="en-US"/>
+          </a:p>
+        </p:txBody>
+      </p:sp>
+    </p:spTree>
+    <p:extLst>
+      <p:ext uri="{BB962C8B-B14F-4D97-AF65-F5344CB8AC3E}">
+        <p14:creationId xmlns:p14="http://schemas.microsoft.com/office/powerpoint/2010/main" val="1289261749"/>
+      </p:ext>
+    </p:extLst>
+  </p:cSld>
+  <p:clrMapOvr>
+    <a:masterClrMapping/>
+  </p:clrMapOvr>
+</p:notes>
+</file>
+
 <file path=ppt/slideLayouts/slideLayout1.xml><?xml version="1.0" encoding="utf-8"?>
 <p:sldLayout xmlns:a="http://schemas.openxmlformats.org/drawingml/2006/main" xmlns:r="http://schemas.openxmlformats.org/officeDocument/2006/relationships" xmlns:p="http://schemas.openxmlformats.org/presentationml/2006/main" type="title" preserve="1">
   <p:cSld name="Title Slide">
@@ -926,7 +1096,7 @@
           <a:p>
             <a:fld id="{3EA744D9-3FBE-48D8-BF2A-85DF203E4D20}" type="datetimeFigureOut">
               <a:rPr lang="bg-BG" smtClean="0"/>
-              <a:t>5.05.17 г.</a:t>
+              <a:t>24.05.17 г.</a:t>
             </a:fld>
             <a:endParaRPr lang="bg-BG"/>
           </a:p>
@@ -1096,7 +1266,7 @@
           <a:p>
             <a:fld id="{3EA744D9-3FBE-48D8-BF2A-85DF203E4D20}" type="datetimeFigureOut">
               <a:rPr lang="bg-BG" smtClean="0"/>
-              <a:t>5.05.17 г.</a:t>
+              <a:t>24.05.17 г.</a:t>
             </a:fld>
             <a:endParaRPr lang="bg-BG"/>
           </a:p>
@@ -1276,7 +1446,7 @@
           <a:p>
             <a:fld id="{3EA744D9-3FBE-48D8-BF2A-85DF203E4D20}" type="datetimeFigureOut">
               <a:rPr lang="bg-BG" smtClean="0"/>
-              <a:t>5.05.17 г.</a:t>
+              <a:t>24.05.17 г.</a:t>
             </a:fld>
             <a:endParaRPr lang="bg-BG"/>
           </a:p>
@@ -1446,7 +1616,7 @@
           <a:p>
             <a:fld id="{3EA744D9-3FBE-48D8-BF2A-85DF203E4D20}" type="datetimeFigureOut">
               <a:rPr lang="bg-BG" smtClean="0"/>
-              <a:t>5.05.17 г.</a:t>
+              <a:t>24.05.17 г.</a:t>
             </a:fld>
             <a:endParaRPr lang="bg-BG"/>
           </a:p>
@@ -1692,7 +1862,7 @@
           <a:p>
             <a:fld id="{3EA744D9-3FBE-48D8-BF2A-85DF203E4D20}" type="datetimeFigureOut">
               <a:rPr lang="bg-BG" smtClean="0"/>
-              <a:t>5.05.17 г.</a:t>
+              <a:t>24.05.17 г.</a:t>
             </a:fld>
             <a:endParaRPr lang="bg-BG"/>
           </a:p>
@@ -1980,7 +2150,7 @@
           <a:p>
             <a:fld id="{3EA744D9-3FBE-48D8-BF2A-85DF203E4D20}" type="datetimeFigureOut">
               <a:rPr lang="bg-BG" smtClean="0"/>
-              <a:t>5.05.17 г.</a:t>
+              <a:t>24.05.17 г.</a:t>
             </a:fld>
             <a:endParaRPr lang="bg-BG"/>
           </a:p>
@@ -2402,7 +2572,7 @@
           <a:p>
             <a:fld id="{3EA744D9-3FBE-48D8-BF2A-85DF203E4D20}" type="datetimeFigureOut">
               <a:rPr lang="bg-BG" smtClean="0"/>
-              <a:t>5.05.17 г.</a:t>
+              <a:t>24.05.17 г.</a:t>
             </a:fld>
             <a:endParaRPr lang="bg-BG"/>
           </a:p>
@@ -2520,7 +2690,7 @@
           <a:p>
             <a:fld id="{3EA744D9-3FBE-48D8-BF2A-85DF203E4D20}" type="datetimeFigureOut">
               <a:rPr lang="bg-BG" smtClean="0"/>
-              <a:t>5.05.17 г.</a:t>
+              <a:t>24.05.17 г.</a:t>
             </a:fld>
             <a:endParaRPr lang="bg-BG"/>
           </a:p>
@@ -2615,7 +2785,7 @@
           <a:p>
             <a:fld id="{3EA744D9-3FBE-48D8-BF2A-85DF203E4D20}" type="datetimeFigureOut">
               <a:rPr lang="bg-BG" smtClean="0"/>
-              <a:t>5.05.17 г.</a:t>
+              <a:t>24.05.17 г.</a:t>
             </a:fld>
             <a:endParaRPr lang="bg-BG"/>
           </a:p>
@@ -2892,7 +3062,7 @@
           <a:p>
             <a:fld id="{3EA744D9-3FBE-48D8-BF2A-85DF203E4D20}" type="datetimeFigureOut">
               <a:rPr lang="bg-BG" smtClean="0"/>
-              <a:t>5.05.17 г.</a:t>
+              <a:t>24.05.17 г.</a:t>
             </a:fld>
             <a:endParaRPr lang="bg-BG"/>
           </a:p>
@@ -3145,7 +3315,7 @@
           <a:p>
             <a:fld id="{3EA744D9-3FBE-48D8-BF2A-85DF203E4D20}" type="datetimeFigureOut">
               <a:rPr lang="bg-BG" smtClean="0"/>
-              <a:t>5.05.17 г.</a:t>
+              <a:t>24.05.17 г.</a:t>
             </a:fld>
             <a:endParaRPr lang="bg-BG"/>
           </a:p>
@@ -3367,7 +3537,7 @@
           <a:p>
             <a:fld id="{3EA744D9-3FBE-48D8-BF2A-85DF203E4D20}" type="datetimeFigureOut">
               <a:rPr lang="bg-BG" smtClean="0"/>
-              <a:t>5.05.17 г.</a:t>
+              <a:t>24.05.17 г.</a:t>
             </a:fld>
             <a:endParaRPr lang="bg-BG"/>
           </a:p>
@@ -4659,6 +4829,803 @@
 </p:sld>
 </file>
 
+<file path=ppt/slides/slide11.xml><?xml version="1.0" encoding="utf-8"?>
+<p:sld xmlns:a="http://schemas.openxmlformats.org/drawingml/2006/main" xmlns:r="http://schemas.openxmlformats.org/officeDocument/2006/relationships" xmlns:p="http://schemas.openxmlformats.org/presentationml/2006/main">
+  <p:cSld>
+    <p:spTree>
+      <p:nvGrpSpPr>
+        <p:cNvPr id="1" name=""/>
+        <p:cNvGrpSpPr/>
+        <p:nvPr/>
+      </p:nvGrpSpPr>
+      <p:grpSpPr>
+        <a:xfrm>
+          <a:off x="0" y="0"/>
+          <a:ext cx="0" cy="0"/>
+          <a:chOff x="0" y="0"/>
+          <a:chExt cx="0" cy="0"/>
+        </a:xfrm>
+      </p:grpSpPr>
+      <p:sp>
+        <p:nvSpPr>
+          <p:cNvPr id="2" name="Title 1"/>
+          <p:cNvSpPr>
+            <a:spLocks noGrp="1"/>
+          </p:cNvSpPr>
+          <p:nvPr>
+            <p:ph type="title"/>
+          </p:nvPr>
+        </p:nvSpPr>
+        <p:spPr/>
+        <p:txBody>
+          <a:bodyPr>
+            <a:normAutofit fontScale="90000"/>
+          </a:bodyPr>
+          <a:lstStyle/>
+          <a:p>
+            <a:r>
+              <a:rPr lang="en-US" dirty="0" smtClean="0">
+                <a:solidFill>
+                  <a:schemeClr val="accent6"/>
+                </a:solidFill>
+              </a:rPr>
+              <a:t/>
+            </a:r>
+            <a:br>
+              <a:rPr lang="en-US" dirty="0" smtClean="0">
+                <a:solidFill>
+                  <a:schemeClr val="accent6"/>
+                </a:solidFill>
+              </a:rPr>
+            </a:br>
+            <a:r>
+              <a:rPr lang="en-US" dirty="0">
+                <a:solidFill>
+                  <a:schemeClr val="accent6"/>
+                </a:solidFill>
+              </a:rPr>
+              <a:t/>
+            </a:r>
+            <a:br>
+              <a:rPr lang="en-US" dirty="0">
+                <a:solidFill>
+                  <a:schemeClr val="accent6"/>
+                </a:solidFill>
+              </a:rPr>
+            </a:br>
+            <a:r>
+              <a:rPr lang="en-US" dirty="0" smtClean="0">
+                <a:solidFill>
+                  <a:schemeClr val="accent6"/>
+                </a:solidFill>
+              </a:rPr>
+              <a:t/>
+            </a:r>
+            <a:br>
+              <a:rPr lang="en-US" dirty="0" smtClean="0">
+                <a:solidFill>
+                  <a:schemeClr val="accent6"/>
+                </a:solidFill>
+              </a:rPr>
+            </a:br>
+            <a:r>
+              <a:rPr lang="en-US" dirty="0">
+                <a:solidFill>
+                  <a:schemeClr val="accent6"/>
+                </a:solidFill>
+              </a:rPr>
+              <a:t/>
+            </a:r>
+            <a:br>
+              <a:rPr lang="en-US" dirty="0">
+                <a:solidFill>
+                  <a:schemeClr val="accent6"/>
+                </a:solidFill>
+              </a:rPr>
+            </a:br>
+            <a:r>
+              <a:rPr lang="en-US" dirty="0" smtClean="0">
+                <a:solidFill>
+                  <a:schemeClr val="accent6"/>
+                </a:solidFill>
+              </a:rPr>
+              <a:t/>
+            </a:r>
+            <a:br>
+              <a:rPr lang="en-US" dirty="0" smtClean="0">
+                <a:solidFill>
+                  <a:schemeClr val="accent6"/>
+                </a:solidFill>
+              </a:rPr>
+            </a:br>
+            <a:r>
+              <a:rPr lang="en-US" dirty="0" smtClean="0">
+                <a:solidFill>
+                  <a:schemeClr val="accent6"/>
+                </a:solidFill>
+              </a:rPr>
+              <a:t/>
+            </a:r>
+            <a:br>
+              <a:rPr lang="en-US" dirty="0" smtClean="0">
+                <a:solidFill>
+                  <a:schemeClr val="accent6"/>
+                </a:solidFill>
+              </a:rPr>
+            </a:br>
+            <a:r>
+              <a:rPr lang="en-US" dirty="0">
+                <a:solidFill>
+                  <a:schemeClr val="accent6"/>
+                </a:solidFill>
+              </a:rPr>
+              <a:t/>
+            </a:r>
+            <a:br>
+              <a:rPr lang="en-US" dirty="0">
+                <a:solidFill>
+                  <a:schemeClr val="accent6"/>
+                </a:solidFill>
+              </a:rPr>
+            </a:br>
+            <a:r>
+              <a:rPr lang="en-US" dirty="0" smtClean="0">
+                <a:solidFill>
+                  <a:schemeClr val="accent6"/>
+                </a:solidFill>
+              </a:rPr>
+              <a:t/>
+            </a:r>
+            <a:br>
+              <a:rPr lang="en-US" dirty="0" smtClean="0">
+                <a:solidFill>
+                  <a:schemeClr val="accent6"/>
+                </a:solidFill>
+              </a:rPr>
+            </a:br>
+            <a:r>
+              <a:rPr lang="en-US" sz="3100" dirty="0" smtClean="0">
+                <a:solidFill>
+                  <a:schemeClr val="accent6"/>
+                </a:solidFill>
+              </a:rPr>
+              <a:t>Client side action</a:t>
+            </a:r>
+            <a:br>
+              <a:rPr lang="en-US" sz="3100" dirty="0" smtClean="0">
+                <a:solidFill>
+                  <a:schemeClr val="accent6"/>
+                </a:solidFill>
+              </a:rPr>
+            </a:br>
+            <a:r>
+              <a:rPr lang="en-US" sz="3100" dirty="0" smtClean="0">
+                <a:solidFill>
+                  <a:schemeClr val="accent6"/>
+                </a:solidFill>
+              </a:rPr>
+              <a:t/>
+            </a:r>
+            <a:br>
+              <a:rPr lang="en-US" sz="3100" dirty="0" smtClean="0">
+                <a:solidFill>
+                  <a:schemeClr val="accent6"/>
+                </a:solidFill>
+              </a:rPr>
+            </a:br>
+            <a:r>
+              <a:rPr lang="en-US" sz="3100" dirty="0" smtClean="0">
+                <a:solidFill>
+                  <a:schemeClr val="accent6"/>
+                </a:solidFill>
+              </a:rPr>
+              <a:t>1. Install </a:t>
+            </a:r>
+            <a:r>
+              <a:rPr lang="en-US" sz="3100" dirty="0" smtClean="0">
+                <a:solidFill>
+                  <a:schemeClr val="bg1">
+                    <a:lumMod val="95000"/>
+                  </a:schemeClr>
+                </a:solidFill>
+              </a:rPr>
+              <a:t>samba-client</a:t>
+            </a:r>
+            <a:br>
+              <a:rPr lang="en-US" sz="3100" dirty="0" smtClean="0">
+                <a:solidFill>
+                  <a:schemeClr val="bg1">
+                    <a:lumMod val="95000"/>
+                  </a:schemeClr>
+                </a:solidFill>
+              </a:rPr>
+            </a:br>
+            <a:r>
+              <a:rPr lang="en-US" sz="3100" dirty="0" smtClean="0">
+                <a:solidFill>
+                  <a:schemeClr val="accent6"/>
+                </a:solidFill>
+              </a:rPr>
+              <a:t>2. Install </a:t>
+            </a:r>
+            <a:r>
+              <a:rPr lang="en-US" sz="3100" dirty="0" err="1" smtClean="0">
+                <a:solidFill>
+                  <a:schemeClr val="bg1">
+                    <a:lumMod val="95000"/>
+                  </a:schemeClr>
+                </a:solidFill>
+              </a:rPr>
+              <a:t>cifs-utils</a:t>
+            </a:r>
+            <a:r>
+              <a:rPr lang="en-US" sz="3100" dirty="0" smtClean="0">
+                <a:solidFill>
+                  <a:schemeClr val="accent6"/>
+                </a:solidFill>
+              </a:rPr>
+              <a:t/>
+            </a:r>
+            <a:br>
+              <a:rPr lang="en-US" sz="3100" dirty="0" smtClean="0">
+                <a:solidFill>
+                  <a:schemeClr val="accent6"/>
+                </a:solidFill>
+              </a:rPr>
+            </a:br>
+            <a:r>
+              <a:rPr lang="en-US" sz="3100" dirty="0" smtClean="0">
+                <a:solidFill>
+                  <a:schemeClr val="accent6"/>
+                </a:solidFill>
+              </a:rPr>
+              <a:t>2. </a:t>
+            </a:r>
+            <a:r>
+              <a:rPr lang="en-US" sz="3100" dirty="0" err="1" smtClean="0">
+                <a:solidFill>
+                  <a:schemeClr val="bg1">
+                    <a:lumMod val="95000"/>
+                  </a:schemeClr>
+                </a:solidFill>
+              </a:rPr>
+              <a:t>smbclient</a:t>
+            </a:r>
+            <a:r>
+              <a:rPr lang="en-US" sz="3100" dirty="0" smtClean="0">
+                <a:solidFill>
+                  <a:schemeClr val="bg1">
+                    <a:lumMod val="95000"/>
+                  </a:schemeClr>
+                </a:solidFill>
+              </a:rPr>
+              <a:t> </a:t>
+            </a:r>
+            <a:r>
+              <a:rPr lang="mr-IN" sz="3100" dirty="0" smtClean="0">
+                <a:solidFill>
+                  <a:schemeClr val="bg1">
+                    <a:lumMod val="95000"/>
+                  </a:schemeClr>
+                </a:solidFill>
+              </a:rPr>
+              <a:t>–</a:t>
+            </a:r>
+            <a:r>
+              <a:rPr lang="en-US" sz="3100" dirty="0" smtClean="0">
+                <a:solidFill>
+                  <a:schemeClr val="bg1">
+                    <a:lumMod val="95000"/>
+                  </a:schemeClr>
+                </a:solidFill>
+              </a:rPr>
+              <a:t>L </a:t>
+            </a:r>
+            <a:r>
+              <a:rPr lang="en-US" sz="3100" dirty="0" err="1" smtClean="0">
+                <a:solidFill>
+                  <a:schemeClr val="bg1">
+                    <a:lumMod val="95000"/>
+                  </a:schemeClr>
+                </a:solidFill>
+              </a:rPr>
+              <a:t>server_ip</a:t>
+            </a:r>
+            <a:r>
+              <a:rPr lang="en-US" sz="3100" dirty="0" smtClean="0">
+                <a:solidFill>
+                  <a:schemeClr val="bg1">
+                    <a:lumMod val="95000"/>
+                  </a:schemeClr>
+                </a:solidFill>
+              </a:rPr>
+              <a:t> </a:t>
+            </a:r>
+            <a:r>
+              <a:rPr lang="mr-IN" sz="3100" dirty="0" smtClean="0">
+                <a:solidFill>
+                  <a:schemeClr val="bg1">
+                    <a:lumMod val="95000"/>
+                  </a:schemeClr>
+                </a:solidFill>
+              </a:rPr>
+              <a:t>–</a:t>
+            </a:r>
+            <a:r>
+              <a:rPr lang="en-US" sz="3100" dirty="0" smtClean="0">
+                <a:solidFill>
+                  <a:schemeClr val="bg1">
+                    <a:lumMod val="95000"/>
+                  </a:schemeClr>
+                </a:solidFill>
+              </a:rPr>
+              <a:t>U </a:t>
+            </a:r>
+            <a:r>
+              <a:rPr lang="en-US" sz="3100" dirty="0" err="1" smtClean="0">
+                <a:solidFill>
+                  <a:schemeClr val="bg1">
+                    <a:lumMod val="95000"/>
+                  </a:schemeClr>
+                </a:solidFill>
+              </a:rPr>
+              <a:t>user_added_before</a:t>
+            </a:r>
+            <a:r>
+              <a:rPr lang="en-US" sz="3100" dirty="0" smtClean="0">
+                <a:solidFill>
+                  <a:schemeClr val="bg1">
+                    <a:lumMod val="95000"/>
+                  </a:schemeClr>
+                </a:solidFill>
+              </a:rPr>
+              <a:t> </a:t>
+            </a:r>
+            <a:br>
+              <a:rPr lang="en-US" sz="3100" dirty="0" smtClean="0">
+                <a:solidFill>
+                  <a:schemeClr val="bg1">
+                    <a:lumMod val="95000"/>
+                  </a:schemeClr>
+                </a:solidFill>
+              </a:rPr>
+            </a:br>
+            <a:r>
+              <a:rPr lang="en-US" sz="3100" dirty="0" smtClean="0">
+                <a:solidFill>
+                  <a:schemeClr val="accent6"/>
+                </a:solidFill>
+              </a:rPr>
+              <a:t>3. </a:t>
+            </a:r>
+            <a:r>
+              <a:rPr lang="en-US" sz="3100" dirty="0" smtClean="0">
+                <a:solidFill>
+                  <a:schemeClr val="bg1">
+                    <a:lumMod val="95000"/>
+                  </a:schemeClr>
+                </a:solidFill>
+              </a:rPr>
+              <a:t>mount </a:t>
+            </a:r>
+            <a:r>
+              <a:rPr lang="mr-IN" sz="3100" dirty="0" smtClean="0">
+                <a:solidFill>
+                  <a:schemeClr val="bg1">
+                    <a:lumMod val="95000"/>
+                  </a:schemeClr>
+                </a:solidFill>
+              </a:rPr>
+              <a:t>–</a:t>
+            </a:r>
+            <a:r>
+              <a:rPr lang="en-US" sz="3100" dirty="0" smtClean="0">
+                <a:solidFill>
+                  <a:schemeClr val="bg1">
+                    <a:lumMod val="95000"/>
+                  </a:schemeClr>
+                </a:solidFill>
+              </a:rPr>
+              <a:t>t </a:t>
+            </a:r>
+            <a:r>
+              <a:rPr lang="en-US" sz="3100" dirty="0" err="1" smtClean="0">
+                <a:solidFill>
+                  <a:schemeClr val="bg1">
+                    <a:lumMod val="95000"/>
+                  </a:schemeClr>
+                </a:solidFill>
+              </a:rPr>
+              <a:t>cifs</a:t>
+            </a:r>
+            <a:r>
+              <a:rPr lang="en-US" sz="3100" dirty="0" smtClean="0">
+                <a:solidFill>
+                  <a:schemeClr val="bg1">
+                    <a:lumMod val="95000"/>
+                  </a:schemeClr>
+                </a:solidFill>
+              </a:rPr>
+              <a:t> </a:t>
+            </a:r>
+            <a:r>
+              <a:rPr lang="mr-IN" sz="3100" dirty="0" smtClean="0">
+                <a:solidFill>
+                  <a:schemeClr val="bg1">
+                    <a:lumMod val="95000"/>
+                  </a:schemeClr>
+                </a:solidFill>
+              </a:rPr>
+              <a:t>–</a:t>
+            </a:r>
+            <a:r>
+              <a:rPr lang="en-US" sz="3100" dirty="0" smtClean="0">
+                <a:solidFill>
+                  <a:schemeClr val="bg1">
+                    <a:lumMod val="95000"/>
+                  </a:schemeClr>
+                </a:solidFill>
+              </a:rPr>
+              <a:t>o username=</a:t>
+            </a:r>
+            <a:r>
+              <a:rPr lang="en-US" sz="3100" dirty="0" err="1" smtClean="0">
+                <a:solidFill>
+                  <a:schemeClr val="bg1">
+                    <a:lumMod val="95000"/>
+                  </a:schemeClr>
+                </a:solidFill>
+              </a:rPr>
+              <a:t>user_added_before</a:t>
+            </a:r>
+            <a:r>
+              <a:rPr lang="en-US" sz="3100" dirty="0" smtClean="0">
+                <a:solidFill>
+                  <a:schemeClr val="bg1">
+                    <a:lumMod val="95000"/>
+                  </a:schemeClr>
+                </a:solidFill>
+              </a:rPr>
+              <a:t> //</a:t>
+            </a:r>
+            <a:r>
+              <a:rPr lang="en-US" sz="3100" dirty="0" err="1" smtClean="0">
+                <a:solidFill>
+                  <a:schemeClr val="bg1">
+                    <a:lumMod val="95000"/>
+                  </a:schemeClr>
+                </a:solidFill>
+              </a:rPr>
+              <a:t>samba_server_ip</a:t>
+            </a:r>
+            <a:r>
+              <a:rPr lang="en-US" sz="3100" dirty="0" smtClean="0">
+                <a:solidFill>
+                  <a:schemeClr val="bg1">
+                    <a:lumMod val="95000"/>
+                  </a:schemeClr>
+                </a:solidFill>
+              </a:rPr>
+              <a:t>/share /</a:t>
+            </a:r>
+            <a:r>
+              <a:rPr lang="en-US" sz="3100" dirty="0" err="1" smtClean="0">
+                <a:solidFill>
+                  <a:schemeClr val="bg1">
+                    <a:lumMod val="95000"/>
+                  </a:schemeClr>
+                </a:solidFill>
+              </a:rPr>
+              <a:t>mnt</a:t>
+            </a:r>
+            <a:endParaRPr lang="en-US" sz="3100" dirty="0">
+              <a:solidFill>
+                <a:schemeClr val="bg1">
+                  <a:lumMod val="95000"/>
+                </a:schemeClr>
+              </a:solidFill>
+            </a:endParaRPr>
+          </a:p>
+        </p:txBody>
+      </p:sp>
+    </p:spTree>
+    <p:extLst>
+      <p:ext uri="{BB962C8B-B14F-4D97-AF65-F5344CB8AC3E}">
+        <p14:creationId xmlns:p14="http://schemas.microsoft.com/office/powerpoint/2010/main" val="112120477"/>
+      </p:ext>
+    </p:extLst>
+  </p:cSld>
+  <p:clrMapOvr>
+    <a:masterClrMapping/>
+  </p:clrMapOvr>
+</p:sld>
+</file>
+
+<file path=ppt/slides/slide12.xml><?xml version="1.0" encoding="utf-8"?>
+<p:sld xmlns:a="http://schemas.openxmlformats.org/drawingml/2006/main" xmlns:r="http://schemas.openxmlformats.org/officeDocument/2006/relationships" xmlns:p="http://schemas.openxmlformats.org/presentationml/2006/main">
+  <p:cSld>
+    <p:spTree>
+      <p:nvGrpSpPr>
+        <p:cNvPr id="1" name=""/>
+        <p:cNvGrpSpPr/>
+        <p:nvPr/>
+      </p:nvGrpSpPr>
+      <p:grpSpPr>
+        <a:xfrm>
+          <a:off x="0" y="0"/>
+          <a:ext cx="0" cy="0"/>
+          <a:chOff x="0" y="0"/>
+          <a:chExt cx="0" cy="0"/>
+        </a:xfrm>
+      </p:grpSpPr>
+      <p:sp>
+        <p:nvSpPr>
+          <p:cNvPr id="2" name="Title 1"/>
+          <p:cNvSpPr>
+            <a:spLocks noGrp="1"/>
+          </p:cNvSpPr>
+          <p:nvPr>
+            <p:ph type="title"/>
+          </p:nvPr>
+        </p:nvSpPr>
+        <p:spPr/>
+        <p:txBody>
+          <a:bodyPr>
+            <a:normAutofit fontScale="90000"/>
+          </a:bodyPr>
+          <a:lstStyle/>
+          <a:p>
+            <a:r>
+              <a:rPr lang="en-US" dirty="0" smtClean="0">
+                <a:solidFill>
+                  <a:schemeClr val="accent6"/>
+                </a:solidFill>
+              </a:rPr>
+              <a:t/>
+            </a:r>
+            <a:br>
+              <a:rPr lang="en-US" dirty="0" smtClean="0">
+                <a:solidFill>
+                  <a:schemeClr val="accent6"/>
+                </a:solidFill>
+              </a:rPr>
+            </a:br>
+            <a:r>
+              <a:rPr lang="en-US" dirty="0">
+                <a:solidFill>
+                  <a:schemeClr val="accent6"/>
+                </a:solidFill>
+              </a:rPr>
+              <a:t/>
+            </a:r>
+            <a:br>
+              <a:rPr lang="en-US" dirty="0">
+                <a:solidFill>
+                  <a:schemeClr val="accent6"/>
+                </a:solidFill>
+              </a:rPr>
+            </a:br>
+            <a:r>
+              <a:rPr lang="en-US" dirty="0" smtClean="0">
+                <a:solidFill>
+                  <a:schemeClr val="accent6"/>
+                </a:solidFill>
+              </a:rPr>
+              <a:t/>
+            </a:r>
+            <a:br>
+              <a:rPr lang="en-US" dirty="0" smtClean="0">
+                <a:solidFill>
+                  <a:schemeClr val="accent6"/>
+                </a:solidFill>
+              </a:rPr>
+            </a:br>
+            <a:r>
+              <a:rPr lang="en-US" dirty="0">
+                <a:solidFill>
+                  <a:schemeClr val="accent6"/>
+                </a:solidFill>
+              </a:rPr>
+              <a:t/>
+            </a:r>
+            <a:br>
+              <a:rPr lang="en-US" dirty="0">
+                <a:solidFill>
+                  <a:schemeClr val="accent6"/>
+                </a:solidFill>
+              </a:rPr>
+            </a:br>
+            <a:r>
+              <a:rPr lang="en-US" dirty="0" smtClean="0">
+                <a:solidFill>
+                  <a:schemeClr val="accent6"/>
+                </a:solidFill>
+              </a:rPr>
+              <a:t/>
+            </a:r>
+            <a:br>
+              <a:rPr lang="en-US" dirty="0" smtClean="0">
+                <a:solidFill>
+                  <a:schemeClr val="accent6"/>
+                </a:solidFill>
+              </a:rPr>
+            </a:br>
+            <a:r>
+              <a:rPr lang="en-US" dirty="0" smtClean="0">
+                <a:solidFill>
+                  <a:schemeClr val="accent6"/>
+                </a:solidFill>
+              </a:rPr>
+              <a:t/>
+            </a:r>
+            <a:br>
+              <a:rPr lang="en-US" dirty="0" smtClean="0">
+                <a:solidFill>
+                  <a:schemeClr val="accent6"/>
+                </a:solidFill>
+              </a:rPr>
+            </a:br>
+            <a:r>
+              <a:rPr lang="en-US" dirty="0">
+                <a:solidFill>
+                  <a:schemeClr val="accent6"/>
+                </a:solidFill>
+              </a:rPr>
+              <a:t/>
+            </a:r>
+            <a:br>
+              <a:rPr lang="en-US" dirty="0">
+                <a:solidFill>
+                  <a:schemeClr val="accent6"/>
+                </a:solidFill>
+              </a:rPr>
+            </a:br>
+            <a:r>
+              <a:rPr lang="en-US" dirty="0" smtClean="0">
+                <a:solidFill>
+                  <a:schemeClr val="accent6"/>
+                </a:solidFill>
+              </a:rPr>
+              <a:t/>
+            </a:r>
+            <a:br>
+              <a:rPr lang="en-US" dirty="0" smtClean="0">
+                <a:solidFill>
+                  <a:schemeClr val="accent6"/>
+                </a:solidFill>
+              </a:rPr>
+            </a:br>
+            <a:r>
+              <a:rPr lang="en-US" sz="3100" dirty="0" smtClean="0">
+                <a:solidFill>
+                  <a:srgbClr val="FF0000"/>
+                </a:solidFill>
+              </a:rPr>
+              <a:t>Homework:</a:t>
+            </a:r>
+            <a:r>
+              <a:rPr lang="en-US" sz="3100" dirty="0" smtClean="0">
+                <a:solidFill>
+                  <a:schemeClr val="accent6"/>
+                </a:solidFill>
+              </a:rPr>
+              <a:t/>
+            </a:r>
+            <a:br>
+              <a:rPr lang="en-US" sz="3100" dirty="0" smtClean="0">
+                <a:solidFill>
+                  <a:schemeClr val="accent6"/>
+                </a:solidFill>
+              </a:rPr>
+            </a:br>
+            <a:r>
+              <a:rPr lang="en-US" sz="3100" dirty="0">
+                <a:solidFill>
+                  <a:schemeClr val="accent6"/>
+                </a:solidFill>
+              </a:rPr>
+              <a:t/>
+            </a:r>
+            <a:br>
+              <a:rPr lang="en-US" sz="3100" dirty="0">
+                <a:solidFill>
+                  <a:schemeClr val="accent6"/>
+                </a:solidFill>
+              </a:rPr>
+            </a:br>
+            <a:r>
+              <a:rPr lang="en-US" sz="3100" dirty="0" smtClean="0">
+                <a:solidFill>
+                  <a:schemeClr val="accent6"/>
+                </a:solidFill>
+              </a:rPr>
+              <a:t>1. Review todays lesson and try to </a:t>
+            </a:r>
+            <a:r>
+              <a:rPr lang="en-US" sz="3100" dirty="0" err="1" smtClean="0">
+                <a:solidFill>
+                  <a:schemeClr val="accent6"/>
+                </a:solidFill>
+              </a:rPr>
+              <a:t>reimplement</a:t>
+            </a:r>
+            <a:r>
+              <a:rPr lang="en-US" sz="3100" dirty="0" smtClean="0">
+                <a:solidFill>
+                  <a:schemeClr val="accent6"/>
+                </a:solidFill>
+              </a:rPr>
+              <a:t> the exercises. Explain each step to yourself.</a:t>
+            </a:r>
+            <a:br>
+              <a:rPr lang="en-US" sz="3100" dirty="0" smtClean="0">
+                <a:solidFill>
+                  <a:schemeClr val="accent6"/>
+                </a:solidFill>
+              </a:rPr>
+            </a:br>
+            <a:r>
+              <a:rPr lang="en-US" sz="3100" dirty="0">
+                <a:solidFill>
+                  <a:schemeClr val="accent6"/>
+                </a:solidFill>
+              </a:rPr>
+              <a:t/>
+            </a:r>
+            <a:br>
+              <a:rPr lang="en-US" sz="3100" dirty="0">
+                <a:solidFill>
+                  <a:schemeClr val="accent6"/>
+                </a:solidFill>
+              </a:rPr>
+            </a:br>
+            <a:r>
+              <a:rPr lang="en-US" sz="3100" dirty="0" smtClean="0">
+                <a:solidFill>
+                  <a:schemeClr val="accent6"/>
+                </a:solidFill>
+              </a:rPr>
+              <a:t>2. Think about more useful  option to mount a samba share </a:t>
+            </a:r>
+            <a:r>
+              <a:rPr lang="en-US" sz="3100" dirty="0" err="1" smtClean="0">
+                <a:solidFill>
+                  <a:schemeClr val="accent6"/>
+                </a:solidFill>
+              </a:rPr>
+              <a:t>persistantly</a:t>
+            </a:r>
+            <a:r>
+              <a:rPr lang="en-US" sz="3100" dirty="0" smtClean="0">
+                <a:solidFill>
+                  <a:schemeClr val="accent6"/>
+                </a:solidFill>
+              </a:rPr>
+              <a:t>.</a:t>
+            </a:r>
+            <a:endParaRPr lang="en-US" sz="3100" dirty="0">
+              <a:solidFill>
+                <a:schemeClr val="bg1">
+                  <a:lumMod val="95000"/>
+                </a:schemeClr>
+              </a:solidFill>
+            </a:endParaRPr>
+          </a:p>
+        </p:txBody>
+      </p:sp>
+    </p:spTree>
+    <p:extLst>
+      <p:ext uri="{BB962C8B-B14F-4D97-AF65-F5344CB8AC3E}">
+        <p14:creationId xmlns:p14="http://schemas.microsoft.com/office/powerpoint/2010/main" val="1357922174"/>
+      </p:ext>
+    </p:extLst>
+  </p:cSld>
+  <p:clrMapOvr>
+    <a:masterClrMapping/>
+  </p:clrMapOvr>
+</p:sld>
+</file>
+
 <file path=ppt/slides/slide2.xml><?xml version="1.0" encoding="utf-8"?>
 <p:sld xmlns:a="http://schemas.openxmlformats.org/drawingml/2006/main" xmlns:r="http://schemas.openxmlformats.org/officeDocument/2006/relationships" xmlns:p="http://schemas.openxmlformats.org/presentationml/2006/main">
   <p:cSld>
@@ -8843,15 +9810,7 @@
                   <a:schemeClr val="bg1"/>
                 </a:solidFill>
               </a:rPr>
-              <a:t> –</a:t>
-            </a:r>
-            <a:r>
-              <a:rPr lang="en-US" sz="2000" dirty="0" smtClean="0">
-                <a:solidFill>
-                  <a:schemeClr val="bg1"/>
-                </a:solidFill>
-              </a:rPr>
-              <a:t>reload</a:t>
+              <a:t> –reload</a:t>
             </a:r>
             <a:br>
               <a:rPr lang="en-US" sz="2000" dirty="0" smtClean="0">
@@ -9453,7 +10412,15 @@
                   <a:schemeClr val="accent2"/>
                 </a:solidFill>
               </a:rPr>
-              <a:t>path = /</a:t>
+              <a:t>path = </a:t>
+            </a:r>
+            <a:r>
+              <a:rPr lang="en-US" sz="2700" dirty="0" smtClean="0">
+                <a:solidFill>
+                  <a:schemeClr val="accent2"/>
+                </a:solidFill>
+              </a:rPr>
+              <a:t>/</a:t>
             </a:r>
             <a:r>
               <a:rPr lang="en-US" sz="2700" dirty="0" err="1" smtClean="0">
@@ -9461,7 +10428,7 @@
                   <a:schemeClr val="accent2"/>
                 </a:solidFill>
               </a:rPr>
-              <a:t>samba_data</a:t>
+              <a:t>sharedpath</a:t>
             </a:r>
             <a:r>
               <a:rPr lang="en-US" sz="2700" dirty="0" smtClean="0">
@@ -9638,24 +10605,40 @@
             <a:r>
               <a:rPr lang="en-US" sz="1800" dirty="0" smtClean="0">
                 <a:solidFill>
-                  <a:schemeClr val="accent6"/>
-                </a:solidFill>
-              </a:rPr>
-              <a:t/>
-            </a:r>
-            <a:br>
+                  <a:schemeClr val="bg1"/>
+                </a:solidFill>
+              </a:rPr>
+              <a:t>, </a:t>
+            </a:r>
+            <a:r>
               <a:rPr lang="en-US" sz="1800" dirty="0" smtClean="0">
                 <a:solidFill>
                   <a:schemeClr val="accent6"/>
                 </a:solidFill>
               </a:rPr>
-            </a:br>
+              <a:t>the user must exist at our Linux box.</a:t>
+            </a:r>
             <a:r>
               <a:rPr lang="en-US" sz="1800" dirty="0" smtClean="0">
                 <a:solidFill>
                   <a:schemeClr val="accent6"/>
                 </a:solidFill>
               </a:rPr>
+              <a:t/>
+            </a:r>
+            <a:br>
+              <a:rPr lang="en-US" sz="1800" dirty="0" smtClean="0">
+                <a:solidFill>
+                  <a:schemeClr val="accent6"/>
+                </a:solidFill>
+              </a:rPr>
+            </a:br>
+            <a:r>
+              <a:rPr lang="en-US" sz="1800" dirty="0" smtClean="0">
+                <a:solidFill>
+                  <a:schemeClr val="accent6"/>
+                </a:solidFill>
+              </a:rPr>
               <a:t>5. Open the firewall</a:t>
             </a:r>
             <a:br>
@@ -9729,7 +10712,7 @@
               <a:t>cmd</a:t>
             </a:r>
             <a:r>
-              <a:rPr lang="en-US" sz="1600" smtClean="0">
+              <a:rPr lang="en-US" sz="1600" dirty="0" smtClean="0">
                 <a:solidFill>
                   <a:schemeClr val="bg1"/>
                 </a:solidFill>

--- a/12.SSH_NFS_SAMBA/12-SSH_NFS_SAMBA.pptx
+++ b/12.SSH_NFS_SAMBA/12-SSH_NFS_SAMBA.pptx
@@ -227,7 +227,7 @@
           <a:p>
             <a:fld id="{75861919-8521-4274-BB91-998CD62CEE44}" type="datetimeFigureOut">
               <a:rPr lang="en-US" smtClean="0"/>
-              <a:t>5/24/17</a:t>
+              <a:t>6/1/17</a:t>
             </a:fld>
             <a:endParaRPr lang="en-US"/>
           </a:p>
@@ -1096,7 +1096,7 @@
           <a:p>
             <a:fld id="{3EA744D9-3FBE-48D8-BF2A-85DF203E4D20}" type="datetimeFigureOut">
               <a:rPr lang="bg-BG" smtClean="0"/>
-              <a:t>24.05.17 г.</a:t>
+              <a:t>1.06.17 г.</a:t>
             </a:fld>
             <a:endParaRPr lang="bg-BG"/>
           </a:p>
@@ -1266,7 +1266,7 @@
           <a:p>
             <a:fld id="{3EA744D9-3FBE-48D8-BF2A-85DF203E4D20}" type="datetimeFigureOut">
               <a:rPr lang="bg-BG" smtClean="0"/>
-              <a:t>24.05.17 г.</a:t>
+              <a:t>1.06.17 г.</a:t>
             </a:fld>
             <a:endParaRPr lang="bg-BG"/>
           </a:p>
@@ -1446,7 +1446,7 @@
           <a:p>
             <a:fld id="{3EA744D9-3FBE-48D8-BF2A-85DF203E4D20}" type="datetimeFigureOut">
               <a:rPr lang="bg-BG" smtClean="0"/>
-              <a:t>24.05.17 г.</a:t>
+              <a:t>1.06.17 г.</a:t>
             </a:fld>
             <a:endParaRPr lang="bg-BG"/>
           </a:p>
@@ -1616,7 +1616,7 @@
           <a:p>
             <a:fld id="{3EA744D9-3FBE-48D8-BF2A-85DF203E4D20}" type="datetimeFigureOut">
               <a:rPr lang="bg-BG" smtClean="0"/>
-              <a:t>24.05.17 г.</a:t>
+              <a:t>1.06.17 г.</a:t>
             </a:fld>
             <a:endParaRPr lang="bg-BG"/>
           </a:p>
@@ -1862,7 +1862,7 @@
           <a:p>
             <a:fld id="{3EA744D9-3FBE-48D8-BF2A-85DF203E4D20}" type="datetimeFigureOut">
               <a:rPr lang="bg-BG" smtClean="0"/>
-              <a:t>24.05.17 г.</a:t>
+              <a:t>1.06.17 г.</a:t>
             </a:fld>
             <a:endParaRPr lang="bg-BG"/>
           </a:p>
@@ -2150,7 +2150,7 @@
           <a:p>
             <a:fld id="{3EA744D9-3FBE-48D8-BF2A-85DF203E4D20}" type="datetimeFigureOut">
               <a:rPr lang="bg-BG" smtClean="0"/>
-              <a:t>24.05.17 г.</a:t>
+              <a:t>1.06.17 г.</a:t>
             </a:fld>
             <a:endParaRPr lang="bg-BG"/>
           </a:p>
@@ -2572,7 +2572,7 @@
           <a:p>
             <a:fld id="{3EA744D9-3FBE-48D8-BF2A-85DF203E4D20}" type="datetimeFigureOut">
               <a:rPr lang="bg-BG" smtClean="0"/>
-              <a:t>24.05.17 г.</a:t>
+              <a:t>1.06.17 г.</a:t>
             </a:fld>
             <a:endParaRPr lang="bg-BG"/>
           </a:p>
@@ -2690,7 +2690,7 @@
           <a:p>
             <a:fld id="{3EA744D9-3FBE-48D8-BF2A-85DF203E4D20}" type="datetimeFigureOut">
               <a:rPr lang="bg-BG" smtClean="0"/>
-              <a:t>24.05.17 г.</a:t>
+              <a:t>1.06.17 г.</a:t>
             </a:fld>
             <a:endParaRPr lang="bg-BG"/>
           </a:p>
@@ -2785,7 +2785,7 @@
           <a:p>
             <a:fld id="{3EA744D9-3FBE-48D8-BF2A-85DF203E4D20}" type="datetimeFigureOut">
               <a:rPr lang="bg-BG" smtClean="0"/>
-              <a:t>24.05.17 г.</a:t>
+              <a:t>1.06.17 г.</a:t>
             </a:fld>
             <a:endParaRPr lang="bg-BG"/>
           </a:p>
@@ -3062,7 +3062,7 @@
           <a:p>
             <a:fld id="{3EA744D9-3FBE-48D8-BF2A-85DF203E4D20}" type="datetimeFigureOut">
               <a:rPr lang="bg-BG" smtClean="0"/>
-              <a:t>24.05.17 г.</a:t>
+              <a:t>1.06.17 г.</a:t>
             </a:fld>
             <a:endParaRPr lang="bg-BG"/>
           </a:p>
@@ -3315,7 +3315,7 @@
           <a:p>
             <a:fld id="{3EA744D9-3FBE-48D8-BF2A-85DF203E4D20}" type="datetimeFigureOut">
               <a:rPr lang="bg-BG" smtClean="0"/>
-              <a:t>24.05.17 г.</a:t>
+              <a:t>1.06.17 г.</a:t>
             </a:fld>
             <a:endParaRPr lang="bg-BG"/>
           </a:p>
@@ -3537,7 +3537,7 @@
           <a:p>
             <a:fld id="{3EA744D9-3FBE-48D8-BF2A-85DF203E4D20}" type="datetimeFigureOut">
               <a:rPr lang="bg-BG" smtClean="0"/>
-              <a:t>24.05.17 г.</a:t>
+              <a:t>1.06.17 г.</a:t>
             </a:fld>
             <a:endParaRPr lang="bg-BG"/>
           </a:p>
@@ -5306,7 +5306,17 @@
                   </a:schemeClr>
                 </a:solidFill>
               </a:rPr>
-              <a:t>/share /</a:t>
+              <a:t>/label </a:t>
+            </a:r>
+            <a:r>
+              <a:rPr lang="en-US" sz="3100" dirty="0" smtClean="0">
+                <a:solidFill>
+                  <a:schemeClr val="bg1">
+                    <a:lumMod val="95000"/>
+                  </a:schemeClr>
+                </a:solidFill>
+              </a:rPr>
+              <a:t>/</a:t>
             </a:r>
             <a:r>
               <a:rPr lang="en-US" sz="3100" dirty="0" err="1" smtClean="0">
@@ -5555,14 +5565,22 @@
                   <a:schemeClr val="accent6"/>
                 </a:solidFill>
               </a:rPr>
-              <a:t> the exercises. Explain each step to yourself.</a:t>
-            </a:r>
-            <a:br>
+              <a:t> </a:t>
+            </a:r>
+            <a:r>
               <a:rPr lang="en-US" sz="3100" dirty="0" smtClean="0">
                 <a:solidFill>
                   <a:schemeClr val="accent6"/>
                 </a:solidFill>
               </a:rPr>
+              <a:t>the exercises. Explain each step to yourself.</a:t>
+            </a:r>
+            <a:br>
+              <a:rPr lang="en-US" sz="3100" dirty="0" smtClean="0">
+                <a:solidFill>
+                  <a:schemeClr val="accent6"/>
+                </a:solidFill>
+              </a:rPr>
             </a:br>
             <a:r>
               <a:rPr lang="en-US" sz="3100" dirty="0">
@@ -5588,20 +5606,12 @@
               <a:t>2. Think about more useful  option to mount a samba share </a:t>
             </a:r>
             <a:r>
-              <a:rPr lang="en-US" sz="3100" dirty="0" err="1" smtClean="0">
-                <a:solidFill>
-                  <a:schemeClr val="accent6"/>
-                </a:solidFill>
-              </a:rPr>
-              <a:t>persistantly</a:t>
-            </a:r>
-            <a:r>
               <a:rPr lang="en-US" sz="3100" dirty="0" smtClean="0">
                 <a:solidFill>
                   <a:schemeClr val="accent6"/>
                 </a:solidFill>
               </a:rPr>
-              <a:t>.</a:t>
+              <a:t>persistently.</a:t>
             </a:r>
             <a:endParaRPr lang="en-US" sz="3100" dirty="0">
               <a:solidFill>
@@ -10412,7 +10422,15 @@
                   <a:schemeClr val="accent2"/>
                 </a:solidFill>
               </a:rPr>
-              <a:t>path = </a:t>
+              <a:t>path = /</a:t>
+            </a:r>
+            <a:r>
+              <a:rPr lang="en-US" sz="2700" dirty="0" err="1" smtClean="0">
+                <a:solidFill>
+                  <a:schemeClr val="accent2"/>
+                </a:solidFill>
+              </a:rPr>
+              <a:t>sharedpath</a:t>
             </a:r>
             <a:r>
               <a:rPr lang="en-US" sz="2700" dirty="0" smtClean="0">
@@ -10420,7 +10438,53 @@
                   <a:schemeClr val="accent2"/>
                 </a:solidFill>
               </a:rPr>
-              <a:t>/</a:t>
+              <a:t/>
+            </a:r>
+            <a:br>
+              <a:rPr lang="en-US" sz="2700" dirty="0" smtClean="0">
+                <a:solidFill>
+                  <a:schemeClr val="accent2"/>
+                </a:solidFill>
+              </a:rPr>
+            </a:br>
+            <a:r>
+              <a:rPr lang="en-US" sz="2700" dirty="0" smtClean="0">
+                <a:solidFill>
+                  <a:schemeClr val="accent2"/>
+                </a:solidFill>
+              </a:rPr>
+              <a:t>read only = No</a:t>
+            </a:r>
+            <a:br>
+              <a:rPr lang="en-US" sz="2700" dirty="0" smtClean="0">
+                <a:solidFill>
+                  <a:schemeClr val="accent2"/>
+                </a:solidFill>
+              </a:rPr>
+            </a:br>
+            <a:r>
+              <a:rPr lang="en-US" sz="2700" dirty="0" smtClean="0">
+                <a:solidFill>
+                  <a:schemeClr val="accent2"/>
+                </a:solidFill>
+              </a:rPr>
+              <a:t>guest ok = Yes </a:t>
+            </a:r>
+            <a:r>
+              <a:rPr lang="en-US" sz="2700" dirty="0" smtClean="0">
+                <a:solidFill>
+                  <a:schemeClr val="accent3"/>
+                </a:solidFill>
+              </a:rPr>
+              <a:t>vs</a:t>
+            </a:r>
+            <a:r>
+              <a:rPr lang="en-US" sz="2700" dirty="0" smtClean="0">
+                <a:solidFill>
+                  <a:schemeClr val="accent2"/>
+                </a:solidFill>
+              </a:rPr>
+              <a:t> valid users = </a:t>
             </a:r>
             <a:r>
               <a:rPr lang="en-US" sz="2700" dirty="0" err="1" smtClean="0">
@@ -10428,7 +10492,7 @@
                   <a:schemeClr val="accent2"/>
                 </a:solidFill>
               </a:rPr>
-              <a:t>sharedpath</a:t>
+              <a:t>dave</a:t>
             </a:r>
             <a:r>
               <a:rPr lang="en-US" sz="2700" dirty="0" smtClean="0">
@@ -10451,7 +10515,7 @@
                   <a:schemeClr val="accent2"/>
                 </a:solidFill>
               </a:rPr>
-              <a:t>read only = No</a:t>
+              <a:t>comment = data for samba</a:t>
             </a:r>
             <a:br>
               <a:rPr lang="en-US" sz="2700" dirty="0" smtClean="0">
@@ -10461,68 +10525,6 @@
               </a:rPr>
             </a:br>
             <a:r>
-              <a:rPr lang="en-US" sz="2700" dirty="0" smtClean="0">
-                <a:solidFill>
-                  <a:schemeClr val="accent2"/>
-                </a:solidFill>
-              </a:rPr>
-              <a:t>guest ok = Yes </a:t>
-            </a:r>
-            <a:r>
-              <a:rPr lang="en-US" sz="2700" dirty="0" smtClean="0">
-                <a:solidFill>
-                  <a:schemeClr val="accent3"/>
-                </a:solidFill>
-              </a:rPr>
-              <a:t>vs</a:t>
-            </a:r>
-            <a:r>
-              <a:rPr lang="en-US" sz="2700" dirty="0" smtClean="0">
-                <a:solidFill>
-                  <a:schemeClr val="accent2"/>
-                </a:solidFill>
-              </a:rPr>
-              <a:t> valid users = </a:t>
-            </a:r>
-            <a:r>
-              <a:rPr lang="en-US" sz="2700" dirty="0" err="1" smtClean="0">
-                <a:solidFill>
-                  <a:schemeClr val="accent2"/>
-                </a:solidFill>
-              </a:rPr>
-              <a:t>dave</a:t>
-            </a:r>
-            <a:r>
-              <a:rPr lang="en-US" sz="2700" dirty="0" smtClean="0">
-                <a:solidFill>
-                  <a:schemeClr val="accent2"/>
-                </a:solidFill>
-              </a:rPr>
-              <a:t/>
-            </a:r>
-            <a:br>
-              <a:rPr lang="en-US" sz="2700" dirty="0" smtClean="0">
-                <a:solidFill>
-                  <a:schemeClr val="accent2"/>
-                </a:solidFill>
-              </a:rPr>
-            </a:br>
-            <a:r>
-              <a:rPr lang="en-US" sz="2700" dirty="0" smtClean="0">
-                <a:solidFill>
-                  <a:schemeClr val="accent2"/>
-                </a:solidFill>
-              </a:rPr>
-              <a:t>comment = data for samba</a:t>
-            </a:r>
-            <a:br>
-              <a:rPr lang="en-US" sz="2700" dirty="0" smtClean="0">
-                <a:solidFill>
-                  <a:schemeClr val="accent2"/>
-                </a:solidFill>
-              </a:rPr>
-            </a:br>
-            <a:r>
               <a:rPr lang="en-US" sz="1800" dirty="0" smtClean="0">
                 <a:solidFill>
                   <a:schemeClr val="accent6"/>
@@ -10600,31 +10602,15 @@
                   <a:schemeClr val="bg1"/>
                 </a:solidFill>
               </a:rPr>
-              <a:t>l </a:t>
+              <a:t>l , </a:t>
             </a:r>
             <a:r>
               <a:rPr lang="en-US" sz="1800" dirty="0" smtClean="0">
                 <a:solidFill>
-                  <a:schemeClr val="bg1"/>
-                </a:solidFill>
-              </a:rPr>
-              <a:t>, </a:t>
-            </a:r>
-            <a:r>
-              <a:rPr lang="en-US" sz="1800" dirty="0" smtClean="0">
-                <a:solidFill>
                   <a:schemeClr val="accent6"/>
                 </a:solidFill>
               </a:rPr>
               <a:t>the user must exist at our Linux box.</a:t>
-            </a:r>
-            <a:r>
-              <a:rPr lang="en-US" sz="1800" dirty="0" smtClean="0">
-                <a:solidFill>
-                  <a:schemeClr val="accent6"/>
-                </a:solidFill>
-              </a:rPr>
-              <a:t/>
             </a:r>
             <a:br>
               <a:rPr lang="en-US" sz="1800" dirty="0" smtClean="0">
